--- a/2022.02.18/권철현,신재하.pptx
+++ b/2022.02.18/권철현,신재하.pptx
@@ -5,12 +5,15 @@
     <p:sldMasterId id="2147483648" r:id="rId1"/>
   </p:sldMasterIdLst>
   <p:notesMasterIdLst>
-    <p:notesMasterId r:id="rId5"/>
+    <p:notesMasterId r:id="rId8"/>
   </p:notesMasterIdLst>
   <p:sldIdLst>
     <p:sldId id="259" r:id="rId2"/>
     <p:sldId id="297" r:id="rId3"/>
-    <p:sldId id="273" r:id="rId4"/>
+    <p:sldId id="298" r:id="rId4"/>
+    <p:sldId id="299" r:id="rId5"/>
+    <p:sldId id="300" r:id="rId6"/>
+    <p:sldId id="273" r:id="rId7"/>
   </p:sldIdLst>
   <p:sldSz cx="12192000" cy="6858000"/>
   <p:notesSz cx="6858000" cy="9144000"/>
@@ -1247,7 +1250,7 @@
           <a:p>
             <a:fld id="{AA029DEA-9CF8-4959-9295-B32940863C1C}" type="datetimeFigureOut">
               <a:rPr lang="ko-KR" altLang="en-US" smtClean="0"/>
-              <a:t>2022-02-08</a:t>
+              <a:t>2022-02-09</a:t>
             </a:fld>
             <a:endParaRPr lang="ko-KR" altLang="en-US"/>
           </a:p>
@@ -3130,6 +3133,36 @@
           <a:bodyPr/>
           <a:lstStyle/>
           <a:p>
+            <a:r>
+              <a:rPr lang="en-US" altLang="ko-KR" dirty="0" err="1">
+                <a:solidFill>
+                  <a:schemeClr val="bg1">
+                    <a:lumMod val="65000"/>
+                  </a:schemeClr>
+                </a:solidFill>
+              </a:rPr>
+              <a:t>Stream.skip</a:t>
+            </a:r>
+            <a:r>
+              <a:rPr lang="en-US" altLang="ko-KR" dirty="0">
+                <a:solidFill>
+                  <a:schemeClr val="bg1">
+                    <a:lumMod val="65000"/>
+                  </a:schemeClr>
+                </a:solidFill>
+              </a:rPr>
+              <a:t>( ) </a:t>
+            </a:r>
+            <a:r>
+              <a:rPr lang="ko-KR" altLang="en-US" dirty="0">
+                <a:solidFill>
+                  <a:schemeClr val="bg1">
+                    <a:lumMod val="65000"/>
+                  </a:schemeClr>
+                </a:solidFill>
+              </a:rPr>
+              <a:t>속도 지연 해결 </a:t>
+            </a:r>
             <a:endParaRPr lang="en-US" altLang="ko-KR" dirty="0">
               <a:solidFill>
                 <a:schemeClr val="bg1">
@@ -3220,6 +3253,857 @@
 </file>
 
 <file path=ppt/slides/slide3.xml><?xml version="1.0" encoding="utf-8"?>
+<p:sld xmlns:a="http://schemas.openxmlformats.org/drawingml/2006/main" xmlns:r="http://schemas.openxmlformats.org/officeDocument/2006/relationships" xmlns:p="http://schemas.openxmlformats.org/presentationml/2006/main">
+  <p:cSld>
+    <p:spTree>
+      <p:nvGrpSpPr>
+        <p:cNvPr id="1" name=""/>
+        <p:cNvGrpSpPr/>
+        <p:nvPr/>
+      </p:nvGrpSpPr>
+      <p:grpSpPr>
+        <a:xfrm>
+          <a:off x="0" y="0"/>
+          <a:ext cx="0" cy="0"/>
+          <a:chOff x="0" y="0"/>
+          <a:chExt cx="0" cy="0"/>
+        </a:xfrm>
+      </p:grpSpPr>
+      <p:sp>
+        <p:nvSpPr>
+          <p:cNvPr id="2" name="제목 1">
+            <a:extLst>
+              <a:ext uri="{FF2B5EF4-FFF2-40B4-BE49-F238E27FC236}">
+                <a16:creationId xmlns:a16="http://schemas.microsoft.com/office/drawing/2014/main" id="{AC71CE97-6537-418C-941C-C0E5B5CFDE11}"/>
+              </a:ext>
+            </a:extLst>
+          </p:cNvPr>
+          <p:cNvSpPr>
+            <a:spLocks noGrp="1"/>
+          </p:cNvSpPr>
+          <p:nvPr>
+            <p:ph type="title"/>
+          </p:nvPr>
+        </p:nvSpPr>
+        <p:spPr/>
+        <p:txBody>
+          <a:bodyPr/>
+          <a:lstStyle/>
+          <a:p>
+            <a:r>
+              <a:rPr lang="en-US" altLang="ko-KR" dirty="0"/>
+              <a:t>Skip </a:t>
+            </a:r>
+            <a:r>
+              <a:rPr lang="ko-KR" altLang="en-US" dirty="0"/>
+              <a:t>지연 문제 해결</a:t>
+            </a:r>
+          </a:p>
+        </p:txBody>
+      </p:sp>
+      <p:sp>
+        <p:nvSpPr>
+          <p:cNvPr id="3" name="내용 개체 틀 2">
+            <a:extLst>
+              <a:ext uri="{FF2B5EF4-FFF2-40B4-BE49-F238E27FC236}">
+                <a16:creationId xmlns:a16="http://schemas.microsoft.com/office/drawing/2014/main" id="{71E1E9EF-75DA-4F13-8207-15DB85F35BCA}"/>
+              </a:ext>
+            </a:extLst>
+          </p:cNvPr>
+          <p:cNvSpPr>
+            <a:spLocks noGrp="1"/>
+          </p:cNvSpPr>
+          <p:nvPr>
+            <p:ph idx="1"/>
+          </p:nvPr>
+        </p:nvSpPr>
+        <p:spPr/>
+        <p:txBody>
+          <a:bodyPr/>
+          <a:lstStyle/>
+          <a:p>
+            <a:r>
+              <a:rPr lang="en-US" altLang="ko-KR" dirty="0" err="1"/>
+              <a:t>Stream.skip</a:t>
+            </a:r>
+            <a:r>
+              <a:rPr lang="en-US" altLang="ko-KR" dirty="0"/>
+              <a:t>( )</a:t>
+            </a:r>
+            <a:r>
+              <a:rPr lang="ko-KR" altLang="en-US" dirty="0"/>
+              <a:t>에서 발생한 파일 읽기 지연 문제 해결</a:t>
+            </a:r>
+            <a:endParaRPr lang="en-US" altLang="ko-KR" dirty="0"/>
+          </a:p>
+          <a:p>
+            <a:r>
+              <a:rPr lang="en-US" altLang="ko-KR" dirty="0" err="1"/>
+              <a:t>readLine</a:t>
+            </a:r>
+            <a:r>
+              <a:rPr lang="en-US" altLang="ko-KR" dirty="0"/>
+              <a:t>(</a:t>
+            </a:r>
+            <a:r>
+              <a:rPr lang="ko-KR" altLang="en-US" dirty="0"/>
+              <a:t> </a:t>
+            </a:r>
+            <a:r>
+              <a:rPr lang="en-US" altLang="ko-KR" dirty="0"/>
+              <a:t>)</a:t>
+            </a:r>
+            <a:r>
+              <a:rPr lang="ko-KR" altLang="en-US" dirty="0"/>
+              <a:t> 메소드를 통해 중복 없이 </a:t>
+            </a:r>
+            <a:r>
+              <a:rPr lang="ko-KR" altLang="en-US" dirty="0" err="1"/>
+              <a:t>한줄씩</a:t>
+            </a:r>
+            <a:r>
+              <a:rPr lang="ko-KR" altLang="en-US" dirty="0"/>
+              <a:t> 파일을 읽어 해결 </a:t>
+            </a:r>
+          </a:p>
+        </p:txBody>
+      </p:sp>
+      <p:sp>
+        <p:nvSpPr>
+          <p:cNvPr id="4" name="날짜 개체 틀 3">
+            <a:extLst>
+              <a:ext uri="{FF2B5EF4-FFF2-40B4-BE49-F238E27FC236}">
+                <a16:creationId xmlns:a16="http://schemas.microsoft.com/office/drawing/2014/main" id="{D97042A2-09D5-4B46-B443-B7CE996B8E64}"/>
+              </a:ext>
+            </a:extLst>
+          </p:cNvPr>
+          <p:cNvSpPr>
+            <a:spLocks noGrp="1"/>
+          </p:cNvSpPr>
+          <p:nvPr>
+            <p:ph type="dt" sz="half" idx="10"/>
+          </p:nvPr>
+        </p:nvSpPr>
+        <p:spPr/>
+        <p:txBody>
+          <a:bodyPr/>
+          <a:lstStyle/>
+          <a:p>
+            <a:r>
+              <a:rPr lang="ko-KR" altLang="en-US"/>
+              <a:t>권철현</a:t>
+            </a:r>
+            <a:r>
+              <a:rPr lang="en-US" altLang="ko-KR"/>
+              <a:t>, </a:t>
+            </a:r>
+            <a:r>
+              <a:rPr lang="ko-KR" altLang="en-US"/>
+              <a:t>신재하</a:t>
+            </a:r>
+          </a:p>
+        </p:txBody>
+      </p:sp>
+      <p:sp>
+        <p:nvSpPr>
+          <p:cNvPr id="5" name="슬라이드 번호 개체 틀 4">
+            <a:extLst>
+              <a:ext uri="{FF2B5EF4-FFF2-40B4-BE49-F238E27FC236}">
+                <a16:creationId xmlns:a16="http://schemas.microsoft.com/office/drawing/2014/main" id="{90D30128-3919-43FD-A65F-A87F7D56CDCC}"/>
+              </a:ext>
+            </a:extLst>
+          </p:cNvPr>
+          <p:cNvSpPr>
+            <a:spLocks noGrp="1"/>
+          </p:cNvSpPr>
+          <p:nvPr>
+            <p:ph type="sldNum" sz="quarter" idx="12"/>
+          </p:nvPr>
+        </p:nvSpPr>
+        <p:spPr/>
+        <p:txBody>
+          <a:bodyPr/>
+          <a:lstStyle/>
+          <a:p>
+            <a:fld id="{5FF72CB3-86FB-4DBB-A7AC-E8F6F3DA156B}" type="slidenum">
+              <a:rPr lang="ko-KR" altLang="en-US" smtClean="0"/>
+              <a:pPr/>
+              <a:t>3</a:t>
+            </a:fld>
+            <a:endParaRPr lang="ko-KR" altLang="en-US"/>
+          </a:p>
+        </p:txBody>
+      </p:sp>
+      <p:pic>
+        <p:nvPicPr>
+          <p:cNvPr id="9" name="그림 8">
+            <a:extLst>
+              <a:ext uri="{FF2B5EF4-FFF2-40B4-BE49-F238E27FC236}">
+                <a16:creationId xmlns:a16="http://schemas.microsoft.com/office/drawing/2014/main" id="{F88E0E9C-EAC4-4BBD-BC19-C6C4BC089257}"/>
+              </a:ext>
+            </a:extLst>
+          </p:cNvPr>
+          <p:cNvPicPr>
+            <a:picLocks noChangeAspect="1"/>
+          </p:cNvPicPr>
+          <p:nvPr/>
+        </p:nvPicPr>
+        <p:blipFill>
+          <a:blip r:embed="rId2"/>
+          <a:stretch>
+            <a:fillRect/>
+          </a:stretch>
+        </p:blipFill>
+        <p:spPr>
+          <a:xfrm>
+            <a:off x="597826" y="2922649"/>
+            <a:ext cx="5687486" cy="3199211"/>
+          </a:xfrm>
+          <a:prstGeom prst="rect">
+            <a:avLst/>
+          </a:prstGeom>
+          <a:ln>
+            <a:solidFill>
+              <a:schemeClr val="tx1"/>
+            </a:solidFill>
+          </a:ln>
+        </p:spPr>
+      </p:pic>
+    </p:spTree>
+    <p:extLst>
+      <p:ext uri="{BB962C8B-B14F-4D97-AF65-F5344CB8AC3E}">
+        <p14:creationId xmlns:p14="http://schemas.microsoft.com/office/powerpoint/2010/main" val="4243747997"/>
+      </p:ext>
+    </p:extLst>
+  </p:cSld>
+  <p:clrMapOvr>
+    <a:masterClrMapping/>
+  </p:clrMapOvr>
+</p:sld>
+</file>
+
+<file path=ppt/slides/slide4.xml><?xml version="1.0" encoding="utf-8"?>
+<p:sld xmlns:a="http://schemas.openxmlformats.org/drawingml/2006/main" xmlns:r="http://schemas.openxmlformats.org/officeDocument/2006/relationships" xmlns:p="http://schemas.openxmlformats.org/presentationml/2006/main">
+  <p:cSld>
+    <p:spTree>
+      <p:nvGrpSpPr>
+        <p:cNvPr id="1" name=""/>
+        <p:cNvGrpSpPr/>
+        <p:nvPr/>
+      </p:nvGrpSpPr>
+      <p:grpSpPr>
+        <a:xfrm>
+          <a:off x="0" y="0"/>
+          <a:ext cx="0" cy="0"/>
+          <a:chOff x="0" y="0"/>
+          <a:chExt cx="0" cy="0"/>
+        </a:xfrm>
+      </p:grpSpPr>
+      <p:sp>
+        <p:nvSpPr>
+          <p:cNvPr id="2" name="제목 1">
+            <a:extLst>
+              <a:ext uri="{FF2B5EF4-FFF2-40B4-BE49-F238E27FC236}">
+                <a16:creationId xmlns:a16="http://schemas.microsoft.com/office/drawing/2014/main" id="{47BD02AA-D5EB-4B9F-8911-A6C22B0A301F}"/>
+              </a:ext>
+            </a:extLst>
+          </p:cNvPr>
+          <p:cNvSpPr>
+            <a:spLocks noGrp="1"/>
+          </p:cNvSpPr>
+          <p:nvPr>
+            <p:ph type="title"/>
+          </p:nvPr>
+        </p:nvSpPr>
+        <p:spPr/>
+        <p:txBody>
+          <a:bodyPr/>
+          <a:lstStyle/>
+          <a:p>
+            <a:r>
+              <a:rPr lang="en-US" altLang="ko-KR" dirty="0"/>
+              <a:t>Skip </a:t>
+            </a:r>
+            <a:r>
+              <a:rPr lang="ko-KR" altLang="en-US" dirty="0"/>
+              <a:t>지연 문제 해결 </a:t>
+            </a:r>
+          </a:p>
+        </p:txBody>
+      </p:sp>
+      <p:sp>
+        <p:nvSpPr>
+          <p:cNvPr id="3" name="내용 개체 틀 2">
+            <a:extLst>
+              <a:ext uri="{FF2B5EF4-FFF2-40B4-BE49-F238E27FC236}">
+                <a16:creationId xmlns:a16="http://schemas.microsoft.com/office/drawing/2014/main" id="{75D5791B-3468-447E-A20A-FFA94AA2B59B}"/>
+              </a:ext>
+            </a:extLst>
+          </p:cNvPr>
+          <p:cNvSpPr>
+            <a:spLocks noGrp="1"/>
+          </p:cNvSpPr>
+          <p:nvPr>
+            <p:ph idx="1"/>
+          </p:nvPr>
+        </p:nvSpPr>
+        <p:spPr/>
+        <p:txBody>
+          <a:bodyPr/>
+          <a:lstStyle/>
+          <a:p>
+            <a:r>
+              <a:rPr lang="ko-KR" altLang="en-US" dirty="0"/>
+              <a:t>배치 단위로 학습을 할 때</a:t>
+            </a:r>
+            <a:r>
+              <a:rPr lang="en-US" altLang="ko-KR" dirty="0"/>
+              <a:t> </a:t>
+            </a:r>
+            <a:r>
+              <a:rPr lang="en-US" altLang="ko-KR" dirty="0" err="1"/>
+              <a:t>BufferedReader</a:t>
+            </a:r>
+            <a:r>
+              <a:rPr lang="en-US" altLang="ko-KR" dirty="0"/>
+              <a:t> </a:t>
+            </a:r>
+            <a:r>
+              <a:rPr lang="ko-KR" altLang="en-US" dirty="0"/>
+              <a:t>를 통해 파일을 한 번만 읽어 처리하도록 만들어 해결 </a:t>
+            </a:r>
+            <a:endParaRPr lang="en-US" altLang="ko-KR" dirty="0"/>
+          </a:p>
+          <a:p>
+            <a:endParaRPr lang="ko-KR" altLang="en-US" dirty="0"/>
+          </a:p>
+        </p:txBody>
+      </p:sp>
+      <p:sp>
+        <p:nvSpPr>
+          <p:cNvPr id="4" name="날짜 개체 틀 3">
+            <a:extLst>
+              <a:ext uri="{FF2B5EF4-FFF2-40B4-BE49-F238E27FC236}">
+                <a16:creationId xmlns:a16="http://schemas.microsoft.com/office/drawing/2014/main" id="{B5EA58C2-E9E8-4538-8907-7E8B79FF8FDA}"/>
+              </a:ext>
+            </a:extLst>
+          </p:cNvPr>
+          <p:cNvSpPr>
+            <a:spLocks noGrp="1"/>
+          </p:cNvSpPr>
+          <p:nvPr>
+            <p:ph type="dt" sz="half" idx="10"/>
+          </p:nvPr>
+        </p:nvSpPr>
+        <p:spPr/>
+        <p:txBody>
+          <a:bodyPr/>
+          <a:lstStyle/>
+          <a:p>
+            <a:r>
+              <a:rPr lang="ko-KR" altLang="en-US"/>
+              <a:t>권철현</a:t>
+            </a:r>
+            <a:r>
+              <a:rPr lang="en-US" altLang="ko-KR"/>
+              <a:t>, </a:t>
+            </a:r>
+            <a:r>
+              <a:rPr lang="ko-KR" altLang="en-US"/>
+              <a:t>신재하</a:t>
+            </a:r>
+          </a:p>
+        </p:txBody>
+      </p:sp>
+      <p:sp>
+        <p:nvSpPr>
+          <p:cNvPr id="5" name="슬라이드 번호 개체 틀 4">
+            <a:extLst>
+              <a:ext uri="{FF2B5EF4-FFF2-40B4-BE49-F238E27FC236}">
+                <a16:creationId xmlns:a16="http://schemas.microsoft.com/office/drawing/2014/main" id="{64B35865-9021-4C66-BEB8-1F29A26E0D83}"/>
+              </a:ext>
+            </a:extLst>
+          </p:cNvPr>
+          <p:cNvSpPr>
+            <a:spLocks noGrp="1"/>
+          </p:cNvSpPr>
+          <p:nvPr>
+            <p:ph type="sldNum" sz="quarter" idx="12"/>
+          </p:nvPr>
+        </p:nvSpPr>
+        <p:spPr/>
+        <p:txBody>
+          <a:bodyPr/>
+          <a:lstStyle/>
+          <a:p>
+            <a:fld id="{5FF72CB3-86FB-4DBB-A7AC-E8F6F3DA156B}" type="slidenum">
+              <a:rPr lang="ko-KR" altLang="en-US" smtClean="0"/>
+              <a:pPr/>
+              <a:t>4</a:t>
+            </a:fld>
+            <a:endParaRPr lang="ko-KR" altLang="en-US"/>
+          </a:p>
+        </p:txBody>
+      </p:sp>
+      <p:pic>
+        <p:nvPicPr>
+          <p:cNvPr id="7" name="그림 6">
+            <a:extLst>
+              <a:ext uri="{FF2B5EF4-FFF2-40B4-BE49-F238E27FC236}">
+                <a16:creationId xmlns:a16="http://schemas.microsoft.com/office/drawing/2014/main" id="{840133F1-E4D3-4547-8FF6-23FF2C41E11B}"/>
+              </a:ext>
+            </a:extLst>
+          </p:cNvPr>
+          <p:cNvPicPr>
+            <a:picLocks noChangeAspect="1"/>
+          </p:cNvPicPr>
+          <p:nvPr/>
+        </p:nvPicPr>
+        <p:blipFill>
+          <a:blip r:embed="rId2"/>
+          <a:stretch>
+            <a:fillRect/>
+          </a:stretch>
+        </p:blipFill>
+        <p:spPr>
+          <a:xfrm>
+            <a:off x="374147" y="4679844"/>
+            <a:ext cx="6096851" cy="1238423"/>
+          </a:xfrm>
+          <a:prstGeom prst="rect">
+            <a:avLst/>
+          </a:prstGeom>
+        </p:spPr>
+      </p:pic>
+      <p:sp>
+        <p:nvSpPr>
+          <p:cNvPr id="8" name="직사각형 7">
+            <a:extLst>
+              <a:ext uri="{FF2B5EF4-FFF2-40B4-BE49-F238E27FC236}">
+                <a16:creationId xmlns:a16="http://schemas.microsoft.com/office/drawing/2014/main" id="{83CB7786-5C54-4606-B038-F5912477103E}"/>
+              </a:ext>
+            </a:extLst>
+          </p:cNvPr>
+          <p:cNvSpPr/>
+          <p:nvPr/>
+        </p:nvSpPr>
+        <p:spPr>
+          <a:xfrm>
+            <a:off x="3325091" y="5427185"/>
+            <a:ext cx="3029245" cy="304046"/>
+          </a:xfrm>
+          <a:prstGeom prst="rect">
+            <a:avLst/>
+          </a:prstGeom>
+          <a:noFill/>
+          <a:ln w="38100">
+            <a:solidFill>
+              <a:srgbClr val="FF0000"/>
+            </a:solidFill>
+          </a:ln>
+        </p:spPr>
+        <p:style>
+          <a:lnRef idx="2">
+            <a:schemeClr val="accent1">
+              <a:shade val="50000"/>
+            </a:schemeClr>
+          </a:lnRef>
+          <a:fillRef idx="1">
+            <a:schemeClr val="accent1"/>
+          </a:fillRef>
+          <a:effectRef idx="0">
+            <a:schemeClr val="accent1"/>
+          </a:effectRef>
+          <a:fontRef idx="minor">
+            <a:schemeClr val="lt1"/>
+          </a:fontRef>
+        </p:style>
+        <p:txBody>
+          <a:bodyPr rtlCol="0" anchor="ctr"/>
+          <a:lstStyle/>
+          <a:p>
+            <a:pPr algn="ctr"/>
+            <a:endParaRPr lang="ko-KR" altLang="en-US" dirty="0"/>
+          </a:p>
+        </p:txBody>
+      </p:sp>
+      <p:pic>
+        <p:nvPicPr>
+          <p:cNvPr id="13" name="그림 12">
+            <a:extLst>
+              <a:ext uri="{FF2B5EF4-FFF2-40B4-BE49-F238E27FC236}">
+                <a16:creationId xmlns:a16="http://schemas.microsoft.com/office/drawing/2014/main" id="{4B01901E-D20A-40E4-8620-E06B65460DF2}"/>
+              </a:ext>
+            </a:extLst>
+          </p:cNvPr>
+          <p:cNvPicPr>
+            <a:picLocks noChangeAspect="1"/>
+          </p:cNvPicPr>
+          <p:nvPr/>
+        </p:nvPicPr>
+        <p:blipFill>
+          <a:blip r:embed="rId3"/>
+          <a:stretch>
+            <a:fillRect/>
+          </a:stretch>
+        </p:blipFill>
+        <p:spPr>
+          <a:xfrm>
+            <a:off x="374147" y="3201120"/>
+            <a:ext cx="7792537" cy="1105054"/>
+          </a:xfrm>
+          <a:prstGeom prst="rect">
+            <a:avLst/>
+          </a:prstGeom>
+        </p:spPr>
+      </p:pic>
+      <p:sp>
+        <p:nvSpPr>
+          <p:cNvPr id="14" name="직사각형 13">
+            <a:extLst>
+              <a:ext uri="{FF2B5EF4-FFF2-40B4-BE49-F238E27FC236}">
+                <a16:creationId xmlns:a16="http://schemas.microsoft.com/office/drawing/2014/main" id="{79AE45A6-1720-4335-A2B7-7BB768C69F6C}"/>
+              </a:ext>
+            </a:extLst>
+          </p:cNvPr>
+          <p:cNvSpPr/>
+          <p:nvPr/>
+        </p:nvSpPr>
+        <p:spPr>
+          <a:xfrm>
+            <a:off x="452582" y="3201120"/>
+            <a:ext cx="7444509" cy="227880"/>
+          </a:xfrm>
+          <a:prstGeom prst="rect">
+            <a:avLst/>
+          </a:prstGeom>
+          <a:noFill/>
+          <a:ln w="38100">
+            <a:solidFill>
+              <a:srgbClr val="FF0000"/>
+            </a:solidFill>
+          </a:ln>
+        </p:spPr>
+        <p:style>
+          <a:lnRef idx="2">
+            <a:schemeClr val="accent1">
+              <a:shade val="50000"/>
+            </a:schemeClr>
+          </a:lnRef>
+          <a:fillRef idx="1">
+            <a:schemeClr val="accent1"/>
+          </a:fillRef>
+          <a:effectRef idx="0">
+            <a:schemeClr val="accent1"/>
+          </a:effectRef>
+          <a:fontRef idx="minor">
+            <a:schemeClr val="lt1"/>
+          </a:fontRef>
+        </p:style>
+        <p:txBody>
+          <a:bodyPr rtlCol="0" anchor="ctr"/>
+          <a:lstStyle/>
+          <a:p>
+            <a:pPr algn="ctr"/>
+            <a:endParaRPr lang="ko-KR" altLang="en-US" dirty="0"/>
+          </a:p>
+        </p:txBody>
+      </p:sp>
+    </p:spTree>
+    <p:extLst>
+      <p:ext uri="{BB962C8B-B14F-4D97-AF65-F5344CB8AC3E}">
+        <p14:creationId xmlns:p14="http://schemas.microsoft.com/office/powerpoint/2010/main" val="3499448770"/>
+      </p:ext>
+    </p:extLst>
+  </p:cSld>
+  <p:clrMapOvr>
+    <a:masterClrMapping/>
+  </p:clrMapOvr>
+</p:sld>
+</file>
+
+<file path=ppt/slides/slide5.xml><?xml version="1.0" encoding="utf-8"?>
+<p:sld xmlns:a="http://schemas.openxmlformats.org/drawingml/2006/main" xmlns:r="http://schemas.openxmlformats.org/officeDocument/2006/relationships" xmlns:p="http://schemas.openxmlformats.org/presentationml/2006/main">
+  <p:cSld>
+    <p:spTree>
+      <p:nvGrpSpPr>
+        <p:cNvPr id="1" name=""/>
+        <p:cNvGrpSpPr/>
+        <p:nvPr/>
+      </p:nvGrpSpPr>
+      <p:grpSpPr>
+        <a:xfrm>
+          <a:off x="0" y="0"/>
+          <a:ext cx="0" cy="0"/>
+          <a:chOff x="0" y="0"/>
+          <a:chExt cx="0" cy="0"/>
+        </a:xfrm>
+      </p:grpSpPr>
+      <p:sp>
+        <p:nvSpPr>
+          <p:cNvPr id="2" name="제목 1">
+            <a:extLst>
+              <a:ext uri="{FF2B5EF4-FFF2-40B4-BE49-F238E27FC236}">
+                <a16:creationId xmlns:a16="http://schemas.microsoft.com/office/drawing/2014/main" id="{50AAE515-9B82-472E-B92A-056E07F52942}"/>
+              </a:ext>
+            </a:extLst>
+          </p:cNvPr>
+          <p:cNvSpPr>
+            <a:spLocks noGrp="1"/>
+          </p:cNvSpPr>
+          <p:nvPr>
+            <p:ph type="title"/>
+          </p:nvPr>
+        </p:nvSpPr>
+        <p:spPr/>
+        <p:txBody>
+          <a:bodyPr/>
+          <a:lstStyle/>
+          <a:p>
+            <a:r>
+              <a:rPr lang="ko-KR" altLang="en-US" dirty="0"/>
+              <a:t>변경 결과</a:t>
+            </a:r>
+          </a:p>
+        </p:txBody>
+      </p:sp>
+      <p:sp>
+        <p:nvSpPr>
+          <p:cNvPr id="3" name="내용 개체 틀 2">
+            <a:extLst>
+              <a:ext uri="{FF2B5EF4-FFF2-40B4-BE49-F238E27FC236}">
+                <a16:creationId xmlns:a16="http://schemas.microsoft.com/office/drawing/2014/main" id="{B42AB769-BDDD-4B17-A18B-62FDCD1D2D8F}"/>
+              </a:ext>
+            </a:extLst>
+          </p:cNvPr>
+          <p:cNvSpPr>
+            <a:spLocks noGrp="1"/>
+          </p:cNvSpPr>
+          <p:nvPr>
+            <p:ph idx="1"/>
+          </p:nvPr>
+        </p:nvSpPr>
+        <p:spPr/>
+        <p:txBody>
+          <a:bodyPr/>
+          <a:lstStyle/>
+          <a:p>
+            <a:r>
+              <a:rPr lang="ko-KR" altLang="en-US" dirty="0"/>
+              <a:t>각 클래스별 샘플 </a:t>
+            </a:r>
+            <a:r>
+              <a:rPr lang="en-US" altLang="ko-KR" dirty="0"/>
+              <a:t>100</a:t>
+            </a:r>
+            <a:r>
+              <a:rPr lang="ko-KR" altLang="en-US" dirty="0"/>
+              <a:t>장을 학습</a:t>
+            </a:r>
+            <a:endParaRPr lang="en-US" altLang="ko-KR" dirty="0"/>
+          </a:p>
+          <a:p>
+            <a:pPr lvl="1"/>
+            <a:r>
+              <a:rPr lang="en-US" altLang="ko-KR" dirty="0"/>
+              <a:t>Skip()</a:t>
+            </a:r>
+            <a:r>
+              <a:rPr lang="ko-KR" altLang="en-US" dirty="0"/>
+              <a:t> 사용시</a:t>
+            </a:r>
+            <a:r>
+              <a:rPr lang="en-US" altLang="ko-KR" dirty="0"/>
+              <a:t>:</a:t>
+            </a:r>
+            <a:r>
+              <a:rPr lang="ko-KR" altLang="en-US" dirty="0"/>
+              <a:t> 약 </a:t>
+            </a:r>
+            <a:r>
+              <a:rPr lang="en-US" altLang="ko-KR" dirty="0"/>
+              <a:t>7</a:t>
+            </a:r>
+            <a:r>
+              <a:rPr lang="ko-KR" altLang="en-US" dirty="0"/>
+              <a:t>분</a:t>
+            </a:r>
+            <a:endParaRPr lang="en-US" altLang="ko-KR" dirty="0"/>
+          </a:p>
+          <a:p>
+            <a:pPr lvl="1"/>
+            <a:r>
+              <a:rPr lang="en-US" altLang="ko-KR" dirty="0" err="1"/>
+              <a:t>readLine</a:t>
+            </a:r>
+            <a:r>
+              <a:rPr lang="en-US" altLang="ko-KR" dirty="0"/>
+              <a:t>()</a:t>
+            </a:r>
+            <a:r>
+              <a:rPr lang="ko-KR" altLang="en-US" dirty="0"/>
+              <a:t> 사용시</a:t>
+            </a:r>
+            <a:r>
+              <a:rPr lang="en-US" altLang="ko-KR" dirty="0"/>
+              <a:t>: </a:t>
+            </a:r>
+            <a:r>
+              <a:rPr lang="ko-KR" altLang="en-US" dirty="0"/>
+              <a:t>약 </a:t>
+            </a:r>
+            <a:r>
+              <a:rPr lang="en-US" altLang="ko-KR" dirty="0"/>
+              <a:t>40</a:t>
+            </a:r>
+            <a:r>
+              <a:rPr lang="ko-KR" altLang="en-US" dirty="0"/>
+              <a:t>초 </a:t>
+            </a:r>
+            <a:endParaRPr lang="en-US" altLang="ko-KR" dirty="0"/>
+          </a:p>
+          <a:p>
+            <a:pPr lvl="1"/>
+            <a:r>
+              <a:rPr lang="ko-KR" altLang="en-US" dirty="0"/>
+              <a:t>기존 예제 어플리케이션</a:t>
+            </a:r>
+            <a:r>
+              <a:rPr lang="en-US" altLang="ko-KR" dirty="0"/>
+              <a:t>: </a:t>
+            </a:r>
+            <a:r>
+              <a:rPr lang="ko-KR" altLang="en-US" dirty="0"/>
+              <a:t>약</a:t>
+            </a:r>
+            <a:r>
+              <a:rPr lang="en-US" altLang="ko-KR" dirty="0"/>
+              <a:t> 0.03</a:t>
+            </a:r>
+            <a:r>
+              <a:rPr lang="ko-KR" altLang="en-US" dirty="0"/>
+              <a:t>초</a:t>
+            </a:r>
+            <a:endParaRPr lang="en-US" altLang="ko-KR" dirty="0"/>
+          </a:p>
+          <a:p>
+            <a:pPr lvl="1"/>
+            <a:endParaRPr lang="en-US" altLang="ko-KR" dirty="0"/>
+          </a:p>
+          <a:p>
+            <a:r>
+              <a:rPr lang="ko-KR" altLang="en-US" dirty="0"/>
+              <a:t>이전 결과에 비해 속도는 향상되었음</a:t>
+            </a:r>
+            <a:r>
+              <a:rPr lang="en-US" altLang="ko-KR" dirty="0"/>
+              <a:t>.</a:t>
+            </a:r>
+          </a:p>
+          <a:p>
+            <a:r>
+              <a:rPr lang="ko-KR" altLang="en-US" dirty="0" err="1"/>
+              <a:t>셔플</a:t>
+            </a:r>
+            <a:r>
+              <a:rPr lang="ko-KR" altLang="en-US" dirty="0"/>
+              <a:t> 기능의 부재</a:t>
+            </a:r>
+            <a:endParaRPr lang="en-US" altLang="ko-KR" dirty="0"/>
+          </a:p>
+          <a:p>
+            <a:r>
+              <a:rPr lang="ko-KR" altLang="en-US" dirty="0"/>
+              <a:t>기존에 </a:t>
+            </a:r>
+            <a:r>
+              <a:rPr lang="ko-KR" altLang="en-US"/>
+              <a:t>비해 속도 문제 여전히 존재 </a:t>
+            </a:r>
+            <a:endParaRPr lang="ko-KR" altLang="en-US" dirty="0"/>
+          </a:p>
+        </p:txBody>
+      </p:sp>
+      <p:sp>
+        <p:nvSpPr>
+          <p:cNvPr id="4" name="날짜 개체 틀 3">
+            <a:extLst>
+              <a:ext uri="{FF2B5EF4-FFF2-40B4-BE49-F238E27FC236}">
+                <a16:creationId xmlns:a16="http://schemas.microsoft.com/office/drawing/2014/main" id="{24603D3A-79ED-4847-BD48-707083396BB5}"/>
+              </a:ext>
+            </a:extLst>
+          </p:cNvPr>
+          <p:cNvSpPr>
+            <a:spLocks noGrp="1"/>
+          </p:cNvSpPr>
+          <p:nvPr>
+            <p:ph type="dt" sz="half" idx="10"/>
+          </p:nvPr>
+        </p:nvSpPr>
+        <p:spPr/>
+        <p:txBody>
+          <a:bodyPr/>
+          <a:lstStyle/>
+          <a:p>
+            <a:r>
+              <a:rPr lang="ko-KR" altLang="en-US"/>
+              <a:t>권철현</a:t>
+            </a:r>
+            <a:r>
+              <a:rPr lang="en-US" altLang="ko-KR"/>
+              <a:t>, </a:t>
+            </a:r>
+            <a:r>
+              <a:rPr lang="ko-KR" altLang="en-US"/>
+              <a:t>신재하</a:t>
+            </a:r>
+          </a:p>
+        </p:txBody>
+      </p:sp>
+      <p:sp>
+        <p:nvSpPr>
+          <p:cNvPr id="5" name="슬라이드 번호 개체 틀 4">
+            <a:extLst>
+              <a:ext uri="{FF2B5EF4-FFF2-40B4-BE49-F238E27FC236}">
+                <a16:creationId xmlns:a16="http://schemas.microsoft.com/office/drawing/2014/main" id="{7D31208E-251A-4379-B5D0-70F3FE670D65}"/>
+              </a:ext>
+            </a:extLst>
+          </p:cNvPr>
+          <p:cNvSpPr>
+            <a:spLocks noGrp="1"/>
+          </p:cNvSpPr>
+          <p:nvPr>
+            <p:ph type="sldNum" sz="quarter" idx="12"/>
+          </p:nvPr>
+        </p:nvSpPr>
+        <p:spPr/>
+        <p:txBody>
+          <a:bodyPr/>
+          <a:lstStyle/>
+          <a:p>
+            <a:fld id="{5FF72CB3-86FB-4DBB-A7AC-E8F6F3DA156B}" type="slidenum">
+              <a:rPr lang="ko-KR" altLang="en-US" smtClean="0"/>
+              <a:pPr/>
+              <a:t>5</a:t>
+            </a:fld>
+            <a:endParaRPr lang="ko-KR" altLang="en-US"/>
+          </a:p>
+        </p:txBody>
+      </p:sp>
+    </p:spTree>
+    <p:extLst>
+      <p:ext uri="{BB962C8B-B14F-4D97-AF65-F5344CB8AC3E}">
+        <p14:creationId xmlns:p14="http://schemas.microsoft.com/office/powerpoint/2010/main" val="3326771705"/>
+      </p:ext>
+    </p:extLst>
+  </p:cSld>
+  <p:clrMapOvr>
+    <a:masterClrMapping/>
+  </p:clrMapOvr>
+</p:sld>
+</file>
+
+<file path=ppt/slides/slide6.xml><?xml version="1.0" encoding="utf-8"?>
 <p:sld xmlns:a="http://schemas.openxmlformats.org/drawingml/2006/main" xmlns:r="http://schemas.openxmlformats.org/officeDocument/2006/relationships" xmlns:p="http://schemas.openxmlformats.org/presentationml/2006/main">
   <p:cSld>
     <p:spTree>

--- a/2022.02.18/권철현,신재하.pptx
+++ b/2022.02.18/권철현,신재하.pptx
@@ -5,7 +5,7 @@
     <p:sldMasterId id="2147483648" r:id="rId1"/>
   </p:sldMasterIdLst>
   <p:notesMasterIdLst>
-    <p:notesMasterId r:id="rId8"/>
+    <p:notesMasterId r:id="rId13"/>
   </p:notesMasterIdLst>
   <p:sldIdLst>
     <p:sldId id="259" r:id="rId2"/>
@@ -13,7 +13,12 @@
     <p:sldId id="298" r:id="rId4"/>
     <p:sldId id="299" r:id="rId5"/>
     <p:sldId id="300" r:id="rId6"/>
-    <p:sldId id="273" r:id="rId7"/>
+    <p:sldId id="301" r:id="rId7"/>
+    <p:sldId id="302" r:id="rId8"/>
+    <p:sldId id="303" r:id="rId9"/>
+    <p:sldId id="304" r:id="rId10"/>
+    <p:sldId id="305" r:id="rId11"/>
+    <p:sldId id="273" r:id="rId12"/>
   </p:sldIdLst>
   <p:sldSz cx="12192000" cy="6858000"/>
   <p:notesSz cx="6858000" cy="9144000"/>
@@ -1515,6 +1520,90 @@
     </a:lvl9pPr>
   </p:notesStyle>
 </p:notesMaster>
+</file>
+
+<file path=ppt/notesSlides/notesSlide1.xml><?xml version="1.0" encoding="utf-8"?>
+<p:notes xmlns:a="http://schemas.openxmlformats.org/drawingml/2006/main" xmlns:r="http://schemas.openxmlformats.org/officeDocument/2006/relationships" xmlns:p="http://schemas.openxmlformats.org/presentationml/2006/main">
+  <p:cSld>
+    <p:spTree>
+      <p:nvGrpSpPr>
+        <p:cNvPr id="1" name=""/>
+        <p:cNvGrpSpPr/>
+        <p:nvPr/>
+      </p:nvGrpSpPr>
+      <p:grpSpPr>
+        <a:xfrm>
+          <a:off x="0" y="0"/>
+          <a:ext cx="0" cy="0"/>
+          <a:chOff x="0" y="0"/>
+          <a:chExt cx="0" cy="0"/>
+        </a:xfrm>
+      </p:grpSpPr>
+      <p:sp>
+        <p:nvSpPr>
+          <p:cNvPr id="2" name="슬라이드 이미지 개체 틀 1"/>
+          <p:cNvSpPr>
+            <a:spLocks noGrp="1" noRot="1" noChangeAspect="1"/>
+          </p:cNvSpPr>
+          <p:nvPr>
+            <p:ph type="sldImg"/>
+          </p:nvPr>
+        </p:nvSpPr>
+        <p:spPr/>
+      </p:sp>
+      <p:sp>
+        <p:nvSpPr>
+          <p:cNvPr id="3" name="슬라이드 노트 개체 틀 2"/>
+          <p:cNvSpPr>
+            <a:spLocks noGrp="1"/>
+          </p:cNvSpPr>
+          <p:nvPr>
+            <p:ph type="body" idx="1"/>
+          </p:nvPr>
+        </p:nvSpPr>
+        <p:spPr/>
+        <p:txBody>
+          <a:bodyPr/>
+          <a:lstStyle/>
+          <a:p>
+            <a:endParaRPr lang="ko-KR" altLang="en-US" dirty="0"/>
+          </a:p>
+        </p:txBody>
+      </p:sp>
+      <p:sp>
+        <p:nvSpPr>
+          <p:cNvPr id="4" name="슬라이드 번호 개체 틀 3"/>
+          <p:cNvSpPr>
+            <a:spLocks noGrp="1"/>
+          </p:cNvSpPr>
+          <p:nvPr>
+            <p:ph type="sldNum" sz="quarter" idx="5"/>
+          </p:nvPr>
+        </p:nvSpPr>
+        <p:spPr/>
+        <p:txBody>
+          <a:bodyPr/>
+          <a:lstStyle/>
+          <a:p>
+            <a:fld id="{87F9F377-0814-42D2-AAC0-CB43F8F02991}" type="slidenum">
+              <a:rPr lang="ko-KR" altLang="en-US" smtClean="0"/>
+              <a:t>5</a:t>
+            </a:fld>
+            <a:endParaRPr lang="ko-KR" altLang="en-US"/>
+          </a:p>
+        </p:txBody>
+      </p:sp>
+    </p:spTree>
+    <p:extLst>
+      <p:ext uri="{BB962C8B-B14F-4D97-AF65-F5344CB8AC3E}">
+        <p14:creationId xmlns:p14="http://schemas.microsoft.com/office/powerpoint/2010/main" val="1419176582"/>
+      </p:ext>
+    </p:extLst>
+  </p:cSld>
+  <p:clrMapOvr>
+    <a:masterClrMapping/>
+  </p:clrMapOvr>
+</p:notes>
 </file>
 
 <file path=ppt/slideLayouts/slideLayout1.xml><?xml version="1.0" encoding="utf-8"?>
@@ -3066,6 +3155,293 @@
 </p:sld>
 </file>
 
+<file path=ppt/slides/slide10.xml><?xml version="1.0" encoding="utf-8"?>
+<p:sld xmlns:a="http://schemas.openxmlformats.org/drawingml/2006/main" xmlns:r="http://schemas.openxmlformats.org/officeDocument/2006/relationships" xmlns:p="http://schemas.openxmlformats.org/presentationml/2006/main">
+  <p:cSld>
+    <p:spTree>
+      <p:nvGrpSpPr>
+        <p:cNvPr id="1" name=""/>
+        <p:cNvGrpSpPr/>
+        <p:nvPr/>
+      </p:nvGrpSpPr>
+      <p:grpSpPr>
+        <a:xfrm>
+          <a:off x="0" y="0"/>
+          <a:ext cx="0" cy="0"/>
+          <a:chOff x="0" y="0"/>
+          <a:chExt cx="0" cy="0"/>
+        </a:xfrm>
+      </p:grpSpPr>
+      <p:sp>
+        <p:nvSpPr>
+          <p:cNvPr id="2" name="제목 1">
+            <a:extLst>
+              <a:ext uri="{FF2B5EF4-FFF2-40B4-BE49-F238E27FC236}">
+                <a16:creationId xmlns:a16="http://schemas.microsoft.com/office/drawing/2014/main" id="{6570D043-66C1-433B-801E-1450BFA423E3}"/>
+              </a:ext>
+            </a:extLst>
+          </p:cNvPr>
+          <p:cNvSpPr>
+            <a:spLocks noGrp="1"/>
+          </p:cNvSpPr>
+          <p:nvPr>
+            <p:ph type="title"/>
+          </p:nvPr>
+        </p:nvSpPr>
+        <p:spPr/>
+        <p:txBody>
+          <a:bodyPr/>
+          <a:lstStyle/>
+          <a:p>
+            <a:endParaRPr lang="ko-KR" altLang="en-US" dirty="0"/>
+          </a:p>
+        </p:txBody>
+      </p:sp>
+      <p:sp>
+        <p:nvSpPr>
+          <p:cNvPr id="3" name="내용 개체 틀 2">
+            <a:extLst>
+              <a:ext uri="{FF2B5EF4-FFF2-40B4-BE49-F238E27FC236}">
+                <a16:creationId xmlns:a16="http://schemas.microsoft.com/office/drawing/2014/main" id="{B3A01428-ADF6-4A37-BE2F-9E17EDEE986A}"/>
+              </a:ext>
+            </a:extLst>
+          </p:cNvPr>
+          <p:cNvSpPr>
+            <a:spLocks noGrp="1"/>
+          </p:cNvSpPr>
+          <p:nvPr>
+            <p:ph idx="1"/>
+          </p:nvPr>
+        </p:nvSpPr>
+        <p:spPr/>
+        <p:txBody>
+          <a:bodyPr>
+            <a:normAutofit/>
+          </a:bodyPr>
+          <a:lstStyle/>
+          <a:p>
+            <a:pPr marL="0" indent="0">
+              <a:buNone/>
+            </a:pPr>
+            <a:endParaRPr lang="en-US" altLang="ko-KR" sz="5000" dirty="0"/>
+          </a:p>
+          <a:p>
+            <a:pPr marL="0" indent="0">
+              <a:buNone/>
+            </a:pPr>
+            <a:r>
+              <a:rPr lang="en-US" altLang="ko-KR" sz="5000" dirty="0"/>
+              <a:t>CONTENT </a:t>
+            </a:r>
+            <a:r>
+              <a:rPr lang="ko-KR" altLang="en-US" sz="5000" dirty="0"/>
+              <a:t>들어올 자리</a:t>
+            </a:r>
+            <a:endParaRPr lang="en-US" altLang="ko-KR" sz="5000" dirty="0"/>
+          </a:p>
+          <a:p>
+            <a:pPr marL="0" indent="0">
+              <a:buNone/>
+            </a:pPr>
+            <a:r>
+              <a:rPr lang="en-US" altLang="ko-KR" sz="5000" dirty="0"/>
+              <a:t> </a:t>
+            </a:r>
+            <a:r>
+              <a:rPr lang="ko-KR" altLang="en-US" sz="5000" dirty="0" err="1"/>
+              <a:t>셔플</a:t>
+            </a:r>
+            <a:r>
+              <a:rPr lang="ko-KR" altLang="en-US" sz="5000" dirty="0"/>
+              <a:t> 기능 추가 </a:t>
+            </a:r>
+            <a:r>
+              <a:rPr lang="en-US" altLang="ko-KR" sz="5000" dirty="0"/>
+              <a:t>– </a:t>
+            </a:r>
+            <a:r>
+              <a:rPr lang="ko-KR" altLang="en-US" sz="5000" dirty="0"/>
+              <a:t>파일 입출력</a:t>
+            </a:r>
+          </a:p>
+        </p:txBody>
+      </p:sp>
+      <p:sp>
+        <p:nvSpPr>
+          <p:cNvPr id="4" name="날짜 개체 틀 3">
+            <a:extLst>
+              <a:ext uri="{FF2B5EF4-FFF2-40B4-BE49-F238E27FC236}">
+                <a16:creationId xmlns:a16="http://schemas.microsoft.com/office/drawing/2014/main" id="{08B23306-6839-42D2-B4C1-45E7C6211443}"/>
+              </a:ext>
+            </a:extLst>
+          </p:cNvPr>
+          <p:cNvSpPr>
+            <a:spLocks noGrp="1"/>
+          </p:cNvSpPr>
+          <p:nvPr>
+            <p:ph type="dt" sz="half" idx="10"/>
+          </p:nvPr>
+        </p:nvSpPr>
+        <p:spPr/>
+        <p:txBody>
+          <a:bodyPr/>
+          <a:lstStyle/>
+          <a:p>
+            <a:r>
+              <a:rPr lang="ko-KR" altLang="en-US"/>
+              <a:t>권철현</a:t>
+            </a:r>
+            <a:r>
+              <a:rPr lang="en-US" altLang="ko-KR"/>
+              <a:t>, </a:t>
+            </a:r>
+            <a:r>
+              <a:rPr lang="ko-KR" altLang="en-US"/>
+              <a:t>신재하</a:t>
+            </a:r>
+          </a:p>
+        </p:txBody>
+      </p:sp>
+      <p:sp>
+        <p:nvSpPr>
+          <p:cNvPr id="5" name="슬라이드 번호 개체 틀 4">
+            <a:extLst>
+              <a:ext uri="{FF2B5EF4-FFF2-40B4-BE49-F238E27FC236}">
+                <a16:creationId xmlns:a16="http://schemas.microsoft.com/office/drawing/2014/main" id="{DC358D47-812B-41C1-89F6-44ABBB10381F}"/>
+              </a:ext>
+            </a:extLst>
+          </p:cNvPr>
+          <p:cNvSpPr>
+            <a:spLocks noGrp="1"/>
+          </p:cNvSpPr>
+          <p:nvPr>
+            <p:ph type="sldNum" sz="quarter" idx="12"/>
+          </p:nvPr>
+        </p:nvSpPr>
+        <p:spPr/>
+        <p:txBody>
+          <a:bodyPr/>
+          <a:lstStyle/>
+          <a:p>
+            <a:fld id="{5FF72CB3-86FB-4DBB-A7AC-E8F6F3DA156B}" type="slidenum">
+              <a:rPr lang="ko-KR" altLang="en-US" smtClean="0"/>
+              <a:pPr/>
+              <a:t>10</a:t>
+            </a:fld>
+            <a:endParaRPr lang="ko-KR" altLang="en-US"/>
+          </a:p>
+        </p:txBody>
+      </p:sp>
+    </p:spTree>
+    <p:extLst>
+      <p:ext uri="{BB962C8B-B14F-4D97-AF65-F5344CB8AC3E}">
+        <p14:creationId xmlns:p14="http://schemas.microsoft.com/office/powerpoint/2010/main" val="2544569627"/>
+      </p:ext>
+    </p:extLst>
+  </p:cSld>
+  <p:clrMapOvr>
+    <a:masterClrMapping/>
+  </p:clrMapOvr>
+</p:sld>
+</file>
+
+<file path=ppt/slides/slide11.xml><?xml version="1.0" encoding="utf-8"?>
+<p:sld xmlns:a="http://schemas.openxmlformats.org/drawingml/2006/main" xmlns:r="http://schemas.openxmlformats.org/officeDocument/2006/relationships" xmlns:p="http://schemas.openxmlformats.org/presentationml/2006/main">
+  <p:cSld>
+    <p:spTree>
+      <p:nvGrpSpPr>
+        <p:cNvPr id="1" name=""/>
+        <p:cNvGrpSpPr/>
+        <p:nvPr/>
+      </p:nvGrpSpPr>
+      <p:grpSpPr>
+        <a:xfrm>
+          <a:off x="0" y="0"/>
+          <a:ext cx="0" cy="0"/>
+          <a:chOff x="0" y="0"/>
+          <a:chExt cx="0" cy="0"/>
+        </a:xfrm>
+      </p:grpSpPr>
+      <p:sp>
+        <p:nvSpPr>
+          <p:cNvPr id="8" name="제목 7">
+            <a:extLst>
+              <a:ext uri="{FF2B5EF4-FFF2-40B4-BE49-F238E27FC236}">
+                <a16:creationId xmlns:a16="http://schemas.microsoft.com/office/drawing/2014/main" id="{69B292E9-37A2-4AD7-84B5-A8BE80BDBEC1}"/>
+              </a:ext>
+            </a:extLst>
+          </p:cNvPr>
+          <p:cNvSpPr>
+            <a:spLocks noGrp="1"/>
+          </p:cNvSpPr>
+          <p:nvPr>
+            <p:ph type="ctrTitle"/>
+          </p:nvPr>
+        </p:nvSpPr>
+        <p:spPr>
+          <a:xfrm>
+            <a:off x="1524000" y="2219105"/>
+            <a:ext cx="9144000" cy="1209895"/>
+          </a:xfrm>
+        </p:spPr>
+        <p:txBody>
+          <a:bodyPr/>
+          <a:lstStyle/>
+          <a:p>
+            <a:r>
+              <a:rPr lang="en-US" altLang="ko-KR"/>
+              <a:t>Q n A</a:t>
+            </a:r>
+            <a:endParaRPr lang="ko-KR" altLang="en-US"/>
+          </a:p>
+        </p:txBody>
+      </p:sp>
+      <p:sp>
+        <p:nvSpPr>
+          <p:cNvPr id="9" name="부제목 8">
+            <a:extLst>
+              <a:ext uri="{FF2B5EF4-FFF2-40B4-BE49-F238E27FC236}">
+                <a16:creationId xmlns:a16="http://schemas.microsoft.com/office/drawing/2014/main" id="{CACC263A-2C04-4ACE-A4A4-242F76AFCBA9}"/>
+              </a:ext>
+            </a:extLst>
+          </p:cNvPr>
+          <p:cNvSpPr>
+            <a:spLocks noGrp="1"/>
+          </p:cNvSpPr>
+          <p:nvPr>
+            <p:ph type="subTitle" idx="1"/>
+          </p:nvPr>
+        </p:nvSpPr>
+        <p:spPr/>
+        <p:txBody>
+          <a:bodyPr/>
+          <a:lstStyle/>
+          <a:p>
+            <a:r>
+              <a:rPr lang="ko-KR" altLang="en-US"/>
+              <a:t>감사합니다</a:t>
+            </a:r>
+            <a:r>
+              <a:rPr lang="en-US" altLang="ko-KR"/>
+              <a:t>.</a:t>
+            </a:r>
+            <a:endParaRPr lang="ko-KR" altLang="en-US"/>
+          </a:p>
+        </p:txBody>
+      </p:sp>
+    </p:spTree>
+    <p:extLst>
+      <p:ext uri="{BB962C8B-B14F-4D97-AF65-F5344CB8AC3E}">
+        <p14:creationId xmlns:p14="http://schemas.microsoft.com/office/powerpoint/2010/main" val="3743477804"/>
+      </p:ext>
+    </p:extLst>
+  </p:cSld>
+  <p:clrMapOvr>
+    <a:masterClrMapping/>
+  </p:clrMapOvr>
+</p:sld>
+</file>
+
 <file path=ppt/slides/slide2.xml><?xml version="1.0" encoding="utf-8"?>
 <p:sld xmlns:a="http://schemas.openxmlformats.org/drawingml/2006/main" xmlns:r="http://schemas.openxmlformats.org/officeDocument/2006/relationships" xmlns:p="http://schemas.openxmlformats.org/presentationml/2006/main">
   <p:cSld>
@@ -3161,7 +3537,88 @@
                   </a:schemeClr>
                 </a:solidFill>
               </a:rPr>
-              <a:t>속도 지연 해결 </a:t>
+              <a:t>속도 지연 해결</a:t>
+            </a:r>
+            <a:endParaRPr lang="en-US" altLang="ko-KR" dirty="0">
+              <a:solidFill>
+                <a:schemeClr val="bg1">
+                  <a:lumMod val="65000"/>
+                </a:schemeClr>
+              </a:solidFill>
+            </a:endParaRPr>
+          </a:p>
+          <a:p>
+            <a:r>
+              <a:rPr lang="ko-KR" altLang="en-US" dirty="0" err="1">
+                <a:solidFill>
+                  <a:schemeClr val="bg1">
+                    <a:lumMod val="65000"/>
+                  </a:schemeClr>
+                </a:solidFill>
+              </a:rPr>
+              <a:t>셔플</a:t>
+            </a:r>
+            <a:r>
+              <a:rPr lang="ko-KR" altLang="en-US" dirty="0">
+                <a:solidFill>
+                  <a:schemeClr val="bg1">
+                    <a:lumMod val="65000"/>
+                  </a:schemeClr>
+                </a:solidFill>
+              </a:rPr>
+              <a:t> 기능 추가 </a:t>
+            </a:r>
+            <a:r>
+              <a:rPr lang="en-US" altLang="ko-KR" dirty="0">
+                <a:solidFill>
+                  <a:schemeClr val="bg1">
+                    <a:lumMod val="65000"/>
+                  </a:schemeClr>
+                </a:solidFill>
+              </a:rPr>
+              <a:t>– DB  </a:t>
+            </a:r>
+          </a:p>
+          <a:p>
+            <a:r>
+              <a:rPr lang="ko-KR" altLang="en-US" dirty="0" err="1">
+                <a:solidFill>
+                  <a:schemeClr val="bg1">
+                    <a:lumMod val="65000"/>
+                  </a:schemeClr>
+                </a:solidFill>
+              </a:rPr>
+              <a:t>셔플</a:t>
+            </a:r>
+            <a:r>
+              <a:rPr lang="ko-KR" altLang="en-US" dirty="0">
+                <a:solidFill>
+                  <a:schemeClr val="bg1">
+                    <a:lumMod val="65000"/>
+                  </a:schemeClr>
+                </a:solidFill>
+              </a:rPr>
+              <a:t> 기능 추가 </a:t>
+            </a:r>
+            <a:r>
+              <a:rPr lang="en-US" altLang="ko-KR" dirty="0">
+                <a:solidFill>
+                  <a:schemeClr val="bg1">
+                    <a:lumMod val="65000"/>
+                  </a:schemeClr>
+                </a:solidFill>
+              </a:rPr>
+              <a:t>– </a:t>
+            </a:r>
+            <a:r>
+              <a:rPr lang="ko-KR" altLang="en-US" dirty="0">
+                <a:solidFill>
+                  <a:schemeClr val="bg1">
+                    <a:lumMod val="65000"/>
+                  </a:schemeClr>
+                </a:solidFill>
+              </a:rPr>
+              <a:t>파일 입출력</a:t>
             </a:r>
             <a:endParaRPr lang="en-US" altLang="ko-KR" dirty="0">
               <a:solidFill>
@@ -3554,7 +4011,7 @@
           <a:p>
             <a:r>
               <a:rPr lang="ko-KR" altLang="en-US" dirty="0"/>
-              <a:t>배치 단위로 학습을 할 때</a:t>
+              <a:t>배치 단위로 학습을 진행할 때</a:t>
             </a:r>
             <a:r>
               <a:rPr lang="en-US" altLang="ko-KR" dirty="0"/>
@@ -3565,12 +4022,8 @@
               <a:t>BufferedReader</a:t>
             </a:r>
             <a:r>
-              <a:rPr lang="en-US" altLang="ko-KR" dirty="0"/>
-              <a:t> </a:t>
-            </a:r>
-            <a:r>
               <a:rPr lang="ko-KR" altLang="en-US" dirty="0"/>
-              <a:t>를 통해 파일을 한 번만 읽어 처리하도록 만들어 해결 </a:t>
+              <a:t> 를 함수 외부에 선언해 파일을 한 번만 읽어 처리하도록 만들어 해결 </a:t>
             </a:r>
             <a:endParaRPr lang="en-US" altLang="ko-KR" dirty="0"/>
           </a:p>
@@ -3953,7 +4406,11 @@
               <a:t>약 </a:t>
             </a:r>
             <a:r>
-              <a:rPr lang="en-US" altLang="ko-KR" dirty="0"/>
+              <a:rPr lang="en-US" altLang="ko-KR" dirty="0">
+                <a:solidFill>
+                  <a:schemeClr val="accent2"/>
+                </a:solidFill>
+              </a:rPr>
               <a:t>40</a:t>
             </a:r>
             <a:r>
@@ -4002,25 +4459,36 @@
           </a:p>
           <a:p>
             <a:r>
-              <a:rPr lang="ko-KR" altLang="en-US" dirty="0" err="1"/>
+              <a:rPr lang="ko-KR" altLang="en-US" dirty="0" err="1">
+                <a:solidFill>
+                  <a:srgbClr val="C00000"/>
+                </a:solidFill>
+              </a:rPr>
               <a:t>셔플</a:t>
             </a:r>
             <a:r>
-              <a:rPr lang="ko-KR" altLang="en-US" dirty="0"/>
+              <a:rPr lang="ko-KR" altLang="en-US" dirty="0">
+                <a:solidFill>
+                  <a:srgbClr val="C00000"/>
+                </a:solidFill>
+              </a:rPr>
               <a:t> 기능의 부재</a:t>
             </a:r>
-            <a:endParaRPr lang="en-US" altLang="ko-KR" dirty="0"/>
-          </a:p>
-          <a:p>
-            <a:r>
-              <a:rPr lang="ko-KR" altLang="en-US" dirty="0"/>
-              <a:t>기존에 </a:t>
-            </a:r>
-            <a:r>
-              <a:rPr lang="ko-KR" altLang="en-US"/>
-              <a:t>비해 속도 문제 여전히 존재 </a:t>
-            </a:r>
-            <a:endParaRPr lang="ko-KR" altLang="en-US" dirty="0"/>
+            <a:endParaRPr lang="en-US" altLang="ko-KR" dirty="0">
+              <a:solidFill>
+                <a:srgbClr val="C00000"/>
+              </a:solidFill>
+            </a:endParaRPr>
+          </a:p>
+          <a:p>
+            <a:r>
+              <a:rPr lang="ko-KR" altLang="en-US" dirty="0">
+                <a:solidFill>
+                  <a:srgbClr val="C00000"/>
+                </a:solidFill>
+              </a:rPr>
+              <a:t>속도 문제 존재 </a:t>
+            </a:r>
           </a:p>
         </p:txBody>
       </p:sp>
@@ -4122,10 +4590,10 @@
       </p:grpSpPr>
       <p:sp>
         <p:nvSpPr>
-          <p:cNvPr id="8" name="제목 7">
-            <a:extLst>
-              <a:ext uri="{FF2B5EF4-FFF2-40B4-BE49-F238E27FC236}">
-                <a16:creationId xmlns:a16="http://schemas.microsoft.com/office/drawing/2014/main" id="{69B292E9-37A2-4AD7-84B5-A8BE80BDBEC1}"/>
+          <p:cNvPr id="2" name="제목 1">
+            <a:extLst>
+              <a:ext uri="{FF2B5EF4-FFF2-40B4-BE49-F238E27FC236}">
+                <a16:creationId xmlns:a16="http://schemas.microsoft.com/office/drawing/2014/main" id="{6570D043-66C1-433B-801E-1450BFA423E3}"/>
               </a:ext>
             </a:extLst>
           </p:cNvPr>
@@ -4133,33 +4601,24 @@
             <a:spLocks noGrp="1"/>
           </p:cNvSpPr>
           <p:nvPr>
-            <p:ph type="ctrTitle"/>
+            <p:ph type="title"/>
           </p:nvPr>
         </p:nvSpPr>
-        <p:spPr>
-          <a:xfrm>
-            <a:off x="1524000" y="2219105"/>
-            <a:ext cx="9144000" cy="1209895"/>
-          </a:xfrm>
-        </p:spPr>
+        <p:spPr/>
         <p:txBody>
           <a:bodyPr/>
           <a:lstStyle/>
           <a:p>
-            <a:r>
-              <a:rPr lang="en-US" altLang="ko-KR"/>
-              <a:t>Q n A</a:t>
-            </a:r>
-            <a:endParaRPr lang="ko-KR" altLang="en-US"/>
-          </a:p>
-        </p:txBody>
-      </p:sp>
-      <p:sp>
-        <p:nvSpPr>
-          <p:cNvPr id="9" name="부제목 8">
-            <a:extLst>
-              <a:ext uri="{FF2B5EF4-FFF2-40B4-BE49-F238E27FC236}">
-                <a16:creationId xmlns:a16="http://schemas.microsoft.com/office/drawing/2014/main" id="{CACC263A-2C04-4ACE-A4A4-242F76AFCBA9}"/>
+            <a:endParaRPr lang="ko-KR" altLang="en-US" dirty="0"/>
+          </a:p>
+        </p:txBody>
+      </p:sp>
+      <p:sp>
+        <p:nvSpPr>
+          <p:cNvPr id="3" name="내용 개체 틀 2">
+            <a:extLst>
+              <a:ext uri="{FF2B5EF4-FFF2-40B4-BE49-F238E27FC236}">
+                <a16:creationId xmlns:a16="http://schemas.microsoft.com/office/drawing/2014/main" id="{B3A01428-ADF6-4A37-BE2F-9E17EDEE986A}"/>
               </a:ext>
             </a:extLst>
           </p:cNvPr>
@@ -4167,7 +4626,73 @@
             <a:spLocks noGrp="1"/>
           </p:cNvSpPr>
           <p:nvPr>
-            <p:ph type="subTitle" idx="1"/>
+            <p:ph idx="1"/>
+          </p:nvPr>
+        </p:nvSpPr>
+        <p:spPr/>
+        <p:txBody>
+          <a:bodyPr>
+            <a:normAutofit/>
+          </a:bodyPr>
+          <a:lstStyle/>
+          <a:p>
+            <a:pPr marL="0" indent="0">
+              <a:buNone/>
+            </a:pPr>
+            <a:endParaRPr lang="en-US" altLang="ko-KR" sz="5000" dirty="0"/>
+          </a:p>
+          <a:p>
+            <a:pPr marL="0" indent="0">
+              <a:buNone/>
+            </a:pPr>
+            <a:r>
+              <a:rPr lang="en-US" altLang="ko-KR" sz="5000" dirty="0"/>
+              <a:t>CONTENT </a:t>
+            </a:r>
+            <a:r>
+              <a:rPr lang="ko-KR" altLang="en-US" sz="5000" dirty="0"/>
+              <a:t>들어올 자리</a:t>
+            </a:r>
+            <a:endParaRPr lang="en-US" altLang="ko-KR" sz="5000" dirty="0"/>
+          </a:p>
+          <a:p>
+            <a:pPr marL="0" indent="0">
+              <a:buNone/>
+            </a:pPr>
+            <a:r>
+              <a:rPr lang="en-US" altLang="ko-KR" sz="5000" dirty="0"/>
+              <a:t> </a:t>
+            </a:r>
+            <a:r>
+              <a:rPr lang="ko-KR" altLang="en-US" sz="5000" dirty="0" err="1"/>
+              <a:t>셔플</a:t>
+            </a:r>
+            <a:r>
+              <a:rPr lang="ko-KR" altLang="en-US" sz="5000" dirty="0"/>
+              <a:t> 기능 추가 </a:t>
+            </a:r>
+            <a:r>
+              <a:rPr lang="en-US" altLang="ko-KR" sz="5000" dirty="0"/>
+              <a:t>- DB</a:t>
+            </a:r>
+            <a:endParaRPr lang="ko-KR" altLang="en-US" sz="5000" dirty="0"/>
+          </a:p>
+        </p:txBody>
+      </p:sp>
+      <p:sp>
+        <p:nvSpPr>
+          <p:cNvPr id="4" name="날짜 개체 틀 3">
+            <a:extLst>
+              <a:ext uri="{FF2B5EF4-FFF2-40B4-BE49-F238E27FC236}">
+                <a16:creationId xmlns:a16="http://schemas.microsoft.com/office/drawing/2014/main" id="{08B23306-6839-42D2-B4C1-45E7C6211443}"/>
+              </a:ext>
+            </a:extLst>
+          </p:cNvPr>
+          <p:cNvSpPr>
+            <a:spLocks noGrp="1"/>
+          </p:cNvSpPr>
+          <p:nvPr>
+            <p:ph type="dt" sz="half" idx="10"/>
           </p:nvPr>
         </p:nvSpPr>
         <p:spPr/>
@@ -4177,12 +4702,45 @@
           <a:p>
             <a:r>
               <a:rPr lang="ko-KR" altLang="en-US"/>
-              <a:t>감사합니다</a:t>
+              <a:t>권철현</a:t>
             </a:r>
             <a:r>
               <a:rPr lang="en-US" altLang="ko-KR"/>
-              <a:t>.</a:t>
-            </a:r>
+              <a:t>, </a:t>
+            </a:r>
+            <a:r>
+              <a:rPr lang="ko-KR" altLang="en-US"/>
+              <a:t>신재하</a:t>
+            </a:r>
+          </a:p>
+        </p:txBody>
+      </p:sp>
+      <p:sp>
+        <p:nvSpPr>
+          <p:cNvPr id="5" name="슬라이드 번호 개체 틀 4">
+            <a:extLst>
+              <a:ext uri="{FF2B5EF4-FFF2-40B4-BE49-F238E27FC236}">
+                <a16:creationId xmlns:a16="http://schemas.microsoft.com/office/drawing/2014/main" id="{DC358D47-812B-41C1-89F6-44ABBB10381F}"/>
+              </a:ext>
+            </a:extLst>
+          </p:cNvPr>
+          <p:cNvSpPr>
+            <a:spLocks noGrp="1"/>
+          </p:cNvSpPr>
+          <p:nvPr>
+            <p:ph type="sldNum" sz="quarter" idx="12"/>
+          </p:nvPr>
+        </p:nvSpPr>
+        <p:spPr/>
+        <p:txBody>
+          <a:bodyPr/>
+          <a:lstStyle/>
+          <a:p>
+            <a:fld id="{5FF72CB3-86FB-4DBB-A7AC-E8F6F3DA156B}" type="slidenum">
+              <a:rPr lang="ko-KR" altLang="en-US" smtClean="0"/>
+              <a:pPr/>
+              <a:t>6</a:t>
+            </a:fld>
             <a:endParaRPr lang="ko-KR" altLang="en-US"/>
           </a:p>
         </p:txBody>
@@ -4190,7 +4748,1100 @@
     </p:spTree>
     <p:extLst>
       <p:ext uri="{BB962C8B-B14F-4D97-AF65-F5344CB8AC3E}">
-        <p14:creationId xmlns:p14="http://schemas.microsoft.com/office/powerpoint/2010/main" val="3743477804"/>
+        <p14:creationId xmlns:p14="http://schemas.microsoft.com/office/powerpoint/2010/main" val="3576583306"/>
+      </p:ext>
+    </p:extLst>
+  </p:cSld>
+  <p:clrMapOvr>
+    <a:masterClrMapping/>
+  </p:clrMapOvr>
+</p:sld>
+</file>
+
+<file path=ppt/slides/slide7.xml><?xml version="1.0" encoding="utf-8"?>
+<p:sld xmlns:a="http://schemas.openxmlformats.org/drawingml/2006/main" xmlns:r="http://schemas.openxmlformats.org/officeDocument/2006/relationships" xmlns:p="http://schemas.openxmlformats.org/presentationml/2006/main">
+  <p:cSld>
+    <p:spTree>
+      <p:nvGrpSpPr>
+        <p:cNvPr id="1" name=""/>
+        <p:cNvGrpSpPr/>
+        <p:nvPr/>
+      </p:nvGrpSpPr>
+      <p:grpSpPr>
+        <a:xfrm>
+          <a:off x="0" y="0"/>
+          <a:ext cx="0" cy="0"/>
+          <a:chOff x="0" y="0"/>
+          <a:chExt cx="0" cy="0"/>
+        </a:xfrm>
+      </p:grpSpPr>
+      <p:sp>
+        <p:nvSpPr>
+          <p:cNvPr id="2" name="제목 1">
+            <a:extLst>
+              <a:ext uri="{FF2B5EF4-FFF2-40B4-BE49-F238E27FC236}">
+                <a16:creationId xmlns:a16="http://schemas.microsoft.com/office/drawing/2014/main" id="{5FE0A1B5-7539-40C8-BCE2-D8859E6E6349}"/>
+              </a:ext>
+            </a:extLst>
+          </p:cNvPr>
+          <p:cNvSpPr>
+            <a:spLocks noGrp="1"/>
+          </p:cNvSpPr>
+          <p:nvPr>
+            <p:ph type="title"/>
+          </p:nvPr>
+        </p:nvSpPr>
+        <p:spPr/>
+        <p:txBody>
+          <a:bodyPr/>
+          <a:lstStyle/>
+          <a:p>
+            <a:r>
+              <a:rPr lang="en-US" altLang="ko-KR" dirty="0"/>
+              <a:t>DB</a:t>
+            </a:r>
+            <a:r>
+              <a:rPr lang="ko-KR" altLang="en-US" dirty="0"/>
+              <a:t>를 통한 샘플 저장 </a:t>
+            </a:r>
+          </a:p>
+        </p:txBody>
+      </p:sp>
+      <p:sp>
+        <p:nvSpPr>
+          <p:cNvPr id="3" name="내용 개체 틀 2">
+            <a:extLst>
+              <a:ext uri="{FF2B5EF4-FFF2-40B4-BE49-F238E27FC236}">
+                <a16:creationId xmlns:a16="http://schemas.microsoft.com/office/drawing/2014/main" id="{419294D5-5457-4F02-8FC7-F754C910995C}"/>
+              </a:ext>
+            </a:extLst>
+          </p:cNvPr>
+          <p:cNvSpPr>
+            <a:spLocks noGrp="1"/>
+          </p:cNvSpPr>
+          <p:nvPr>
+            <p:ph idx="1"/>
+          </p:nvPr>
+        </p:nvSpPr>
+        <p:spPr/>
+        <p:txBody>
+          <a:bodyPr/>
+          <a:lstStyle/>
+          <a:p>
+            <a:r>
+              <a:rPr lang="ko-KR" altLang="en-US" dirty="0"/>
+              <a:t>파일 입출력으로 샘플을 저장하는 대신 </a:t>
+            </a:r>
+            <a:r>
+              <a:rPr lang="en-US" altLang="ko-KR" dirty="0"/>
+              <a:t>SQLite</a:t>
+            </a:r>
+            <a:r>
+              <a:rPr lang="ko-KR" altLang="en-US" dirty="0"/>
+              <a:t>를 사용하여 샘플을 저장</a:t>
+            </a:r>
+            <a:endParaRPr lang="en-US" altLang="ko-KR" dirty="0"/>
+          </a:p>
+          <a:p>
+            <a:r>
+              <a:rPr lang="ko-KR" altLang="en-US" dirty="0"/>
+              <a:t>안드로이드에서 지원하는 </a:t>
+            </a:r>
+            <a:r>
+              <a:rPr lang="en-US" altLang="ko-KR" dirty="0"/>
+              <a:t>Room </a:t>
+            </a:r>
+            <a:r>
+              <a:rPr lang="ko-KR" altLang="en-US" dirty="0"/>
+              <a:t>라이브러리를 통해 데이터베이스 생성</a:t>
+            </a:r>
+            <a:endParaRPr lang="en-US" altLang="ko-KR" dirty="0"/>
+          </a:p>
+          <a:p>
+            <a:endParaRPr lang="ko-KR" altLang="en-US" dirty="0"/>
+          </a:p>
+        </p:txBody>
+      </p:sp>
+      <p:sp>
+        <p:nvSpPr>
+          <p:cNvPr id="4" name="날짜 개체 틀 3">
+            <a:extLst>
+              <a:ext uri="{FF2B5EF4-FFF2-40B4-BE49-F238E27FC236}">
+                <a16:creationId xmlns:a16="http://schemas.microsoft.com/office/drawing/2014/main" id="{2F5AB742-6D5D-46E5-9FD0-FFE11B606F40}"/>
+              </a:ext>
+            </a:extLst>
+          </p:cNvPr>
+          <p:cNvSpPr>
+            <a:spLocks noGrp="1"/>
+          </p:cNvSpPr>
+          <p:nvPr>
+            <p:ph type="dt" sz="half" idx="10"/>
+          </p:nvPr>
+        </p:nvSpPr>
+        <p:spPr/>
+        <p:txBody>
+          <a:bodyPr/>
+          <a:lstStyle/>
+          <a:p>
+            <a:r>
+              <a:rPr lang="ko-KR" altLang="en-US"/>
+              <a:t>권철현</a:t>
+            </a:r>
+            <a:r>
+              <a:rPr lang="en-US" altLang="ko-KR"/>
+              <a:t>, </a:t>
+            </a:r>
+            <a:r>
+              <a:rPr lang="ko-KR" altLang="en-US"/>
+              <a:t>신재하</a:t>
+            </a:r>
+          </a:p>
+        </p:txBody>
+      </p:sp>
+      <p:sp>
+        <p:nvSpPr>
+          <p:cNvPr id="5" name="슬라이드 번호 개체 틀 4">
+            <a:extLst>
+              <a:ext uri="{FF2B5EF4-FFF2-40B4-BE49-F238E27FC236}">
+                <a16:creationId xmlns:a16="http://schemas.microsoft.com/office/drawing/2014/main" id="{CC00E734-C551-45A3-8A4E-C64F62379D04}"/>
+              </a:ext>
+            </a:extLst>
+          </p:cNvPr>
+          <p:cNvSpPr>
+            <a:spLocks noGrp="1"/>
+          </p:cNvSpPr>
+          <p:nvPr>
+            <p:ph type="sldNum" sz="quarter" idx="12"/>
+          </p:nvPr>
+        </p:nvSpPr>
+        <p:spPr/>
+        <p:txBody>
+          <a:bodyPr/>
+          <a:lstStyle/>
+          <a:p>
+            <a:fld id="{5FF72CB3-86FB-4DBB-A7AC-E8F6F3DA156B}" type="slidenum">
+              <a:rPr lang="ko-KR" altLang="en-US" smtClean="0"/>
+              <a:pPr/>
+              <a:t>7</a:t>
+            </a:fld>
+            <a:endParaRPr lang="ko-KR" altLang="en-US"/>
+          </a:p>
+        </p:txBody>
+      </p:sp>
+      <p:pic>
+        <p:nvPicPr>
+          <p:cNvPr id="7" name="그림 6">
+            <a:extLst>
+              <a:ext uri="{FF2B5EF4-FFF2-40B4-BE49-F238E27FC236}">
+                <a16:creationId xmlns:a16="http://schemas.microsoft.com/office/drawing/2014/main" id="{D69BDEDB-037D-430F-ACFD-09A71BA547FC}"/>
+              </a:ext>
+            </a:extLst>
+          </p:cNvPr>
+          <p:cNvPicPr>
+            <a:picLocks noChangeAspect="1"/>
+          </p:cNvPicPr>
+          <p:nvPr/>
+        </p:nvPicPr>
+        <p:blipFill>
+          <a:blip r:embed="rId2"/>
+          <a:stretch>
+            <a:fillRect/>
+          </a:stretch>
+        </p:blipFill>
+        <p:spPr>
+          <a:xfrm>
+            <a:off x="550891" y="3551197"/>
+            <a:ext cx="6380453" cy="1911500"/>
+          </a:xfrm>
+          <a:prstGeom prst="rect">
+            <a:avLst/>
+          </a:prstGeom>
+        </p:spPr>
+      </p:pic>
+      <p:pic>
+        <p:nvPicPr>
+          <p:cNvPr id="9" name="그림 8">
+            <a:extLst>
+              <a:ext uri="{FF2B5EF4-FFF2-40B4-BE49-F238E27FC236}">
+                <a16:creationId xmlns:a16="http://schemas.microsoft.com/office/drawing/2014/main" id="{C47E5CAC-03E4-4CC2-B172-04A2996F11ED}"/>
+              </a:ext>
+            </a:extLst>
+          </p:cNvPr>
+          <p:cNvPicPr>
+            <a:picLocks noChangeAspect="1"/>
+          </p:cNvPicPr>
+          <p:nvPr/>
+        </p:nvPicPr>
+        <p:blipFill>
+          <a:blip r:embed="rId3"/>
+          <a:stretch>
+            <a:fillRect/>
+          </a:stretch>
+        </p:blipFill>
+        <p:spPr>
+          <a:xfrm>
+            <a:off x="7915960" y="3533833"/>
+            <a:ext cx="3140323" cy="1911500"/>
+          </a:xfrm>
+          <a:prstGeom prst="rect">
+            <a:avLst/>
+          </a:prstGeom>
+        </p:spPr>
+      </p:pic>
+      <p:sp>
+        <p:nvSpPr>
+          <p:cNvPr id="10" name="직사각형 9">
+            <a:extLst>
+              <a:ext uri="{FF2B5EF4-FFF2-40B4-BE49-F238E27FC236}">
+                <a16:creationId xmlns:a16="http://schemas.microsoft.com/office/drawing/2014/main" id="{3F6438BC-13A1-4259-90FD-6A56AA8190AC}"/>
+              </a:ext>
+            </a:extLst>
+          </p:cNvPr>
+          <p:cNvSpPr/>
+          <p:nvPr/>
+        </p:nvSpPr>
+        <p:spPr>
+          <a:xfrm>
+            <a:off x="550891" y="3686433"/>
+            <a:ext cx="5206097" cy="288408"/>
+          </a:xfrm>
+          <a:prstGeom prst="rect">
+            <a:avLst/>
+          </a:prstGeom>
+          <a:noFill/>
+          <a:ln w="38100">
+            <a:solidFill>
+              <a:srgbClr val="FF0000"/>
+            </a:solidFill>
+          </a:ln>
+        </p:spPr>
+        <p:style>
+          <a:lnRef idx="2">
+            <a:schemeClr val="accent1">
+              <a:shade val="50000"/>
+            </a:schemeClr>
+          </a:lnRef>
+          <a:fillRef idx="1">
+            <a:schemeClr val="accent1"/>
+          </a:fillRef>
+          <a:effectRef idx="0">
+            <a:schemeClr val="accent1"/>
+          </a:effectRef>
+          <a:fontRef idx="minor">
+            <a:schemeClr val="lt1"/>
+          </a:fontRef>
+        </p:style>
+        <p:txBody>
+          <a:bodyPr rtlCol="0" anchor="ctr"/>
+          <a:lstStyle/>
+          <a:p>
+            <a:pPr algn="ctr"/>
+            <a:endParaRPr lang="ko-KR" altLang="en-US" dirty="0"/>
+          </a:p>
+        </p:txBody>
+      </p:sp>
+      <p:sp>
+        <p:nvSpPr>
+          <p:cNvPr id="11" name="직사각형 10">
+            <a:extLst>
+              <a:ext uri="{FF2B5EF4-FFF2-40B4-BE49-F238E27FC236}">
+                <a16:creationId xmlns:a16="http://schemas.microsoft.com/office/drawing/2014/main" id="{E94E1B7C-85C3-45F5-9FCB-30DEE79542C4}"/>
+              </a:ext>
+            </a:extLst>
+          </p:cNvPr>
+          <p:cNvSpPr/>
+          <p:nvPr/>
+        </p:nvSpPr>
+        <p:spPr>
+          <a:xfrm>
+            <a:off x="7915960" y="3551198"/>
+            <a:ext cx="683095" cy="244948"/>
+          </a:xfrm>
+          <a:prstGeom prst="rect">
+            <a:avLst/>
+          </a:prstGeom>
+          <a:noFill/>
+          <a:ln w="38100">
+            <a:solidFill>
+              <a:srgbClr val="FF0000"/>
+            </a:solidFill>
+          </a:ln>
+        </p:spPr>
+        <p:style>
+          <a:lnRef idx="2">
+            <a:schemeClr val="accent1">
+              <a:shade val="50000"/>
+            </a:schemeClr>
+          </a:lnRef>
+          <a:fillRef idx="1">
+            <a:schemeClr val="accent1"/>
+          </a:fillRef>
+          <a:effectRef idx="0">
+            <a:schemeClr val="accent1"/>
+          </a:effectRef>
+          <a:fontRef idx="minor">
+            <a:schemeClr val="lt1"/>
+          </a:fontRef>
+        </p:style>
+        <p:txBody>
+          <a:bodyPr rtlCol="0" anchor="ctr"/>
+          <a:lstStyle/>
+          <a:p>
+            <a:pPr algn="ctr"/>
+            <a:endParaRPr lang="ko-KR" altLang="en-US" dirty="0"/>
+          </a:p>
+        </p:txBody>
+      </p:sp>
+    </p:spTree>
+    <p:extLst>
+      <p:ext uri="{BB962C8B-B14F-4D97-AF65-F5344CB8AC3E}">
+        <p14:creationId xmlns:p14="http://schemas.microsoft.com/office/powerpoint/2010/main" val="2820073765"/>
+      </p:ext>
+    </p:extLst>
+  </p:cSld>
+  <p:clrMapOvr>
+    <a:masterClrMapping/>
+  </p:clrMapOvr>
+</p:sld>
+</file>
+
+<file path=ppt/slides/slide8.xml><?xml version="1.0" encoding="utf-8"?>
+<p:sld xmlns:a="http://schemas.openxmlformats.org/drawingml/2006/main" xmlns:r="http://schemas.openxmlformats.org/officeDocument/2006/relationships" xmlns:p="http://schemas.openxmlformats.org/presentationml/2006/main">
+  <p:cSld>
+    <p:spTree>
+      <p:nvGrpSpPr>
+        <p:cNvPr id="1" name=""/>
+        <p:cNvGrpSpPr/>
+        <p:nvPr/>
+      </p:nvGrpSpPr>
+      <p:grpSpPr>
+        <a:xfrm>
+          <a:off x="0" y="0"/>
+          <a:ext cx="0" cy="0"/>
+          <a:chOff x="0" y="0"/>
+          <a:chExt cx="0" cy="0"/>
+        </a:xfrm>
+      </p:grpSpPr>
+      <p:sp>
+        <p:nvSpPr>
+          <p:cNvPr id="2" name="제목 1">
+            <a:extLst>
+              <a:ext uri="{FF2B5EF4-FFF2-40B4-BE49-F238E27FC236}">
+                <a16:creationId xmlns:a16="http://schemas.microsoft.com/office/drawing/2014/main" id="{D1035E41-6101-4D4D-A384-750D07996E79}"/>
+              </a:ext>
+            </a:extLst>
+          </p:cNvPr>
+          <p:cNvSpPr>
+            <a:spLocks noGrp="1"/>
+          </p:cNvSpPr>
+          <p:nvPr>
+            <p:ph type="title"/>
+          </p:nvPr>
+        </p:nvSpPr>
+        <p:spPr/>
+        <p:txBody>
+          <a:bodyPr/>
+          <a:lstStyle/>
+          <a:p>
+            <a:r>
+              <a:rPr lang="ko-KR" altLang="en-US" dirty="0"/>
+              <a:t>샘플 </a:t>
+            </a:r>
+            <a:r>
+              <a:rPr lang="ko-KR" altLang="en-US" dirty="0" err="1"/>
+              <a:t>셔플링</a:t>
+            </a:r>
+            <a:r>
+              <a:rPr lang="ko-KR" altLang="en-US" dirty="0"/>
+              <a:t> 적용</a:t>
+            </a:r>
+          </a:p>
+        </p:txBody>
+      </p:sp>
+      <p:sp>
+        <p:nvSpPr>
+          <p:cNvPr id="3" name="내용 개체 틀 2">
+            <a:extLst>
+              <a:ext uri="{FF2B5EF4-FFF2-40B4-BE49-F238E27FC236}">
+                <a16:creationId xmlns:a16="http://schemas.microsoft.com/office/drawing/2014/main" id="{4C874337-6C04-4E9A-BCCF-3B4D2BC0702E}"/>
+              </a:ext>
+            </a:extLst>
+          </p:cNvPr>
+          <p:cNvSpPr>
+            <a:spLocks noGrp="1"/>
+          </p:cNvSpPr>
+          <p:nvPr>
+            <p:ph idx="1"/>
+          </p:nvPr>
+        </p:nvSpPr>
+        <p:spPr/>
+        <p:txBody>
+          <a:bodyPr/>
+          <a:lstStyle/>
+          <a:p>
+            <a:r>
+              <a:rPr lang="ko-KR" altLang="en-US" dirty="0"/>
+              <a:t>샘플 크기만큼의 수를 </a:t>
+            </a:r>
+            <a:r>
+              <a:rPr lang="en-US" altLang="ko-KR" dirty="0" err="1"/>
+              <a:t>ArrayList</a:t>
+            </a:r>
+            <a:r>
+              <a:rPr lang="ko-KR" altLang="en-US" dirty="0"/>
+              <a:t>에 저장 후 </a:t>
+            </a:r>
+            <a:r>
+              <a:rPr lang="ko-KR" altLang="en-US" dirty="0" err="1"/>
+              <a:t>셔플</a:t>
+            </a:r>
+            <a:endParaRPr lang="en-US" altLang="ko-KR" dirty="0"/>
+          </a:p>
+          <a:p>
+            <a:r>
+              <a:rPr lang="ko-KR" altLang="en-US" dirty="0"/>
+              <a:t>해당 </a:t>
+            </a:r>
+            <a:r>
+              <a:rPr lang="en-US" altLang="ko-KR" dirty="0" err="1"/>
+              <a:t>ArrayList</a:t>
+            </a:r>
+            <a:r>
+              <a:rPr lang="ko-KR" altLang="en-US" dirty="0"/>
+              <a:t>의 순서대로 샘플을 꺼내서 차례로 학습하는 방법 사용</a:t>
+            </a:r>
+          </a:p>
+        </p:txBody>
+      </p:sp>
+      <p:sp>
+        <p:nvSpPr>
+          <p:cNvPr id="4" name="날짜 개체 틀 3">
+            <a:extLst>
+              <a:ext uri="{FF2B5EF4-FFF2-40B4-BE49-F238E27FC236}">
+                <a16:creationId xmlns:a16="http://schemas.microsoft.com/office/drawing/2014/main" id="{BE3E49E6-CF59-4621-B91D-D49C094BBB9A}"/>
+              </a:ext>
+            </a:extLst>
+          </p:cNvPr>
+          <p:cNvSpPr>
+            <a:spLocks noGrp="1"/>
+          </p:cNvSpPr>
+          <p:nvPr>
+            <p:ph type="dt" sz="half" idx="10"/>
+          </p:nvPr>
+        </p:nvSpPr>
+        <p:spPr/>
+        <p:txBody>
+          <a:bodyPr/>
+          <a:lstStyle/>
+          <a:p>
+            <a:r>
+              <a:rPr lang="ko-KR" altLang="en-US"/>
+              <a:t>권철현</a:t>
+            </a:r>
+            <a:r>
+              <a:rPr lang="en-US" altLang="ko-KR"/>
+              <a:t>, </a:t>
+            </a:r>
+            <a:r>
+              <a:rPr lang="ko-KR" altLang="en-US"/>
+              <a:t>신재하</a:t>
+            </a:r>
+          </a:p>
+        </p:txBody>
+      </p:sp>
+      <p:sp>
+        <p:nvSpPr>
+          <p:cNvPr id="5" name="슬라이드 번호 개체 틀 4">
+            <a:extLst>
+              <a:ext uri="{FF2B5EF4-FFF2-40B4-BE49-F238E27FC236}">
+                <a16:creationId xmlns:a16="http://schemas.microsoft.com/office/drawing/2014/main" id="{0A6CD67A-278A-4627-913D-2D552651ADB5}"/>
+              </a:ext>
+            </a:extLst>
+          </p:cNvPr>
+          <p:cNvSpPr>
+            <a:spLocks noGrp="1"/>
+          </p:cNvSpPr>
+          <p:nvPr>
+            <p:ph type="sldNum" sz="quarter" idx="12"/>
+          </p:nvPr>
+        </p:nvSpPr>
+        <p:spPr/>
+        <p:txBody>
+          <a:bodyPr/>
+          <a:lstStyle/>
+          <a:p>
+            <a:fld id="{5FF72CB3-86FB-4DBB-A7AC-E8F6F3DA156B}" type="slidenum">
+              <a:rPr lang="ko-KR" altLang="en-US" smtClean="0"/>
+              <a:pPr/>
+              <a:t>8</a:t>
+            </a:fld>
+            <a:endParaRPr lang="ko-KR" altLang="en-US"/>
+          </a:p>
+        </p:txBody>
+      </p:sp>
+      <p:pic>
+        <p:nvPicPr>
+          <p:cNvPr id="7" name="그림 6">
+            <a:extLst>
+              <a:ext uri="{FF2B5EF4-FFF2-40B4-BE49-F238E27FC236}">
+                <a16:creationId xmlns:a16="http://schemas.microsoft.com/office/drawing/2014/main" id="{56C916BC-30B5-4FD8-A5E5-D77303A761F6}"/>
+              </a:ext>
+            </a:extLst>
+          </p:cNvPr>
+          <p:cNvPicPr>
+            <a:picLocks noChangeAspect="1"/>
+          </p:cNvPicPr>
+          <p:nvPr/>
+        </p:nvPicPr>
+        <p:blipFill>
+          <a:blip r:embed="rId2"/>
+          <a:stretch>
+            <a:fillRect/>
+          </a:stretch>
+        </p:blipFill>
+        <p:spPr>
+          <a:xfrm>
+            <a:off x="485192" y="3058949"/>
+            <a:ext cx="4012163" cy="1309009"/>
+          </a:xfrm>
+          <a:prstGeom prst="rect">
+            <a:avLst/>
+          </a:prstGeom>
+        </p:spPr>
+      </p:pic>
+      <p:pic>
+        <p:nvPicPr>
+          <p:cNvPr id="9" name="그림 8">
+            <a:extLst>
+              <a:ext uri="{FF2B5EF4-FFF2-40B4-BE49-F238E27FC236}">
+                <a16:creationId xmlns:a16="http://schemas.microsoft.com/office/drawing/2014/main" id="{5EFF858F-2C4C-47CA-9360-70CFCB32BF94}"/>
+              </a:ext>
+            </a:extLst>
+          </p:cNvPr>
+          <p:cNvPicPr>
+            <a:picLocks noChangeAspect="1"/>
+          </p:cNvPicPr>
+          <p:nvPr/>
+        </p:nvPicPr>
+        <p:blipFill>
+          <a:blip r:embed="rId3"/>
+          <a:stretch>
+            <a:fillRect/>
+          </a:stretch>
+        </p:blipFill>
+        <p:spPr>
+          <a:xfrm>
+            <a:off x="485192" y="4807170"/>
+            <a:ext cx="9812119" cy="866896"/>
+          </a:xfrm>
+          <a:prstGeom prst="rect">
+            <a:avLst/>
+          </a:prstGeom>
+        </p:spPr>
+      </p:pic>
+      <p:sp>
+        <p:nvSpPr>
+          <p:cNvPr id="10" name="직사각형 9">
+            <a:extLst>
+              <a:ext uri="{FF2B5EF4-FFF2-40B4-BE49-F238E27FC236}">
+                <a16:creationId xmlns:a16="http://schemas.microsoft.com/office/drawing/2014/main" id="{36EC4F1D-ADB6-48F0-9670-61D805A41623}"/>
+              </a:ext>
+            </a:extLst>
+          </p:cNvPr>
+          <p:cNvSpPr/>
+          <p:nvPr/>
+        </p:nvSpPr>
+        <p:spPr>
+          <a:xfrm>
+            <a:off x="485193" y="4068147"/>
+            <a:ext cx="2631232" cy="299811"/>
+          </a:xfrm>
+          <a:prstGeom prst="rect">
+            <a:avLst/>
+          </a:prstGeom>
+          <a:noFill/>
+          <a:ln w="38100">
+            <a:solidFill>
+              <a:srgbClr val="FF0000"/>
+            </a:solidFill>
+          </a:ln>
+        </p:spPr>
+        <p:style>
+          <a:lnRef idx="2">
+            <a:schemeClr val="accent1">
+              <a:shade val="50000"/>
+            </a:schemeClr>
+          </a:lnRef>
+          <a:fillRef idx="1">
+            <a:schemeClr val="accent1"/>
+          </a:fillRef>
+          <a:effectRef idx="0">
+            <a:schemeClr val="accent1"/>
+          </a:effectRef>
+          <a:fontRef idx="minor">
+            <a:schemeClr val="lt1"/>
+          </a:fontRef>
+        </p:style>
+        <p:txBody>
+          <a:bodyPr rtlCol="0" anchor="ctr"/>
+          <a:lstStyle/>
+          <a:p>
+            <a:pPr algn="ctr"/>
+            <a:endParaRPr lang="ko-KR" altLang="en-US" dirty="0"/>
+          </a:p>
+        </p:txBody>
+      </p:sp>
+      <p:sp>
+        <p:nvSpPr>
+          <p:cNvPr id="11" name="직사각형 10">
+            <a:extLst>
+              <a:ext uri="{FF2B5EF4-FFF2-40B4-BE49-F238E27FC236}">
+                <a16:creationId xmlns:a16="http://schemas.microsoft.com/office/drawing/2014/main" id="{D783733D-13BA-46A4-A1CD-40FAA2C87F7B}"/>
+              </a:ext>
+            </a:extLst>
+          </p:cNvPr>
+          <p:cNvSpPr/>
+          <p:nvPr/>
+        </p:nvSpPr>
+        <p:spPr>
+          <a:xfrm>
+            <a:off x="5135418" y="5033818"/>
+            <a:ext cx="1126838" cy="206800"/>
+          </a:xfrm>
+          <a:prstGeom prst="rect">
+            <a:avLst/>
+          </a:prstGeom>
+          <a:noFill/>
+          <a:ln w="38100">
+            <a:solidFill>
+              <a:srgbClr val="FF0000"/>
+            </a:solidFill>
+          </a:ln>
+        </p:spPr>
+        <p:style>
+          <a:lnRef idx="2">
+            <a:schemeClr val="accent1">
+              <a:shade val="50000"/>
+            </a:schemeClr>
+          </a:lnRef>
+          <a:fillRef idx="1">
+            <a:schemeClr val="accent1"/>
+          </a:fillRef>
+          <a:effectRef idx="0">
+            <a:schemeClr val="accent1"/>
+          </a:effectRef>
+          <a:fontRef idx="minor">
+            <a:schemeClr val="lt1"/>
+          </a:fontRef>
+        </p:style>
+        <p:txBody>
+          <a:bodyPr rtlCol="0" anchor="ctr"/>
+          <a:lstStyle/>
+          <a:p>
+            <a:pPr algn="ctr"/>
+            <a:endParaRPr lang="ko-KR" altLang="en-US" dirty="0"/>
+          </a:p>
+        </p:txBody>
+      </p:sp>
+      <p:sp>
+        <p:nvSpPr>
+          <p:cNvPr id="12" name="직사각형 11">
+            <a:extLst>
+              <a:ext uri="{FF2B5EF4-FFF2-40B4-BE49-F238E27FC236}">
+                <a16:creationId xmlns:a16="http://schemas.microsoft.com/office/drawing/2014/main" id="{24EFF29A-71F3-4CC0-B242-B2DC9B1B8B97}"/>
+              </a:ext>
+            </a:extLst>
+          </p:cNvPr>
+          <p:cNvSpPr/>
+          <p:nvPr/>
+        </p:nvSpPr>
+        <p:spPr>
+          <a:xfrm>
+            <a:off x="8321962" y="5033818"/>
+            <a:ext cx="1126838" cy="206800"/>
+          </a:xfrm>
+          <a:prstGeom prst="rect">
+            <a:avLst/>
+          </a:prstGeom>
+          <a:noFill/>
+          <a:ln w="38100">
+            <a:solidFill>
+              <a:srgbClr val="FF0000"/>
+            </a:solidFill>
+          </a:ln>
+        </p:spPr>
+        <p:style>
+          <a:lnRef idx="2">
+            <a:schemeClr val="accent1">
+              <a:shade val="50000"/>
+            </a:schemeClr>
+          </a:lnRef>
+          <a:fillRef idx="1">
+            <a:schemeClr val="accent1"/>
+          </a:fillRef>
+          <a:effectRef idx="0">
+            <a:schemeClr val="accent1"/>
+          </a:effectRef>
+          <a:fontRef idx="minor">
+            <a:schemeClr val="lt1"/>
+          </a:fontRef>
+        </p:style>
+        <p:txBody>
+          <a:bodyPr rtlCol="0" anchor="ctr"/>
+          <a:lstStyle/>
+          <a:p>
+            <a:pPr algn="ctr"/>
+            <a:endParaRPr lang="ko-KR" altLang="en-US" dirty="0"/>
+          </a:p>
+        </p:txBody>
+      </p:sp>
+    </p:spTree>
+    <p:extLst>
+      <p:ext uri="{BB962C8B-B14F-4D97-AF65-F5344CB8AC3E}">
+        <p14:creationId xmlns:p14="http://schemas.microsoft.com/office/powerpoint/2010/main" val="3867526389"/>
+      </p:ext>
+    </p:extLst>
+  </p:cSld>
+  <p:clrMapOvr>
+    <a:masterClrMapping/>
+  </p:clrMapOvr>
+</p:sld>
+</file>
+
+<file path=ppt/slides/slide9.xml><?xml version="1.0" encoding="utf-8"?>
+<p:sld xmlns:a="http://schemas.openxmlformats.org/drawingml/2006/main" xmlns:r="http://schemas.openxmlformats.org/officeDocument/2006/relationships" xmlns:p="http://schemas.openxmlformats.org/presentationml/2006/main">
+  <p:cSld>
+    <p:spTree>
+      <p:nvGrpSpPr>
+        <p:cNvPr id="1" name=""/>
+        <p:cNvGrpSpPr/>
+        <p:nvPr/>
+      </p:nvGrpSpPr>
+      <p:grpSpPr>
+        <a:xfrm>
+          <a:off x="0" y="0"/>
+          <a:ext cx="0" cy="0"/>
+          <a:chOff x="0" y="0"/>
+          <a:chExt cx="0" cy="0"/>
+        </a:xfrm>
+      </p:grpSpPr>
+      <p:sp>
+        <p:nvSpPr>
+          <p:cNvPr id="2" name="제목 1">
+            <a:extLst>
+              <a:ext uri="{FF2B5EF4-FFF2-40B4-BE49-F238E27FC236}">
+                <a16:creationId xmlns:a16="http://schemas.microsoft.com/office/drawing/2014/main" id="{D2B832A7-70E0-4E5F-BB30-82F2578BBE86}"/>
+              </a:ext>
+            </a:extLst>
+          </p:cNvPr>
+          <p:cNvSpPr>
+            <a:spLocks noGrp="1"/>
+          </p:cNvSpPr>
+          <p:nvPr>
+            <p:ph type="title"/>
+          </p:nvPr>
+        </p:nvSpPr>
+        <p:spPr/>
+        <p:txBody>
+          <a:bodyPr/>
+          <a:lstStyle/>
+          <a:p>
+            <a:r>
+              <a:rPr lang="en-US" altLang="ko-KR" dirty="0"/>
+              <a:t>DB </a:t>
+            </a:r>
+            <a:r>
+              <a:rPr lang="ko-KR" altLang="en-US" dirty="0"/>
+              <a:t>사용 결과 </a:t>
+            </a:r>
+          </a:p>
+        </p:txBody>
+      </p:sp>
+      <p:sp>
+        <p:nvSpPr>
+          <p:cNvPr id="3" name="내용 개체 틀 2">
+            <a:extLst>
+              <a:ext uri="{FF2B5EF4-FFF2-40B4-BE49-F238E27FC236}">
+                <a16:creationId xmlns:a16="http://schemas.microsoft.com/office/drawing/2014/main" id="{1CB782CC-C579-4843-863D-4C2B77807C44}"/>
+              </a:ext>
+            </a:extLst>
+          </p:cNvPr>
+          <p:cNvSpPr>
+            <a:spLocks noGrp="1"/>
+          </p:cNvSpPr>
+          <p:nvPr>
+            <p:ph idx="1"/>
+          </p:nvPr>
+        </p:nvSpPr>
+        <p:spPr/>
+        <p:txBody>
+          <a:bodyPr/>
+          <a:lstStyle/>
+          <a:p>
+            <a:r>
+              <a:rPr lang="en-US" altLang="ko-KR" dirty="0"/>
+              <a:t>DB</a:t>
+            </a:r>
+            <a:r>
+              <a:rPr lang="ko-KR" altLang="en-US" dirty="0"/>
+              <a:t>를 사용하여 샘플을 저장하고</a:t>
+            </a:r>
+            <a:r>
+              <a:rPr lang="en-US" altLang="ko-KR" dirty="0"/>
+              <a:t>, </a:t>
+            </a:r>
+            <a:r>
+              <a:rPr lang="ko-KR" altLang="en-US" dirty="0" err="1"/>
+              <a:t>셔플을</a:t>
+            </a:r>
+            <a:r>
+              <a:rPr lang="ko-KR" altLang="en-US" dirty="0"/>
+              <a:t> 적용하여 학습을 진행함</a:t>
+            </a:r>
+            <a:endParaRPr lang="en-US" altLang="ko-KR" dirty="0"/>
+          </a:p>
+          <a:p>
+            <a:r>
+              <a:rPr lang="ko-KR" altLang="en-US" dirty="0"/>
+              <a:t>다른 방법들처럼 각 클래스별 </a:t>
+            </a:r>
+            <a:r>
+              <a:rPr lang="en-US" altLang="ko-KR" dirty="0"/>
+              <a:t>100</a:t>
+            </a:r>
+            <a:r>
+              <a:rPr lang="ko-KR" altLang="en-US" dirty="0"/>
+              <a:t>장의 샘플로 학습 진행</a:t>
+            </a:r>
+            <a:endParaRPr lang="en-US" altLang="ko-KR" dirty="0"/>
+          </a:p>
+          <a:p>
+            <a:pPr lvl="1"/>
+            <a:r>
+              <a:rPr lang="ko-KR" altLang="en-US" dirty="0"/>
+              <a:t>개선한 파일 입출력 방식</a:t>
+            </a:r>
+            <a:r>
+              <a:rPr lang="en-US" altLang="ko-KR" dirty="0"/>
+              <a:t>: </a:t>
+            </a:r>
+            <a:r>
+              <a:rPr lang="ko-KR" altLang="en-US" dirty="0"/>
+              <a:t>약 </a:t>
+            </a:r>
+            <a:r>
+              <a:rPr lang="en-US" altLang="ko-KR" dirty="0"/>
+              <a:t>40</a:t>
+            </a:r>
+            <a:r>
+              <a:rPr lang="ko-KR" altLang="en-US" dirty="0"/>
+              <a:t>초 가량 소요 </a:t>
+            </a:r>
+            <a:r>
+              <a:rPr lang="en-US" altLang="ko-KR" dirty="0"/>
+              <a:t>	(</a:t>
+            </a:r>
+            <a:r>
+              <a:rPr lang="ko-KR" altLang="en-US" dirty="0" err="1"/>
+              <a:t>셔플</a:t>
+            </a:r>
+            <a:r>
+              <a:rPr lang="ko-KR" altLang="en-US" dirty="0"/>
+              <a:t> </a:t>
+            </a:r>
+            <a:r>
+              <a:rPr lang="en-US" altLang="ko-KR" dirty="0"/>
+              <a:t>X)</a:t>
+            </a:r>
+          </a:p>
+          <a:p>
+            <a:pPr lvl="1"/>
+            <a:r>
+              <a:rPr lang="en-US" altLang="ko-KR" dirty="0"/>
+              <a:t>DB</a:t>
+            </a:r>
+            <a:r>
+              <a:rPr lang="ko-KR" altLang="en-US" dirty="0"/>
+              <a:t>를 사용하는 방식</a:t>
+            </a:r>
+            <a:r>
+              <a:rPr lang="en-US" altLang="ko-KR" dirty="0"/>
+              <a:t>:</a:t>
+            </a:r>
+            <a:r>
+              <a:rPr lang="ko-KR" altLang="en-US" dirty="0"/>
+              <a:t> 약 </a:t>
+            </a:r>
+            <a:r>
+              <a:rPr lang="en-US" altLang="ko-KR" dirty="0">
+                <a:solidFill>
+                  <a:srgbClr val="FF0000"/>
+                </a:solidFill>
+              </a:rPr>
+              <a:t>1</a:t>
+            </a:r>
+            <a:r>
+              <a:rPr lang="ko-KR" altLang="en-US" dirty="0">
+                <a:solidFill>
+                  <a:srgbClr val="FF0000"/>
+                </a:solidFill>
+              </a:rPr>
+              <a:t>분 </a:t>
+            </a:r>
+            <a:r>
+              <a:rPr lang="en-US" altLang="ko-KR" dirty="0">
+                <a:solidFill>
+                  <a:srgbClr val="FF0000"/>
+                </a:solidFill>
+              </a:rPr>
+              <a:t>50</a:t>
+            </a:r>
+            <a:r>
+              <a:rPr lang="ko-KR" altLang="en-US" dirty="0"/>
+              <a:t>초 가량 소요</a:t>
+            </a:r>
+            <a:r>
+              <a:rPr lang="en-US" altLang="ko-KR" dirty="0"/>
+              <a:t>	(</a:t>
+            </a:r>
+            <a:r>
+              <a:rPr lang="ko-KR" altLang="en-US" dirty="0" err="1"/>
+              <a:t>셔플</a:t>
+            </a:r>
+            <a:r>
+              <a:rPr lang="ko-KR" altLang="en-US" dirty="0"/>
+              <a:t> </a:t>
+            </a:r>
+            <a:r>
+              <a:rPr lang="en-US" altLang="ko-KR" dirty="0"/>
+              <a:t>O)</a:t>
+            </a:r>
+          </a:p>
+          <a:p>
+            <a:pPr lvl="1"/>
+            <a:r>
+              <a:rPr lang="ko-KR" altLang="en-US" dirty="0"/>
+              <a:t>기존의 어플리케이션</a:t>
+            </a:r>
+            <a:r>
+              <a:rPr lang="en-US" altLang="ko-KR" dirty="0"/>
+              <a:t>:</a:t>
+            </a:r>
+            <a:r>
+              <a:rPr lang="ko-KR" altLang="en-US" dirty="0"/>
+              <a:t> 약 </a:t>
+            </a:r>
+            <a:r>
+              <a:rPr lang="en-US" altLang="ko-KR" dirty="0"/>
+              <a:t>0.3</a:t>
+            </a:r>
+            <a:r>
+              <a:rPr lang="ko-KR" altLang="en-US" dirty="0"/>
+              <a:t>초 가량 소요</a:t>
+            </a:r>
+            <a:r>
+              <a:rPr lang="en-US" altLang="ko-KR" dirty="0"/>
+              <a:t>		(</a:t>
+            </a:r>
+            <a:r>
+              <a:rPr lang="ko-KR" altLang="en-US" dirty="0" err="1"/>
+              <a:t>셔플</a:t>
+            </a:r>
+            <a:r>
+              <a:rPr lang="ko-KR" altLang="en-US" dirty="0"/>
+              <a:t> </a:t>
+            </a:r>
+            <a:r>
+              <a:rPr lang="en-US" altLang="ko-KR" dirty="0"/>
+              <a:t>O)</a:t>
+            </a:r>
+          </a:p>
+          <a:p>
+            <a:pPr lvl="1"/>
+            <a:endParaRPr lang="en-US" altLang="ko-KR" dirty="0"/>
+          </a:p>
+          <a:p>
+            <a:r>
+              <a:rPr lang="ko-KR" altLang="en-US" dirty="0">
+                <a:solidFill>
+                  <a:srgbClr val="C00000"/>
+                </a:solidFill>
+              </a:rPr>
+              <a:t>여전히 속도 문제 존재 </a:t>
+            </a:r>
+          </a:p>
+        </p:txBody>
+      </p:sp>
+      <p:sp>
+        <p:nvSpPr>
+          <p:cNvPr id="4" name="날짜 개체 틀 3">
+            <a:extLst>
+              <a:ext uri="{FF2B5EF4-FFF2-40B4-BE49-F238E27FC236}">
+                <a16:creationId xmlns:a16="http://schemas.microsoft.com/office/drawing/2014/main" id="{10998DC9-7A87-4EF6-9073-782196293FB8}"/>
+              </a:ext>
+            </a:extLst>
+          </p:cNvPr>
+          <p:cNvSpPr>
+            <a:spLocks noGrp="1"/>
+          </p:cNvSpPr>
+          <p:nvPr>
+            <p:ph type="dt" sz="half" idx="10"/>
+          </p:nvPr>
+        </p:nvSpPr>
+        <p:spPr/>
+        <p:txBody>
+          <a:bodyPr/>
+          <a:lstStyle/>
+          <a:p>
+            <a:r>
+              <a:rPr lang="ko-KR" altLang="en-US"/>
+              <a:t>권철현</a:t>
+            </a:r>
+            <a:r>
+              <a:rPr lang="en-US" altLang="ko-KR"/>
+              <a:t>, </a:t>
+            </a:r>
+            <a:r>
+              <a:rPr lang="ko-KR" altLang="en-US"/>
+              <a:t>신재하</a:t>
+            </a:r>
+          </a:p>
+        </p:txBody>
+      </p:sp>
+      <p:sp>
+        <p:nvSpPr>
+          <p:cNvPr id="5" name="슬라이드 번호 개체 틀 4">
+            <a:extLst>
+              <a:ext uri="{FF2B5EF4-FFF2-40B4-BE49-F238E27FC236}">
+                <a16:creationId xmlns:a16="http://schemas.microsoft.com/office/drawing/2014/main" id="{62C6301A-C5DF-4BAA-8DB7-5FC5D5A0EC6E}"/>
+              </a:ext>
+            </a:extLst>
+          </p:cNvPr>
+          <p:cNvSpPr>
+            <a:spLocks noGrp="1"/>
+          </p:cNvSpPr>
+          <p:nvPr>
+            <p:ph type="sldNum" sz="quarter" idx="12"/>
+          </p:nvPr>
+        </p:nvSpPr>
+        <p:spPr/>
+        <p:txBody>
+          <a:bodyPr/>
+          <a:lstStyle/>
+          <a:p>
+            <a:fld id="{5FF72CB3-86FB-4DBB-A7AC-E8F6F3DA156B}" type="slidenum">
+              <a:rPr lang="ko-KR" altLang="en-US" smtClean="0"/>
+              <a:pPr/>
+              <a:t>9</a:t>
+            </a:fld>
+            <a:endParaRPr lang="ko-KR" altLang="en-US"/>
+          </a:p>
+        </p:txBody>
+      </p:sp>
+    </p:spTree>
+    <p:extLst>
+      <p:ext uri="{BB962C8B-B14F-4D97-AF65-F5344CB8AC3E}">
+        <p14:creationId xmlns:p14="http://schemas.microsoft.com/office/powerpoint/2010/main" val="1144000177"/>
       </p:ext>
     </p:extLst>
   </p:cSld>

--- a/2022.02.18/권철현,신재하.pptx
+++ b/2022.02.18/권철현,신재하.pptx
@@ -3911,12 +3911,9 @@
             </a:r>
             <a:r>
               <a:rPr lang="ko-KR" altLang="en-US" dirty="0"/>
-              <a:t>을 이용하여 디스크 드라이브를 구현하는 방식으로 하드웨어 방식과 소프트웨어 방식이 있다</a:t>
-            </a:r>
-            <a:r>
-              <a:rPr lang="en-US" altLang="ko-KR" dirty="0"/>
-              <a:t>.</a:t>
-            </a:r>
+              <a:t>을 이용하여 디스크 드라이브를 구현하는 방식으로 하드웨어 방식과 소프트웨어 방식이 존재</a:t>
+            </a:r>
+            <a:endParaRPr lang="en-US" altLang="ko-KR" dirty="0"/>
           </a:p>
           <a:p>
             <a:pPr lvl="1"/>
@@ -3930,7 +3927,7 @@
             </a:r>
             <a:r>
               <a:rPr lang="ko-KR" altLang="en-US" dirty="0"/>
-              <a:t>휘발성 종류의 </a:t>
+              <a:t>휘발성의 </a:t>
             </a:r>
             <a:r>
               <a:rPr lang="ko-KR" altLang="en-US" dirty="0" err="1"/>
@@ -3946,12 +3943,9 @@
             </a:r>
             <a:r>
               <a:rPr lang="ko-KR" altLang="en-US" dirty="0"/>
-              <a:t> 드라이브를 가리킨다</a:t>
-            </a:r>
-            <a:r>
-              <a:rPr lang="en-US" altLang="ko-KR" dirty="0"/>
-              <a:t>.</a:t>
-            </a:r>
+              <a:t> 드라이브</a:t>
+            </a:r>
+            <a:endParaRPr lang="en-US" altLang="ko-KR" dirty="0"/>
           </a:p>
           <a:p>
             <a:pPr lvl="1"/>
@@ -3965,11 +3959,7 @@
             </a:r>
             <a:r>
               <a:rPr lang="ko-KR" altLang="en-US" dirty="0"/>
-              <a:t>램을 보조기억 장치로 활용하는 소프트웨어를 </a:t>
-            </a:r>
-            <a:r>
-              <a:rPr lang="ko-KR" altLang="en-US" dirty="0" err="1"/>
-              <a:t>줄인말</a:t>
+              <a:t>램을 보조기억 장치로 활용하는 소프트웨어를 줄인 말</a:t>
             </a:r>
             <a:endParaRPr lang="en-US" altLang="ko-KR" dirty="0"/>
           </a:p>
@@ -3980,12 +3970,9 @@
           <a:p>
             <a:r>
               <a:rPr lang="ko-KR" altLang="en-US" dirty="0"/>
-              <a:t>기존의 기계적 방식의 디스크 드라이브에 비해 접근시간이 매우 짧다</a:t>
-            </a:r>
-            <a:r>
-              <a:rPr lang="en-US" altLang="ko-KR" dirty="0"/>
-              <a:t>.</a:t>
-            </a:r>
+              <a:t>기존의 기계적 방식의 디스크 드라이브에 비해 접근시간이 매우 짧음</a:t>
+            </a:r>
+            <a:endParaRPr lang="en-US" altLang="ko-KR" dirty="0"/>
           </a:p>
         </p:txBody>
       </p:sp>
@@ -4184,13 +4171,8 @@
             <a:pPr lvl="1"/>
             <a:r>
               <a:rPr lang="ko-KR" altLang="en-US" dirty="0"/>
-              <a:t>이러한 문제에도 속도 측면에서 보조 기억장치와 크게 차이 나기 때문에 성능이 중요한 환경에서 사용 </a:t>
-            </a:r>
-            <a:r>
-              <a:rPr lang="ko-KR" altLang="en-US" dirty="0" err="1"/>
-              <a:t>되어짐</a:t>
-            </a:r>
-            <a:endParaRPr lang="ko-KR" altLang="en-US" dirty="0"/>
+              <a:t>이러한 문제에도 속도 측면에서 보조 기억장치와 크게 차이 나기 때문에 성능이 중요한 환경에서 사용됨</a:t>
+            </a:r>
           </a:p>
         </p:txBody>
       </p:sp>
@@ -4425,7 +4407,7 @@
             </a:r>
             <a:r>
               <a:rPr lang="en-US" altLang="ko-KR" dirty="0"/>
-              <a:t>x</a:t>
+              <a:t>X</a:t>
             </a:r>
           </a:p>
           <a:p>
@@ -4458,15 +4440,7 @@
             </a:r>
             <a:r>
               <a:rPr lang="ko-KR" altLang="en-US" dirty="0"/>
-              <a:t>를 </a:t>
-            </a:r>
-            <a:r>
-              <a:rPr lang="ko-KR" altLang="en-US" dirty="0" err="1"/>
-              <a:t>마운트할</a:t>
-            </a:r>
-            <a:r>
-              <a:rPr lang="ko-KR" altLang="en-US" dirty="0"/>
-              <a:t> 때에 디스크 크기를 지정할 수 있다</a:t>
+              <a:t>를 마운트 할 때에 디스크 크기를 지정할 수 있음</a:t>
             </a:r>
             <a:r>
               <a:rPr lang="en-US" altLang="ko-KR" dirty="0"/>
@@ -4494,7 +4468,7 @@
             </a:r>
             <a:r>
               <a:rPr lang="en-US" altLang="ko-KR" dirty="0"/>
-              <a:t>o</a:t>
+              <a:t>O</a:t>
             </a:r>
             <a:endParaRPr lang="ko-KR" altLang="en-US" dirty="0"/>
           </a:p>
@@ -14283,7 +14257,7 @@
                   <a:schemeClr val="tx1"/>
                 </a:solidFill>
               </a:rPr>
-              <a:t> nano/</a:t>
+              <a:t> nano /</a:t>
             </a:r>
             <a:r>
               <a:rPr lang="en-US" altLang="ko-KR" sz="2800" b="1" dirty="0" err="1">

--- a/2022.02.18/권철현,신재하.pptx
+++ b/2022.02.18/권철현,신재하.pptx
@@ -5,7 +5,7 @@
     <p:sldMasterId id="2147483648" r:id="rId1"/>
   </p:sldMasterIdLst>
   <p:notesMasterIdLst>
-    <p:notesMasterId r:id="rId47"/>
+    <p:notesMasterId r:id="rId50"/>
   </p:notesMasterIdLst>
   <p:sldIdLst>
     <p:sldId id="259" r:id="rId2"/>
@@ -52,7 +52,10 @@
     <p:sldId id="329" r:id="rId43"/>
     <p:sldId id="334" r:id="rId44"/>
     <p:sldId id="330" r:id="rId45"/>
-    <p:sldId id="273" r:id="rId46"/>
+    <p:sldId id="341" r:id="rId46"/>
+    <p:sldId id="342" r:id="rId47"/>
+    <p:sldId id="343" r:id="rId48"/>
+    <p:sldId id="273" r:id="rId49"/>
   </p:sldIdLst>
   <p:sldSz cx="12192000" cy="6858000"/>
   <p:notesSz cx="6858000" cy="9144000"/>
@@ -1207,6 +1210,2184 @@
 </pc:chgInfo>
 </file>
 
+<file path=ppt/charts/chart1.xml><?xml version="1.0" encoding="utf-8"?>
+<c:chartSpace xmlns:c="http://schemas.openxmlformats.org/drawingml/2006/chart" xmlns:a="http://schemas.openxmlformats.org/drawingml/2006/main" xmlns:r="http://schemas.openxmlformats.org/officeDocument/2006/relationships" xmlns:c16r2="http://schemas.microsoft.com/office/drawing/2015/06/chart">
+  <c:date1904 val="0"/>
+  <c:lang val="ko-KR"/>
+  <c:roundedCorners val="0"/>
+  <mc:AlternateContent xmlns:mc="http://schemas.openxmlformats.org/markup-compatibility/2006">
+    <mc:Choice xmlns:c14="http://schemas.microsoft.com/office/drawing/2007/8/2/chart" Requires="c14">
+      <c14:style val="102"/>
+    </mc:Choice>
+    <mc:Fallback>
+      <c:style val="2"/>
+    </mc:Fallback>
+  </mc:AlternateContent>
+  <c:chart>
+    <c:title>
+      <c:tx>
+        <c:rich>
+          <a:bodyPr rot="0" spcFirstLastPara="1" vertOverflow="ellipsis" vert="horz" wrap="square" anchor="ctr" anchorCtr="1"/>
+          <a:lstStyle/>
+          <a:p>
+            <a:pPr>
+              <a:defRPr sz="1862" b="0" i="0" u="none" strike="noStrike" kern="1200" spc="0" baseline="0">
+                <a:solidFill>
+                  <a:schemeClr val="tx1">
+                    <a:lumMod val="65000"/>
+                    <a:lumOff val="35000"/>
+                  </a:schemeClr>
+                </a:solidFill>
+                <a:latin typeface="+mn-lt"/>
+                <a:ea typeface="+mn-ea"/>
+                <a:cs typeface="+mn-cs"/>
+              </a:defRPr>
+            </a:pPr>
+            <a:r>
+              <a:rPr lang="en-US" altLang="ko-KR" dirty="0" err="1"/>
+              <a:t>randwrite</a:t>
+            </a:r>
+            <a:endParaRPr lang="ko-KR" altLang="en-US" dirty="0"/>
+          </a:p>
+        </c:rich>
+      </c:tx>
+      <c:overlay val="0"/>
+      <c:spPr>
+        <a:noFill/>
+        <a:ln>
+          <a:noFill/>
+        </a:ln>
+        <a:effectLst/>
+      </c:spPr>
+      <c:txPr>
+        <a:bodyPr rot="0" spcFirstLastPara="1" vertOverflow="ellipsis" vert="horz" wrap="square" anchor="ctr" anchorCtr="1"/>
+        <a:lstStyle/>
+        <a:p>
+          <a:pPr>
+            <a:defRPr sz="1862" b="0" i="0" u="none" strike="noStrike" kern="1200" spc="0" baseline="0">
+              <a:solidFill>
+                <a:schemeClr val="tx1">
+                  <a:lumMod val="65000"/>
+                  <a:lumOff val="35000"/>
+                </a:schemeClr>
+              </a:solidFill>
+              <a:latin typeface="+mn-lt"/>
+              <a:ea typeface="+mn-ea"/>
+              <a:cs typeface="+mn-cs"/>
+            </a:defRPr>
+          </a:pPr>
+          <a:endParaRPr lang="ko-KR"/>
+        </a:p>
+      </c:txPr>
+    </c:title>
+    <c:autoTitleDeleted val="0"/>
+    <c:plotArea>
+      <c:layout/>
+      <c:lineChart>
+        <c:grouping val="standard"/>
+        <c:varyColors val="0"/>
+        <c:ser>
+          <c:idx val="0"/>
+          <c:order val="0"/>
+          <c:tx>
+            <c:strRef>
+              <c:f>Sheet1!$B$1</c:f>
+              <c:strCache>
+                <c:ptCount val="1"/>
+                <c:pt idx="0">
+                  <c:v>ssd</c:v>
+                </c:pt>
+              </c:strCache>
+            </c:strRef>
+          </c:tx>
+          <c:spPr>
+            <a:ln w="28575" cap="rnd">
+              <a:solidFill>
+                <a:srgbClr val="002060"/>
+              </a:solidFill>
+              <a:round/>
+            </a:ln>
+            <a:effectLst/>
+          </c:spPr>
+          <c:marker>
+            <c:symbol val="circle"/>
+            <c:size val="5"/>
+            <c:spPr>
+              <a:solidFill>
+                <a:schemeClr val="accent1"/>
+              </a:solidFill>
+              <a:ln w="9525">
+                <a:solidFill>
+                  <a:srgbClr val="002060"/>
+                </a:solidFill>
+              </a:ln>
+              <a:effectLst/>
+            </c:spPr>
+          </c:marker>
+          <c:dLbls>
+            <c:spPr>
+              <a:noFill/>
+              <a:ln>
+                <a:noFill/>
+              </a:ln>
+              <a:effectLst/>
+            </c:spPr>
+            <c:txPr>
+              <a:bodyPr rot="0" spcFirstLastPara="1" vertOverflow="ellipsis" vert="horz" wrap="square" lIns="38100" tIns="19050" rIns="38100" bIns="19050" anchor="ctr" anchorCtr="1">
+                <a:spAutoFit/>
+              </a:bodyPr>
+              <a:lstStyle/>
+              <a:p>
+                <a:pPr>
+                  <a:defRPr sz="1197" b="0" i="0" u="none" strike="noStrike" kern="1200" baseline="0">
+                    <a:solidFill>
+                      <a:schemeClr val="tx1">
+                        <a:lumMod val="75000"/>
+                        <a:lumOff val="25000"/>
+                      </a:schemeClr>
+                    </a:solidFill>
+                    <a:latin typeface="+mn-lt"/>
+                    <a:ea typeface="+mn-ea"/>
+                    <a:cs typeface="+mn-cs"/>
+                  </a:defRPr>
+                </a:pPr>
+                <a:endParaRPr lang="ko-KR"/>
+              </a:p>
+            </c:txPr>
+            <c:dLblPos val="t"/>
+            <c:showLegendKey val="0"/>
+            <c:showVal val="1"/>
+            <c:showCatName val="0"/>
+            <c:showSerName val="0"/>
+            <c:showPercent val="0"/>
+            <c:showBubbleSize val="0"/>
+            <c:showLeaderLines val="0"/>
+            <c:extLst>
+              <c:ext xmlns:c15="http://schemas.microsoft.com/office/drawing/2012/chart" uri="{CE6537A1-D6FC-4f65-9D91-7224C49458BB}">
+                <c15:showLeaderLines val="1"/>
+                <c15:leaderLines>
+                  <c:spPr>
+                    <a:ln w="9525" cap="flat" cmpd="sng" algn="ctr">
+                      <a:solidFill>
+                        <a:schemeClr val="tx1">
+                          <a:lumMod val="35000"/>
+                          <a:lumOff val="65000"/>
+                        </a:schemeClr>
+                      </a:solidFill>
+                      <a:round/>
+                    </a:ln>
+                    <a:effectLst/>
+                  </c:spPr>
+                </c15:leaderLines>
+              </c:ext>
+            </c:extLst>
+          </c:dLbls>
+          <c:cat>
+            <c:strRef>
+              <c:f>Sheet1!$A$2:$A$4</c:f>
+              <c:strCache>
+                <c:ptCount val="3"/>
+                <c:pt idx="0">
+                  <c:v>Test 01</c:v>
+                </c:pt>
+                <c:pt idx="1">
+                  <c:v>Test 02</c:v>
+                </c:pt>
+                <c:pt idx="2">
+                  <c:v>Test 03</c:v>
+                </c:pt>
+              </c:strCache>
+            </c:strRef>
+          </c:cat>
+          <c:val>
+            <c:numRef>
+              <c:f>Sheet1!$B$2:$B$4</c:f>
+              <c:numCache>
+                <c:formatCode>General</c:formatCode>
+                <c:ptCount val="3"/>
+                <c:pt idx="0">
+                  <c:v>1.071</c:v>
+                </c:pt>
+                <c:pt idx="1">
+                  <c:v>1.0680000000000001</c:v>
+                </c:pt>
+                <c:pt idx="2">
+                  <c:v>1.0860000000000001</c:v>
+                </c:pt>
+              </c:numCache>
+            </c:numRef>
+          </c:val>
+          <c:smooth val="0"/>
+          <c:extLst>
+            <c:ext xmlns:c16="http://schemas.microsoft.com/office/drawing/2014/chart" uri="{C3380CC4-5D6E-409C-BE32-E72D297353CC}">
+              <c16:uniqueId val="{00000000-2E9C-44ED-81FE-A16529508671}"/>
+            </c:ext>
+          </c:extLst>
+        </c:ser>
+        <c:ser>
+          <c:idx val="1"/>
+          <c:order val="1"/>
+          <c:tx>
+            <c:strRef>
+              <c:f>Sheet1!$C$1</c:f>
+              <c:strCache>
+                <c:ptCount val="1"/>
+                <c:pt idx="0">
+                  <c:v>tmpfs</c:v>
+                </c:pt>
+              </c:strCache>
+            </c:strRef>
+          </c:tx>
+          <c:spPr>
+            <a:ln w="28575" cap="rnd">
+              <a:solidFill>
+                <a:srgbClr val="00B050"/>
+              </a:solidFill>
+              <a:round/>
+            </a:ln>
+            <a:effectLst/>
+          </c:spPr>
+          <c:marker>
+            <c:symbol val="circle"/>
+            <c:size val="5"/>
+            <c:spPr>
+              <a:solidFill>
+                <a:schemeClr val="accent2"/>
+              </a:solidFill>
+              <a:ln w="9525">
+                <a:solidFill>
+                  <a:srgbClr val="00B050"/>
+                </a:solidFill>
+              </a:ln>
+              <a:effectLst/>
+            </c:spPr>
+          </c:marker>
+          <c:dLbls>
+            <c:spPr>
+              <a:noFill/>
+              <a:ln>
+                <a:noFill/>
+              </a:ln>
+              <a:effectLst/>
+            </c:spPr>
+            <c:txPr>
+              <a:bodyPr rot="0" spcFirstLastPara="1" vertOverflow="ellipsis" vert="horz" wrap="square" lIns="38100" tIns="19050" rIns="38100" bIns="19050" anchor="ctr" anchorCtr="1">
+                <a:spAutoFit/>
+              </a:bodyPr>
+              <a:lstStyle/>
+              <a:p>
+                <a:pPr>
+                  <a:defRPr sz="1197" b="0" i="0" u="none" strike="noStrike" kern="1200" baseline="0">
+                    <a:solidFill>
+                      <a:schemeClr val="tx1">
+                        <a:lumMod val="75000"/>
+                        <a:lumOff val="25000"/>
+                      </a:schemeClr>
+                    </a:solidFill>
+                    <a:latin typeface="+mn-lt"/>
+                    <a:ea typeface="+mn-ea"/>
+                    <a:cs typeface="+mn-cs"/>
+                  </a:defRPr>
+                </a:pPr>
+                <a:endParaRPr lang="ko-KR"/>
+              </a:p>
+            </c:txPr>
+            <c:dLblPos val="t"/>
+            <c:showLegendKey val="0"/>
+            <c:showVal val="1"/>
+            <c:showCatName val="0"/>
+            <c:showSerName val="0"/>
+            <c:showPercent val="0"/>
+            <c:showBubbleSize val="0"/>
+            <c:showLeaderLines val="0"/>
+            <c:extLst>
+              <c:ext xmlns:c15="http://schemas.microsoft.com/office/drawing/2012/chart" uri="{CE6537A1-D6FC-4f65-9D91-7224C49458BB}">
+                <c15:showLeaderLines val="1"/>
+                <c15:leaderLines>
+                  <c:spPr>
+                    <a:ln w="9525" cap="flat" cmpd="sng" algn="ctr">
+                      <a:solidFill>
+                        <a:schemeClr val="tx1">
+                          <a:lumMod val="35000"/>
+                          <a:lumOff val="65000"/>
+                        </a:schemeClr>
+                      </a:solidFill>
+                      <a:round/>
+                    </a:ln>
+                    <a:effectLst/>
+                  </c:spPr>
+                </c15:leaderLines>
+              </c:ext>
+            </c:extLst>
+          </c:dLbls>
+          <c:cat>
+            <c:strRef>
+              <c:f>Sheet1!$A$2:$A$4</c:f>
+              <c:strCache>
+                <c:ptCount val="3"/>
+                <c:pt idx="0">
+                  <c:v>Test 01</c:v>
+                </c:pt>
+                <c:pt idx="1">
+                  <c:v>Test 02</c:v>
+                </c:pt>
+                <c:pt idx="2">
+                  <c:v>Test 03</c:v>
+                </c:pt>
+              </c:strCache>
+            </c:strRef>
+          </c:cat>
+          <c:val>
+            <c:numRef>
+              <c:f>Sheet1!$C$2:$C$4</c:f>
+              <c:numCache>
+                <c:formatCode>General</c:formatCode>
+                <c:ptCount val="3"/>
+                <c:pt idx="0">
+                  <c:v>888</c:v>
+                </c:pt>
+                <c:pt idx="1">
+                  <c:v>873</c:v>
+                </c:pt>
+                <c:pt idx="2">
+                  <c:v>900</c:v>
+                </c:pt>
+              </c:numCache>
+            </c:numRef>
+          </c:val>
+          <c:smooth val="0"/>
+          <c:extLst>
+            <c:ext xmlns:c16="http://schemas.microsoft.com/office/drawing/2014/chart" uri="{C3380CC4-5D6E-409C-BE32-E72D297353CC}">
+              <c16:uniqueId val="{00000001-2E9C-44ED-81FE-A16529508671}"/>
+            </c:ext>
+          </c:extLst>
+        </c:ser>
+        <c:dLbls>
+          <c:dLblPos val="t"/>
+          <c:showLegendKey val="0"/>
+          <c:showVal val="1"/>
+          <c:showCatName val="0"/>
+          <c:showSerName val="0"/>
+          <c:showPercent val="0"/>
+          <c:showBubbleSize val="0"/>
+        </c:dLbls>
+        <c:marker val="1"/>
+        <c:smooth val="0"/>
+        <c:axId val="2066486816"/>
+        <c:axId val="2066464352"/>
+      </c:lineChart>
+      <c:catAx>
+        <c:axId val="2066486816"/>
+        <c:scaling>
+          <c:orientation val="minMax"/>
+        </c:scaling>
+        <c:delete val="0"/>
+        <c:axPos val="b"/>
+        <c:numFmt formatCode="General" sourceLinked="1"/>
+        <c:majorTickMark val="none"/>
+        <c:minorTickMark val="none"/>
+        <c:tickLblPos val="nextTo"/>
+        <c:spPr>
+          <a:noFill/>
+          <a:ln w="9525" cap="flat" cmpd="sng" algn="ctr">
+            <a:solidFill>
+              <a:schemeClr val="tx1">
+                <a:lumMod val="15000"/>
+                <a:lumOff val="85000"/>
+              </a:schemeClr>
+            </a:solidFill>
+            <a:round/>
+          </a:ln>
+          <a:effectLst/>
+        </c:spPr>
+        <c:txPr>
+          <a:bodyPr rot="-60000000" spcFirstLastPara="1" vertOverflow="ellipsis" vert="horz" wrap="square" anchor="ctr" anchorCtr="1"/>
+          <a:lstStyle/>
+          <a:p>
+            <a:pPr>
+              <a:defRPr sz="1197" b="0" i="0" u="none" strike="noStrike" kern="1200" baseline="0">
+                <a:solidFill>
+                  <a:schemeClr val="tx1">
+                    <a:lumMod val="65000"/>
+                    <a:lumOff val="35000"/>
+                  </a:schemeClr>
+                </a:solidFill>
+                <a:latin typeface="+mn-lt"/>
+                <a:ea typeface="+mn-ea"/>
+                <a:cs typeface="+mn-cs"/>
+              </a:defRPr>
+            </a:pPr>
+            <a:endParaRPr lang="ko-KR"/>
+          </a:p>
+        </c:txPr>
+        <c:crossAx val="2066464352"/>
+        <c:crosses val="autoZero"/>
+        <c:auto val="1"/>
+        <c:lblAlgn val="ctr"/>
+        <c:lblOffset val="100"/>
+        <c:noMultiLvlLbl val="0"/>
+      </c:catAx>
+      <c:valAx>
+        <c:axId val="2066464352"/>
+        <c:scaling>
+          <c:orientation val="minMax"/>
+        </c:scaling>
+        <c:delete val="0"/>
+        <c:axPos val="l"/>
+        <c:majorGridlines>
+          <c:spPr>
+            <a:ln w="9525" cap="flat" cmpd="sng" algn="ctr">
+              <a:solidFill>
+                <a:schemeClr val="tx1">
+                  <a:lumMod val="15000"/>
+                  <a:lumOff val="85000"/>
+                </a:schemeClr>
+              </a:solidFill>
+              <a:round/>
+            </a:ln>
+            <a:effectLst/>
+          </c:spPr>
+        </c:majorGridlines>
+        <c:numFmt formatCode="General" sourceLinked="1"/>
+        <c:majorTickMark val="none"/>
+        <c:minorTickMark val="none"/>
+        <c:tickLblPos val="nextTo"/>
+        <c:spPr>
+          <a:noFill/>
+          <a:ln>
+            <a:noFill/>
+          </a:ln>
+          <a:effectLst/>
+        </c:spPr>
+        <c:txPr>
+          <a:bodyPr rot="-60000000" spcFirstLastPara="1" vertOverflow="ellipsis" vert="horz" wrap="square" anchor="ctr" anchorCtr="1"/>
+          <a:lstStyle/>
+          <a:p>
+            <a:pPr>
+              <a:defRPr sz="1197" b="0" i="0" u="none" strike="noStrike" kern="1200" baseline="0">
+                <a:solidFill>
+                  <a:schemeClr val="tx1">
+                    <a:lumMod val="65000"/>
+                    <a:lumOff val="35000"/>
+                  </a:schemeClr>
+                </a:solidFill>
+                <a:latin typeface="+mn-lt"/>
+                <a:ea typeface="+mn-ea"/>
+                <a:cs typeface="+mn-cs"/>
+              </a:defRPr>
+            </a:pPr>
+            <a:endParaRPr lang="ko-KR"/>
+          </a:p>
+        </c:txPr>
+        <c:crossAx val="2066486816"/>
+        <c:crosses val="autoZero"/>
+        <c:crossBetween val="between"/>
+      </c:valAx>
+      <c:spPr>
+        <a:noFill/>
+        <a:ln>
+          <a:noFill/>
+        </a:ln>
+        <a:effectLst/>
+      </c:spPr>
+    </c:plotArea>
+    <c:legend>
+      <c:legendPos val="b"/>
+      <c:overlay val="0"/>
+      <c:spPr>
+        <a:noFill/>
+        <a:ln>
+          <a:noFill/>
+        </a:ln>
+        <a:effectLst/>
+      </c:spPr>
+      <c:txPr>
+        <a:bodyPr rot="0" spcFirstLastPara="1" vertOverflow="ellipsis" vert="horz" wrap="square" anchor="ctr" anchorCtr="1"/>
+        <a:lstStyle/>
+        <a:p>
+          <a:pPr>
+            <a:defRPr sz="1197" b="0" i="0" u="none" strike="noStrike" kern="1200" baseline="0">
+              <a:solidFill>
+                <a:schemeClr val="tx1">
+                  <a:lumMod val="65000"/>
+                  <a:lumOff val="35000"/>
+                </a:schemeClr>
+              </a:solidFill>
+              <a:latin typeface="+mn-lt"/>
+              <a:ea typeface="+mn-ea"/>
+              <a:cs typeface="+mn-cs"/>
+            </a:defRPr>
+          </a:pPr>
+          <a:endParaRPr lang="ko-KR"/>
+        </a:p>
+      </c:txPr>
+    </c:legend>
+    <c:plotVisOnly val="1"/>
+    <c:dispBlanksAs val="gap"/>
+    <c:extLst>
+      <c:ext xmlns:c16r3="http://schemas.microsoft.com/office/drawing/2017/03/chart" uri="{56B9EC1D-385E-4148-901F-78D8002777C0}">
+        <c16r3:dataDisplayOptions16>
+          <c16r3:dispNaAsBlank val="1"/>
+        </c16r3:dataDisplayOptions16>
+      </c:ext>
+    </c:extLst>
+    <c:showDLblsOverMax val="0"/>
+  </c:chart>
+  <c:spPr>
+    <a:noFill/>
+    <a:ln>
+      <a:noFill/>
+    </a:ln>
+    <a:effectLst/>
+  </c:spPr>
+  <c:txPr>
+    <a:bodyPr/>
+    <a:lstStyle/>
+    <a:p>
+      <a:pPr>
+        <a:defRPr/>
+      </a:pPr>
+      <a:endParaRPr lang="ko-KR"/>
+    </a:p>
+  </c:txPr>
+  <c:externalData r:id="rId3">
+    <c:autoUpdate val="0"/>
+  </c:externalData>
+</c:chartSpace>
+</file>
+
+<file path=ppt/charts/chart2.xml><?xml version="1.0" encoding="utf-8"?>
+<c:chartSpace xmlns:c="http://schemas.openxmlformats.org/drawingml/2006/chart" xmlns:a="http://schemas.openxmlformats.org/drawingml/2006/main" xmlns:r="http://schemas.openxmlformats.org/officeDocument/2006/relationships" xmlns:c16r2="http://schemas.microsoft.com/office/drawing/2015/06/chart">
+  <c:date1904 val="0"/>
+  <c:lang val="ko-KR"/>
+  <c:roundedCorners val="0"/>
+  <mc:AlternateContent xmlns:mc="http://schemas.openxmlformats.org/markup-compatibility/2006">
+    <mc:Choice xmlns:c14="http://schemas.microsoft.com/office/drawing/2007/8/2/chart" Requires="c14">
+      <c14:style val="102"/>
+    </mc:Choice>
+    <mc:Fallback>
+      <c:style val="2"/>
+    </mc:Fallback>
+  </mc:AlternateContent>
+  <c:chart>
+    <c:title>
+      <c:tx>
+        <c:rich>
+          <a:bodyPr rot="0" spcFirstLastPara="1" vertOverflow="ellipsis" vert="horz" wrap="square" anchor="ctr" anchorCtr="1"/>
+          <a:lstStyle/>
+          <a:p>
+            <a:pPr>
+              <a:defRPr sz="1862" b="0" i="0" u="none" strike="noStrike" kern="1200" spc="0" baseline="0">
+                <a:solidFill>
+                  <a:schemeClr val="tx1">
+                    <a:lumMod val="65000"/>
+                    <a:lumOff val="35000"/>
+                  </a:schemeClr>
+                </a:solidFill>
+                <a:latin typeface="+mn-lt"/>
+                <a:ea typeface="+mn-ea"/>
+                <a:cs typeface="+mn-cs"/>
+              </a:defRPr>
+            </a:pPr>
+            <a:r>
+              <a:rPr lang="en-US" altLang="ko-KR" dirty="0" err="1"/>
+              <a:t>randread</a:t>
+            </a:r>
+            <a:endParaRPr lang="ko-KR" altLang="en-US" dirty="0"/>
+          </a:p>
+        </c:rich>
+      </c:tx>
+      <c:overlay val="0"/>
+      <c:spPr>
+        <a:noFill/>
+        <a:ln>
+          <a:noFill/>
+        </a:ln>
+        <a:effectLst/>
+      </c:spPr>
+      <c:txPr>
+        <a:bodyPr rot="0" spcFirstLastPara="1" vertOverflow="ellipsis" vert="horz" wrap="square" anchor="ctr" anchorCtr="1"/>
+        <a:lstStyle/>
+        <a:p>
+          <a:pPr>
+            <a:defRPr sz="1862" b="0" i="0" u="none" strike="noStrike" kern="1200" spc="0" baseline="0">
+              <a:solidFill>
+                <a:schemeClr val="tx1">
+                  <a:lumMod val="65000"/>
+                  <a:lumOff val="35000"/>
+                </a:schemeClr>
+              </a:solidFill>
+              <a:latin typeface="+mn-lt"/>
+              <a:ea typeface="+mn-ea"/>
+              <a:cs typeface="+mn-cs"/>
+            </a:defRPr>
+          </a:pPr>
+          <a:endParaRPr lang="ko-KR"/>
+        </a:p>
+      </c:txPr>
+    </c:title>
+    <c:autoTitleDeleted val="0"/>
+    <c:plotArea>
+      <c:layout/>
+      <c:lineChart>
+        <c:grouping val="standard"/>
+        <c:varyColors val="0"/>
+        <c:ser>
+          <c:idx val="0"/>
+          <c:order val="0"/>
+          <c:tx>
+            <c:strRef>
+              <c:f>Sheet1!$B$1</c:f>
+              <c:strCache>
+                <c:ptCount val="1"/>
+                <c:pt idx="0">
+                  <c:v>ssd</c:v>
+                </c:pt>
+              </c:strCache>
+            </c:strRef>
+          </c:tx>
+          <c:spPr>
+            <a:ln w="28575" cap="rnd">
+              <a:solidFill>
+                <a:srgbClr val="002060"/>
+              </a:solidFill>
+              <a:round/>
+            </a:ln>
+            <a:effectLst/>
+          </c:spPr>
+          <c:marker>
+            <c:symbol val="circle"/>
+            <c:size val="5"/>
+            <c:spPr>
+              <a:solidFill>
+                <a:schemeClr val="accent1"/>
+              </a:solidFill>
+              <a:ln w="9525">
+                <a:solidFill>
+                  <a:srgbClr val="002060"/>
+                </a:solidFill>
+              </a:ln>
+              <a:effectLst/>
+            </c:spPr>
+          </c:marker>
+          <c:dLbls>
+            <c:spPr>
+              <a:noFill/>
+              <a:ln>
+                <a:noFill/>
+              </a:ln>
+              <a:effectLst/>
+            </c:spPr>
+            <c:txPr>
+              <a:bodyPr rot="0" spcFirstLastPara="1" vertOverflow="ellipsis" vert="horz" wrap="square" lIns="38100" tIns="19050" rIns="38100" bIns="19050" anchor="ctr" anchorCtr="1">
+                <a:spAutoFit/>
+              </a:bodyPr>
+              <a:lstStyle/>
+              <a:p>
+                <a:pPr>
+                  <a:defRPr sz="1197" b="0" i="0" u="none" strike="noStrike" kern="1200" baseline="0">
+                    <a:solidFill>
+                      <a:schemeClr val="tx1">
+                        <a:lumMod val="75000"/>
+                        <a:lumOff val="25000"/>
+                      </a:schemeClr>
+                    </a:solidFill>
+                    <a:latin typeface="+mn-lt"/>
+                    <a:ea typeface="+mn-ea"/>
+                    <a:cs typeface="+mn-cs"/>
+                  </a:defRPr>
+                </a:pPr>
+                <a:endParaRPr lang="ko-KR"/>
+              </a:p>
+            </c:txPr>
+            <c:dLblPos val="t"/>
+            <c:showLegendKey val="0"/>
+            <c:showVal val="1"/>
+            <c:showCatName val="0"/>
+            <c:showSerName val="0"/>
+            <c:showPercent val="0"/>
+            <c:showBubbleSize val="0"/>
+            <c:showLeaderLines val="0"/>
+            <c:extLst>
+              <c:ext xmlns:c15="http://schemas.microsoft.com/office/drawing/2012/chart" uri="{CE6537A1-D6FC-4f65-9D91-7224C49458BB}">
+                <c15:showLeaderLines val="1"/>
+                <c15:leaderLines>
+                  <c:spPr>
+                    <a:ln w="9525" cap="flat" cmpd="sng" algn="ctr">
+                      <a:solidFill>
+                        <a:schemeClr val="tx1">
+                          <a:lumMod val="35000"/>
+                          <a:lumOff val="65000"/>
+                        </a:schemeClr>
+                      </a:solidFill>
+                      <a:round/>
+                    </a:ln>
+                    <a:effectLst/>
+                  </c:spPr>
+                </c15:leaderLines>
+              </c:ext>
+            </c:extLst>
+          </c:dLbls>
+          <c:cat>
+            <c:strRef>
+              <c:f>Sheet1!$A$2:$A$4</c:f>
+              <c:strCache>
+                <c:ptCount val="3"/>
+                <c:pt idx="0">
+                  <c:v>Test 01</c:v>
+                </c:pt>
+                <c:pt idx="1">
+                  <c:v>Test 02</c:v>
+                </c:pt>
+                <c:pt idx="2">
+                  <c:v>Test 03</c:v>
+                </c:pt>
+              </c:strCache>
+            </c:strRef>
+          </c:cat>
+          <c:val>
+            <c:numRef>
+              <c:f>Sheet1!$B$2:$B$4</c:f>
+              <c:numCache>
+                <c:formatCode>General</c:formatCode>
+                <c:ptCount val="3"/>
+                <c:pt idx="0">
+                  <c:v>15.2</c:v>
+                </c:pt>
+                <c:pt idx="1">
+                  <c:v>15.3</c:v>
+                </c:pt>
+                <c:pt idx="2">
+                  <c:v>14.6</c:v>
+                </c:pt>
+              </c:numCache>
+            </c:numRef>
+          </c:val>
+          <c:smooth val="0"/>
+          <c:extLst>
+            <c:ext xmlns:c16="http://schemas.microsoft.com/office/drawing/2014/chart" uri="{C3380CC4-5D6E-409C-BE32-E72D297353CC}">
+              <c16:uniqueId val="{00000000-3776-4761-8F53-B977A0627E3D}"/>
+            </c:ext>
+          </c:extLst>
+        </c:ser>
+        <c:ser>
+          <c:idx val="1"/>
+          <c:order val="1"/>
+          <c:tx>
+            <c:strRef>
+              <c:f>Sheet1!$C$1</c:f>
+              <c:strCache>
+                <c:ptCount val="1"/>
+                <c:pt idx="0">
+                  <c:v>tmpfs</c:v>
+                </c:pt>
+              </c:strCache>
+            </c:strRef>
+          </c:tx>
+          <c:spPr>
+            <a:ln w="28575" cap="rnd">
+              <a:solidFill>
+                <a:srgbClr val="00B050"/>
+              </a:solidFill>
+              <a:round/>
+            </a:ln>
+            <a:effectLst/>
+          </c:spPr>
+          <c:marker>
+            <c:symbol val="circle"/>
+            <c:size val="5"/>
+            <c:spPr>
+              <a:solidFill>
+                <a:schemeClr val="accent2"/>
+              </a:solidFill>
+              <a:ln w="9525">
+                <a:solidFill>
+                  <a:srgbClr val="00B050"/>
+                </a:solidFill>
+              </a:ln>
+              <a:effectLst/>
+            </c:spPr>
+          </c:marker>
+          <c:dLbls>
+            <c:spPr>
+              <a:noFill/>
+              <a:ln>
+                <a:noFill/>
+              </a:ln>
+              <a:effectLst/>
+            </c:spPr>
+            <c:txPr>
+              <a:bodyPr rot="0" spcFirstLastPara="1" vertOverflow="ellipsis" vert="horz" wrap="square" lIns="38100" tIns="19050" rIns="38100" bIns="19050" anchor="ctr" anchorCtr="1">
+                <a:spAutoFit/>
+              </a:bodyPr>
+              <a:lstStyle/>
+              <a:p>
+                <a:pPr>
+                  <a:defRPr sz="1197" b="0" i="0" u="none" strike="noStrike" kern="1200" baseline="0">
+                    <a:solidFill>
+                      <a:schemeClr val="tx1">
+                        <a:lumMod val="75000"/>
+                        <a:lumOff val="25000"/>
+                      </a:schemeClr>
+                    </a:solidFill>
+                    <a:latin typeface="+mn-lt"/>
+                    <a:ea typeface="+mn-ea"/>
+                    <a:cs typeface="+mn-cs"/>
+                  </a:defRPr>
+                </a:pPr>
+                <a:endParaRPr lang="ko-KR"/>
+              </a:p>
+            </c:txPr>
+            <c:dLblPos val="t"/>
+            <c:showLegendKey val="0"/>
+            <c:showVal val="1"/>
+            <c:showCatName val="0"/>
+            <c:showSerName val="0"/>
+            <c:showPercent val="0"/>
+            <c:showBubbleSize val="0"/>
+            <c:showLeaderLines val="0"/>
+            <c:extLst>
+              <c:ext xmlns:c15="http://schemas.microsoft.com/office/drawing/2012/chart" uri="{CE6537A1-D6FC-4f65-9D91-7224C49458BB}">
+                <c15:showLeaderLines val="1"/>
+                <c15:leaderLines>
+                  <c:spPr>
+                    <a:ln w="9525" cap="flat" cmpd="sng" algn="ctr">
+                      <a:solidFill>
+                        <a:schemeClr val="tx1">
+                          <a:lumMod val="35000"/>
+                          <a:lumOff val="65000"/>
+                        </a:schemeClr>
+                      </a:solidFill>
+                      <a:round/>
+                    </a:ln>
+                    <a:effectLst/>
+                  </c:spPr>
+                </c15:leaderLines>
+              </c:ext>
+            </c:extLst>
+          </c:dLbls>
+          <c:cat>
+            <c:strRef>
+              <c:f>Sheet1!$A$2:$A$4</c:f>
+              <c:strCache>
+                <c:ptCount val="3"/>
+                <c:pt idx="0">
+                  <c:v>Test 01</c:v>
+                </c:pt>
+                <c:pt idx="1">
+                  <c:v>Test 02</c:v>
+                </c:pt>
+                <c:pt idx="2">
+                  <c:v>Test 03</c:v>
+                </c:pt>
+              </c:strCache>
+            </c:strRef>
+          </c:cat>
+          <c:val>
+            <c:numRef>
+              <c:f>Sheet1!$C$2:$C$4</c:f>
+              <c:numCache>
+                <c:formatCode>General</c:formatCode>
+                <c:ptCount val="3"/>
+                <c:pt idx="0">
+                  <c:v>1501</c:v>
+                </c:pt>
+                <c:pt idx="1">
+                  <c:v>1492</c:v>
+                </c:pt>
+                <c:pt idx="2">
+                  <c:v>1485</c:v>
+                </c:pt>
+              </c:numCache>
+            </c:numRef>
+          </c:val>
+          <c:smooth val="0"/>
+          <c:extLst>
+            <c:ext xmlns:c16="http://schemas.microsoft.com/office/drawing/2014/chart" uri="{C3380CC4-5D6E-409C-BE32-E72D297353CC}">
+              <c16:uniqueId val="{00000001-3776-4761-8F53-B977A0627E3D}"/>
+            </c:ext>
+          </c:extLst>
+        </c:ser>
+        <c:dLbls>
+          <c:dLblPos val="t"/>
+          <c:showLegendKey val="0"/>
+          <c:showVal val="1"/>
+          <c:showCatName val="0"/>
+          <c:showSerName val="0"/>
+          <c:showPercent val="0"/>
+          <c:showBubbleSize val="0"/>
+        </c:dLbls>
+        <c:marker val="1"/>
+        <c:smooth val="0"/>
+        <c:axId val="1945513280"/>
+        <c:axId val="1945514944"/>
+      </c:lineChart>
+      <c:catAx>
+        <c:axId val="1945513280"/>
+        <c:scaling>
+          <c:orientation val="minMax"/>
+        </c:scaling>
+        <c:delete val="0"/>
+        <c:axPos val="b"/>
+        <c:numFmt formatCode="General" sourceLinked="1"/>
+        <c:majorTickMark val="none"/>
+        <c:minorTickMark val="none"/>
+        <c:tickLblPos val="nextTo"/>
+        <c:spPr>
+          <a:noFill/>
+          <a:ln w="9525" cap="flat" cmpd="sng" algn="ctr">
+            <a:solidFill>
+              <a:schemeClr val="tx1">
+                <a:lumMod val="15000"/>
+                <a:lumOff val="85000"/>
+              </a:schemeClr>
+            </a:solidFill>
+            <a:round/>
+          </a:ln>
+          <a:effectLst/>
+        </c:spPr>
+        <c:txPr>
+          <a:bodyPr rot="-60000000" spcFirstLastPara="1" vertOverflow="ellipsis" vert="horz" wrap="square" anchor="ctr" anchorCtr="1"/>
+          <a:lstStyle/>
+          <a:p>
+            <a:pPr>
+              <a:defRPr sz="1197" b="0" i="0" u="none" strike="noStrike" kern="1200" baseline="0">
+                <a:solidFill>
+                  <a:schemeClr val="tx1">
+                    <a:lumMod val="65000"/>
+                    <a:lumOff val="35000"/>
+                  </a:schemeClr>
+                </a:solidFill>
+                <a:latin typeface="+mn-lt"/>
+                <a:ea typeface="+mn-ea"/>
+                <a:cs typeface="+mn-cs"/>
+              </a:defRPr>
+            </a:pPr>
+            <a:endParaRPr lang="ko-KR"/>
+          </a:p>
+        </c:txPr>
+        <c:crossAx val="1945514944"/>
+        <c:crosses val="autoZero"/>
+        <c:auto val="1"/>
+        <c:lblAlgn val="ctr"/>
+        <c:lblOffset val="100"/>
+        <c:noMultiLvlLbl val="0"/>
+      </c:catAx>
+      <c:valAx>
+        <c:axId val="1945514944"/>
+        <c:scaling>
+          <c:orientation val="minMax"/>
+        </c:scaling>
+        <c:delete val="0"/>
+        <c:axPos val="l"/>
+        <c:majorGridlines>
+          <c:spPr>
+            <a:ln w="9525" cap="flat" cmpd="sng" algn="ctr">
+              <a:solidFill>
+                <a:schemeClr val="tx1">
+                  <a:lumMod val="15000"/>
+                  <a:lumOff val="85000"/>
+                </a:schemeClr>
+              </a:solidFill>
+              <a:round/>
+            </a:ln>
+            <a:effectLst/>
+          </c:spPr>
+        </c:majorGridlines>
+        <c:numFmt formatCode="General" sourceLinked="1"/>
+        <c:majorTickMark val="none"/>
+        <c:minorTickMark val="none"/>
+        <c:tickLblPos val="nextTo"/>
+        <c:spPr>
+          <a:noFill/>
+          <a:ln>
+            <a:noFill/>
+          </a:ln>
+          <a:effectLst/>
+        </c:spPr>
+        <c:txPr>
+          <a:bodyPr rot="-60000000" spcFirstLastPara="1" vertOverflow="ellipsis" vert="horz" wrap="square" anchor="ctr" anchorCtr="1"/>
+          <a:lstStyle/>
+          <a:p>
+            <a:pPr>
+              <a:defRPr sz="1197" b="0" i="0" u="none" strike="noStrike" kern="1200" baseline="0">
+                <a:solidFill>
+                  <a:schemeClr val="tx1">
+                    <a:lumMod val="65000"/>
+                    <a:lumOff val="35000"/>
+                  </a:schemeClr>
+                </a:solidFill>
+                <a:latin typeface="+mn-lt"/>
+                <a:ea typeface="+mn-ea"/>
+                <a:cs typeface="+mn-cs"/>
+              </a:defRPr>
+            </a:pPr>
+            <a:endParaRPr lang="ko-KR"/>
+          </a:p>
+        </c:txPr>
+        <c:crossAx val="1945513280"/>
+        <c:crosses val="autoZero"/>
+        <c:crossBetween val="between"/>
+      </c:valAx>
+      <c:spPr>
+        <a:noFill/>
+        <a:ln>
+          <a:noFill/>
+        </a:ln>
+        <a:effectLst/>
+      </c:spPr>
+    </c:plotArea>
+    <c:legend>
+      <c:legendPos val="b"/>
+      <c:overlay val="0"/>
+      <c:spPr>
+        <a:noFill/>
+        <a:ln>
+          <a:noFill/>
+        </a:ln>
+        <a:effectLst/>
+      </c:spPr>
+      <c:txPr>
+        <a:bodyPr rot="0" spcFirstLastPara="1" vertOverflow="ellipsis" vert="horz" wrap="square" anchor="ctr" anchorCtr="1"/>
+        <a:lstStyle/>
+        <a:p>
+          <a:pPr>
+            <a:defRPr sz="1197" b="0" i="0" u="none" strike="noStrike" kern="1200" baseline="0">
+              <a:solidFill>
+                <a:schemeClr val="tx1">
+                  <a:lumMod val="65000"/>
+                  <a:lumOff val="35000"/>
+                </a:schemeClr>
+              </a:solidFill>
+              <a:latin typeface="+mn-lt"/>
+              <a:ea typeface="+mn-ea"/>
+              <a:cs typeface="+mn-cs"/>
+            </a:defRPr>
+          </a:pPr>
+          <a:endParaRPr lang="ko-KR"/>
+        </a:p>
+      </c:txPr>
+    </c:legend>
+    <c:plotVisOnly val="1"/>
+    <c:dispBlanksAs val="gap"/>
+    <c:extLst>
+      <c:ext xmlns:c16r3="http://schemas.microsoft.com/office/drawing/2017/03/chart" uri="{56B9EC1D-385E-4148-901F-78D8002777C0}">
+        <c16r3:dataDisplayOptions16>
+          <c16r3:dispNaAsBlank val="1"/>
+        </c16r3:dataDisplayOptions16>
+      </c:ext>
+    </c:extLst>
+    <c:showDLblsOverMax val="0"/>
+  </c:chart>
+  <c:spPr>
+    <a:noFill/>
+    <a:ln>
+      <a:noFill/>
+    </a:ln>
+    <a:effectLst/>
+  </c:spPr>
+  <c:txPr>
+    <a:bodyPr/>
+    <a:lstStyle/>
+    <a:p>
+      <a:pPr>
+        <a:defRPr/>
+      </a:pPr>
+      <a:endParaRPr lang="ko-KR"/>
+    </a:p>
+  </c:txPr>
+  <c:externalData r:id="rId3">
+    <c:autoUpdate val="0"/>
+  </c:externalData>
+</c:chartSpace>
+</file>
+
+<file path=ppt/charts/colors1.xml><?xml version="1.0" encoding="utf-8"?>
+<cs:colorStyle xmlns:cs="http://schemas.microsoft.com/office/drawing/2012/chartStyle" xmlns:a="http://schemas.openxmlformats.org/drawingml/2006/main" meth="cycle" id="10">
+  <a:schemeClr val="accent1"/>
+  <a:schemeClr val="accent2"/>
+  <a:schemeClr val="accent3"/>
+  <a:schemeClr val="accent4"/>
+  <a:schemeClr val="accent5"/>
+  <a:schemeClr val="accent6"/>
+  <cs:variation/>
+  <cs:variation>
+    <a:lumMod val="60000"/>
+  </cs:variation>
+  <cs:variation>
+    <a:lumMod val="80000"/>
+    <a:lumOff val="20000"/>
+  </cs:variation>
+  <cs:variation>
+    <a:lumMod val="80000"/>
+  </cs:variation>
+  <cs:variation>
+    <a:lumMod val="60000"/>
+    <a:lumOff val="40000"/>
+  </cs:variation>
+  <cs:variation>
+    <a:lumMod val="50000"/>
+  </cs:variation>
+  <cs:variation>
+    <a:lumMod val="70000"/>
+    <a:lumOff val="30000"/>
+  </cs:variation>
+  <cs:variation>
+    <a:lumMod val="70000"/>
+  </cs:variation>
+  <cs:variation>
+    <a:lumMod val="50000"/>
+    <a:lumOff val="50000"/>
+  </cs:variation>
+</cs:colorStyle>
+</file>
+
+<file path=ppt/charts/colors2.xml><?xml version="1.0" encoding="utf-8"?>
+<cs:colorStyle xmlns:cs="http://schemas.microsoft.com/office/drawing/2012/chartStyle" xmlns:a="http://schemas.openxmlformats.org/drawingml/2006/main" meth="cycle" id="10">
+  <a:schemeClr val="accent1"/>
+  <a:schemeClr val="accent2"/>
+  <a:schemeClr val="accent3"/>
+  <a:schemeClr val="accent4"/>
+  <a:schemeClr val="accent5"/>
+  <a:schemeClr val="accent6"/>
+  <cs:variation/>
+  <cs:variation>
+    <a:lumMod val="60000"/>
+  </cs:variation>
+  <cs:variation>
+    <a:lumMod val="80000"/>
+    <a:lumOff val="20000"/>
+  </cs:variation>
+  <cs:variation>
+    <a:lumMod val="80000"/>
+  </cs:variation>
+  <cs:variation>
+    <a:lumMod val="60000"/>
+    <a:lumOff val="40000"/>
+  </cs:variation>
+  <cs:variation>
+    <a:lumMod val="50000"/>
+  </cs:variation>
+  <cs:variation>
+    <a:lumMod val="70000"/>
+    <a:lumOff val="30000"/>
+  </cs:variation>
+  <cs:variation>
+    <a:lumMod val="70000"/>
+  </cs:variation>
+  <cs:variation>
+    <a:lumMod val="50000"/>
+    <a:lumOff val="50000"/>
+  </cs:variation>
+</cs:colorStyle>
+</file>
+
+<file path=ppt/charts/style1.xml><?xml version="1.0" encoding="utf-8"?>
+<cs:chartStyle xmlns:cs="http://schemas.microsoft.com/office/drawing/2012/chartStyle" xmlns:a="http://schemas.openxmlformats.org/drawingml/2006/main" id="332">
+  <cs:axisTitle>
+    <cs:lnRef idx="0"/>
+    <cs:fillRef idx="0"/>
+    <cs:effectRef idx="0"/>
+    <cs:fontRef idx="minor">
+      <a:schemeClr val="tx1">
+        <a:lumMod val="65000"/>
+        <a:lumOff val="35000"/>
+      </a:schemeClr>
+    </cs:fontRef>
+    <cs:defRPr sz="1330" kern="1200"/>
+  </cs:axisTitle>
+  <cs:categoryAxis>
+    <cs:lnRef idx="0"/>
+    <cs:fillRef idx="0"/>
+    <cs:effectRef idx="0"/>
+    <cs:fontRef idx="minor">
+      <a:schemeClr val="tx1">
+        <a:lumMod val="65000"/>
+        <a:lumOff val="35000"/>
+      </a:schemeClr>
+    </cs:fontRef>
+    <cs:spPr>
+      <a:ln w="9525" cap="flat" cmpd="sng" algn="ctr">
+        <a:solidFill>
+          <a:schemeClr val="tx1">
+            <a:lumMod val="15000"/>
+            <a:lumOff val="85000"/>
+          </a:schemeClr>
+        </a:solidFill>
+        <a:round/>
+      </a:ln>
+    </cs:spPr>
+    <cs:defRPr sz="1197" kern="1200"/>
+  </cs:categoryAxis>
+  <cs:chartArea mods="allowNoFillOverride allowNoLineOverride">
+    <cs:lnRef idx="0"/>
+    <cs:fillRef idx="0"/>
+    <cs:effectRef idx="0"/>
+    <cs:fontRef idx="minor">
+      <a:schemeClr val="tx1"/>
+    </cs:fontRef>
+    <cs:spPr>
+      <a:solidFill>
+        <a:schemeClr val="bg1"/>
+      </a:solidFill>
+      <a:ln w="9525" cap="flat" cmpd="sng" algn="ctr">
+        <a:solidFill>
+          <a:schemeClr val="tx1">
+            <a:lumMod val="15000"/>
+            <a:lumOff val="85000"/>
+          </a:schemeClr>
+        </a:solidFill>
+        <a:round/>
+      </a:ln>
+    </cs:spPr>
+    <cs:defRPr sz="1330" kern="1200"/>
+  </cs:chartArea>
+  <cs:dataLabel>
+    <cs:lnRef idx="0"/>
+    <cs:fillRef idx="0"/>
+    <cs:effectRef idx="0"/>
+    <cs:fontRef idx="minor">
+      <a:schemeClr val="tx1">
+        <a:lumMod val="75000"/>
+        <a:lumOff val="25000"/>
+      </a:schemeClr>
+    </cs:fontRef>
+    <cs:defRPr sz="1197" kern="1200"/>
+  </cs:dataLabel>
+  <cs:dataLabelCallout>
+    <cs:lnRef idx="0"/>
+    <cs:fillRef idx="0"/>
+    <cs:effectRef idx="0"/>
+    <cs:fontRef idx="minor">
+      <a:schemeClr val="dk1">
+        <a:lumMod val="65000"/>
+        <a:lumOff val="35000"/>
+      </a:schemeClr>
+    </cs:fontRef>
+    <cs:spPr>
+      <a:solidFill>
+        <a:schemeClr val="lt1"/>
+      </a:solidFill>
+      <a:ln>
+        <a:solidFill>
+          <a:schemeClr val="dk1">
+            <a:lumMod val="25000"/>
+            <a:lumOff val="75000"/>
+          </a:schemeClr>
+        </a:solidFill>
+      </a:ln>
+    </cs:spPr>
+    <cs:defRPr sz="1197" kern="1200"/>
+    <cs:bodyPr rot="0" spcFirstLastPara="1" vertOverflow="clip" horzOverflow="clip" vert="horz" wrap="square" lIns="36576" tIns="18288" rIns="36576" bIns="18288" anchor="ctr" anchorCtr="1">
+      <a:spAutoFit/>
+    </cs:bodyPr>
+  </cs:dataLabelCallout>
+  <cs:dataPoint>
+    <cs:lnRef idx="0"/>
+    <cs:fillRef idx="1">
+      <cs:styleClr val="auto"/>
+    </cs:fillRef>
+    <cs:effectRef idx="0"/>
+    <cs:fontRef idx="minor">
+      <a:schemeClr val="tx1"/>
+    </cs:fontRef>
+  </cs:dataPoint>
+  <cs:dataPoint3D>
+    <cs:lnRef idx="0"/>
+    <cs:fillRef idx="1">
+      <cs:styleClr val="auto"/>
+    </cs:fillRef>
+    <cs:effectRef idx="0"/>
+    <cs:fontRef idx="minor">
+      <a:schemeClr val="tx1"/>
+    </cs:fontRef>
+  </cs:dataPoint3D>
+  <cs:dataPointLine>
+    <cs:lnRef idx="0">
+      <cs:styleClr val="auto"/>
+    </cs:lnRef>
+    <cs:fillRef idx="1"/>
+    <cs:effectRef idx="0"/>
+    <cs:fontRef idx="minor">
+      <a:schemeClr val="tx1"/>
+    </cs:fontRef>
+    <cs:spPr>
+      <a:ln w="28575" cap="rnd">
+        <a:solidFill>
+          <a:schemeClr val="phClr"/>
+        </a:solidFill>
+        <a:round/>
+      </a:ln>
+    </cs:spPr>
+  </cs:dataPointLine>
+  <cs:dataPointMarker>
+    <cs:lnRef idx="0">
+      <cs:styleClr val="auto"/>
+    </cs:lnRef>
+    <cs:fillRef idx="1">
+      <cs:styleClr val="auto"/>
+    </cs:fillRef>
+    <cs:effectRef idx="0"/>
+    <cs:fontRef idx="minor">
+      <a:schemeClr val="tx1"/>
+    </cs:fontRef>
+    <cs:spPr>
+      <a:ln w="9525">
+        <a:solidFill>
+          <a:schemeClr val="phClr"/>
+        </a:solidFill>
+      </a:ln>
+    </cs:spPr>
+  </cs:dataPointMarker>
+  <cs:dataPointMarkerLayout symbol="circle" size="5"/>
+  <cs:dataPointWireframe>
+    <cs:lnRef idx="0">
+      <cs:styleClr val="auto"/>
+    </cs:lnRef>
+    <cs:fillRef idx="1"/>
+    <cs:effectRef idx="0"/>
+    <cs:fontRef idx="minor">
+      <a:schemeClr val="tx1"/>
+    </cs:fontRef>
+    <cs:spPr>
+      <a:ln w="9525" cap="rnd">
+        <a:solidFill>
+          <a:schemeClr val="phClr"/>
+        </a:solidFill>
+        <a:round/>
+      </a:ln>
+    </cs:spPr>
+  </cs:dataPointWireframe>
+  <cs:dataTable>
+    <cs:lnRef idx="0"/>
+    <cs:fillRef idx="0"/>
+    <cs:effectRef idx="0"/>
+    <cs:fontRef idx="minor">
+      <a:schemeClr val="tx1">
+        <a:lumMod val="65000"/>
+        <a:lumOff val="35000"/>
+      </a:schemeClr>
+    </cs:fontRef>
+    <cs:spPr>
+      <a:noFill/>
+      <a:ln w="9525" cap="flat" cmpd="sng" algn="ctr">
+        <a:solidFill>
+          <a:schemeClr val="tx1">
+            <a:lumMod val="15000"/>
+            <a:lumOff val="85000"/>
+          </a:schemeClr>
+        </a:solidFill>
+        <a:round/>
+      </a:ln>
+    </cs:spPr>
+    <cs:defRPr sz="1197" kern="1200"/>
+  </cs:dataTable>
+  <cs:downBar>
+    <cs:lnRef idx="0"/>
+    <cs:fillRef idx="0"/>
+    <cs:effectRef idx="0"/>
+    <cs:fontRef idx="minor">
+      <a:schemeClr val="dk1"/>
+    </cs:fontRef>
+    <cs:spPr>
+      <a:solidFill>
+        <a:schemeClr val="dk1">
+          <a:lumMod val="65000"/>
+          <a:lumOff val="35000"/>
+        </a:schemeClr>
+      </a:solidFill>
+      <a:ln w="9525">
+        <a:solidFill>
+          <a:schemeClr val="tx1">
+            <a:lumMod val="65000"/>
+            <a:lumOff val="35000"/>
+          </a:schemeClr>
+        </a:solidFill>
+      </a:ln>
+    </cs:spPr>
+  </cs:downBar>
+  <cs:dropLine>
+    <cs:lnRef idx="0"/>
+    <cs:fillRef idx="0"/>
+    <cs:effectRef idx="0"/>
+    <cs:fontRef idx="minor">
+      <a:schemeClr val="tx1"/>
+    </cs:fontRef>
+    <cs:spPr>
+      <a:ln w="9525" cap="flat" cmpd="sng" algn="ctr">
+        <a:solidFill>
+          <a:schemeClr val="tx1">
+            <a:lumMod val="35000"/>
+            <a:lumOff val="65000"/>
+          </a:schemeClr>
+        </a:solidFill>
+        <a:round/>
+      </a:ln>
+    </cs:spPr>
+  </cs:dropLine>
+  <cs:errorBar>
+    <cs:lnRef idx="0"/>
+    <cs:fillRef idx="0"/>
+    <cs:effectRef idx="0"/>
+    <cs:fontRef idx="minor">
+      <a:schemeClr val="tx1"/>
+    </cs:fontRef>
+    <cs:spPr>
+      <a:ln w="9525" cap="flat" cmpd="sng" algn="ctr">
+        <a:solidFill>
+          <a:schemeClr val="tx1">
+            <a:lumMod val="65000"/>
+            <a:lumOff val="35000"/>
+          </a:schemeClr>
+        </a:solidFill>
+        <a:round/>
+      </a:ln>
+    </cs:spPr>
+  </cs:errorBar>
+  <cs:floor>
+    <cs:lnRef idx="0"/>
+    <cs:fillRef idx="0"/>
+    <cs:effectRef idx="0"/>
+    <cs:fontRef idx="minor">
+      <a:schemeClr val="tx1"/>
+    </cs:fontRef>
+    <cs:spPr>
+      <a:noFill/>
+      <a:ln>
+        <a:noFill/>
+      </a:ln>
+    </cs:spPr>
+  </cs:floor>
+  <cs:gridlineMajor>
+    <cs:lnRef idx="0"/>
+    <cs:fillRef idx="0"/>
+    <cs:effectRef idx="0"/>
+    <cs:fontRef idx="minor">
+      <a:schemeClr val="tx1"/>
+    </cs:fontRef>
+    <cs:spPr>
+      <a:ln w="9525" cap="flat" cmpd="sng" algn="ctr">
+        <a:solidFill>
+          <a:schemeClr val="tx1">
+            <a:lumMod val="15000"/>
+            <a:lumOff val="85000"/>
+          </a:schemeClr>
+        </a:solidFill>
+        <a:round/>
+      </a:ln>
+    </cs:spPr>
+  </cs:gridlineMajor>
+  <cs:gridlineMinor>
+    <cs:lnRef idx="0"/>
+    <cs:fillRef idx="0"/>
+    <cs:effectRef idx="0"/>
+    <cs:fontRef idx="minor">
+      <a:schemeClr val="tx1"/>
+    </cs:fontRef>
+    <cs:spPr>
+      <a:ln w="9525" cap="flat" cmpd="sng" algn="ctr">
+        <a:solidFill>
+          <a:schemeClr val="tx1">
+            <a:lumMod val="5000"/>
+            <a:lumOff val="95000"/>
+          </a:schemeClr>
+        </a:solidFill>
+        <a:round/>
+      </a:ln>
+    </cs:spPr>
+  </cs:gridlineMinor>
+  <cs:hiLoLine>
+    <cs:lnRef idx="0"/>
+    <cs:fillRef idx="0"/>
+    <cs:effectRef idx="0"/>
+    <cs:fontRef idx="minor">
+      <a:schemeClr val="tx1"/>
+    </cs:fontRef>
+    <cs:spPr>
+      <a:ln w="9525" cap="flat" cmpd="sng" algn="ctr">
+        <a:solidFill>
+          <a:schemeClr val="tx1">
+            <a:lumMod val="75000"/>
+            <a:lumOff val="25000"/>
+          </a:schemeClr>
+        </a:solidFill>
+        <a:round/>
+      </a:ln>
+    </cs:spPr>
+  </cs:hiLoLine>
+  <cs:leaderLine>
+    <cs:lnRef idx="0"/>
+    <cs:fillRef idx="0"/>
+    <cs:effectRef idx="0"/>
+    <cs:fontRef idx="minor">
+      <a:schemeClr val="tx1"/>
+    </cs:fontRef>
+    <cs:spPr>
+      <a:ln w="9525" cap="flat" cmpd="sng" algn="ctr">
+        <a:solidFill>
+          <a:schemeClr val="tx1">
+            <a:lumMod val="35000"/>
+            <a:lumOff val="65000"/>
+          </a:schemeClr>
+        </a:solidFill>
+        <a:round/>
+      </a:ln>
+    </cs:spPr>
+  </cs:leaderLine>
+  <cs:legend>
+    <cs:lnRef idx="0"/>
+    <cs:fillRef idx="0"/>
+    <cs:effectRef idx="0"/>
+    <cs:fontRef idx="minor">
+      <a:schemeClr val="tx1">
+        <a:lumMod val="65000"/>
+        <a:lumOff val="35000"/>
+      </a:schemeClr>
+    </cs:fontRef>
+    <cs:defRPr sz="1197" kern="1200"/>
+  </cs:legend>
+  <cs:plotArea mods="allowNoFillOverride allowNoLineOverride">
+    <cs:lnRef idx="0"/>
+    <cs:fillRef idx="0"/>
+    <cs:effectRef idx="0"/>
+    <cs:fontRef idx="minor">
+      <a:schemeClr val="tx1"/>
+    </cs:fontRef>
+  </cs:plotArea>
+  <cs:plotArea3D mods="allowNoFillOverride allowNoLineOverride">
+    <cs:lnRef idx="0"/>
+    <cs:fillRef idx="0"/>
+    <cs:effectRef idx="0"/>
+    <cs:fontRef idx="minor">
+      <a:schemeClr val="tx1"/>
+    </cs:fontRef>
+  </cs:plotArea3D>
+  <cs:seriesAxis>
+    <cs:lnRef idx="0"/>
+    <cs:fillRef idx="0"/>
+    <cs:effectRef idx="0"/>
+    <cs:fontRef idx="minor">
+      <a:schemeClr val="tx1">
+        <a:lumMod val="65000"/>
+        <a:lumOff val="35000"/>
+      </a:schemeClr>
+    </cs:fontRef>
+    <cs:defRPr sz="1197" kern="1200"/>
+  </cs:seriesAxis>
+  <cs:seriesLine>
+    <cs:lnRef idx="0"/>
+    <cs:fillRef idx="0"/>
+    <cs:effectRef idx="0"/>
+    <cs:fontRef idx="minor">
+      <a:schemeClr val="tx1"/>
+    </cs:fontRef>
+    <cs:spPr>
+      <a:ln w="9525" cap="flat" cmpd="sng" algn="ctr">
+        <a:solidFill>
+          <a:schemeClr val="tx1">
+            <a:lumMod val="35000"/>
+            <a:lumOff val="65000"/>
+          </a:schemeClr>
+        </a:solidFill>
+        <a:round/>
+      </a:ln>
+    </cs:spPr>
+  </cs:seriesLine>
+  <cs:title>
+    <cs:lnRef idx="0"/>
+    <cs:fillRef idx="0"/>
+    <cs:effectRef idx="0"/>
+    <cs:fontRef idx="minor">
+      <a:schemeClr val="tx1">
+        <a:lumMod val="65000"/>
+        <a:lumOff val="35000"/>
+      </a:schemeClr>
+    </cs:fontRef>
+    <cs:defRPr sz="1862" b="0" kern="1200" spc="0" baseline="0"/>
+  </cs:title>
+  <cs:trendline>
+    <cs:lnRef idx="0">
+      <cs:styleClr val="auto"/>
+    </cs:lnRef>
+    <cs:fillRef idx="0"/>
+    <cs:effectRef idx="0"/>
+    <cs:fontRef idx="minor">
+      <a:schemeClr val="tx1"/>
+    </cs:fontRef>
+    <cs:spPr>
+      <a:ln w="19050" cap="rnd">
+        <a:solidFill>
+          <a:schemeClr val="phClr"/>
+        </a:solidFill>
+        <a:prstDash val="sysDot"/>
+      </a:ln>
+    </cs:spPr>
+  </cs:trendline>
+  <cs:trendlineLabel>
+    <cs:lnRef idx="0"/>
+    <cs:fillRef idx="0"/>
+    <cs:effectRef idx="0"/>
+    <cs:fontRef idx="minor">
+      <a:schemeClr val="tx1">
+        <a:lumMod val="65000"/>
+        <a:lumOff val="35000"/>
+      </a:schemeClr>
+    </cs:fontRef>
+    <cs:defRPr sz="1197" kern="1200"/>
+  </cs:trendlineLabel>
+  <cs:upBar>
+    <cs:lnRef idx="0"/>
+    <cs:fillRef idx="0"/>
+    <cs:effectRef idx="0"/>
+    <cs:fontRef idx="minor">
+      <a:schemeClr val="dk1"/>
+    </cs:fontRef>
+    <cs:spPr>
+      <a:solidFill>
+        <a:schemeClr val="lt1"/>
+      </a:solidFill>
+      <a:ln w="9525">
+        <a:solidFill>
+          <a:schemeClr val="tx1">
+            <a:lumMod val="15000"/>
+            <a:lumOff val="85000"/>
+          </a:schemeClr>
+        </a:solidFill>
+      </a:ln>
+    </cs:spPr>
+  </cs:upBar>
+  <cs:valueAxis>
+    <cs:lnRef idx="0"/>
+    <cs:fillRef idx="0"/>
+    <cs:effectRef idx="0"/>
+    <cs:fontRef idx="minor">
+      <a:schemeClr val="tx1">
+        <a:lumMod val="65000"/>
+        <a:lumOff val="35000"/>
+      </a:schemeClr>
+    </cs:fontRef>
+    <cs:defRPr sz="1197" kern="1200"/>
+  </cs:valueAxis>
+  <cs:wall>
+    <cs:lnRef idx="0"/>
+    <cs:fillRef idx="0"/>
+    <cs:effectRef idx="0"/>
+    <cs:fontRef idx="minor">
+      <a:schemeClr val="tx1"/>
+    </cs:fontRef>
+    <cs:spPr>
+      <a:noFill/>
+      <a:ln>
+        <a:noFill/>
+      </a:ln>
+    </cs:spPr>
+  </cs:wall>
+</cs:chartStyle>
+</file>
+
+<file path=ppt/charts/style2.xml><?xml version="1.0" encoding="utf-8"?>
+<cs:chartStyle xmlns:cs="http://schemas.microsoft.com/office/drawing/2012/chartStyle" xmlns:a="http://schemas.openxmlformats.org/drawingml/2006/main" id="332">
+  <cs:axisTitle>
+    <cs:lnRef idx="0"/>
+    <cs:fillRef idx="0"/>
+    <cs:effectRef idx="0"/>
+    <cs:fontRef idx="minor">
+      <a:schemeClr val="tx1">
+        <a:lumMod val="65000"/>
+        <a:lumOff val="35000"/>
+      </a:schemeClr>
+    </cs:fontRef>
+    <cs:defRPr sz="1330" kern="1200"/>
+  </cs:axisTitle>
+  <cs:categoryAxis>
+    <cs:lnRef idx="0"/>
+    <cs:fillRef idx="0"/>
+    <cs:effectRef idx="0"/>
+    <cs:fontRef idx="minor">
+      <a:schemeClr val="tx1">
+        <a:lumMod val="65000"/>
+        <a:lumOff val="35000"/>
+      </a:schemeClr>
+    </cs:fontRef>
+    <cs:spPr>
+      <a:ln w="9525" cap="flat" cmpd="sng" algn="ctr">
+        <a:solidFill>
+          <a:schemeClr val="tx1">
+            <a:lumMod val="15000"/>
+            <a:lumOff val="85000"/>
+          </a:schemeClr>
+        </a:solidFill>
+        <a:round/>
+      </a:ln>
+    </cs:spPr>
+    <cs:defRPr sz="1197" kern="1200"/>
+  </cs:categoryAxis>
+  <cs:chartArea mods="allowNoFillOverride allowNoLineOverride">
+    <cs:lnRef idx="0"/>
+    <cs:fillRef idx="0"/>
+    <cs:effectRef idx="0"/>
+    <cs:fontRef idx="minor">
+      <a:schemeClr val="tx1"/>
+    </cs:fontRef>
+    <cs:spPr>
+      <a:solidFill>
+        <a:schemeClr val="bg1"/>
+      </a:solidFill>
+      <a:ln w="9525" cap="flat" cmpd="sng" algn="ctr">
+        <a:solidFill>
+          <a:schemeClr val="tx1">
+            <a:lumMod val="15000"/>
+            <a:lumOff val="85000"/>
+          </a:schemeClr>
+        </a:solidFill>
+        <a:round/>
+      </a:ln>
+    </cs:spPr>
+    <cs:defRPr sz="1330" kern="1200"/>
+  </cs:chartArea>
+  <cs:dataLabel>
+    <cs:lnRef idx="0"/>
+    <cs:fillRef idx="0"/>
+    <cs:effectRef idx="0"/>
+    <cs:fontRef idx="minor">
+      <a:schemeClr val="tx1">
+        <a:lumMod val="75000"/>
+        <a:lumOff val="25000"/>
+      </a:schemeClr>
+    </cs:fontRef>
+    <cs:defRPr sz="1197" kern="1200"/>
+  </cs:dataLabel>
+  <cs:dataLabelCallout>
+    <cs:lnRef idx="0"/>
+    <cs:fillRef idx="0"/>
+    <cs:effectRef idx="0"/>
+    <cs:fontRef idx="minor">
+      <a:schemeClr val="dk1">
+        <a:lumMod val="65000"/>
+        <a:lumOff val="35000"/>
+      </a:schemeClr>
+    </cs:fontRef>
+    <cs:spPr>
+      <a:solidFill>
+        <a:schemeClr val="lt1"/>
+      </a:solidFill>
+      <a:ln>
+        <a:solidFill>
+          <a:schemeClr val="dk1">
+            <a:lumMod val="25000"/>
+            <a:lumOff val="75000"/>
+          </a:schemeClr>
+        </a:solidFill>
+      </a:ln>
+    </cs:spPr>
+    <cs:defRPr sz="1197" kern="1200"/>
+    <cs:bodyPr rot="0" spcFirstLastPara="1" vertOverflow="clip" horzOverflow="clip" vert="horz" wrap="square" lIns="36576" tIns="18288" rIns="36576" bIns="18288" anchor="ctr" anchorCtr="1">
+      <a:spAutoFit/>
+    </cs:bodyPr>
+  </cs:dataLabelCallout>
+  <cs:dataPoint>
+    <cs:lnRef idx="0"/>
+    <cs:fillRef idx="1">
+      <cs:styleClr val="auto"/>
+    </cs:fillRef>
+    <cs:effectRef idx="0"/>
+    <cs:fontRef idx="minor">
+      <a:schemeClr val="tx1"/>
+    </cs:fontRef>
+  </cs:dataPoint>
+  <cs:dataPoint3D>
+    <cs:lnRef idx="0"/>
+    <cs:fillRef idx="1">
+      <cs:styleClr val="auto"/>
+    </cs:fillRef>
+    <cs:effectRef idx="0"/>
+    <cs:fontRef idx="minor">
+      <a:schemeClr val="tx1"/>
+    </cs:fontRef>
+  </cs:dataPoint3D>
+  <cs:dataPointLine>
+    <cs:lnRef idx="0">
+      <cs:styleClr val="auto"/>
+    </cs:lnRef>
+    <cs:fillRef idx="1"/>
+    <cs:effectRef idx="0"/>
+    <cs:fontRef idx="minor">
+      <a:schemeClr val="tx1"/>
+    </cs:fontRef>
+    <cs:spPr>
+      <a:ln w="28575" cap="rnd">
+        <a:solidFill>
+          <a:schemeClr val="phClr"/>
+        </a:solidFill>
+        <a:round/>
+      </a:ln>
+    </cs:spPr>
+  </cs:dataPointLine>
+  <cs:dataPointMarker>
+    <cs:lnRef idx="0">
+      <cs:styleClr val="auto"/>
+    </cs:lnRef>
+    <cs:fillRef idx="1">
+      <cs:styleClr val="auto"/>
+    </cs:fillRef>
+    <cs:effectRef idx="0"/>
+    <cs:fontRef idx="minor">
+      <a:schemeClr val="tx1"/>
+    </cs:fontRef>
+    <cs:spPr>
+      <a:ln w="9525">
+        <a:solidFill>
+          <a:schemeClr val="phClr"/>
+        </a:solidFill>
+      </a:ln>
+    </cs:spPr>
+  </cs:dataPointMarker>
+  <cs:dataPointMarkerLayout symbol="circle" size="5"/>
+  <cs:dataPointWireframe>
+    <cs:lnRef idx="0">
+      <cs:styleClr val="auto"/>
+    </cs:lnRef>
+    <cs:fillRef idx="1"/>
+    <cs:effectRef idx="0"/>
+    <cs:fontRef idx="minor">
+      <a:schemeClr val="tx1"/>
+    </cs:fontRef>
+    <cs:spPr>
+      <a:ln w="9525" cap="rnd">
+        <a:solidFill>
+          <a:schemeClr val="phClr"/>
+        </a:solidFill>
+        <a:round/>
+      </a:ln>
+    </cs:spPr>
+  </cs:dataPointWireframe>
+  <cs:dataTable>
+    <cs:lnRef idx="0"/>
+    <cs:fillRef idx="0"/>
+    <cs:effectRef idx="0"/>
+    <cs:fontRef idx="minor">
+      <a:schemeClr val="tx1">
+        <a:lumMod val="65000"/>
+        <a:lumOff val="35000"/>
+      </a:schemeClr>
+    </cs:fontRef>
+    <cs:spPr>
+      <a:noFill/>
+      <a:ln w="9525" cap="flat" cmpd="sng" algn="ctr">
+        <a:solidFill>
+          <a:schemeClr val="tx1">
+            <a:lumMod val="15000"/>
+            <a:lumOff val="85000"/>
+          </a:schemeClr>
+        </a:solidFill>
+        <a:round/>
+      </a:ln>
+    </cs:spPr>
+    <cs:defRPr sz="1197" kern="1200"/>
+  </cs:dataTable>
+  <cs:downBar>
+    <cs:lnRef idx="0"/>
+    <cs:fillRef idx="0"/>
+    <cs:effectRef idx="0"/>
+    <cs:fontRef idx="minor">
+      <a:schemeClr val="dk1"/>
+    </cs:fontRef>
+    <cs:spPr>
+      <a:solidFill>
+        <a:schemeClr val="dk1">
+          <a:lumMod val="65000"/>
+          <a:lumOff val="35000"/>
+        </a:schemeClr>
+      </a:solidFill>
+      <a:ln w="9525">
+        <a:solidFill>
+          <a:schemeClr val="tx1">
+            <a:lumMod val="65000"/>
+            <a:lumOff val="35000"/>
+          </a:schemeClr>
+        </a:solidFill>
+      </a:ln>
+    </cs:spPr>
+  </cs:downBar>
+  <cs:dropLine>
+    <cs:lnRef idx="0"/>
+    <cs:fillRef idx="0"/>
+    <cs:effectRef idx="0"/>
+    <cs:fontRef idx="minor">
+      <a:schemeClr val="tx1"/>
+    </cs:fontRef>
+    <cs:spPr>
+      <a:ln w="9525" cap="flat" cmpd="sng" algn="ctr">
+        <a:solidFill>
+          <a:schemeClr val="tx1">
+            <a:lumMod val="35000"/>
+            <a:lumOff val="65000"/>
+          </a:schemeClr>
+        </a:solidFill>
+        <a:round/>
+      </a:ln>
+    </cs:spPr>
+  </cs:dropLine>
+  <cs:errorBar>
+    <cs:lnRef idx="0"/>
+    <cs:fillRef idx="0"/>
+    <cs:effectRef idx="0"/>
+    <cs:fontRef idx="minor">
+      <a:schemeClr val="tx1"/>
+    </cs:fontRef>
+    <cs:spPr>
+      <a:ln w="9525" cap="flat" cmpd="sng" algn="ctr">
+        <a:solidFill>
+          <a:schemeClr val="tx1">
+            <a:lumMod val="65000"/>
+            <a:lumOff val="35000"/>
+          </a:schemeClr>
+        </a:solidFill>
+        <a:round/>
+      </a:ln>
+    </cs:spPr>
+  </cs:errorBar>
+  <cs:floor>
+    <cs:lnRef idx="0"/>
+    <cs:fillRef idx="0"/>
+    <cs:effectRef idx="0"/>
+    <cs:fontRef idx="minor">
+      <a:schemeClr val="tx1"/>
+    </cs:fontRef>
+    <cs:spPr>
+      <a:noFill/>
+      <a:ln>
+        <a:noFill/>
+      </a:ln>
+    </cs:spPr>
+  </cs:floor>
+  <cs:gridlineMajor>
+    <cs:lnRef idx="0"/>
+    <cs:fillRef idx="0"/>
+    <cs:effectRef idx="0"/>
+    <cs:fontRef idx="minor">
+      <a:schemeClr val="tx1"/>
+    </cs:fontRef>
+    <cs:spPr>
+      <a:ln w="9525" cap="flat" cmpd="sng" algn="ctr">
+        <a:solidFill>
+          <a:schemeClr val="tx1">
+            <a:lumMod val="15000"/>
+            <a:lumOff val="85000"/>
+          </a:schemeClr>
+        </a:solidFill>
+        <a:round/>
+      </a:ln>
+    </cs:spPr>
+  </cs:gridlineMajor>
+  <cs:gridlineMinor>
+    <cs:lnRef idx="0"/>
+    <cs:fillRef idx="0"/>
+    <cs:effectRef idx="0"/>
+    <cs:fontRef idx="minor">
+      <a:schemeClr val="tx1"/>
+    </cs:fontRef>
+    <cs:spPr>
+      <a:ln w="9525" cap="flat" cmpd="sng" algn="ctr">
+        <a:solidFill>
+          <a:schemeClr val="tx1">
+            <a:lumMod val="5000"/>
+            <a:lumOff val="95000"/>
+          </a:schemeClr>
+        </a:solidFill>
+        <a:round/>
+      </a:ln>
+    </cs:spPr>
+  </cs:gridlineMinor>
+  <cs:hiLoLine>
+    <cs:lnRef idx="0"/>
+    <cs:fillRef idx="0"/>
+    <cs:effectRef idx="0"/>
+    <cs:fontRef idx="minor">
+      <a:schemeClr val="tx1"/>
+    </cs:fontRef>
+    <cs:spPr>
+      <a:ln w="9525" cap="flat" cmpd="sng" algn="ctr">
+        <a:solidFill>
+          <a:schemeClr val="tx1">
+            <a:lumMod val="75000"/>
+            <a:lumOff val="25000"/>
+          </a:schemeClr>
+        </a:solidFill>
+        <a:round/>
+      </a:ln>
+    </cs:spPr>
+  </cs:hiLoLine>
+  <cs:leaderLine>
+    <cs:lnRef idx="0"/>
+    <cs:fillRef idx="0"/>
+    <cs:effectRef idx="0"/>
+    <cs:fontRef idx="minor">
+      <a:schemeClr val="tx1"/>
+    </cs:fontRef>
+    <cs:spPr>
+      <a:ln w="9525" cap="flat" cmpd="sng" algn="ctr">
+        <a:solidFill>
+          <a:schemeClr val="tx1">
+            <a:lumMod val="35000"/>
+            <a:lumOff val="65000"/>
+          </a:schemeClr>
+        </a:solidFill>
+        <a:round/>
+      </a:ln>
+    </cs:spPr>
+  </cs:leaderLine>
+  <cs:legend>
+    <cs:lnRef idx="0"/>
+    <cs:fillRef idx="0"/>
+    <cs:effectRef idx="0"/>
+    <cs:fontRef idx="minor">
+      <a:schemeClr val="tx1">
+        <a:lumMod val="65000"/>
+        <a:lumOff val="35000"/>
+      </a:schemeClr>
+    </cs:fontRef>
+    <cs:defRPr sz="1197" kern="1200"/>
+  </cs:legend>
+  <cs:plotArea mods="allowNoFillOverride allowNoLineOverride">
+    <cs:lnRef idx="0"/>
+    <cs:fillRef idx="0"/>
+    <cs:effectRef idx="0"/>
+    <cs:fontRef idx="minor">
+      <a:schemeClr val="tx1"/>
+    </cs:fontRef>
+  </cs:plotArea>
+  <cs:plotArea3D mods="allowNoFillOverride allowNoLineOverride">
+    <cs:lnRef idx="0"/>
+    <cs:fillRef idx="0"/>
+    <cs:effectRef idx="0"/>
+    <cs:fontRef idx="minor">
+      <a:schemeClr val="tx1"/>
+    </cs:fontRef>
+  </cs:plotArea3D>
+  <cs:seriesAxis>
+    <cs:lnRef idx="0"/>
+    <cs:fillRef idx="0"/>
+    <cs:effectRef idx="0"/>
+    <cs:fontRef idx="minor">
+      <a:schemeClr val="tx1">
+        <a:lumMod val="65000"/>
+        <a:lumOff val="35000"/>
+      </a:schemeClr>
+    </cs:fontRef>
+    <cs:defRPr sz="1197" kern="1200"/>
+  </cs:seriesAxis>
+  <cs:seriesLine>
+    <cs:lnRef idx="0"/>
+    <cs:fillRef idx="0"/>
+    <cs:effectRef idx="0"/>
+    <cs:fontRef idx="minor">
+      <a:schemeClr val="tx1"/>
+    </cs:fontRef>
+    <cs:spPr>
+      <a:ln w="9525" cap="flat" cmpd="sng" algn="ctr">
+        <a:solidFill>
+          <a:schemeClr val="tx1">
+            <a:lumMod val="35000"/>
+            <a:lumOff val="65000"/>
+          </a:schemeClr>
+        </a:solidFill>
+        <a:round/>
+      </a:ln>
+    </cs:spPr>
+  </cs:seriesLine>
+  <cs:title>
+    <cs:lnRef idx="0"/>
+    <cs:fillRef idx="0"/>
+    <cs:effectRef idx="0"/>
+    <cs:fontRef idx="minor">
+      <a:schemeClr val="tx1">
+        <a:lumMod val="65000"/>
+        <a:lumOff val="35000"/>
+      </a:schemeClr>
+    </cs:fontRef>
+    <cs:defRPr sz="1862" b="0" kern="1200" spc="0" baseline="0"/>
+  </cs:title>
+  <cs:trendline>
+    <cs:lnRef idx="0">
+      <cs:styleClr val="auto"/>
+    </cs:lnRef>
+    <cs:fillRef idx="0"/>
+    <cs:effectRef idx="0"/>
+    <cs:fontRef idx="minor">
+      <a:schemeClr val="tx1"/>
+    </cs:fontRef>
+    <cs:spPr>
+      <a:ln w="19050" cap="rnd">
+        <a:solidFill>
+          <a:schemeClr val="phClr"/>
+        </a:solidFill>
+        <a:prstDash val="sysDot"/>
+      </a:ln>
+    </cs:spPr>
+  </cs:trendline>
+  <cs:trendlineLabel>
+    <cs:lnRef idx="0"/>
+    <cs:fillRef idx="0"/>
+    <cs:effectRef idx="0"/>
+    <cs:fontRef idx="minor">
+      <a:schemeClr val="tx1">
+        <a:lumMod val="65000"/>
+        <a:lumOff val="35000"/>
+      </a:schemeClr>
+    </cs:fontRef>
+    <cs:defRPr sz="1197" kern="1200"/>
+  </cs:trendlineLabel>
+  <cs:upBar>
+    <cs:lnRef idx="0"/>
+    <cs:fillRef idx="0"/>
+    <cs:effectRef idx="0"/>
+    <cs:fontRef idx="minor">
+      <a:schemeClr val="dk1"/>
+    </cs:fontRef>
+    <cs:spPr>
+      <a:solidFill>
+        <a:schemeClr val="lt1"/>
+      </a:solidFill>
+      <a:ln w="9525">
+        <a:solidFill>
+          <a:schemeClr val="tx1">
+            <a:lumMod val="15000"/>
+            <a:lumOff val="85000"/>
+          </a:schemeClr>
+        </a:solidFill>
+      </a:ln>
+    </cs:spPr>
+  </cs:upBar>
+  <cs:valueAxis>
+    <cs:lnRef idx="0"/>
+    <cs:fillRef idx="0"/>
+    <cs:effectRef idx="0"/>
+    <cs:fontRef idx="minor">
+      <a:schemeClr val="tx1">
+        <a:lumMod val="65000"/>
+        <a:lumOff val="35000"/>
+      </a:schemeClr>
+    </cs:fontRef>
+    <cs:defRPr sz="1197" kern="1200"/>
+  </cs:valueAxis>
+  <cs:wall>
+    <cs:lnRef idx="0"/>
+    <cs:fillRef idx="0"/>
+    <cs:effectRef idx="0"/>
+    <cs:fontRef idx="minor">
+      <a:schemeClr val="tx1"/>
+    </cs:fontRef>
+    <cs:spPr>
+      <a:noFill/>
+      <a:ln>
+        <a:noFill/>
+      </a:ln>
+    </cs:spPr>
+  </cs:wall>
+</cs:chartStyle>
+</file>
+
 <file path=ppt/notesMasters/notesMaster1.xml><?xml version="1.0" encoding="utf-8"?>
 <p:notesMaster xmlns:a="http://schemas.openxmlformats.org/drawingml/2006/main" xmlns:r="http://schemas.openxmlformats.org/officeDocument/2006/relationships" xmlns:p="http://schemas.openxmlformats.org/presentationml/2006/main">
   <p:cSld>
@@ -1289,7 +3470,7 @@
           <a:p>
             <a:fld id="{AA029DEA-9CF8-4959-9295-B32940863C1C}" type="datetimeFigureOut">
               <a:rPr lang="ko-KR" altLang="en-US" smtClean="0"/>
-              <a:t>2022-02-15</a:t>
+              <a:t>2022-02-16</a:t>
             </a:fld>
             <a:endParaRPr lang="ko-KR" altLang="en-US"/>
           </a:p>
@@ -2135,6 +4316,174 @@
     <p:extLst>
       <p:ext uri="{BB962C8B-B14F-4D97-AF65-F5344CB8AC3E}">
         <p14:creationId xmlns:p14="http://schemas.microsoft.com/office/powerpoint/2010/main" val="3596237394"/>
+      </p:ext>
+    </p:extLst>
+  </p:cSld>
+  <p:clrMapOvr>
+    <a:masterClrMapping/>
+  </p:clrMapOvr>
+</p:notes>
+</file>
+
+<file path=ppt/notesSlides/notesSlide8.xml><?xml version="1.0" encoding="utf-8"?>
+<p:notes xmlns:a="http://schemas.openxmlformats.org/drawingml/2006/main" xmlns:r="http://schemas.openxmlformats.org/officeDocument/2006/relationships" xmlns:p="http://schemas.openxmlformats.org/presentationml/2006/main">
+  <p:cSld>
+    <p:spTree>
+      <p:nvGrpSpPr>
+        <p:cNvPr id="1" name=""/>
+        <p:cNvGrpSpPr/>
+        <p:nvPr/>
+      </p:nvGrpSpPr>
+      <p:grpSpPr>
+        <a:xfrm>
+          <a:off x="0" y="0"/>
+          <a:ext cx="0" cy="0"/>
+          <a:chOff x="0" y="0"/>
+          <a:chExt cx="0" cy="0"/>
+        </a:xfrm>
+      </p:grpSpPr>
+      <p:sp>
+        <p:nvSpPr>
+          <p:cNvPr id="2" name="슬라이드 이미지 개체 틀 1"/>
+          <p:cNvSpPr>
+            <a:spLocks noGrp="1" noRot="1" noChangeAspect="1"/>
+          </p:cNvSpPr>
+          <p:nvPr>
+            <p:ph type="sldImg"/>
+          </p:nvPr>
+        </p:nvSpPr>
+        <p:spPr/>
+      </p:sp>
+      <p:sp>
+        <p:nvSpPr>
+          <p:cNvPr id="3" name="슬라이드 노트 개체 틀 2"/>
+          <p:cNvSpPr>
+            <a:spLocks noGrp="1"/>
+          </p:cNvSpPr>
+          <p:nvPr>
+            <p:ph type="body" idx="1"/>
+          </p:nvPr>
+        </p:nvSpPr>
+        <p:spPr/>
+        <p:txBody>
+          <a:bodyPr/>
+          <a:lstStyle/>
+          <a:p>
+            <a:endParaRPr lang="ko-KR" altLang="en-US" dirty="0"/>
+          </a:p>
+        </p:txBody>
+      </p:sp>
+      <p:sp>
+        <p:nvSpPr>
+          <p:cNvPr id="4" name="슬라이드 번호 개체 틀 3"/>
+          <p:cNvSpPr>
+            <a:spLocks noGrp="1"/>
+          </p:cNvSpPr>
+          <p:nvPr>
+            <p:ph type="sldNum" sz="quarter" idx="5"/>
+          </p:nvPr>
+        </p:nvSpPr>
+        <p:spPr/>
+        <p:txBody>
+          <a:bodyPr/>
+          <a:lstStyle/>
+          <a:p>
+            <a:fld id="{87F9F377-0814-42D2-AAC0-CB43F8F02991}" type="slidenum">
+              <a:rPr lang="ko-KR" altLang="en-US" smtClean="0"/>
+              <a:t>45</a:t>
+            </a:fld>
+            <a:endParaRPr lang="ko-KR" altLang="en-US"/>
+          </a:p>
+        </p:txBody>
+      </p:sp>
+    </p:spTree>
+    <p:extLst>
+      <p:ext uri="{BB962C8B-B14F-4D97-AF65-F5344CB8AC3E}">
+        <p14:creationId xmlns:p14="http://schemas.microsoft.com/office/powerpoint/2010/main" val="766560565"/>
+      </p:ext>
+    </p:extLst>
+  </p:cSld>
+  <p:clrMapOvr>
+    <a:masterClrMapping/>
+  </p:clrMapOvr>
+</p:notes>
+</file>
+
+<file path=ppt/notesSlides/notesSlide9.xml><?xml version="1.0" encoding="utf-8"?>
+<p:notes xmlns:a="http://schemas.openxmlformats.org/drawingml/2006/main" xmlns:r="http://schemas.openxmlformats.org/officeDocument/2006/relationships" xmlns:p="http://schemas.openxmlformats.org/presentationml/2006/main">
+  <p:cSld>
+    <p:spTree>
+      <p:nvGrpSpPr>
+        <p:cNvPr id="1" name=""/>
+        <p:cNvGrpSpPr/>
+        <p:nvPr/>
+      </p:nvGrpSpPr>
+      <p:grpSpPr>
+        <a:xfrm>
+          <a:off x="0" y="0"/>
+          <a:ext cx="0" cy="0"/>
+          <a:chOff x="0" y="0"/>
+          <a:chExt cx="0" cy="0"/>
+        </a:xfrm>
+      </p:grpSpPr>
+      <p:sp>
+        <p:nvSpPr>
+          <p:cNvPr id="2" name="슬라이드 이미지 개체 틀 1"/>
+          <p:cNvSpPr>
+            <a:spLocks noGrp="1" noRot="1" noChangeAspect="1"/>
+          </p:cNvSpPr>
+          <p:nvPr>
+            <p:ph type="sldImg"/>
+          </p:nvPr>
+        </p:nvSpPr>
+        <p:spPr/>
+      </p:sp>
+      <p:sp>
+        <p:nvSpPr>
+          <p:cNvPr id="3" name="슬라이드 노트 개체 틀 2"/>
+          <p:cNvSpPr>
+            <a:spLocks noGrp="1"/>
+          </p:cNvSpPr>
+          <p:nvPr>
+            <p:ph type="body" idx="1"/>
+          </p:nvPr>
+        </p:nvSpPr>
+        <p:spPr/>
+        <p:txBody>
+          <a:bodyPr/>
+          <a:lstStyle/>
+          <a:p>
+            <a:endParaRPr lang="ko-KR" altLang="en-US" dirty="0"/>
+          </a:p>
+        </p:txBody>
+      </p:sp>
+      <p:sp>
+        <p:nvSpPr>
+          <p:cNvPr id="4" name="슬라이드 번호 개체 틀 3"/>
+          <p:cNvSpPr>
+            <a:spLocks noGrp="1"/>
+          </p:cNvSpPr>
+          <p:nvPr>
+            <p:ph type="sldNum" sz="quarter" idx="5"/>
+          </p:nvPr>
+        </p:nvSpPr>
+        <p:spPr/>
+        <p:txBody>
+          <a:bodyPr/>
+          <a:lstStyle/>
+          <a:p>
+            <a:fld id="{87F9F377-0814-42D2-AAC0-CB43F8F02991}" type="slidenum">
+              <a:rPr lang="ko-KR" altLang="en-US" smtClean="0"/>
+              <a:t>46</a:t>
+            </a:fld>
+            <a:endParaRPr lang="ko-KR" altLang="en-US"/>
+          </a:p>
+        </p:txBody>
+      </p:sp>
+    </p:spTree>
+    <p:extLst>
+      <p:ext uri="{BB962C8B-B14F-4D97-AF65-F5344CB8AC3E}">
+        <p14:creationId xmlns:p14="http://schemas.microsoft.com/office/powerpoint/2010/main" val="4261532080"/>
       </p:ext>
     </p:extLst>
   </p:cSld>
@@ -4076,6 +6425,10 @@
           <a:bodyPr/>
           <a:lstStyle/>
           <a:p>
+            <a:r>
+              <a:rPr lang="en-US" altLang="ko-KR" dirty="0"/>
+              <a:t>Contents</a:t>
+            </a:r>
             <a:endParaRPr lang="ko-KR" altLang="en-US" dirty="0"/>
           </a:p>
         </p:txBody>
@@ -9385,6 +11738,10 @@
           <a:bodyPr/>
           <a:lstStyle/>
           <a:p>
+            <a:r>
+              <a:rPr lang="en-US" altLang="ko-KR" dirty="0"/>
+              <a:t>Contents</a:t>
+            </a:r>
             <a:endParaRPr lang="ko-KR" altLang="en-US" dirty="0"/>
           </a:p>
         </p:txBody>
@@ -18564,6 +20921,10 @@
           <a:bodyPr/>
           <a:lstStyle/>
           <a:p>
+            <a:r>
+              <a:rPr lang="en-US" altLang="ko-KR" dirty="0"/>
+              <a:t>Contents</a:t>
+            </a:r>
             <a:endParaRPr lang="ko-KR" altLang="en-US" dirty="0"/>
           </a:p>
         </p:txBody>
@@ -20340,6 +22701,140 @@
               <a:rPr lang="ko-KR" altLang="en-US" dirty="0"/>
               <a:t>설정</a:t>
             </a:r>
+            <a:endParaRPr lang="en-US" altLang="ko-KR" dirty="0"/>
+          </a:p>
+          <a:p>
+            <a:pPr marL="311400" lvl="1" indent="0">
+              <a:buNone/>
+            </a:pPr>
+            <a:endParaRPr lang="en-US" altLang="ko-KR" dirty="0"/>
+          </a:p>
+          <a:p>
+            <a:pPr marL="311400" lvl="1" indent="0">
+              <a:buNone/>
+            </a:pPr>
+            <a:endParaRPr lang="en-US" altLang="ko-KR" dirty="0"/>
+          </a:p>
+          <a:p>
+            <a:pPr marL="311400" lvl="1" indent="0">
+              <a:buNone/>
+            </a:pPr>
+            <a:endParaRPr lang="en-US" altLang="ko-KR" dirty="0"/>
+          </a:p>
+          <a:p>
+            <a:pPr lvl="1"/>
+            <a:r>
+              <a:rPr lang="en-US" altLang="ko-KR" dirty="0"/>
+              <a:t>/</a:t>
+            </a:r>
+            <a:r>
+              <a:rPr lang="en-US" altLang="ko-KR" dirty="0" err="1"/>
+              <a:t>etc</a:t>
+            </a:r>
+            <a:r>
+              <a:rPr lang="en-US" altLang="ko-KR" dirty="0"/>
+              <a:t>/</a:t>
+            </a:r>
+            <a:r>
+              <a:rPr lang="en-US" altLang="ko-KR" dirty="0" err="1"/>
+              <a:t>fstab</a:t>
+            </a:r>
+            <a:r>
+              <a:rPr lang="en-US" altLang="ko-KR" dirty="0"/>
+              <a:t>: </a:t>
+            </a:r>
+            <a:r>
+              <a:rPr lang="ko-KR" altLang="en-US" dirty="0"/>
+              <a:t>리눅스 </a:t>
+            </a:r>
+            <a:r>
+              <a:rPr lang="ko-KR" altLang="en-US" dirty="0" err="1"/>
+              <a:t>부팅시</a:t>
+            </a:r>
+            <a:r>
+              <a:rPr lang="ko-KR" altLang="en-US" dirty="0"/>
+              <a:t> </a:t>
+            </a:r>
+            <a:r>
+              <a:rPr lang="ko-KR" altLang="en-US" dirty="0" err="1"/>
+              <a:t>마운트정보를</a:t>
+            </a:r>
+            <a:r>
+              <a:rPr lang="ko-KR" altLang="en-US" dirty="0"/>
+              <a:t> 저장하여 파일 안에 있는 </a:t>
+            </a:r>
+            <a:r>
+              <a:rPr lang="ko-KR" altLang="en-US" dirty="0" err="1"/>
+              <a:t>구성값으로</a:t>
+            </a:r>
+            <a:r>
+              <a:rPr lang="ko-KR" altLang="en-US" dirty="0"/>
+              <a:t> 자동으로 적용</a:t>
+            </a:r>
+            <a:endParaRPr lang="en-US" altLang="ko-KR" dirty="0"/>
+          </a:p>
+          <a:p>
+            <a:pPr lvl="1"/>
+            <a:r>
+              <a:rPr lang="en-US" altLang="ko-KR" dirty="0"/>
+              <a:t>[</a:t>
+            </a:r>
+            <a:r>
+              <a:rPr lang="ko-KR" altLang="en-US" dirty="0"/>
+              <a:t>파일시스템 장치</a:t>
+            </a:r>
+            <a:r>
+              <a:rPr lang="en-US" altLang="ko-KR" dirty="0"/>
+              <a:t>] [</a:t>
+            </a:r>
+            <a:r>
+              <a:rPr lang="ko-KR" altLang="en-US" dirty="0" err="1"/>
+              <a:t>마운트포인트</a:t>
+            </a:r>
+            <a:r>
+              <a:rPr lang="en-US" altLang="ko-KR" dirty="0"/>
+              <a:t>] [</a:t>
+            </a:r>
+            <a:r>
+              <a:rPr lang="ko-KR" altLang="en-US" dirty="0"/>
+              <a:t>파일시스템 종류</a:t>
+            </a:r>
+            <a:r>
+              <a:rPr lang="en-US" altLang="ko-KR" dirty="0"/>
+              <a:t>] [</a:t>
+            </a:r>
+            <a:r>
+              <a:rPr lang="ko-KR" altLang="en-US" dirty="0"/>
+              <a:t>옵션</a:t>
+            </a:r>
+            <a:r>
+              <a:rPr lang="en-US" altLang="ko-KR" dirty="0"/>
+              <a:t>] [</a:t>
+            </a:r>
+            <a:r>
+              <a:rPr lang="ko-KR" altLang="en-US" dirty="0"/>
+              <a:t>덤프</a:t>
+            </a:r>
+            <a:r>
+              <a:rPr lang="en-US" altLang="ko-KR" dirty="0"/>
+              <a:t>] [</a:t>
+            </a:r>
+            <a:r>
+              <a:rPr lang="ko-KR" altLang="en-US" dirty="0" err="1"/>
+              <a:t>파일체크옵션</a:t>
+            </a:r>
+            <a:r>
+              <a:rPr lang="en-US" altLang="ko-KR" dirty="0"/>
+              <a:t>] </a:t>
+            </a:r>
+            <a:r>
+              <a:rPr lang="ko-KR" altLang="en-US" dirty="0"/>
+              <a:t>으로 구성</a:t>
+            </a:r>
+          </a:p>
+          <a:p>
+            <a:pPr lvl="1"/>
+            <a:endParaRPr lang="en-US" altLang="ko-KR" dirty="0"/>
           </a:p>
         </p:txBody>
       </p:sp>
@@ -20512,36 +23007,6 @@
           </a:p>
         </p:txBody>
       </p:sp>
-      <p:pic>
-        <p:nvPicPr>
-          <p:cNvPr id="9" name="그림 8">
-            <a:extLst>
-              <a:ext uri="{FF2B5EF4-FFF2-40B4-BE49-F238E27FC236}">
-                <a16:creationId xmlns:a16="http://schemas.microsoft.com/office/drawing/2014/main" id="{3558B6AD-6492-4D91-A51D-CC3314370FAB}"/>
-              </a:ext>
-            </a:extLst>
-          </p:cNvPr>
-          <p:cNvPicPr>
-            <a:picLocks noChangeAspect="1"/>
-          </p:cNvPicPr>
-          <p:nvPr/>
-        </p:nvPicPr>
-        <p:blipFill>
-          <a:blip r:embed="rId2"/>
-          <a:stretch>
-            <a:fillRect/>
-          </a:stretch>
-        </p:blipFill>
-        <p:spPr>
-          <a:xfrm>
-            <a:off x="568960" y="3192948"/>
-            <a:ext cx="9013982" cy="3067521"/>
-          </a:xfrm>
-          <a:prstGeom prst="rect">
-            <a:avLst/>
-          </a:prstGeom>
-        </p:spPr>
-      </p:pic>
     </p:spTree>
     <p:extLst>
       <p:ext uri="{BB962C8B-B14F-4D97-AF65-F5344CB8AC3E}">
@@ -21283,6 +23748,10 @@
           <a:bodyPr/>
           <a:lstStyle/>
           <a:p>
+            <a:r>
+              <a:rPr lang="en-US" altLang="ko-KR" dirty="0"/>
+              <a:t>Contents</a:t>
+            </a:r>
             <a:endParaRPr lang="ko-KR" altLang="en-US" dirty="0"/>
           </a:p>
         </p:txBody>
@@ -23399,6 +25868,10 @@
           <a:bodyPr/>
           <a:lstStyle/>
           <a:p>
+            <a:r>
+              <a:rPr lang="en-US" altLang="ko-KR" dirty="0"/>
+              <a:t>Contents</a:t>
+            </a:r>
             <a:endParaRPr lang="ko-KR" altLang="en-US" dirty="0"/>
           </a:p>
         </p:txBody>
@@ -23599,7 +26072,7 @@
             </a:r>
             <a:r>
               <a:rPr lang="ko-KR" altLang="en-US" dirty="0"/>
-              <a:t>성능 테스트</a:t>
+              <a:t>성능 실험</a:t>
             </a:r>
           </a:p>
         </p:txBody>
@@ -23633,6 +26106,95 @@
               <a:rPr lang="ko-KR" altLang="en-US" dirty="0"/>
               <a:t>벤치마크를 활용하여 성능 분석</a:t>
             </a:r>
+            <a:endParaRPr lang="en-US" altLang="ko-KR" dirty="0"/>
+          </a:p>
+          <a:p>
+            <a:pPr lvl="1"/>
+            <a:r>
+              <a:rPr lang="en-US" altLang="ko-KR" dirty="0"/>
+              <a:t>FIO: </a:t>
+            </a:r>
+            <a:r>
+              <a:rPr lang="ko-KR" altLang="en-US" dirty="0"/>
+              <a:t>디스크의 읽기</a:t>
+            </a:r>
+            <a:r>
+              <a:rPr lang="en-US" altLang="ko-KR" dirty="0"/>
+              <a:t>, </a:t>
+            </a:r>
+            <a:r>
+              <a:rPr lang="ko-KR" altLang="en-US" dirty="0"/>
+              <a:t>쓰기 성능 측정 프로그램</a:t>
+            </a:r>
+            <a:endParaRPr lang="en-US" altLang="ko-KR" dirty="0"/>
+          </a:p>
+          <a:p>
+            <a:pPr lvl="1"/>
+            <a:r>
+              <a:rPr lang="en-US" altLang="ko-KR" dirty="0"/>
+              <a:t>3</a:t>
+            </a:r>
+            <a:r>
+              <a:rPr lang="ko-KR" altLang="en-US" dirty="0" err="1"/>
+              <a:t>분동안</a:t>
+            </a:r>
+            <a:r>
+              <a:rPr lang="ko-KR" altLang="en-US" dirty="0"/>
+              <a:t> </a:t>
+            </a:r>
+            <a:r>
+              <a:rPr lang="en-US" altLang="ko-KR" dirty="0"/>
+              <a:t>4KB </a:t>
+            </a:r>
+            <a:r>
+              <a:rPr lang="ko-KR" altLang="en-US" dirty="0"/>
+              <a:t>랜덤 읽기</a:t>
+            </a:r>
+            <a:r>
+              <a:rPr lang="en-US" altLang="ko-KR" dirty="0"/>
+              <a:t>/</a:t>
+            </a:r>
+            <a:r>
+              <a:rPr lang="ko-KR" altLang="en-US" dirty="0"/>
+              <a:t>쓰기</a:t>
+            </a:r>
+            <a:r>
+              <a:rPr lang="en-US" altLang="ko-KR" dirty="0"/>
+              <a:t>(</a:t>
+            </a:r>
+            <a:r>
+              <a:rPr lang="en-US" altLang="ko-KR" dirty="0" err="1"/>
+              <a:t>randread</a:t>
+            </a:r>
+            <a:r>
+              <a:rPr lang="en-US" altLang="ko-KR" dirty="0"/>
+              <a:t>, </a:t>
+            </a:r>
+            <a:r>
+              <a:rPr lang="en-US" altLang="ko-KR" dirty="0" err="1"/>
+              <a:t>randwrite</a:t>
+            </a:r>
+            <a:r>
+              <a:rPr lang="en-US" altLang="ko-KR" dirty="0"/>
+              <a:t>)</a:t>
+            </a:r>
+            <a:r>
+              <a:rPr lang="ko-KR" altLang="en-US" dirty="0"/>
+              <a:t>를 반복하여 성능을 </a:t>
+            </a:r>
+            <a:r>
+              <a:rPr lang="en-US" altLang="ko-KR" dirty="0"/>
+              <a:t>IOPS</a:t>
+            </a:r>
+            <a:r>
+              <a:rPr lang="ko-KR" altLang="en-US" dirty="0"/>
+              <a:t>단위로 측정</a:t>
+            </a:r>
+            <a:endParaRPr lang="en-US" altLang="ko-KR" dirty="0"/>
+          </a:p>
+          <a:p>
+            <a:pPr lvl="1"/>
+            <a:endParaRPr lang="en-US" altLang="ko-KR" dirty="0"/>
           </a:p>
         </p:txBody>
       </p:sp>
@@ -23702,6 +26264,398 @@
           </a:p>
         </p:txBody>
       </p:sp>
+      <p:graphicFrame>
+        <p:nvGraphicFramePr>
+          <p:cNvPr id="6" name="표 6">
+            <a:extLst>
+              <a:ext uri="{FF2B5EF4-FFF2-40B4-BE49-F238E27FC236}">
+                <a16:creationId xmlns:a16="http://schemas.microsoft.com/office/drawing/2014/main" id="{B32C2776-88BC-4BFE-B493-C18E4FD41ED9}"/>
+              </a:ext>
+            </a:extLst>
+          </p:cNvPr>
+          <p:cNvGraphicFramePr>
+            <a:graphicFrameLocks noGrp="1"/>
+          </p:cNvGraphicFramePr>
+          <p:nvPr>
+            <p:extLst>
+              <p:ext uri="{D42A27DB-BD31-4B8C-83A1-F6EECF244321}">
+                <p14:modId xmlns:p14="http://schemas.microsoft.com/office/powerpoint/2010/main" val="4184800335"/>
+              </p:ext>
+            </p:extLst>
+          </p:nvPr>
+        </p:nvGraphicFramePr>
+        <p:xfrm>
+          <a:off x="578340" y="3161813"/>
+          <a:ext cx="6889262" cy="3172484"/>
+        </p:xfrm>
+        <a:graphic>
+          <a:graphicData uri="http://schemas.openxmlformats.org/drawingml/2006/table">
+            <a:tbl>
+              <a:tblPr firstRow="1" bandRow="1">
+                <a:tableStyleId>{7DF18680-E054-41AD-8BC1-D1AEF772440D}</a:tableStyleId>
+              </a:tblPr>
+              <a:tblGrid>
+                <a:gridCol w="3993661">
+                  <a:extLst>
+                    <a:ext uri="{9D8B030D-6E8A-4147-A177-3AD203B41FA5}">
+                      <a16:colId xmlns:a16="http://schemas.microsoft.com/office/drawing/2014/main" val="501835770"/>
+                    </a:ext>
+                  </a:extLst>
+                </a:gridCol>
+                <a:gridCol w="2895601">
+                  <a:extLst>
+                    <a:ext uri="{9D8B030D-6E8A-4147-A177-3AD203B41FA5}">
+                      <a16:colId xmlns:a16="http://schemas.microsoft.com/office/drawing/2014/main" val="184925014"/>
+                    </a:ext>
+                  </a:extLst>
+                </a:gridCol>
+              </a:tblGrid>
+              <a:tr h="453212">
+                <a:tc>
+                  <a:txBody>
+                    <a:bodyPr/>
+                    <a:lstStyle/>
+                    <a:p>
+                      <a:pPr algn="ctr" latinLnBrk="1"/>
+                      <a:r>
+                        <a:rPr lang="ko-KR" altLang="en-US" sz="2000" dirty="0"/>
+                        <a:t>사용 옵션</a:t>
+                      </a:r>
+                    </a:p>
+                  </a:txBody>
+                  <a:tcPr/>
+                </a:tc>
+                <a:tc>
+                  <a:txBody>
+                    <a:bodyPr/>
+                    <a:lstStyle/>
+                    <a:p>
+                      <a:pPr algn="ctr" latinLnBrk="1"/>
+                      <a:r>
+                        <a:rPr lang="ko-KR" altLang="en-US" sz="2000"/>
+                        <a:t>값</a:t>
+                      </a:r>
+                      <a:endParaRPr lang="ko-KR" altLang="en-US" sz="2000" dirty="0"/>
+                    </a:p>
+                  </a:txBody>
+                  <a:tcPr/>
+                </a:tc>
+                <a:extLst>
+                  <a:ext uri="{0D108BD9-81ED-4DB2-BD59-A6C34878D82A}">
+                    <a16:rowId xmlns:a16="http://schemas.microsoft.com/office/drawing/2014/main" val="1963232804"/>
+                  </a:ext>
+                </a:extLst>
+              </a:tr>
+              <a:tr h="453212">
+                <a:tc>
+                  <a:txBody>
+                    <a:bodyPr/>
+                    <a:lstStyle/>
+                    <a:p>
+                      <a:pPr algn="l" latinLnBrk="1"/>
+                      <a:r>
+                        <a:rPr lang="en-US" altLang="ko-KR" sz="2000" dirty="0" err="1"/>
+                        <a:t>rw</a:t>
+                      </a:r>
+                      <a:r>
+                        <a:rPr lang="en-US" altLang="ko-KR" sz="2000" dirty="0"/>
+                        <a:t> (</a:t>
+                      </a:r>
+                      <a:r>
+                        <a:rPr lang="ko-KR" altLang="en-US" sz="2000" dirty="0"/>
+                        <a:t>테스트</a:t>
+                      </a:r>
+                      <a:r>
+                        <a:rPr lang="en-US" altLang="ko-KR" sz="2000" dirty="0"/>
+                        <a:t>(I/O)</a:t>
+                      </a:r>
+                      <a:r>
+                        <a:rPr lang="ko-KR" altLang="en-US" sz="2000" dirty="0"/>
+                        <a:t> 종류</a:t>
+                      </a:r>
+                      <a:r>
+                        <a:rPr lang="en-US" altLang="ko-KR" sz="2000" dirty="0"/>
+                        <a:t>) </a:t>
+                      </a:r>
+                      <a:endParaRPr lang="ko-KR" altLang="en-US" sz="2000" dirty="0"/>
+                    </a:p>
+                  </a:txBody>
+                  <a:tcPr/>
+                </a:tc>
+                <a:tc>
+                  <a:txBody>
+                    <a:bodyPr/>
+                    <a:lstStyle/>
+                    <a:p>
+                      <a:pPr algn="l" latinLnBrk="1"/>
+                      <a:r>
+                        <a:rPr lang="en-US" altLang="ko-KR" sz="2000" dirty="0" err="1"/>
+                        <a:t>randread</a:t>
+                      </a:r>
+                      <a:r>
+                        <a:rPr lang="en-US" altLang="ko-KR" sz="2000" dirty="0"/>
+                        <a:t>, </a:t>
+                      </a:r>
+                      <a:r>
+                        <a:rPr lang="en-US" altLang="ko-KR" sz="2000" dirty="0" err="1"/>
+                        <a:t>randwrite</a:t>
+                      </a:r>
+                      <a:endParaRPr lang="ko-KR" altLang="en-US" sz="2000" dirty="0"/>
+                    </a:p>
+                  </a:txBody>
+                  <a:tcPr/>
+                </a:tc>
+                <a:extLst>
+                  <a:ext uri="{0D108BD9-81ED-4DB2-BD59-A6C34878D82A}">
+                    <a16:rowId xmlns:a16="http://schemas.microsoft.com/office/drawing/2014/main" val="1758668320"/>
+                  </a:ext>
+                </a:extLst>
+              </a:tr>
+              <a:tr h="453212">
+                <a:tc>
+                  <a:txBody>
+                    <a:bodyPr/>
+                    <a:lstStyle/>
+                    <a:p>
+                      <a:pPr algn="l" latinLnBrk="1"/>
+                      <a:r>
+                        <a:rPr lang="en-US" altLang="ko-KR" sz="2000" dirty="0"/>
+                        <a:t>bs (</a:t>
+                      </a:r>
+                      <a:r>
+                        <a:rPr lang="ko-KR" altLang="en-US" sz="2000" dirty="0"/>
+                        <a:t>테스트 </a:t>
+                      </a:r>
+                      <a:r>
+                        <a:rPr lang="ko-KR" altLang="en-US" sz="2000" dirty="0" err="1"/>
+                        <a:t>블락</a:t>
+                      </a:r>
+                      <a:r>
+                        <a:rPr lang="ko-KR" altLang="en-US" sz="2000" dirty="0"/>
+                        <a:t> 크기</a:t>
+                      </a:r>
+                      <a:r>
+                        <a:rPr lang="en-US" altLang="ko-KR" sz="2000" dirty="0"/>
+                        <a:t>)</a:t>
+                      </a:r>
+                      <a:endParaRPr lang="ko-KR" altLang="en-US" sz="2000" dirty="0"/>
+                    </a:p>
+                  </a:txBody>
+                  <a:tcPr/>
+                </a:tc>
+                <a:tc>
+                  <a:txBody>
+                    <a:bodyPr/>
+                    <a:lstStyle/>
+                    <a:p>
+                      <a:pPr algn="l" latinLnBrk="1"/>
+                      <a:r>
+                        <a:rPr lang="en-US" altLang="ko-KR" sz="2000" dirty="0"/>
+                        <a:t>4k</a:t>
+                      </a:r>
+                      <a:endParaRPr lang="ko-KR" altLang="en-US" sz="2000" dirty="0"/>
+                    </a:p>
+                  </a:txBody>
+                  <a:tcPr/>
+                </a:tc>
+                <a:extLst>
+                  <a:ext uri="{0D108BD9-81ED-4DB2-BD59-A6C34878D82A}">
+                    <a16:rowId xmlns:a16="http://schemas.microsoft.com/office/drawing/2014/main" val="2011937012"/>
+                  </a:ext>
+                </a:extLst>
+              </a:tr>
+              <a:tr h="453212">
+                <a:tc>
+                  <a:txBody>
+                    <a:bodyPr/>
+                    <a:lstStyle/>
+                    <a:p>
+                      <a:pPr algn="l" latinLnBrk="1"/>
+                      <a:r>
+                        <a:rPr lang="en-US" altLang="ko-KR" sz="2000" dirty="0"/>
+                        <a:t>size (</a:t>
+                      </a:r>
+                      <a:r>
+                        <a:rPr lang="ko-KR" altLang="en-US" sz="2000" dirty="0"/>
+                        <a:t>생성되는 총 파일 크기</a:t>
+                      </a:r>
+                      <a:r>
+                        <a:rPr lang="en-US" altLang="ko-KR" sz="2000" dirty="0"/>
+                        <a:t>)</a:t>
+                      </a:r>
+                      <a:endParaRPr lang="ko-KR" altLang="en-US" sz="2000" dirty="0"/>
+                    </a:p>
+                  </a:txBody>
+                  <a:tcPr/>
+                </a:tc>
+                <a:tc>
+                  <a:txBody>
+                    <a:bodyPr/>
+                    <a:lstStyle/>
+                    <a:p>
+                      <a:pPr algn="l" latinLnBrk="1"/>
+                      <a:r>
+                        <a:rPr lang="en-US" altLang="ko-KR" sz="2000" dirty="0"/>
+                        <a:t>1GB</a:t>
+                      </a:r>
+                      <a:endParaRPr lang="ko-KR" altLang="en-US" sz="2000" dirty="0"/>
+                    </a:p>
+                  </a:txBody>
+                  <a:tcPr/>
+                </a:tc>
+                <a:extLst>
+                  <a:ext uri="{0D108BD9-81ED-4DB2-BD59-A6C34878D82A}">
+                    <a16:rowId xmlns:a16="http://schemas.microsoft.com/office/drawing/2014/main" val="1263103570"/>
+                  </a:ext>
+                </a:extLst>
+              </a:tr>
+              <a:tr h="453212">
+                <a:tc>
+                  <a:txBody>
+                    <a:bodyPr/>
+                    <a:lstStyle/>
+                    <a:p>
+                      <a:pPr algn="l" latinLnBrk="1"/>
+                      <a:r>
+                        <a:rPr lang="en-US" altLang="ko-KR" sz="2000" dirty="0" err="1"/>
+                        <a:t>numjobs</a:t>
+                      </a:r>
+                      <a:r>
+                        <a:rPr lang="en-US" altLang="ko-KR" sz="2000" dirty="0"/>
+                        <a:t> (</a:t>
+                      </a:r>
+                      <a:r>
+                        <a:rPr lang="ko-KR" altLang="en-US" sz="2000" dirty="0"/>
+                        <a:t>생성되는 파일 수</a:t>
+                      </a:r>
+                      <a:r>
+                        <a:rPr lang="en-US" altLang="ko-KR" sz="2000" dirty="0"/>
+                        <a:t>)</a:t>
+                      </a:r>
+                      <a:endParaRPr lang="ko-KR" altLang="en-US" sz="2000" dirty="0"/>
+                    </a:p>
+                  </a:txBody>
+                  <a:tcPr/>
+                </a:tc>
+                <a:tc>
+                  <a:txBody>
+                    <a:bodyPr/>
+                    <a:lstStyle/>
+                    <a:p>
+                      <a:pPr algn="l" latinLnBrk="1"/>
+                      <a:r>
+                        <a:rPr lang="en-US" altLang="ko-KR" sz="2000" dirty="0"/>
+                        <a:t>1</a:t>
+                      </a:r>
+                      <a:endParaRPr lang="ko-KR" altLang="en-US" sz="2000" dirty="0"/>
+                    </a:p>
+                  </a:txBody>
+                  <a:tcPr/>
+                </a:tc>
+                <a:extLst>
+                  <a:ext uri="{0D108BD9-81ED-4DB2-BD59-A6C34878D82A}">
+                    <a16:rowId xmlns:a16="http://schemas.microsoft.com/office/drawing/2014/main" val="3907009294"/>
+                  </a:ext>
+                </a:extLst>
+              </a:tr>
+              <a:tr h="453212">
+                <a:tc>
+                  <a:txBody>
+                    <a:bodyPr/>
+                    <a:lstStyle/>
+                    <a:p>
+                      <a:pPr algn="l" latinLnBrk="1"/>
+                      <a:r>
+                        <a:rPr lang="en-US" altLang="ko-KR" sz="2000" dirty="0"/>
+                        <a:t>runtime (</a:t>
+                      </a:r>
+                      <a:r>
+                        <a:rPr lang="ko-KR" altLang="en-US" sz="2000" dirty="0"/>
+                        <a:t>테스트 진행시간</a:t>
+                      </a:r>
+                      <a:r>
+                        <a:rPr lang="en-US" altLang="ko-KR" sz="2000" dirty="0"/>
+                        <a:t>)</a:t>
+                      </a:r>
+                      <a:endParaRPr lang="ko-KR" altLang="en-US" sz="2000" dirty="0"/>
+                    </a:p>
+                  </a:txBody>
+                  <a:tcPr/>
+                </a:tc>
+                <a:tc>
+                  <a:txBody>
+                    <a:bodyPr/>
+                    <a:lstStyle/>
+                    <a:p>
+                      <a:pPr algn="l" latinLnBrk="1"/>
+                      <a:r>
+                        <a:rPr lang="en-US" altLang="ko-KR" sz="2000"/>
+                        <a:t>180s</a:t>
+                      </a:r>
+                      <a:endParaRPr lang="ko-KR" altLang="en-US" sz="2000" dirty="0"/>
+                    </a:p>
+                  </a:txBody>
+                  <a:tcPr/>
+                </a:tc>
+                <a:extLst>
+                  <a:ext uri="{0D108BD9-81ED-4DB2-BD59-A6C34878D82A}">
+                    <a16:rowId xmlns:a16="http://schemas.microsoft.com/office/drawing/2014/main" val="2455878948"/>
+                  </a:ext>
+                </a:extLst>
+              </a:tr>
+              <a:tr h="453212">
+                <a:tc>
+                  <a:txBody>
+                    <a:bodyPr/>
+                    <a:lstStyle/>
+                    <a:p>
+                      <a:pPr algn="l" latinLnBrk="1"/>
+                      <a:r>
+                        <a:rPr lang="en-US" altLang="ko-KR" sz="2000" dirty="0" err="1"/>
+                        <a:t>fsync</a:t>
+                      </a:r>
+                      <a:r>
+                        <a:rPr lang="en-US" altLang="ko-KR" sz="2000" dirty="0"/>
+                        <a:t> (flush </a:t>
+                      </a:r>
+                      <a:r>
+                        <a:rPr lang="ko-KR" altLang="en-US" sz="2000" dirty="0"/>
+                        <a:t>유무</a:t>
+                      </a:r>
+                      <a:r>
+                        <a:rPr lang="en-US" altLang="ko-KR" sz="2000" dirty="0"/>
+                        <a:t>)</a:t>
+                      </a:r>
+                      <a:endParaRPr lang="ko-KR" altLang="en-US" sz="2000" dirty="0"/>
+                    </a:p>
+                  </a:txBody>
+                  <a:tcPr/>
+                </a:tc>
+                <a:tc>
+                  <a:txBody>
+                    <a:bodyPr/>
+                    <a:lstStyle/>
+                    <a:p>
+                      <a:pPr algn="l" latinLnBrk="1"/>
+                      <a:r>
+                        <a:rPr lang="en-US" altLang="ko-KR" sz="2000" dirty="0"/>
+                        <a:t>1</a:t>
+                      </a:r>
+                      <a:endParaRPr lang="ko-KR" altLang="en-US" sz="2000" dirty="0"/>
+                    </a:p>
+                  </a:txBody>
+                  <a:tcPr/>
+                </a:tc>
+                <a:extLst>
+                  <a:ext uri="{0D108BD9-81ED-4DB2-BD59-A6C34878D82A}">
+                    <a16:rowId xmlns:a16="http://schemas.microsoft.com/office/drawing/2014/main" val="2903042407"/>
+                  </a:ext>
+                </a:extLst>
+              </a:tr>
+            </a:tbl>
+          </a:graphicData>
+        </a:graphic>
+      </p:graphicFrame>
     </p:spTree>
     <p:extLst>
       <p:ext uri="{BB962C8B-B14F-4D97-AF65-F5344CB8AC3E}">
@@ -23734,6 +26688,1436 @@
       </p:grpSpPr>
       <p:sp>
         <p:nvSpPr>
+          <p:cNvPr id="2" name="제목 1">
+            <a:extLst>
+              <a:ext uri="{FF2B5EF4-FFF2-40B4-BE49-F238E27FC236}">
+                <a16:creationId xmlns:a16="http://schemas.microsoft.com/office/drawing/2014/main" id="{45E8E3E5-9EC7-4DD8-B1C3-C8930D237B80}"/>
+              </a:ext>
+            </a:extLst>
+          </p:cNvPr>
+          <p:cNvSpPr>
+            <a:spLocks noGrp="1"/>
+          </p:cNvSpPr>
+          <p:nvPr>
+            <p:ph type="title"/>
+          </p:nvPr>
+        </p:nvSpPr>
+        <p:spPr/>
+        <p:txBody>
+          <a:bodyPr/>
+          <a:lstStyle/>
+          <a:p>
+            <a:r>
+              <a:rPr lang="en-US" altLang="ko-KR" dirty="0" err="1"/>
+              <a:t>tmpfs</a:t>
+            </a:r>
+            <a:r>
+              <a:rPr lang="en-US" altLang="ko-KR" dirty="0"/>
+              <a:t> </a:t>
+            </a:r>
+            <a:r>
+              <a:rPr lang="ko-KR" altLang="en-US" dirty="0"/>
+              <a:t>성능 실험 결과</a:t>
+            </a:r>
+          </a:p>
+        </p:txBody>
+      </p:sp>
+      <p:sp>
+        <p:nvSpPr>
+          <p:cNvPr id="3" name="내용 개체 틀 2">
+            <a:extLst>
+              <a:ext uri="{FF2B5EF4-FFF2-40B4-BE49-F238E27FC236}">
+                <a16:creationId xmlns:a16="http://schemas.microsoft.com/office/drawing/2014/main" id="{4B4994E6-98AC-4DC1-9D83-2E6D616060DF}"/>
+              </a:ext>
+            </a:extLst>
+          </p:cNvPr>
+          <p:cNvSpPr>
+            <a:spLocks noGrp="1"/>
+          </p:cNvSpPr>
+          <p:nvPr>
+            <p:ph idx="1"/>
+          </p:nvPr>
+        </p:nvSpPr>
+        <p:spPr>
+          <a:xfrm>
+            <a:off x="216130" y="1477108"/>
+            <a:ext cx="8259655" cy="4857189"/>
+          </a:xfrm>
+        </p:spPr>
+        <p:txBody>
+          <a:bodyPr/>
+          <a:lstStyle/>
+          <a:p>
+            <a:r>
+              <a:rPr lang="ko-KR" altLang="en-US" dirty="0"/>
+              <a:t>총 </a:t>
+            </a:r>
+            <a:r>
+              <a:rPr lang="en-US" altLang="ko-KR" dirty="0"/>
+              <a:t>3</a:t>
+            </a:r>
+            <a:r>
+              <a:rPr lang="ko-KR" altLang="en-US" dirty="0"/>
+              <a:t>회의 </a:t>
+            </a:r>
+            <a:r>
+              <a:rPr lang="en-US" altLang="ko-KR" dirty="0"/>
+              <a:t>Test </a:t>
+            </a:r>
+            <a:r>
+              <a:rPr lang="ko-KR" altLang="en-US" dirty="0"/>
+              <a:t>진행</a:t>
+            </a:r>
+            <a:endParaRPr lang="en-US" altLang="ko-KR" dirty="0"/>
+          </a:p>
+          <a:p>
+            <a:pPr lvl="1"/>
+            <a:r>
+              <a:rPr lang="en-US" altLang="ko-KR" dirty="0" err="1"/>
+              <a:t>randwrite</a:t>
+            </a:r>
+            <a:r>
+              <a:rPr lang="en-US" altLang="ko-KR" dirty="0"/>
+              <a:t>: </a:t>
+            </a:r>
+            <a:r>
+              <a:rPr lang="en-US" altLang="ko-KR" dirty="0" err="1"/>
+              <a:t>tmpfs</a:t>
+            </a:r>
+            <a:r>
+              <a:rPr lang="ko-KR" altLang="en-US" dirty="0"/>
+              <a:t>가 약 </a:t>
+            </a:r>
+            <a:r>
+              <a:rPr lang="en-US" altLang="ko-KR" dirty="0"/>
+              <a:t>825</a:t>
+            </a:r>
+            <a:r>
+              <a:rPr lang="ko-KR" altLang="en-US" dirty="0"/>
+              <a:t>배 빠른 성능</a:t>
+            </a:r>
+            <a:endParaRPr lang="en-US" altLang="ko-KR" dirty="0"/>
+          </a:p>
+          <a:p>
+            <a:pPr lvl="1"/>
+            <a:r>
+              <a:rPr lang="en-US" altLang="ko-KR" dirty="0" err="1"/>
+              <a:t>randread</a:t>
+            </a:r>
+            <a:r>
+              <a:rPr lang="en-US" altLang="ko-KR" dirty="0"/>
+              <a:t>: </a:t>
+            </a:r>
+            <a:r>
+              <a:rPr lang="en-US" altLang="ko-KR" dirty="0" err="1"/>
+              <a:t>tmpfs</a:t>
+            </a:r>
+            <a:r>
+              <a:rPr lang="ko-KR" altLang="en-US" dirty="0"/>
+              <a:t>가 약 </a:t>
+            </a:r>
+            <a:r>
+              <a:rPr lang="en-US" altLang="ko-KR" dirty="0"/>
+              <a:t>100</a:t>
+            </a:r>
+            <a:r>
+              <a:rPr lang="ko-KR" altLang="en-US" dirty="0"/>
+              <a:t>배 빠른 성능</a:t>
+            </a:r>
+            <a:endParaRPr lang="en-US" altLang="ko-KR" dirty="0"/>
+          </a:p>
+          <a:p>
+            <a:pPr marL="0" indent="0">
+              <a:buNone/>
+            </a:pPr>
+            <a:endParaRPr lang="en-US" altLang="ko-KR" dirty="0"/>
+          </a:p>
+          <a:p>
+            <a:r>
+              <a:rPr lang="en-US" altLang="ko-KR" dirty="0" err="1"/>
+              <a:t>tmpfs</a:t>
+            </a:r>
+            <a:r>
+              <a:rPr lang="ko-KR" altLang="en-US" dirty="0"/>
+              <a:t>가 상당히 빠름을 확인</a:t>
+            </a:r>
+            <a:endParaRPr lang="en-US" altLang="ko-KR" dirty="0"/>
+          </a:p>
+        </p:txBody>
+      </p:sp>
+      <p:sp>
+        <p:nvSpPr>
+          <p:cNvPr id="4" name="날짜 개체 틀 3">
+            <a:extLst>
+              <a:ext uri="{FF2B5EF4-FFF2-40B4-BE49-F238E27FC236}">
+                <a16:creationId xmlns:a16="http://schemas.microsoft.com/office/drawing/2014/main" id="{44A4EE63-207C-4A0F-AEBC-5FE07D300DD3}"/>
+              </a:ext>
+            </a:extLst>
+          </p:cNvPr>
+          <p:cNvSpPr>
+            <a:spLocks noGrp="1"/>
+          </p:cNvSpPr>
+          <p:nvPr>
+            <p:ph type="dt" sz="half" idx="10"/>
+          </p:nvPr>
+        </p:nvSpPr>
+        <p:spPr/>
+        <p:txBody>
+          <a:bodyPr/>
+          <a:lstStyle/>
+          <a:p>
+            <a:r>
+              <a:rPr lang="ko-KR" altLang="en-US"/>
+              <a:t>권철현</a:t>
+            </a:r>
+            <a:r>
+              <a:rPr lang="en-US" altLang="ko-KR"/>
+              <a:t>, </a:t>
+            </a:r>
+            <a:r>
+              <a:rPr lang="ko-KR" altLang="en-US"/>
+              <a:t>신재하</a:t>
+            </a:r>
+            <a:endParaRPr lang="ko-KR" altLang="en-US" dirty="0"/>
+          </a:p>
+        </p:txBody>
+      </p:sp>
+      <p:sp>
+        <p:nvSpPr>
+          <p:cNvPr id="5" name="슬라이드 번호 개체 틀 4">
+            <a:extLst>
+              <a:ext uri="{FF2B5EF4-FFF2-40B4-BE49-F238E27FC236}">
+                <a16:creationId xmlns:a16="http://schemas.microsoft.com/office/drawing/2014/main" id="{BE5CE8AF-B38F-4C21-AE56-A61D58446DCD}"/>
+              </a:ext>
+            </a:extLst>
+          </p:cNvPr>
+          <p:cNvSpPr>
+            <a:spLocks noGrp="1"/>
+          </p:cNvSpPr>
+          <p:nvPr>
+            <p:ph type="sldNum" sz="quarter" idx="12"/>
+          </p:nvPr>
+        </p:nvSpPr>
+        <p:spPr/>
+        <p:txBody>
+          <a:bodyPr/>
+          <a:lstStyle/>
+          <a:p>
+            <a:fld id="{5FF72CB3-86FB-4DBB-A7AC-E8F6F3DA156B}" type="slidenum">
+              <a:rPr lang="ko-KR" altLang="en-US" smtClean="0"/>
+              <a:pPr/>
+              <a:t>45</a:t>
+            </a:fld>
+            <a:endParaRPr lang="ko-KR" altLang="en-US"/>
+          </a:p>
+        </p:txBody>
+      </p:sp>
+      <p:graphicFrame>
+        <p:nvGraphicFramePr>
+          <p:cNvPr id="6" name="표 6">
+            <a:extLst>
+              <a:ext uri="{FF2B5EF4-FFF2-40B4-BE49-F238E27FC236}">
+                <a16:creationId xmlns:a16="http://schemas.microsoft.com/office/drawing/2014/main" id="{A27C6EA9-7F6C-4AC1-9EE3-D0F3A5CE4F9F}"/>
+              </a:ext>
+            </a:extLst>
+          </p:cNvPr>
+          <p:cNvGraphicFramePr>
+            <a:graphicFrameLocks noGrp="1"/>
+          </p:cNvGraphicFramePr>
+          <p:nvPr>
+            <p:extLst>
+              <p:ext uri="{D42A27DB-BD31-4B8C-83A1-F6EECF244321}">
+                <p14:modId xmlns:p14="http://schemas.microsoft.com/office/powerpoint/2010/main" val="911758494"/>
+              </p:ext>
+            </p:extLst>
+          </p:nvPr>
+        </p:nvGraphicFramePr>
+        <p:xfrm>
+          <a:off x="5709138" y="1616152"/>
+          <a:ext cx="6266733" cy="2266060"/>
+        </p:xfrm>
+        <a:graphic>
+          <a:graphicData uri="http://schemas.openxmlformats.org/drawingml/2006/table">
+            <a:tbl>
+              <a:tblPr firstRow="1" bandRow="1">
+                <a:tableStyleId>{7DF18680-E054-41AD-8BC1-D1AEF772440D}</a:tableStyleId>
+              </a:tblPr>
+              <a:tblGrid>
+                <a:gridCol w="2088911">
+                  <a:extLst>
+                    <a:ext uri="{9D8B030D-6E8A-4147-A177-3AD203B41FA5}">
+                      <a16:colId xmlns:a16="http://schemas.microsoft.com/office/drawing/2014/main" val="501835770"/>
+                    </a:ext>
+                  </a:extLst>
+                </a:gridCol>
+                <a:gridCol w="2088911">
+                  <a:extLst>
+                    <a:ext uri="{9D8B030D-6E8A-4147-A177-3AD203B41FA5}">
+                      <a16:colId xmlns:a16="http://schemas.microsoft.com/office/drawing/2014/main" val="184925014"/>
+                    </a:ext>
+                  </a:extLst>
+                </a:gridCol>
+                <a:gridCol w="2088911">
+                  <a:extLst>
+                    <a:ext uri="{9D8B030D-6E8A-4147-A177-3AD203B41FA5}">
+                      <a16:colId xmlns:a16="http://schemas.microsoft.com/office/drawing/2014/main" val="2846375946"/>
+                    </a:ext>
+                  </a:extLst>
+                </a:gridCol>
+              </a:tblGrid>
+              <a:tr h="453212">
+                <a:tc>
+                  <a:txBody>
+                    <a:bodyPr/>
+                    <a:lstStyle/>
+                    <a:p>
+                      <a:pPr algn="ctr" latinLnBrk="1"/>
+                      <a:r>
+                        <a:rPr lang="en-US" altLang="ko-KR" sz="2000" dirty="0" err="1"/>
+                        <a:t>randwrite</a:t>
+                      </a:r>
+                      <a:endParaRPr lang="ko-KR" altLang="en-US" sz="2000" dirty="0"/>
+                    </a:p>
+                  </a:txBody>
+                  <a:tcPr/>
+                </a:tc>
+                <a:tc>
+                  <a:txBody>
+                    <a:bodyPr/>
+                    <a:lstStyle/>
+                    <a:p>
+                      <a:pPr algn="ctr" latinLnBrk="1"/>
+                      <a:r>
+                        <a:rPr lang="en-US" altLang="ko-KR" sz="2000" dirty="0" err="1"/>
+                        <a:t>ssd</a:t>
+                      </a:r>
+                      <a:endParaRPr lang="ko-KR" altLang="en-US" sz="2000" dirty="0"/>
+                    </a:p>
+                  </a:txBody>
+                  <a:tcPr/>
+                </a:tc>
+                <a:tc>
+                  <a:txBody>
+                    <a:bodyPr/>
+                    <a:lstStyle/>
+                    <a:p>
+                      <a:pPr algn="ctr" latinLnBrk="1"/>
+                      <a:r>
+                        <a:rPr lang="en-US" altLang="ko-KR" sz="2000" dirty="0" err="1"/>
+                        <a:t>tmpfs</a:t>
+                      </a:r>
+                      <a:endParaRPr lang="ko-KR" altLang="en-US" sz="2000" dirty="0"/>
+                    </a:p>
+                  </a:txBody>
+                  <a:tcPr/>
+                </a:tc>
+                <a:extLst>
+                  <a:ext uri="{0D108BD9-81ED-4DB2-BD59-A6C34878D82A}">
+                    <a16:rowId xmlns:a16="http://schemas.microsoft.com/office/drawing/2014/main" val="1963232804"/>
+                  </a:ext>
+                </a:extLst>
+              </a:tr>
+              <a:tr h="453212">
+                <a:tc>
+                  <a:txBody>
+                    <a:bodyPr/>
+                    <a:lstStyle/>
+                    <a:p>
+                      <a:pPr algn="ctr" latinLnBrk="1"/>
+                      <a:r>
+                        <a:rPr lang="en-US" altLang="ko-KR" sz="2000" dirty="0"/>
+                        <a:t>Test 01</a:t>
+                      </a:r>
+                      <a:endParaRPr lang="ko-KR" altLang="en-US" sz="2000" dirty="0"/>
+                    </a:p>
+                  </a:txBody>
+                  <a:tcPr/>
+                </a:tc>
+                <a:tc>
+                  <a:txBody>
+                    <a:bodyPr/>
+                    <a:lstStyle/>
+                    <a:p>
+                      <a:pPr algn="ctr" latinLnBrk="1"/>
+                      <a:r>
+                        <a:rPr lang="en-US" altLang="ko-KR" sz="2000" dirty="0"/>
+                        <a:t>1.071k</a:t>
+                      </a:r>
+                      <a:endParaRPr lang="ko-KR" altLang="en-US" sz="2000" dirty="0"/>
+                    </a:p>
+                  </a:txBody>
+                  <a:tcPr/>
+                </a:tc>
+                <a:tc>
+                  <a:txBody>
+                    <a:bodyPr/>
+                    <a:lstStyle/>
+                    <a:p>
+                      <a:pPr algn="ctr" latinLnBrk="1"/>
+                      <a:r>
+                        <a:rPr lang="en-US" altLang="ko-KR" sz="2000" dirty="0"/>
+                        <a:t>888k</a:t>
+                      </a:r>
+                      <a:endParaRPr lang="ko-KR" altLang="en-US" sz="2000" dirty="0"/>
+                    </a:p>
+                  </a:txBody>
+                  <a:tcPr/>
+                </a:tc>
+                <a:extLst>
+                  <a:ext uri="{0D108BD9-81ED-4DB2-BD59-A6C34878D82A}">
+                    <a16:rowId xmlns:a16="http://schemas.microsoft.com/office/drawing/2014/main" val="1758668320"/>
+                  </a:ext>
+                </a:extLst>
+              </a:tr>
+              <a:tr h="453212">
+                <a:tc>
+                  <a:txBody>
+                    <a:bodyPr/>
+                    <a:lstStyle/>
+                    <a:p>
+                      <a:pPr algn="ctr" latinLnBrk="1"/>
+                      <a:r>
+                        <a:rPr lang="en-US" altLang="ko-KR" sz="2000" dirty="0"/>
+                        <a:t>Test 02</a:t>
+                      </a:r>
+                      <a:endParaRPr lang="ko-KR" altLang="en-US" sz="2000" dirty="0"/>
+                    </a:p>
+                  </a:txBody>
+                  <a:tcPr/>
+                </a:tc>
+                <a:tc>
+                  <a:txBody>
+                    <a:bodyPr/>
+                    <a:lstStyle/>
+                    <a:p>
+                      <a:pPr algn="ctr" latinLnBrk="1"/>
+                      <a:r>
+                        <a:rPr lang="en-US" altLang="ko-KR" sz="2000" dirty="0"/>
+                        <a:t>1.068k</a:t>
+                      </a:r>
+                      <a:endParaRPr lang="ko-KR" altLang="en-US" sz="2000" dirty="0"/>
+                    </a:p>
+                  </a:txBody>
+                  <a:tcPr/>
+                </a:tc>
+                <a:tc>
+                  <a:txBody>
+                    <a:bodyPr/>
+                    <a:lstStyle/>
+                    <a:p>
+                      <a:pPr algn="ctr" latinLnBrk="1"/>
+                      <a:r>
+                        <a:rPr lang="en-US" altLang="ko-KR" sz="2000" dirty="0"/>
+                        <a:t>873k</a:t>
+                      </a:r>
+                      <a:endParaRPr lang="ko-KR" altLang="en-US" sz="2000" dirty="0"/>
+                    </a:p>
+                  </a:txBody>
+                  <a:tcPr/>
+                </a:tc>
+                <a:extLst>
+                  <a:ext uri="{0D108BD9-81ED-4DB2-BD59-A6C34878D82A}">
+                    <a16:rowId xmlns:a16="http://schemas.microsoft.com/office/drawing/2014/main" val="2011937012"/>
+                  </a:ext>
+                </a:extLst>
+              </a:tr>
+              <a:tr h="453212">
+                <a:tc>
+                  <a:txBody>
+                    <a:bodyPr/>
+                    <a:lstStyle/>
+                    <a:p>
+                      <a:pPr algn="ctr" latinLnBrk="1"/>
+                      <a:r>
+                        <a:rPr lang="en-US" altLang="ko-KR" sz="2000" dirty="0"/>
+                        <a:t>Test 03</a:t>
+                      </a:r>
+                      <a:endParaRPr lang="ko-KR" altLang="en-US" sz="2000" dirty="0"/>
+                    </a:p>
+                  </a:txBody>
+                  <a:tcPr/>
+                </a:tc>
+                <a:tc>
+                  <a:txBody>
+                    <a:bodyPr/>
+                    <a:lstStyle/>
+                    <a:p>
+                      <a:pPr algn="ctr" latinLnBrk="1"/>
+                      <a:r>
+                        <a:rPr lang="en-US" altLang="ko-KR" sz="2000" dirty="0"/>
+                        <a:t>1.086k</a:t>
+                      </a:r>
+                      <a:endParaRPr lang="ko-KR" altLang="en-US" sz="2000" dirty="0"/>
+                    </a:p>
+                  </a:txBody>
+                  <a:tcPr/>
+                </a:tc>
+                <a:tc>
+                  <a:txBody>
+                    <a:bodyPr/>
+                    <a:lstStyle/>
+                    <a:p>
+                      <a:pPr algn="ctr" latinLnBrk="1"/>
+                      <a:r>
+                        <a:rPr lang="en-US" altLang="ko-KR" sz="2000" dirty="0"/>
+                        <a:t>900k</a:t>
+                      </a:r>
+                      <a:endParaRPr lang="ko-KR" altLang="en-US" sz="2000" dirty="0"/>
+                    </a:p>
+                  </a:txBody>
+                  <a:tcPr/>
+                </a:tc>
+                <a:extLst>
+                  <a:ext uri="{0D108BD9-81ED-4DB2-BD59-A6C34878D82A}">
+                    <a16:rowId xmlns:a16="http://schemas.microsoft.com/office/drawing/2014/main" val="1263103570"/>
+                  </a:ext>
+                </a:extLst>
+              </a:tr>
+              <a:tr h="453212">
+                <a:tc>
+                  <a:txBody>
+                    <a:bodyPr/>
+                    <a:lstStyle/>
+                    <a:p>
+                      <a:pPr algn="ctr" latinLnBrk="1"/>
+                      <a:r>
+                        <a:rPr lang="en-US" altLang="ko-KR" sz="2000" dirty="0"/>
+                        <a:t>Avg</a:t>
+                      </a:r>
+                      <a:endParaRPr lang="ko-KR" altLang="en-US" sz="2000" dirty="0"/>
+                    </a:p>
+                  </a:txBody>
+                  <a:tcPr>
+                    <a:solidFill>
+                      <a:schemeClr val="bg1">
+                        <a:lumMod val="75000"/>
+                      </a:schemeClr>
+                    </a:solidFill>
+                  </a:tcPr>
+                </a:tc>
+                <a:tc>
+                  <a:txBody>
+                    <a:bodyPr/>
+                    <a:lstStyle/>
+                    <a:p>
+                      <a:pPr algn="ctr" latinLnBrk="1"/>
+                      <a:r>
+                        <a:rPr lang="en-US" altLang="ko-KR" sz="2000" dirty="0"/>
+                        <a:t>1.075k</a:t>
+                      </a:r>
+                      <a:endParaRPr lang="ko-KR" altLang="en-US" sz="2000" dirty="0"/>
+                    </a:p>
+                  </a:txBody>
+                  <a:tcPr>
+                    <a:solidFill>
+                      <a:schemeClr val="bg1">
+                        <a:lumMod val="75000"/>
+                      </a:schemeClr>
+                    </a:solidFill>
+                  </a:tcPr>
+                </a:tc>
+                <a:tc>
+                  <a:txBody>
+                    <a:bodyPr/>
+                    <a:lstStyle/>
+                    <a:p>
+                      <a:pPr algn="ctr" latinLnBrk="1"/>
+                      <a:r>
+                        <a:rPr lang="en-US" altLang="ko-KR" sz="2000" dirty="0"/>
+                        <a:t>887k</a:t>
+                      </a:r>
+                      <a:endParaRPr lang="ko-KR" altLang="en-US" sz="2000" dirty="0"/>
+                    </a:p>
+                  </a:txBody>
+                  <a:tcPr>
+                    <a:solidFill>
+                      <a:schemeClr val="bg1">
+                        <a:lumMod val="75000"/>
+                      </a:schemeClr>
+                    </a:solidFill>
+                  </a:tcPr>
+                </a:tc>
+                <a:extLst>
+                  <a:ext uri="{0D108BD9-81ED-4DB2-BD59-A6C34878D82A}">
+                    <a16:rowId xmlns:a16="http://schemas.microsoft.com/office/drawing/2014/main" val="3557793230"/>
+                  </a:ext>
+                </a:extLst>
+              </a:tr>
+            </a:tbl>
+          </a:graphicData>
+        </a:graphic>
+      </p:graphicFrame>
+      <p:graphicFrame>
+        <p:nvGraphicFramePr>
+          <p:cNvPr id="7" name="표 6">
+            <a:extLst>
+              <a:ext uri="{FF2B5EF4-FFF2-40B4-BE49-F238E27FC236}">
+                <a16:creationId xmlns:a16="http://schemas.microsoft.com/office/drawing/2014/main" id="{90276F9A-A9C8-406B-9985-3E6A4E426949}"/>
+              </a:ext>
+            </a:extLst>
+          </p:cNvPr>
+          <p:cNvGraphicFramePr>
+            <a:graphicFrameLocks noGrp="1"/>
+          </p:cNvGraphicFramePr>
+          <p:nvPr>
+            <p:extLst>
+              <p:ext uri="{D42A27DB-BD31-4B8C-83A1-F6EECF244321}">
+                <p14:modId xmlns:p14="http://schemas.microsoft.com/office/powerpoint/2010/main" val="1235162364"/>
+              </p:ext>
+            </p:extLst>
+          </p:nvPr>
+        </p:nvGraphicFramePr>
+        <p:xfrm>
+          <a:off x="5709138" y="4021256"/>
+          <a:ext cx="6266733" cy="2266060"/>
+        </p:xfrm>
+        <a:graphic>
+          <a:graphicData uri="http://schemas.openxmlformats.org/drawingml/2006/table">
+            <a:tbl>
+              <a:tblPr firstRow="1" bandRow="1">
+                <a:tableStyleId>{7DF18680-E054-41AD-8BC1-D1AEF772440D}</a:tableStyleId>
+              </a:tblPr>
+              <a:tblGrid>
+                <a:gridCol w="2088911">
+                  <a:extLst>
+                    <a:ext uri="{9D8B030D-6E8A-4147-A177-3AD203B41FA5}">
+                      <a16:colId xmlns:a16="http://schemas.microsoft.com/office/drawing/2014/main" val="501835770"/>
+                    </a:ext>
+                  </a:extLst>
+                </a:gridCol>
+                <a:gridCol w="2088911">
+                  <a:extLst>
+                    <a:ext uri="{9D8B030D-6E8A-4147-A177-3AD203B41FA5}">
+                      <a16:colId xmlns:a16="http://schemas.microsoft.com/office/drawing/2014/main" val="184925014"/>
+                    </a:ext>
+                  </a:extLst>
+                </a:gridCol>
+                <a:gridCol w="2088911">
+                  <a:extLst>
+                    <a:ext uri="{9D8B030D-6E8A-4147-A177-3AD203B41FA5}">
+                      <a16:colId xmlns:a16="http://schemas.microsoft.com/office/drawing/2014/main" val="2846375946"/>
+                    </a:ext>
+                  </a:extLst>
+                </a:gridCol>
+              </a:tblGrid>
+              <a:tr h="453212">
+                <a:tc>
+                  <a:txBody>
+                    <a:bodyPr/>
+                    <a:lstStyle/>
+                    <a:p>
+                      <a:pPr algn="ctr" latinLnBrk="1"/>
+                      <a:r>
+                        <a:rPr lang="en-US" altLang="ko-KR" sz="2000" dirty="0" err="1"/>
+                        <a:t>randread</a:t>
+                      </a:r>
+                      <a:endParaRPr lang="ko-KR" altLang="en-US" sz="2000" dirty="0"/>
+                    </a:p>
+                  </a:txBody>
+                  <a:tcPr/>
+                </a:tc>
+                <a:tc>
+                  <a:txBody>
+                    <a:bodyPr/>
+                    <a:lstStyle/>
+                    <a:p>
+                      <a:pPr algn="ctr" latinLnBrk="1"/>
+                      <a:r>
+                        <a:rPr lang="en-US" altLang="ko-KR" sz="2000" dirty="0" err="1"/>
+                        <a:t>ssd</a:t>
+                      </a:r>
+                      <a:endParaRPr lang="ko-KR" altLang="en-US" sz="2000" dirty="0"/>
+                    </a:p>
+                  </a:txBody>
+                  <a:tcPr/>
+                </a:tc>
+                <a:tc>
+                  <a:txBody>
+                    <a:bodyPr/>
+                    <a:lstStyle/>
+                    <a:p>
+                      <a:pPr algn="ctr" latinLnBrk="1"/>
+                      <a:r>
+                        <a:rPr lang="en-US" altLang="ko-KR" sz="2000" dirty="0" err="1"/>
+                        <a:t>tmpfs</a:t>
+                      </a:r>
+                      <a:endParaRPr lang="ko-KR" altLang="en-US" sz="2000" dirty="0"/>
+                    </a:p>
+                  </a:txBody>
+                  <a:tcPr/>
+                </a:tc>
+                <a:extLst>
+                  <a:ext uri="{0D108BD9-81ED-4DB2-BD59-A6C34878D82A}">
+                    <a16:rowId xmlns:a16="http://schemas.microsoft.com/office/drawing/2014/main" val="1963232804"/>
+                  </a:ext>
+                </a:extLst>
+              </a:tr>
+              <a:tr h="453212">
+                <a:tc>
+                  <a:txBody>
+                    <a:bodyPr/>
+                    <a:lstStyle/>
+                    <a:p>
+                      <a:pPr algn="ctr" latinLnBrk="1"/>
+                      <a:r>
+                        <a:rPr lang="en-US" altLang="ko-KR" sz="2000" dirty="0"/>
+                        <a:t>Test 01</a:t>
+                      </a:r>
+                      <a:endParaRPr lang="ko-KR" altLang="en-US" sz="2000" dirty="0"/>
+                    </a:p>
+                  </a:txBody>
+                  <a:tcPr/>
+                </a:tc>
+                <a:tc>
+                  <a:txBody>
+                    <a:bodyPr/>
+                    <a:lstStyle/>
+                    <a:p>
+                      <a:pPr algn="ctr" latinLnBrk="1"/>
+                      <a:r>
+                        <a:rPr lang="en-US" altLang="ko-KR" sz="2000" dirty="0"/>
+                        <a:t>15.2k</a:t>
+                      </a:r>
+                      <a:endParaRPr lang="ko-KR" altLang="en-US" sz="2000" dirty="0"/>
+                    </a:p>
+                  </a:txBody>
+                  <a:tcPr/>
+                </a:tc>
+                <a:tc>
+                  <a:txBody>
+                    <a:bodyPr/>
+                    <a:lstStyle/>
+                    <a:p>
+                      <a:pPr algn="ctr" latinLnBrk="1"/>
+                      <a:r>
+                        <a:rPr lang="en-US" altLang="ko-KR" sz="2000" dirty="0"/>
+                        <a:t>1,501k</a:t>
+                      </a:r>
+                      <a:endParaRPr lang="ko-KR" altLang="en-US" sz="2000" dirty="0"/>
+                    </a:p>
+                  </a:txBody>
+                  <a:tcPr/>
+                </a:tc>
+                <a:extLst>
+                  <a:ext uri="{0D108BD9-81ED-4DB2-BD59-A6C34878D82A}">
+                    <a16:rowId xmlns:a16="http://schemas.microsoft.com/office/drawing/2014/main" val="1758668320"/>
+                  </a:ext>
+                </a:extLst>
+              </a:tr>
+              <a:tr h="453212">
+                <a:tc>
+                  <a:txBody>
+                    <a:bodyPr/>
+                    <a:lstStyle/>
+                    <a:p>
+                      <a:pPr algn="ctr" latinLnBrk="1"/>
+                      <a:r>
+                        <a:rPr lang="en-US" altLang="ko-KR" sz="2000" dirty="0"/>
+                        <a:t>Test 02</a:t>
+                      </a:r>
+                      <a:endParaRPr lang="ko-KR" altLang="en-US" sz="2000" dirty="0"/>
+                    </a:p>
+                  </a:txBody>
+                  <a:tcPr/>
+                </a:tc>
+                <a:tc>
+                  <a:txBody>
+                    <a:bodyPr/>
+                    <a:lstStyle/>
+                    <a:p>
+                      <a:pPr algn="ctr" latinLnBrk="1"/>
+                      <a:r>
+                        <a:rPr lang="en-US" altLang="ko-KR" sz="2000" dirty="0"/>
+                        <a:t>15.3k</a:t>
+                      </a:r>
+                      <a:endParaRPr lang="ko-KR" altLang="en-US" sz="2000" dirty="0"/>
+                    </a:p>
+                  </a:txBody>
+                  <a:tcPr/>
+                </a:tc>
+                <a:tc>
+                  <a:txBody>
+                    <a:bodyPr/>
+                    <a:lstStyle/>
+                    <a:p>
+                      <a:pPr algn="ctr" latinLnBrk="1"/>
+                      <a:r>
+                        <a:rPr lang="en-US" altLang="ko-KR" sz="2000" dirty="0"/>
+                        <a:t>1,492k</a:t>
+                      </a:r>
+                      <a:endParaRPr lang="ko-KR" altLang="en-US" sz="2000" dirty="0"/>
+                    </a:p>
+                  </a:txBody>
+                  <a:tcPr/>
+                </a:tc>
+                <a:extLst>
+                  <a:ext uri="{0D108BD9-81ED-4DB2-BD59-A6C34878D82A}">
+                    <a16:rowId xmlns:a16="http://schemas.microsoft.com/office/drawing/2014/main" val="2011937012"/>
+                  </a:ext>
+                </a:extLst>
+              </a:tr>
+              <a:tr h="453212">
+                <a:tc>
+                  <a:txBody>
+                    <a:bodyPr/>
+                    <a:lstStyle/>
+                    <a:p>
+                      <a:pPr algn="ctr" latinLnBrk="1"/>
+                      <a:r>
+                        <a:rPr lang="en-US" altLang="ko-KR" sz="2000" dirty="0"/>
+                        <a:t>Test 03</a:t>
+                      </a:r>
+                      <a:endParaRPr lang="ko-KR" altLang="en-US" sz="2000" dirty="0"/>
+                    </a:p>
+                  </a:txBody>
+                  <a:tcPr/>
+                </a:tc>
+                <a:tc>
+                  <a:txBody>
+                    <a:bodyPr/>
+                    <a:lstStyle/>
+                    <a:p>
+                      <a:pPr algn="ctr" latinLnBrk="1"/>
+                      <a:r>
+                        <a:rPr lang="en-US" altLang="ko-KR" sz="2000" dirty="0"/>
+                        <a:t>14.6k</a:t>
+                      </a:r>
+                      <a:endParaRPr lang="ko-KR" altLang="en-US" sz="2000" dirty="0"/>
+                    </a:p>
+                  </a:txBody>
+                  <a:tcPr/>
+                </a:tc>
+                <a:tc>
+                  <a:txBody>
+                    <a:bodyPr/>
+                    <a:lstStyle/>
+                    <a:p>
+                      <a:pPr algn="ctr" latinLnBrk="1"/>
+                      <a:r>
+                        <a:rPr lang="en-US" altLang="ko-KR" sz="2000" dirty="0"/>
+                        <a:t>1,485k</a:t>
+                      </a:r>
+                      <a:endParaRPr lang="ko-KR" altLang="en-US" sz="2000" dirty="0"/>
+                    </a:p>
+                  </a:txBody>
+                  <a:tcPr/>
+                </a:tc>
+                <a:extLst>
+                  <a:ext uri="{0D108BD9-81ED-4DB2-BD59-A6C34878D82A}">
+                    <a16:rowId xmlns:a16="http://schemas.microsoft.com/office/drawing/2014/main" val="1263103570"/>
+                  </a:ext>
+                </a:extLst>
+              </a:tr>
+              <a:tr h="453212">
+                <a:tc>
+                  <a:txBody>
+                    <a:bodyPr/>
+                    <a:lstStyle/>
+                    <a:p>
+                      <a:pPr algn="ctr" latinLnBrk="1"/>
+                      <a:r>
+                        <a:rPr lang="en-US" altLang="ko-KR" sz="2000" dirty="0"/>
+                        <a:t>Avg</a:t>
+                      </a:r>
+                      <a:endParaRPr lang="ko-KR" altLang="en-US" sz="2000" dirty="0"/>
+                    </a:p>
+                  </a:txBody>
+                  <a:tcPr>
+                    <a:solidFill>
+                      <a:schemeClr val="bg1">
+                        <a:lumMod val="75000"/>
+                      </a:schemeClr>
+                    </a:solidFill>
+                  </a:tcPr>
+                </a:tc>
+                <a:tc>
+                  <a:txBody>
+                    <a:bodyPr/>
+                    <a:lstStyle/>
+                    <a:p>
+                      <a:pPr algn="ctr" latinLnBrk="1"/>
+                      <a:r>
+                        <a:rPr lang="en-US" altLang="ko-KR" sz="2000" dirty="0"/>
+                        <a:t>15.0k</a:t>
+                      </a:r>
+                      <a:endParaRPr lang="ko-KR" altLang="en-US" sz="2000" dirty="0"/>
+                    </a:p>
+                  </a:txBody>
+                  <a:tcPr>
+                    <a:solidFill>
+                      <a:schemeClr val="bg1">
+                        <a:lumMod val="75000"/>
+                      </a:schemeClr>
+                    </a:solidFill>
+                  </a:tcPr>
+                </a:tc>
+                <a:tc>
+                  <a:txBody>
+                    <a:bodyPr/>
+                    <a:lstStyle/>
+                    <a:p>
+                      <a:pPr algn="ctr" latinLnBrk="1"/>
+                      <a:r>
+                        <a:rPr lang="en-US" altLang="ko-KR" sz="2000" dirty="0"/>
+                        <a:t>1,493k</a:t>
+                      </a:r>
+                      <a:endParaRPr lang="ko-KR" altLang="en-US" sz="2000" dirty="0"/>
+                    </a:p>
+                  </a:txBody>
+                  <a:tcPr>
+                    <a:solidFill>
+                      <a:schemeClr val="bg1">
+                        <a:lumMod val="75000"/>
+                      </a:schemeClr>
+                    </a:solidFill>
+                  </a:tcPr>
+                </a:tc>
+                <a:extLst>
+                  <a:ext uri="{0D108BD9-81ED-4DB2-BD59-A6C34878D82A}">
+                    <a16:rowId xmlns:a16="http://schemas.microsoft.com/office/drawing/2014/main" val="944605608"/>
+                  </a:ext>
+                </a:extLst>
+              </a:tr>
+            </a:tbl>
+          </a:graphicData>
+        </a:graphic>
+      </p:graphicFrame>
+      <p:sp>
+        <p:nvSpPr>
+          <p:cNvPr id="9" name="TextBox 8">
+            <a:extLst>
+              <a:ext uri="{FF2B5EF4-FFF2-40B4-BE49-F238E27FC236}">
+                <a16:creationId xmlns:a16="http://schemas.microsoft.com/office/drawing/2014/main" id="{8767DA5C-C4A2-4C98-BACC-7A0FD2009832}"/>
+              </a:ext>
+            </a:extLst>
+          </p:cNvPr>
+          <p:cNvSpPr txBox="1"/>
+          <p:nvPr/>
+        </p:nvSpPr>
+        <p:spPr>
+          <a:xfrm>
+            <a:off x="5609492" y="1428004"/>
+            <a:ext cx="973015" cy="230832"/>
+          </a:xfrm>
+          <a:prstGeom prst="rect">
+            <a:avLst/>
+          </a:prstGeom>
+          <a:noFill/>
+        </p:spPr>
+        <p:txBody>
+          <a:bodyPr wrap="square" rtlCol="0">
+            <a:spAutoFit/>
+          </a:bodyPr>
+          <a:lstStyle/>
+          <a:p>
+            <a:r>
+              <a:rPr lang="ko-KR" altLang="en-US" sz="900" dirty="0"/>
+              <a:t>단위</a:t>
+            </a:r>
+            <a:r>
+              <a:rPr lang="en-US" altLang="ko-KR" sz="900" dirty="0"/>
+              <a:t>: IOPS</a:t>
+            </a:r>
+            <a:endParaRPr lang="ko-KR" altLang="en-US" sz="900" dirty="0"/>
+          </a:p>
+        </p:txBody>
+      </p:sp>
+      <p:sp>
+        <p:nvSpPr>
+          <p:cNvPr id="10" name="TextBox 9">
+            <a:extLst>
+              <a:ext uri="{FF2B5EF4-FFF2-40B4-BE49-F238E27FC236}">
+                <a16:creationId xmlns:a16="http://schemas.microsoft.com/office/drawing/2014/main" id="{FA63608E-3CF7-4204-A24D-61D77B128938}"/>
+              </a:ext>
+            </a:extLst>
+          </p:cNvPr>
+          <p:cNvSpPr txBox="1"/>
+          <p:nvPr/>
+        </p:nvSpPr>
+        <p:spPr>
+          <a:xfrm>
+            <a:off x="5609491" y="3840799"/>
+            <a:ext cx="973015" cy="230832"/>
+          </a:xfrm>
+          <a:prstGeom prst="rect">
+            <a:avLst/>
+          </a:prstGeom>
+          <a:noFill/>
+        </p:spPr>
+        <p:txBody>
+          <a:bodyPr wrap="square" rtlCol="0">
+            <a:spAutoFit/>
+          </a:bodyPr>
+          <a:lstStyle/>
+          <a:p>
+            <a:r>
+              <a:rPr lang="ko-KR" altLang="en-US" sz="900" dirty="0"/>
+              <a:t>단위</a:t>
+            </a:r>
+            <a:r>
+              <a:rPr lang="en-US" altLang="ko-KR" sz="900" dirty="0"/>
+              <a:t>: IOPS</a:t>
+            </a:r>
+            <a:endParaRPr lang="ko-KR" altLang="en-US" sz="900" dirty="0"/>
+          </a:p>
+        </p:txBody>
+      </p:sp>
+    </p:spTree>
+    <p:extLst>
+      <p:ext uri="{BB962C8B-B14F-4D97-AF65-F5344CB8AC3E}">
+        <p14:creationId xmlns:p14="http://schemas.microsoft.com/office/powerpoint/2010/main" val="675015054"/>
+      </p:ext>
+    </p:extLst>
+  </p:cSld>
+  <p:clrMapOvr>
+    <a:masterClrMapping/>
+  </p:clrMapOvr>
+</p:sld>
+</file>
+
+<file path=ppt/slides/slide46.xml><?xml version="1.0" encoding="utf-8"?>
+<p:sld xmlns:a="http://schemas.openxmlformats.org/drawingml/2006/main" xmlns:r="http://schemas.openxmlformats.org/officeDocument/2006/relationships" xmlns:p="http://schemas.openxmlformats.org/presentationml/2006/main">
+  <p:cSld>
+    <p:spTree>
+      <p:nvGrpSpPr>
+        <p:cNvPr id="1" name=""/>
+        <p:cNvGrpSpPr/>
+        <p:nvPr/>
+      </p:nvGrpSpPr>
+      <p:grpSpPr>
+        <a:xfrm>
+          <a:off x="0" y="0"/>
+          <a:ext cx="0" cy="0"/>
+          <a:chOff x="0" y="0"/>
+          <a:chExt cx="0" cy="0"/>
+        </a:xfrm>
+      </p:grpSpPr>
+      <p:sp>
+        <p:nvSpPr>
+          <p:cNvPr id="2" name="제목 1">
+            <a:extLst>
+              <a:ext uri="{FF2B5EF4-FFF2-40B4-BE49-F238E27FC236}">
+                <a16:creationId xmlns:a16="http://schemas.microsoft.com/office/drawing/2014/main" id="{880E7698-2979-4EBE-B8A3-BED147002C5A}"/>
+              </a:ext>
+            </a:extLst>
+          </p:cNvPr>
+          <p:cNvSpPr>
+            <a:spLocks noGrp="1"/>
+          </p:cNvSpPr>
+          <p:nvPr>
+            <p:ph type="title"/>
+          </p:nvPr>
+        </p:nvSpPr>
+        <p:spPr/>
+        <p:txBody>
+          <a:bodyPr/>
+          <a:lstStyle/>
+          <a:p>
+            <a:r>
+              <a:rPr lang="en-US" altLang="ko-KR" dirty="0" err="1"/>
+              <a:t>tmpfs</a:t>
+            </a:r>
+            <a:r>
+              <a:rPr lang="en-US" altLang="ko-KR" dirty="0"/>
+              <a:t> </a:t>
+            </a:r>
+            <a:r>
+              <a:rPr lang="ko-KR" altLang="en-US" dirty="0"/>
+              <a:t>성능 실험 결과 그래프 </a:t>
+            </a:r>
+            <a:r>
+              <a:rPr lang="en-US" altLang="ko-KR" dirty="0"/>
+              <a:t>- </a:t>
+            </a:r>
+            <a:r>
+              <a:rPr lang="ko-KR" altLang="en-US" dirty="0"/>
+              <a:t>출력</a:t>
+            </a:r>
+          </a:p>
+        </p:txBody>
+      </p:sp>
+      <p:graphicFrame>
+        <p:nvGraphicFramePr>
+          <p:cNvPr id="8" name="내용 개체 틀 7">
+            <a:extLst>
+              <a:ext uri="{FF2B5EF4-FFF2-40B4-BE49-F238E27FC236}">
+                <a16:creationId xmlns:a16="http://schemas.microsoft.com/office/drawing/2014/main" id="{31E38180-6740-4892-82EF-70DFC205352B}"/>
+              </a:ext>
+            </a:extLst>
+          </p:cNvPr>
+          <p:cNvGraphicFramePr>
+            <a:graphicFrameLocks noGrp="1"/>
+          </p:cNvGraphicFramePr>
+          <p:nvPr>
+            <p:ph idx="1"/>
+            <p:extLst>
+              <p:ext uri="{D42A27DB-BD31-4B8C-83A1-F6EECF244321}">
+                <p14:modId xmlns:p14="http://schemas.microsoft.com/office/powerpoint/2010/main" val="244323146"/>
+              </p:ext>
+            </p:extLst>
+          </p:nvPr>
+        </p:nvGraphicFramePr>
+        <p:xfrm>
+          <a:off x="215900" y="1476375"/>
+          <a:ext cx="11787188" cy="4857750"/>
+        </p:xfrm>
+        <a:graphic>
+          <a:graphicData uri="http://schemas.openxmlformats.org/drawingml/2006/chart">
+            <c:chart xmlns:c="http://schemas.openxmlformats.org/drawingml/2006/chart" xmlns:r="http://schemas.openxmlformats.org/officeDocument/2006/relationships" r:id="rId3"/>
+          </a:graphicData>
+        </a:graphic>
+      </p:graphicFrame>
+      <p:sp>
+        <p:nvSpPr>
+          <p:cNvPr id="4" name="날짜 개체 틀 3">
+            <a:extLst>
+              <a:ext uri="{FF2B5EF4-FFF2-40B4-BE49-F238E27FC236}">
+                <a16:creationId xmlns:a16="http://schemas.microsoft.com/office/drawing/2014/main" id="{F3A7CFF7-1FDF-453F-96A8-0B020DA00BA4}"/>
+              </a:ext>
+            </a:extLst>
+          </p:cNvPr>
+          <p:cNvSpPr>
+            <a:spLocks noGrp="1"/>
+          </p:cNvSpPr>
+          <p:nvPr>
+            <p:ph type="dt" sz="half" idx="10"/>
+          </p:nvPr>
+        </p:nvSpPr>
+        <p:spPr/>
+        <p:txBody>
+          <a:bodyPr/>
+          <a:lstStyle/>
+          <a:p>
+            <a:r>
+              <a:rPr lang="ko-KR" altLang="en-US"/>
+              <a:t>권철현</a:t>
+            </a:r>
+            <a:r>
+              <a:rPr lang="en-US" altLang="ko-KR"/>
+              <a:t>, </a:t>
+            </a:r>
+            <a:r>
+              <a:rPr lang="ko-KR" altLang="en-US"/>
+              <a:t>신재하</a:t>
+            </a:r>
+            <a:endParaRPr lang="ko-KR" altLang="en-US" dirty="0"/>
+          </a:p>
+        </p:txBody>
+      </p:sp>
+      <p:sp>
+        <p:nvSpPr>
+          <p:cNvPr id="5" name="슬라이드 번호 개체 틀 4">
+            <a:extLst>
+              <a:ext uri="{FF2B5EF4-FFF2-40B4-BE49-F238E27FC236}">
+                <a16:creationId xmlns:a16="http://schemas.microsoft.com/office/drawing/2014/main" id="{99C9FFB4-D10B-4BE4-99B9-05342160D8F6}"/>
+              </a:ext>
+            </a:extLst>
+          </p:cNvPr>
+          <p:cNvSpPr>
+            <a:spLocks noGrp="1"/>
+          </p:cNvSpPr>
+          <p:nvPr>
+            <p:ph type="sldNum" sz="quarter" idx="12"/>
+          </p:nvPr>
+        </p:nvSpPr>
+        <p:spPr/>
+        <p:txBody>
+          <a:bodyPr/>
+          <a:lstStyle/>
+          <a:p>
+            <a:fld id="{5FF72CB3-86FB-4DBB-A7AC-E8F6F3DA156B}" type="slidenum">
+              <a:rPr lang="ko-KR" altLang="en-US" smtClean="0"/>
+              <a:pPr/>
+              <a:t>46</a:t>
+            </a:fld>
+            <a:endParaRPr lang="ko-KR" altLang="en-US"/>
+          </a:p>
+        </p:txBody>
+      </p:sp>
+      <p:sp>
+        <p:nvSpPr>
+          <p:cNvPr id="9" name="TextBox 8">
+            <a:extLst>
+              <a:ext uri="{FF2B5EF4-FFF2-40B4-BE49-F238E27FC236}">
+                <a16:creationId xmlns:a16="http://schemas.microsoft.com/office/drawing/2014/main" id="{8BD73674-F740-449D-9007-8D6702F8004F}"/>
+              </a:ext>
+            </a:extLst>
+          </p:cNvPr>
+          <p:cNvSpPr txBox="1"/>
+          <p:nvPr/>
+        </p:nvSpPr>
+        <p:spPr>
+          <a:xfrm>
+            <a:off x="0" y="1732804"/>
+            <a:ext cx="973015" cy="230832"/>
+          </a:xfrm>
+          <a:prstGeom prst="rect">
+            <a:avLst/>
+          </a:prstGeom>
+          <a:noFill/>
+        </p:spPr>
+        <p:txBody>
+          <a:bodyPr wrap="square" rtlCol="0">
+            <a:spAutoFit/>
+          </a:bodyPr>
+          <a:lstStyle/>
+          <a:p>
+            <a:r>
+              <a:rPr lang="ko-KR" altLang="en-US" sz="900" dirty="0"/>
+              <a:t>단위</a:t>
+            </a:r>
+            <a:r>
+              <a:rPr lang="en-US" altLang="ko-KR" sz="900" dirty="0"/>
+              <a:t>: IOPS</a:t>
+            </a:r>
+            <a:endParaRPr lang="ko-KR" altLang="en-US" sz="900" dirty="0"/>
+          </a:p>
+        </p:txBody>
+      </p:sp>
+    </p:spTree>
+    <p:extLst>
+      <p:ext uri="{BB962C8B-B14F-4D97-AF65-F5344CB8AC3E}">
+        <p14:creationId xmlns:p14="http://schemas.microsoft.com/office/powerpoint/2010/main" val="1268257890"/>
+      </p:ext>
+    </p:extLst>
+  </p:cSld>
+  <p:clrMapOvr>
+    <a:masterClrMapping/>
+  </p:clrMapOvr>
+</p:sld>
+</file>
+
+<file path=ppt/slides/slide47.xml><?xml version="1.0" encoding="utf-8"?>
+<p:sld xmlns:a="http://schemas.openxmlformats.org/drawingml/2006/main" xmlns:r="http://schemas.openxmlformats.org/officeDocument/2006/relationships" xmlns:p="http://schemas.openxmlformats.org/presentationml/2006/main">
+  <p:cSld>
+    <p:spTree>
+      <p:nvGrpSpPr>
+        <p:cNvPr id="1" name=""/>
+        <p:cNvGrpSpPr/>
+        <p:nvPr/>
+      </p:nvGrpSpPr>
+      <p:grpSpPr>
+        <a:xfrm>
+          <a:off x="0" y="0"/>
+          <a:ext cx="0" cy="0"/>
+          <a:chOff x="0" y="0"/>
+          <a:chExt cx="0" cy="0"/>
+        </a:xfrm>
+      </p:grpSpPr>
+      <p:sp>
+        <p:nvSpPr>
+          <p:cNvPr id="2" name="제목 1">
+            <a:extLst>
+              <a:ext uri="{FF2B5EF4-FFF2-40B4-BE49-F238E27FC236}">
+                <a16:creationId xmlns:a16="http://schemas.microsoft.com/office/drawing/2014/main" id="{23F2B814-F620-4FBE-8762-1293C0BFD224}"/>
+              </a:ext>
+            </a:extLst>
+          </p:cNvPr>
+          <p:cNvSpPr>
+            <a:spLocks noGrp="1"/>
+          </p:cNvSpPr>
+          <p:nvPr>
+            <p:ph type="title"/>
+          </p:nvPr>
+        </p:nvSpPr>
+        <p:spPr/>
+        <p:txBody>
+          <a:bodyPr/>
+          <a:lstStyle/>
+          <a:p>
+            <a:r>
+              <a:rPr lang="en-US" altLang="ko-KR" dirty="0" err="1"/>
+              <a:t>tmpfs</a:t>
+            </a:r>
+            <a:r>
+              <a:rPr lang="en-US" altLang="ko-KR" dirty="0"/>
+              <a:t> </a:t>
+            </a:r>
+            <a:r>
+              <a:rPr lang="ko-KR" altLang="en-US" dirty="0"/>
+              <a:t>성능 실험 결과 그래프 </a:t>
+            </a:r>
+            <a:r>
+              <a:rPr lang="en-US" altLang="ko-KR" dirty="0"/>
+              <a:t>- </a:t>
+            </a:r>
+            <a:r>
+              <a:rPr lang="ko-KR" altLang="en-US" dirty="0"/>
+              <a:t>입력</a:t>
+            </a:r>
+          </a:p>
+        </p:txBody>
+      </p:sp>
+      <p:graphicFrame>
+        <p:nvGraphicFramePr>
+          <p:cNvPr id="8" name="내용 개체 틀 7">
+            <a:extLst>
+              <a:ext uri="{FF2B5EF4-FFF2-40B4-BE49-F238E27FC236}">
+                <a16:creationId xmlns:a16="http://schemas.microsoft.com/office/drawing/2014/main" id="{BD813BFA-CA30-4D61-90F6-96D2317D4E7C}"/>
+              </a:ext>
+            </a:extLst>
+          </p:cNvPr>
+          <p:cNvGraphicFramePr>
+            <a:graphicFrameLocks noGrp="1"/>
+          </p:cNvGraphicFramePr>
+          <p:nvPr>
+            <p:ph idx="1"/>
+            <p:extLst>
+              <p:ext uri="{D42A27DB-BD31-4B8C-83A1-F6EECF244321}">
+                <p14:modId xmlns:p14="http://schemas.microsoft.com/office/powerpoint/2010/main" val="1324373698"/>
+              </p:ext>
+            </p:extLst>
+          </p:nvPr>
+        </p:nvGraphicFramePr>
+        <p:xfrm>
+          <a:off x="215900" y="1476375"/>
+          <a:ext cx="11787188" cy="4857750"/>
+        </p:xfrm>
+        <a:graphic>
+          <a:graphicData uri="http://schemas.openxmlformats.org/drawingml/2006/chart">
+            <c:chart xmlns:c="http://schemas.openxmlformats.org/drawingml/2006/chart" xmlns:r="http://schemas.openxmlformats.org/officeDocument/2006/relationships" r:id="rId2"/>
+          </a:graphicData>
+        </a:graphic>
+      </p:graphicFrame>
+      <p:sp>
+        <p:nvSpPr>
+          <p:cNvPr id="4" name="날짜 개체 틀 3">
+            <a:extLst>
+              <a:ext uri="{FF2B5EF4-FFF2-40B4-BE49-F238E27FC236}">
+                <a16:creationId xmlns:a16="http://schemas.microsoft.com/office/drawing/2014/main" id="{D00A7FE9-D46E-4E73-8DAD-F8595B713C96}"/>
+              </a:ext>
+            </a:extLst>
+          </p:cNvPr>
+          <p:cNvSpPr>
+            <a:spLocks noGrp="1"/>
+          </p:cNvSpPr>
+          <p:nvPr>
+            <p:ph type="dt" sz="half" idx="10"/>
+          </p:nvPr>
+        </p:nvSpPr>
+        <p:spPr/>
+        <p:txBody>
+          <a:bodyPr/>
+          <a:lstStyle/>
+          <a:p>
+            <a:r>
+              <a:rPr lang="ko-KR" altLang="en-US"/>
+              <a:t>권철현</a:t>
+            </a:r>
+            <a:r>
+              <a:rPr lang="en-US" altLang="ko-KR"/>
+              <a:t>, </a:t>
+            </a:r>
+            <a:r>
+              <a:rPr lang="ko-KR" altLang="en-US"/>
+              <a:t>신재하</a:t>
+            </a:r>
+            <a:endParaRPr lang="ko-KR" altLang="en-US" dirty="0"/>
+          </a:p>
+        </p:txBody>
+      </p:sp>
+      <p:sp>
+        <p:nvSpPr>
+          <p:cNvPr id="5" name="슬라이드 번호 개체 틀 4">
+            <a:extLst>
+              <a:ext uri="{FF2B5EF4-FFF2-40B4-BE49-F238E27FC236}">
+                <a16:creationId xmlns:a16="http://schemas.microsoft.com/office/drawing/2014/main" id="{5E9EF96E-AEDD-4CF6-92D7-DB8873E9911B}"/>
+              </a:ext>
+            </a:extLst>
+          </p:cNvPr>
+          <p:cNvSpPr>
+            <a:spLocks noGrp="1"/>
+          </p:cNvSpPr>
+          <p:nvPr>
+            <p:ph type="sldNum" sz="quarter" idx="12"/>
+          </p:nvPr>
+        </p:nvSpPr>
+        <p:spPr/>
+        <p:txBody>
+          <a:bodyPr/>
+          <a:lstStyle/>
+          <a:p>
+            <a:fld id="{5FF72CB3-86FB-4DBB-A7AC-E8F6F3DA156B}" type="slidenum">
+              <a:rPr lang="ko-KR" altLang="en-US" smtClean="0"/>
+              <a:pPr/>
+              <a:t>47</a:t>
+            </a:fld>
+            <a:endParaRPr lang="ko-KR" altLang="en-US"/>
+          </a:p>
+        </p:txBody>
+      </p:sp>
+      <p:sp>
+        <p:nvSpPr>
+          <p:cNvPr id="9" name="TextBox 8">
+            <a:extLst>
+              <a:ext uri="{FF2B5EF4-FFF2-40B4-BE49-F238E27FC236}">
+                <a16:creationId xmlns:a16="http://schemas.microsoft.com/office/drawing/2014/main" id="{37293A1C-A766-49C8-9588-AE0DD9A8197D}"/>
+              </a:ext>
+            </a:extLst>
+          </p:cNvPr>
+          <p:cNvSpPr txBox="1"/>
+          <p:nvPr/>
+        </p:nvSpPr>
+        <p:spPr>
+          <a:xfrm>
+            <a:off x="0" y="1732804"/>
+            <a:ext cx="973015" cy="230832"/>
+          </a:xfrm>
+          <a:prstGeom prst="rect">
+            <a:avLst/>
+          </a:prstGeom>
+          <a:noFill/>
+        </p:spPr>
+        <p:txBody>
+          <a:bodyPr wrap="square" rtlCol="0">
+            <a:spAutoFit/>
+          </a:bodyPr>
+          <a:lstStyle/>
+          <a:p>
+            <a:r>
+              <a:rPr lang="ko-KR" altLang="en-US" sz="900" dirty="0"/>
+              <a:t>단위</a:t>
+            </a:r>
+            <a:r>
+              <a:rPr lang="en-US" altLang="ko-KR" sz="900" dirty="0"/>
+              <a:t>: IOPS</a:t>
+            </a:r>
+            <a:endParaRPr lang="ko-KR" altLang="en-US" sz="900" dirty="0"/>
+          </a:p>
+        </p:txBody>
+      </p:sp>
+    </p:spTree>
+    <p:extLst>
+      <p:ext uri="{BB962C8B-B14F-4D97-AF65-F5344CB8AC3E}">
+        <p14:creationId xmlns:p14="http://schemas.microsoft.com/office/powerpoint/2010/main" val="3757243421"/>
+      </p:ext>
+    </p:extLst>
+  </p:cSld>
+  <p:clrMapOvr>
+    <a:masterClrMapping/>
+  </p:clrMapOvr>
+</p:sld>
+</file>
+
+<file path=ppt/slides/slide48.xml><?xml version="1.0" encoding="utf-8"?>
+<p:sld xmlns:a="http://schemas.openxmlformats.org/drawingml/2006/main" xmlns:r="http://schemas.openxmlformats.org/officeDocument/2006/relationships" xmlns:p="http://schemas.openxmlformats.org/presentationml/2006/main">
+  <p:cSld>
+    <p:spTree>
+      <p:nvGrpSpPr>
+        <p:cNvPr id="1" name=""/>
+        <p:cNvGrpSpPr/>
+        <p:nvPr/>
+      </p:nvGrpSpPr>
+      <p:grpSpPr>
+        <a:xfrm>
+          <a:off x="0" y="0"/>
+          <a:ext cx="0" cy="0"/>
+          <a:chOff x="0" y="0"/>
+          <a:chExt cx="0" cy="0"/>
+        </a:xfrm>
+      </p:grpSpPr>
+      <p:sp>
+        <p:nvSpPr>
           <p:cNvPr id="8" name="제목 7">
             <a:extLst>
               <a:ext uri="{FF2B5EF4-FFF2-40B4-BE49-F238E27FC236}">
@@ -24136,6 +28520,10 @@
           <a:bodyPr/>
           <a:lstStyle/>
           <a:p>
+            <a:r>
+              <a:rPr lang="en-US" altLang="ko-KR" dirty="0"/>
+              <a:t>Contents</a:t>
+            </a:r>
             <a:endParaRPr lang="ko-KR" altLang="en-US" dirty="0"/>
           </a:p>
         </p:txBody>

--- a/2022.02.18/권철현,신재하.pptx
+++ b/2022.02.18/권철현,신재하.pptx
@@ -5,7 +5,7 @@
     <p:sldMasterId id="2147483648" r:id="rId1"/>
   </p:sldMasterIdLst>
   <p:notesMasterIdLst>
-    <p:notesMasterId r:id="rId50"/>
+    <p:notesMasterId r:id="rId51"/>
   </p:notesMasterIdLst>
   <p:sldIdLst>
     <p:sldId id="259" r:id="rId2"/>
@@ -55,7 +55,8 @@
     <p:sldId id="341" r:id="rId46"/>
     <p:sldId id="342" r:id="rId47"/>
     <p:sldId id="343" r:id="rId48"/>
-    <p:sldId id="273" r:id="rId49"/>
+    <p:sldId id="344" r:id="rId49"/>
+    <p:sldId id="273" r:id="rId50"/>
   </p:sldIdLst>
   <p:sldSz cx="12192000" cy="6858000"/>
   <p:notesSz cx="6858000" cy="9144000"/>
@@ -13879,10 +13880,37 @@
                   </a:schemeClr>
                 </a:solidFill>
               </a:rPr>
-              <a:t>RAM Disk</a:t>
-            </a:r>
-          </a:p>
-          <a:p>
+              <a:t>RAM Disk &amp; </a:t>
+            </a:r>
+            <a:r>
+              <a:rPr lang="en-US" altLang="ko-KR" dirty="0" err="1">
+                <a:solidFill>
+                  <a:schemeClr val="bg1">
+                    <a:lumMod val="65000"/>
+                  </a:schemeClr>
+                </a:solidFill>
+              </a:rPr>
+              <a:t>tmpfs</a:t>
+            </a:r>
+            <a:endParaRPr lang="en-US" altLang="ko-KR" dirty="0">
+              <a:solidFill>
+                <a:schemeClr val="bg1">
+                  <a:lumMod val="65000"/>
+                </a:schemeClr>
+              </a:solidFill>
+            </a:endParaRPr>
+          </a:p>
+          <a:p>
+            <a:r>
+              <a:rPr lang="en-US" altLang="ko-KR" dirty="0" err="1">
+                <a:solidFill>
+                  <a:schemeClr val="bg1">
+                    <a:lumMod val="65000"/>
+                  </a:schemeClr>
+                </a:solidFill>
+              </a:rPr>
+              <a:t>tmpfs</a:t>
+            </a:r>
             <a:r>
               <a:rPr lang="en-US" altLang="ko-KR" dirty="0">
                 <a:solidFill>
@@ -13891,7 +13919,7 @@
                   </a:schemeClr>
                 </a:solidFill>
               </a:rPr>
-              <a:t>RAM Disk </a:t>
+              <a:t> </a:t>
             </a:r>
             <a:r>
               <a:rPr lang="ko-KR" altLang="en-US" dirty="0">
@@ -13901,7 +13929,7 @@
                   </a:schemeClr>
                 </a:solidFill>
               </a:rPr>
-              <a:t>생성</a:t>
+              <a:t>생성 및 삭제</a:t>
             </a:r>
             <a:endParaRPr lang="en-US" altLang="ko-KR" dirty="0">
               <a:solidFill>
@@ -13913,6 +13941,16 @@
           </a:p>
           <a:p>
             <a:r>
+              <a:rPr lang="en-US" altLang="ko-KR" dirty="0" err="1">
+                <a:solidFill>
+                  <a:schemeClr val="bg1">
+                    <a:lumMod val="65000"/>
+                  </a:schemeClr>
+                </a:solidFill>
+              </a:rPr>
+              <a:t>tmpfs</a:t>
+            </a:r>
+            <a:r>
               <a:rPr lang="en-US" altLang="ko-KR" dirty="0">
                 <a:solidFill>
                   <a:schemeClr val="bg1">
@@ -13920,36 +13958,7 @@
                   </a:schemeClr>
                 </a:solidFill>
               </a:rPr>
-              <a:t>RAM Disk </a:t>
-            </a:r>
-            <a:r>
-              <a:rPr lang="ko-KR" altLang="en-US" dirty="0">
-                <a:solidFill>
-                  <a:schemeClr val="bg1">
-                    <a:lumMod val="65000"/>
-                  </a:schemeClr>
-                </a:solidFill>
-              </a:rPr>
-              <a:t>삭제</a:t>
-            </a:r>
-            <a:endParaRPr lang="en-US" altLang="ko-KR" dirty="0">
-              <a:solidFill>
-                <a:schemeClr val="bg1">
-                  <a:lumMod val="65000"/>
-                </a:schemeClr>
-              </a:solidFill>
-            </a:endParaRPr>
-          </a:p>
-          <a:p>
-            <a:r>
-              <a:rPr lang="en-US" altLang="ko-KR" dirty="0">
-                <a:solidFill>
-                  <a:schemeClr val="bg1">
-                    <a:lumMod val="65000"/>
-                  </a:schemeClr>
-                </a:solidFill>
-              </a:rPr>
-              <a:t>RAM Disk </a:t>
+              <a:t> </a:t>
             </a:r>
             <a:r>
               <a:rPr lang="ko-KR" altLang="en-US" dirty="0">
@@ -13960,6 +13969,35 @@
                 </a:solidFill>
               </a:rPr>
               <a:t>성능 실험 </a:t>
+            </a:r>
+            <a:endParaRPr lang="en-US" altLang="ko-KR" dirty="0">
+              <a:solidFill>
+                <a:schemeClr val="bg1">
+                  <a:lumMod val="65000"/>
+                </a:schemeClr>
+              </a:solidFill>
+            </a:endParaRPr>
+          </a:p>
+          <a:p>
+            <a:r>
+              <a:rPr lang="en-US" altLang="ko-KR" dirty="0">
+                <a:solidFill>
+                  <a:schemeClr val="bg1">
+                    <a:lumMod val="65000"/>
+                  </a:schemeClr>
+                </a:solidFill>
+              </a:rPr>
+              <a:t>Android </a:t>
+            </a:r>
+            <a:r>
+              <a:rPr lang="en-US" altLang="ko-KR" dirty="0" err="1">
+                <a:solidFill>
+                  <a:schemeClr val="bg1">
+                    <a:lumMod val="65000"/>
+                  </a:schemeClr>
+                </a:solidFill>
+              </a:rPr>
+              <a:t>tmpfs</a:t>
             </a:r>
             <a:endParaRPr lang="en-US" altLang="ko-KR" dirty="0">
               <a:solidFill>
@@ -21350,12 +21388,16 @@
               <a:t>리눅스 </a:t>
             </a:r>
             <a:r>
+              <a:rPr lang="en-US" altLang="ko-KR" dirty="0" err="1"/>
+              <a:t>tmpfs</a:t>
+            </a:r>
+            <a:r>
               <a:rPr lang="en-US" altLang="ko-KR" dirty="0"/>
-              <a:t>RAM Disk </a:t>
+              <a:t> </a:t>
             </a:r>
             <a:r>
               <a:rPr lang="ko-KR" altLang="en-US" dirty="0"/>
-              <a:t>만들기</a:t>
+              <a:t>생성</a:t>
             </a:r>
           </a:p>
         </p:txBody>
@@ -21603,12 +21645,16 @@
               <a:t>리눅스 </a:t>
             </a:r>
             <a:r>
+              <a:rPr lang="en-US" altLang="ko-KR" dirty="0" err="1"/>
+              <a:t>tmpfs</a:t>
+            </a:r>
+            <a:r>
               <a:rPr lang="en-US" altLang="ko-KR" dirty="0"/>
-              <a:t>RAM Disk </a:t>
+              <a:t> </a:t>
             </a:r>
             <a:r>
               <a:rPr lang="ko-KR" altLang="en-US" dirty="0"/>
-              <a:t>만들기</a:t>
+              <a:t>생성</a:t>
             </a:r>
           </a:p>
         </p:txBody>
@@ -21912,12 +21958,16 @@
               <a:t>리눅스 </a:t>
             </a:r>
             <a:r>
+              <a:rPr lang="en-US" altLang="ko-KR" dirty="0" err="1"/>
+              <a:t>tmpfs</a:t>
+            </a:r>
+            <a:r>
               <a:rPr lang="en-US" altLang="ko-KR" dirty="0"/>
-              <a:t>RAM Disk </a:t>
+              <a:t> </a:t>
             </a:r>
             <a:r>
               <a:rPr lang="ko-KR" altLang="en-US" dirty="0"/>
-              <a:t>만들기</a:t>
+              <a:t>생성</a:t>
             </a:r>
           </a:p>
         </p:txBody>
@@ -22006,15 +22056,11 @@
             <a:pPr lvl="1"/>
             <a:r>
               <a:rPr lang="en-US" altLang="ko-KR" dirty="0"/>
-              <a:t>[FSTYPE]: RAM</a:t>
-            </a:r>
-            <a:r>
-              <a:rPr lang="ko-KR" altLang="en-US" dirty="0"/>
-              <a:t> </a:t>
-            </a:r>
-            <a:r>
-              <a:rPr lang="en-US" altLang="ko-KR" dirty="0"/>
-              <a:t>Disk</a:t>
+              <a:t>[FSTYPE]: </a:t>
+            </a:r>
+            <a:r>
+              <a:rPr lang="en-US" altLang="ko-KR" dirty="0" err="1"/>
+              <a:t>tmpfs</a:t>
             </a:r>
             <a:r>
               <a:rPr lang="ko-KR" altLang="en-US" dirty="0"/>
@@ -22263,12 +22309,16 @@
               <a:t>리눅스 </a:t>
             </a:r>
             <a:r>
+              <a:rPr lang="en-US" altLang="ko-KR" dirty="0" err="1"/>
+              <a:t>tmpfs</a:t>
+            </a:r>
+            <a:r>
               <a:rPr lang="en-US" altLang="ko-KR" dirty="0"/>
-              <a:t>RAM Disk </a:t>
+              <a:t> </a:t>
             </a:r>
             <a:r>
               <a:rPr lang="ko-KR" altLang="en-US" dirty="0"/>
-              <a:t>만들기</a:t>
+              <a:t>생성</a:t>
             </a:r>
           </a:p>
         </p:txBody>
@@ -22658,12 +22708,16 @@
               <a:t>리눅스 </a:t>
             </a:r>
             <a:r>
+              <a:rPr lang="en-US" altLang="ko-KR" dirty="0" err="1"/>
+              <a:t>tmpfs</a:t>
+            </a:r>
+            <a:r>
               <a:rPr lang="en-US" altLang="ko-KR" dirty="0"/>
-              <a:t>RAM Disk </a:t>
+              <a:t> </a:t>
             </a:r>
             <a:r>
               <a:rPr lang="ko-KR" altLang="en-US" dirty="0"/>
-              <a:t>만들기</a:t>
+              <a:t>생성</a:t>
             </a:r>
           </a:p>
         </p:txBody>
@@ -23063,12 +23117,16 @@
               <a:t>리눅스 </a:t>
             </a:r>
             <a:r>
+              <a:rPr lang="en-US" altLang="ko-KR" dirty="0" err="1"/>
+              <a:t>tmpfs</a:t>
+            </a:r>
+            <a:r>
               <a:rPr lang="en-US" altLang="ko-KR" dirty="0"/>
-              <a:t>RAM Disk </a:t>
+              <a:t> </a:t>
             </a:r>
             <a:r>
               <a:rPr lang="ko-KR" altLang="en-US" dirty="0"/>
-              <a:t>만들기</a:t>
+              <a:t>생성</a:t>
             </a:r>
           </a:p>
         </p:txBody>
@@ -23448,12 +23506,16 @@
               <a:t>리눅스 </a:t>
             </a:r>
             <a:r>
+              <a:rPr lang="en-US" altLang="ko-KR" dirty="0" err="1"/>
+              <a:t>tmpfs</a:t>
+            </a:r>
+            <a:r>
               <a:rPr lang="en-US" altLang="ko-KR" dirty="0"/>
-              <a:t>RAM Disk </a:t>
+              <a:t> </a:t>
             </a:r>
             <a:r>
               <a:rPr lang="ko-KR" altLang="en-US" dirty="0"/>
-              <a:t>만들기</a:t>
+              <a:t>생성</a:t>
             </a:r>
           </a:p>
         </p:txBody>
@@ -23947,8 +24009,12 @@
               <a:t>리눅스 </a:t>
             </a:r>
             <a:r>
+              <a:rPr lang="en-US" altLang="ko-KR" dirty="0" err="1"/>
+              <a:t>tmpfs</a:t>
+            </a:r>
+            <a:r>
               <a:rPr lang="en-US" altLang="ko-KR" dirty="0"/>
-              <a:t>RAM Disk </a:t>
+              <a:t> </a:t>
             </a:r>
             <a:r>
               <a:rPr lang="ko-KR" altLang="en-US" dirty="0"/>
@@ -23979,8 +24045,12 @@
           <a:lstStyle/>
           <a:p>
             <a:r>
+              <a:rPr lang="en-US" altLang="ko-KR" dirty="0" err="1"/>
+              <a:t>tmpfs</a:t>
+            </a:r>
+            <a:r>
               <a:rPr lang="en-US" altLang="ko-KR" dirty="0"/>
-              <a:t>RAM Disk </a:t>
+              <a:t> </a:t>
             </a:r>
             <a:r>
               <a:rPr lang="ko-KR" altLang="en-US" dirty="0" err="1"/>
@@ -23996,15 +24066,11 @@
             </a:r>
             <a:r>
               <a:rPr lang="en-US" altLang="ko-KR" dirty="0"/>
-              <a:t>) – RAM</a:t>
-            </a:r>
-            <a:r>
-              <a:rPr lang="ko-KR" altLang="en-US" dirty="0"/>
-              <a:t> </a:t>
-            </a:r>
-            <a:r>
-              <a:rPr lang="en-US" altLang="ko-KR" dirty="0"/>
-              <a:t>Disk</a:t>
+              <a:t>) – </a:t>
+            </a:r>
+            <a:r>
+              <a:rPr lang="en-US" altLang="ko-KR" dirty="0" err="1"/>
+              <a:t>tmpfs</a:t>
             </a:r>
             <a:r>
               <a:rPr lang="ko-KR" altLang="en-US" dirty="0"/>
@@ -24276,8 +24342,12 @@
               <a:t>리눅스 </a:t>
             </a:r>
             <a:r>
+              <a:rPr lang="en-US" altLang="ko-KR" dirty="0" err="1"/>
+              <a:t>tmpfs</a:t>
+            </a:r>
+            <a:r>
               <a:rPr lang="en-US" altLang="ko-KR" dirty="0"/>
-              <a:t>RAM Disk </a:t>
+              <a:t> </a:t>
             </a:r>
             <a:r>
               <a:rPr lang="ko-KR" altLang="en-US" dirty="0"/>
@@ -24308,8 +24378,12 @@
           <a:lstStyle/>
           <a:p>
             <a:r>
+              <a:rPr lang="en-US" altLang="ko-KR" dirty="0" err="1"/>
+              <a:t>tmpfs</a:t>
+            </a:r>
+            <a:r>
               <a:rPr lang="en-US" altLang="ko-KR" dirty="0"/>
-              <a:t>RAM Disk </a:t>
+              <a:t> </a:t>
             </a:r>
             <a:r>
               <a:rPr lang="ko-KR" altLang="en-US" dirty="0" err="1"/>
@@ -24942,8 +25016,12 @@
               <a:t>리눅스 </a:t>
             </a:r>
             <a:r>
+              <a:rPr lang="en-US" altLang="ko-KR" dirty="0" err="1"/>
+              <a:t>tmpfs</a:t>
+            </a:r>
+            <a:r>
               <a:rPr lang="en-US" altLang="ko-KR" dirty="0"/>
-              <a:t>RAM Disk </a:t>
+              <a:t> </a:t>
             </a:r>
             <a:r>
               <a:rPr lang="ko-KR" altLang="en-US" dirty="0"/>
@@ -24974,8 +25052,12 @@
           <a:lstStyle/>
           <a:p>
             <a:r>
+              <a:rPr lang="en-US" altLang="ko-KR" dirty="0" err="1"/>
+              <a:t>tmpfs</a:t>
+            </a:r>
+            <a:r>
               <a:rPr lang="en-US" altLang="ko-KR" dirty="0"/>
-              <a:t>RAM Disk </a:t>
+              <a:t> </a:t>
             </a:r>
             <a:r>
               <a:rPr lang="ko-KR" altLang="en-US" dirty="0" err="1"/>
@@ -25291,8 +25373,12 @@
               <a:t>리눅스 </a:t>
             </a:r>
             <a:r>
+              <a:rPr lang="en-US" altLang="ko-KR" dirty="0" err="1"/>
+              <a:t>tmpfs</a:t>
+            </a:r>
+            <a:r>
               <a:rPr lang="en-US" altLang="ko-KR" dirty="0"/>
-              <a:t>RAM Disk </a:t>
+              <a:t> </a:t>
             </a:r>
             <a:r>
               <a:rPr lang="ko-KR" altLang="en-US" dirty="0"/>
@@ -25323,8 +25409,12 @@
           <a:lstStyle/>
           <a:p>
             <a:r>
+              <a:rPr lang="en-US" altLang="ko-KR" dirty="0" err="1"/>
+              <a:t>tmpfs</a:t>
+            </a:r>
+            <a:r>
               <a:rPr lang="en-US" altLang="ko-KR" dirty="0"/>
-              <a:t>RAM Disk </a:t>
+              <a:t> </a:t>
             </a:r>
             <a:r>
               <a:rPr lang="ko-KR" altLang="en-US" dirty="0" err="1"/>
@@ -25620,8 +25710,12 @@
               <a:t>리눅스 </a:t>
             </a:r>
             <a:r>
+              <a:rPr lang="en-US" altLang="ko-KR" dirty="0" err="1"/>
+              <a:t>tmpfs</a:t>
+            </a:r>
+            <a:r>
               <a:rPr lang="en-US" altLang="ko-KR" dirty="0"/>
-              <a:t>RAM Disk </a:t>
+              <a:t> </a:t>
             </a:r>
             <a:r>
               <a:rPr lang="ko-KR" altLang="en-US" dirty="0"/>
@@ -28100,6 +28194,169 @@
 </file>
 
 <file path=ppt/slides/slide48.xml><?xml version="1.0" encoding="utf-8"?>
+<p:sld xmlns:a="http://schemas.openxmlformats.org/drawingml/2006/main" xmlns:r="http://schemas.openxmlformats.org/officeDocument/2006/relationships" xmlns:p="http://schemas.openxmlformats.org/presentationml/2006/main">
+  <p:cSld>
+    <p:spTree>
+      <p:nvGrpSpPr>
+        <p:cNvPr id="1" name=""/>
+        <p:cNvGrpSpPr/>
+        <p:nvPr/>
+      </p:nvGrpSpPr>
+      <p:grpSpPr>
+        <a:xfrm>
+          <a:off x="0" y="0"/>
+          <a:ext cx="0" cy="0"/>
+          <a:chOff x="0" y="0"/>
+          <a:chExt cx="0" cy="0"/>
+        </a:xfrm>
+      </p:grpSpPr>
+      <p:sp>
+        <p:nvSpPr>
+          <p:cNvPr id="2" name="제목 1">
+            <a:extLst>
+              <a:ext uri="{FF2B5EF4-FFF2-40B4-BE49-F238E27FC236}">
+                <a16:creationId xmlns:a16="http://schemas.microsoft.com/office/drawing/2014/main" id="{6570D043-66C1-433B-801E-1450BFA423E3}"/>
+              </a:ext>
+            </a:extLst>
+          </p:cNvPr>
+          <p:cNvSpPr>
+            <a:spLocks noGrp="1"/>
+          </p:cNvSpPr>
+          <p:nvPr>
+            <p:ph type="title"/>
+          </p:nvPr>
+        </p:nvSpPr>
+        <p:spPr/>
+        <p:txBody>
+          <a:bodyPr/>
+          <a:lstStyle/>
+          <a:p>
+            <a:r>
+              <a:rPr lang="en-US" altLang="ko-KR" dirty="0"/>
+              <a:t>Contents</a:t>
+            </a:r>
+            <a:endParaRPr lang="ko-KR" altLang="en-US" dirty="0"/>
+          </a:p>
+        </p:txBody>
+      </p:sp>
+      <p:sp>
+        <p:nvSpPr>
+          <p:cNvPr id="3" name="내용 개체 틀 2">
+            <a:extLst>
+              <a:ext uri="{FF2B5EF4-FFF2-40B4-BE49-F238E27FC236}">
+                <a16:creationId xmlns:a16="http://schemas.microsoft.com/office/drawing/2014/main" id="{B3A01428-ADF6-4A37-BE2F-9E17EDEE986A}"/>
+              </a:ext>
+            </a:extLst>
+          </p:cNvPr>
+          <p:cNvSpPr>
+            <a:spLocks noGrp="1"/>
+          </p:cNvSpPr>
+          <p:nvPr>
+            <p:ph idx="1"/>
+          </p:nvPr>
+        </p:nvSpPr>
+        <p:spPr/>
+        <p:txBody>
+          <a:bodyPr>
+            <a:normAutofit/>
+          </a:bodyPr>
+          <a:lstStyle/>
+          <a:p>
+            <a:pPr marL="0" indent="0">
+              <a:buNone/>
+            </a:pPr>
+            <a:r>
+              <a:rPr lang="en-US" altLang="ko-KR" sz="5000" dirty="0"/>
+              <a:t>Android </a:t>
+            </a:r>
+            <a:r>
+              <a:rPr lang="en-US" altLang="ko-KR" sz="5000" dirty="0" err="1"/>
+              <a:t>tmpfs</a:t>
+            </a:r>
+            <a:endParaRPr lang="ko-KR" altLang="en-US" sz="5000" dirty="0"/>
+          </a:p>
+        </p:txBody>
+      </p:sp>
+      <p:sp>
+        <p:nvSpPr>
+          <p:cNvPr id="4" name="날짜 개체 틀 3">
+            <a:extLst>
+              <a:ext uri="{FF2B5EF4-FFF2-40B4-BE49-F238E27FC236}">
+                <a16:creationId xmlns:a16="http://schemas.microsoft.com/office/drawing/2014/main" id="{08B23306-6839-42D2-B4C1-45E7C6211443}"/>
+              </a:ext>
+            </a:extLst>
+          </p:cNvPr>
+          <p:cNvSpPr>
+            <a:spLocks noGrp="1"/>
+          </p:cNvSpPr>
+          <p:nvPr>
+            <p:ph type="dt" sz="half" idx="10"/>
+          </p:nvPr>
+        </p:nvSpPr>
+        <p:spPr/>
+        <p:txBody>
+          <a:bodyPr/>
+          <a:lstStyle/>
+          <a:p>
+            <a:r>
+              <a:rPr lang="ko-KR" altLang="en-US"/>
+              <a:t>권철현</a:t>
+            </a:r>
+            <a:r>
+              <a:rPr lang="en-US" altLang="ko-KR"/>
+              <a:t>, </a:t>
+            </a:r>
+            <a:r>
+              <a:rPr lang="ko-KR" altLang="en-US"/>
+              <a:t>신재하</a:t>
+            </a:r>
+          </a:p>
+        </p:txBody>
+      </p:sp>
+      <p:sp>
+        <p:nvSpPr>
+          <p:cNvPr id="5" name="슬라이드 번호 개체 틀 4">
+            <a:extLst>
+              <a:ext uri="{FF2B5EF4-FFF2-40B4-BE49-F238E27FC236}">
+                <a16:creationId xmlns:a16="http://schemas.microsoft.com/office/drawing/2014/main" id="{DC358D47-812B-41C1-89F6-44ABBB10381F}"/>
+              </a:ext>
+            </a:extLst>
+          </p:cNvPr>
+          <p:cNvSpPr>
+            <a:spLocks noGrp="1"/>
+          </p:cNvSpPr>
+          <p:nvPr>
+            <p:ph type="sldNum" sz="quarter" idx="12"/>
+          </p:nvPr>
+        </p:nvSpPr>
+        <p:spPr/>
+        <p:txBody>
+          <a:bodyPr/>
+          <a:lstStyle/>
+          <a:p>
+            <a:fld id="{5FF72CB3-86FB-4DBB-A7AC-E8F6F3DA156B}" type="slidenum">
+              <a:rPr lang="ko-KR" altLang="en-US" smtClean="0"/>
+              <a:pPr/>
+              <a:t>48</a:t>
+            </a:fld>
+            <a:endParaRPr lang="ko-KR" altLang="en-US"/>
+          </a:p>
+        </p:txBody>
+      </p:sp>
+    </p:spTree>
+    <p:extLst>
+      <p:ext uri="{BB962C8B-B14F-4D97-AF65-F5344CB8AC3E}">
+        <p14:creationId xmlns:p14="http://schemas.microsoft.com/office/powerpoint/2010/main" val="3194135534"/>
+      </p:ext>
+    </p:extLst>
+  </p:cSld>
+  <p:clrMapOvr>
+    <a:masterClrMapping/>
+  </p:clrMapOvr>
+</p:sld>
+</file>
+
+<file path=ppt/slides/slide49.xml><?xml version="1.0" encoding="utf-8"?>
 <p:sld xmlns:a="http://schemas.openxmlformats.org/drawingml/2006/main" xmlns:r="http://schemas.openxmlformats.org/officeDocument/2006/relationships" xmlns:p="http://schemas.openxmlformats.org/presentationml/2006/main">
   <p:cSld>
     <p:spTree>

--- a/2022.02.18/권철현,신재하.pptx
+++ b/2022.02.18/권철현,신재하.pptx
@@ -1284,8 +1284,9 @@
     <c:autoTitleDeleted val="0"/>
     <c:plotArea>
       <c:layout/>
-      <c:lineChart>
-        <c:grouping val="standard"/>
+      <c:barChart>
+        <c:barDir val="col"/>
+        <c:grouping val="clustered"/>
         <c:varyColors val="0"/>
         <c:ser>
           <c:idx val="0"/>
@@ -1302,29 +1303,17 @@
             </c:strRef>
           </c:tx>
           <c:spPr>
-            <a:ln w="28575" cap="rnd">
+            <a:solidFill>
+              <a:srgbClr val="00B050"/>
+            </a:solidFill>
+            <a:ln>
               <a:solidFill>
-                <a:srgbClr val="002060"/>
+                <a:srgbClr val="00B050"/>
               </a:solidFill>
-              <a:round/>
             </a:ln>
             <a:effectLst/>
           </c:spPr>
-          <c:marker>
-            <c:symbol val="circle"/>
-            <c:size val="5"/>
-            <c:spPr>
-              <a:solidFill>
-                <a:schemeClr val="accent1"/>
-              </a:solidFill>
-              <a:ln w="9525">
-                <a:solidFill>
-                  <a:srgbClr val="002060"/>
-                </a:solidFill>
-              </a:ln>
-              <a:effectLst/>
-            </c:spPr>
-          </c:marker>
+          <c:invertIfNegative val="0"/>
           <c:dLbls>
             <c:spPr>
               <a:noFill/>
@@ -1355,7 +1344,6 @@
                 <a:endParaRPr lang="ko-KR"/>
               </a:p>
             </c:txPr>
-            <c:dLblPos val="t"/>
             <c:showLegendKey val="0"/>
             <c:showVal val="1"/>
             <c:showCatName val="0"/>
@@ -1418,7 +1406,6 @@
               </c:numCache>
             </c:numRef>
           </c:val>
-          <c:smooth val="0"/>
           <c:extLst>
             <c:ext xmlns:c16="http://schemas.microsoft.com/office/drawing/2014/chart" uri="{C3380CC4-5D6E-409C-BE32-E72D297353CC}">
               <c16:uniqueId val="{00000000-2E9C-44ED-81FE-A16529508671}"/>
@@ -1440,29 +1427,17 @@
             </c:strRef>
           </c:tx>
           <c:spPr>
-            <a:ln w="28575" cap="rnd">
+            <a:solidFill>
+              <a:srgbClr val="00B0F0"/>
+            </a:solidFill>
+            <a:ln>
               <a:solidFill>
-                <a:srgbClr val="00B050"/>
+                <a:srgbClr val="00B0F0"/>
               </a:solidFill>
-              <a:round/>
             </a:ln>
             <a:effectLst/>
           </c:spPr>
-          <c:marker>
-            <c:symbol val="circle"/>
-            <c:size val="5"/>
-            <c:spPr>
-              <a:solidFill>
-                <a:schemeClr val="accent2"/>
-              </a:solidFill>
-              <a:ln w="9525">
-                <a:solidFill>
-                  <a:srgbClr val="00B050"/>
-                </a:solidFill>
-              </a:ln>
-              <a:effectLst/>
-            </c:spPr>
-          </c:marker>
+          <c:invertIfNegative val="0"/>
           <c:dLbls>
             <c:spPr>
               <a:noFill/>
@@ -1493,7 +1468,6 @@
                 <a:endParaRPr lang="ko-KR"/>
               </a:p>
             </c:txPr>
-            <c:dLblPos val="t"/>
             <c:showLegendKey val="0"/>
             <c:showVal val="1"/>
             <c:showCatName val="0"/>
@@ -1556,7 +1530,6 @@
               </c:numCache>
             </c:numRef>
           </c:val>
-          <c:smooth val="0"/>
           <c:extLst>
             <c:ext xmlns:c16="http://schemas.microsoft.com/office/drawing/2014/chart" uri="{C3380CC4-5D6E-409C-BE32-E72D297353CC}">
               <c16:uniqueId val="{00000001-2E9C-44ED-81FE-A16529508671}"/>
@@ -1564,7 +1537,6 @@
           </c:extLst>
         </c:ser>
         <c:dLbls>
-          <c:dLblPos val="t"/>
           <c:showLegendKey val="0"/>
           <c:showVal val="1"/>
           <c:showCatName val="0"/>
@@ -1572,11 +1544,10 @@
           <c:showPercent val="0"/>
           <c:showBubbleSize val="0"/>
         </c:dLbls>
-        <c:marker val="1"/>
-        <c:smooth val="0"/>
+        <c:gapWidth val="150"/>
         <c:axId val="2066486816"/>
         <c:axId val="2066464352"/>
-      </c:lineChart>
+      </c:barChart>
       <c:catAx>
         <c:axId val="2066486816"/>
         <c:scaling>
@@ -1830,8 +1801,9 @@
     <c:autoTitleDeleted val="0"/>
     <c:plotArea>
       <c:layout/>
-      <c:lineChart>
-        <c:grouping val="standard"/>
+      <c:barChart>
+        <c:barDir val="col"/>
+        <c:grouping val="clustered"/>
         <c:varyColors val="0"/>
         <c:ser>
           <c:idx val="0"/>
@@ -1848,29 +1820,17 @@
             </c:strRef>
           </c:tx>
           <c:spPr>
-            <a:ln w="28575" cap="rnd">
+            <a:solidFill>
+              <a:srgbClr val="00B050"/>
+            </a:solidFill>
+            <a:ln>
               <a:solidFill>
-                <a:srgbClr val="002060"/>
+                <a:srgbClr val="00B050"/>
               </a:solidFill>
-              <a:round/>
             </a:ln>
             <a:effectLst/>
           </c:spPr>
-          <c:marker>
-            <c:symbol val="circle"/>
-            <c:size val="5"/>
-            <c:spPr>
-              <a:solidFill>
-                <a:schemeClr val="accent1"/>
-              </a:solidFill>
-              <a:ln w="9525">
-                <a:solidFill>
-                  <a:srgbClr val="002060"/>
-                </a:solidFill>
-              </a:ln>
-              <a:effectLst/>
-            </c:spPr>
-          </c:marker>
+          <c:invertIfNegative val="0"/>
           <c:dLbls>
             <c:spPr>
               <a:noFill/>
@@ -1901,7 +1861,6 @@
                 <a:endParaRPr lang="ko-KR"/>
               </a:p>
             </c:txPr>
-            <c:dLblPos val="t"/>
             <c:showLegendKey val="0"/>
             <c:showVal val="1"/>
             <c:showCatName val="0"/>
@@ -1964,7 +1923,6 @@
               </c:numCache>
             </c:numRef>
           </c:val>
-          <c:smooth val="0"/>
           <c:extLst>
             <c:ext xmlns:c16="http://schemas.microsoft.com/office/drawing/2014/chart" uri="{C3380CC4-5D6E-409C-BE32-E72D297353CC}">
               <c16:uniqueId val="{00000000-3776-4761-8F53-B977A0627E3D}"/>
@@ -1986,29 +1944,17 @@
             </c:strRef>
           </c:tx>
           <c:spPr>
-            <a:ln w="28575" cap="rnd">
+            <a:solidFill>
+              <a:srgbClr val="00B0F0"/>
+            </a:solidFill>
+            <a:ln>
               <a:solidFill>
-                <a:srgbClr val="00B050"/>
+                <a:srgbClr val="00B0F0"/>
               </a:solidFill>
-              <a:round/>
             </a:ln>
             <a:effectLst/>
           </c:spPr>
-          <c:marker>
-            <c:symbol val="circle"/>
-            <c:size val="5"/>
-            <c:spPr>
-              <a:solidFill>
-                <a:schemeClr val="accent2"/>
-              </a:solidFill>
-              <a:ln w="9525">
-                <a:solidFill>
-                  <a:srgbClr val="00B050"/>
-                </a:solidFill>
-              </a:ln>
-              <a:effectLst/>
-            </c:spPr>
-          </c:marker>
+          <c:invertIfNegative val="0"/>
           <c:dLbls>
             <c:spPr>
               <a:noFill/>
@@ -2039,7 +1985,6 @@
                 <a:endParaRPr lang="ko-KR"/>
               </a:p>
             </c:txPr>
-            <c:dLblPos val="t"/>
             <c:showLegendKey val="0"/>
             <c:showVal val="1"/>
             <c:showCatName val="0"/>
@@ -2102,7 +2047,6 @@
               </c:numCache>
             </c:numRef>
           </c:val>
-          <c:smooth val="0"/>
           <c:extLst>
             <c:ext xmlns:c16="http://schemas.microsoft.com/office/drawing/2014/chart" uri="{C3380CC4-5D6E-409C-BE32-E72D297353CC}">
               <c16:uniqueId val="{00000001-3776-4761-8F53-B977A0627E3D}"/>
@@ -2110,7 +2054,6 @@
           </c:extLst>
         </c:ser>
         <c:dLbls>
-          <c:dLblPos val="t"/>
           <c:showLegendKey val="0"/>
           <c:showVal val="1"/>
           <c:showCatName val="0"/>
@@ -2118,11 +2061,10 @@
           <c:showPercent val="0"/>
           <c:showBubbleSize val="0"/>
         </c:dLbls>
-        <c:marker val="1"/>
-        <c:smooth val="0"/>
+        <c:gapWidth val="150"/>
         <c:axId val="1945513280"/>
         <c:axId val="1945514944"/>
-      </c:lineChart>
+      </c:barChart>
       <c:catAx>
         <c:axId val="1945513280"/>
         <c:scaling>
@@ -27846,7 +27788,7 @@
             <p:ph idx="1"/>
             <p:extLst>
               <p:ext uri="{D42A27DB-BD31-4B8C-83A1-F6EECF244321}">
-                <p14:modId xmlns:p14="http://schemas.microsoft.com/office/powerpoint/2010/main" val="244323146"/>
+                <p14:modId xmlns:p14="http://schemas.microsoft.com/office/powerpoint/2010/main" val="2857539954"/>
               </p:ext>
             </p:extLst>
           </p:nvPr>
@@ -28058,7 +28000,7 @@
             <p:ph idx="1"/>
             <p:extLst>
               <p:ext uri="{D42A27DB-BD31-4B8C-83A1-F6EECF244321}">
-                <p14:modId xmlns:p14="http://schemas.microsoft.com/office/powerpoint/2010/main" val="1324373698"/>
+                <p14:modId xmlns:p14="http://schemas.microsoft.com/office/powerpoint/2010/main" val="3542522450"/>
               </p:ext>
             </p:extLst>
           </p:nvPr>

--- a/2022.02.18/권철현,신재하.pptx
+++ b/2022.02.18/권철현,신재하.pptx
@@ -5,7 +5,7 @@
     <p:sldMasterId id="2147483648" r:id="rId1"/>
   </p:sldMasterIdLst>
   <p:notesMasterIdLst>
-    <p:notesMasterId r:id="rId51"/>
+    <p:notesMasterId r:id="rId67"/>
   </p:notesMasterIdLst>
   <p:sldIdLst>
     <p:sldId id="259" r:id="rId2"/>
@@ -54,9 +54,25 @@
     <p:sldId id="330" r:id="rId45"/>
     <p:sldId id="341" r:id="rId46"/>
     <p:sldId id="342" r:id="rId47"/>
-    <p:sldId id="343" r:id="rId48"/>
-    <p:sldId id="344" r:id="rId49"/>
-    <p:sldId id="273" r:id="rId50"/>
+    <p:sldId id="344" r:id="rId48"/>
+    <p:sldId id="345" r:id="rId49"/>
+    <p:sldId id="347" r:id="rId50"/>
+    <p:sldId id="348" r:id="rId51"/>
+    <p:sldId id="349" r:id="rId52"/>
+    <p:sldId id="350" r:id="rId53"/>
+    <p:sldId id="351" r:id="rId54"/>
+    <p:sldId id="352" r:id="rId55"/>
+    <p:sldId id="353" r:id="rId56"/>
+    <p:sldId id="354" r:id="rId57"/>
+    <p:sldId id="355" r:id="rId58"/>
+    <p:sldId id="356" r:id="rId59"/>
+    <p:sldId id="357" r:id="rId60"/>
+    <p:sldId id="358" r:id="rId61"/>
+    <p:sldId id="359" r:id="rId62"/>
+    <p:sldId id="360" r:id="rId63"/>
+    <p:sldId id="361" r:id="rId64"/>
+    <p:sldId id="362" r:id="rId65"/>
+    <p:sldId id="273" r:id="rId66"/>
   </p:sldIdLst>
   <p:sldSz cx="12192000" cy="6858000"/>
   <p:notesSz cx="6858000" cy="9144000"/>
@@ -1925,7 +1941,7 @@
           </c:val>
           <c:extLst>
             <c:ext xmlns:c16="http://schemas.microsoft.com/office/drawing/2014/chart" uri="{C3380CC4-5D6E-409C-BE32-E72D297353CC}">
-              <c16:uniqueId val="{00000000-3776-4761-8F53-B977A0627E3D}"/>
+              <c16:uniqueId val="{00000000-1334-4397-AC76-75E824E11B62}"/>
             </c:ext>
           </c:extLst>
         </c:ser>
@@ -2049,7 +2065,7 @@
           </c:val>
           <c:extLst>
             <c:ext xmlns:c16="http://schemas.microsoft.com/office/drawing/2014/chart" uri="{C3380CC4-5D6E-409C-BE32-E72D297353CC}">
-              <c16:uniqueId val="{00000001-3776-4761-8F53-B977A0627E3D}"/>
+              <c16:uniqueId val="{00000001-1334-4397-AC76-75E824E11B62}"/>
             </c:ext>
           </c:extLst>
         </c:ser>
@@ -3413,7 +3429,7 @@
           <a:p>
             <a:fld id="{AA029DEA-9CF8-4959-9295-B32940863C1C}" type="datetimeFigureOut">
               <a:rPr lang="ko-KR" altLang="en-US" smtClean="0"/>
-              <a:t>2022-02-16</a:t>
+              <a:t>2022-02-17</a:t>
             </a:fld>
             <a:endParaRPr lang="ko-KR" altLang="en-US"/>
           </a:p>
@@ -3745,7 +3761,7 @@
           <a:p>
             <a:fld id="{87F9F377-0814-42D2-AAC0-CB43F8F02991}" type="slidenum">
               <a:rPr lang="ko-KR" altLang="en-US" smtClean="0"/>
-              <a:t>5</a:t>
+              <a:t>2</a:t>
             </a:fld>
             <a:endParaRPr lang="ko-KR" altLang="en-US"/>
           </a:p>
@@ -3754,7 +3770,427 @@
     </p:spTree>
     <p:extLst>
       <p:ext uri="{BB962C8B-B14F-4D97-AF65-F5344CB8AC3E}">
-        <p14:creationId xmlns:p14="http://schemas.microsoft.com/office/powerpoint/2010/main" val="1419176582"/>
+        <p14:creationId xmlns:p14="http://schemas.microsoft.com/office/powerpoint/2010/main" val="1251833170"/>
+      </p:ext>
+    </p:extLst>
+  </p:cSld>
+  <p:clrMapOvr>
+    <a:masterClrMapping/>
+  </p:clrMapOvr>
+</p:notes>
+</file>
+
+<file path=ppt/notesSlides/notesSlide10.xml><?xml version="1.0" encoding="utf-8"?>
+<p:notes xmlns:a="http://schemas.openxmlformats.org/drawingml/2006/main" xmlns:r="http://schemas.openxmlformats.org/officeDocument/2006/relationships" xmlns:p="http://schemas.openxmlformats.org/presentationml/2006/main">
+  <p:cSld>
+    <p:spTree>
+      <p:nvGrpSpPr>
+        <p:cNvPr id="1" name=""/>
+        <p:cNvGrpSpPr/>
+        <p:nvPr/>
+      </p:nvGrpSpPr>
+      <p:grpSpPr>
+        <a:xfrm>
+          <a:off x="0" y="0"/>
+          <a:ext cx="0" cy="0"/>
+          <a:chOff x="0" y="0"/>
+          <a:chExt cx="0" cy="0"/>
+        </a:xfrm>
+      </p:grpSpPr>
+      <p:sp>
+        <p:nvSpPr>
+          <p:cNvPr id="2" name="슬라이드 이미지 개체 틀 1"/>
+          <p:cNvSpPr>
+            <a:spLocks noGrp="1" noRot="1" noChangeAspect="1"/>
+          </p:cNvSpPr>
+          <p:nvPr>
+            <p:ph type="sldImg"/>
+          </p:nvPr>
+        </p:nvSpPr>
+        <p:spPr/>
+      </p:sp>
+      <p:sp>
+        <p:nvSpPr>
+          <p:cNvPr id="3" name="슬라이드 노트 개체 틀 2"/>
+          <p:cNvSpPr>
+            <a:spLocks noGrp="1"/>
+          </p:cNvSpPr>
+          <p:nvPr>
+            <p:ph type="body" idx="1"/>
+          </p:nvPr>
+        </p:nvSpPr>
+        <p:spPr/>
+        <p:txBody>
+          <a:bodyPr/>
+          <a:lstStyle/>
+          <a:p>
+            <a:endParaRPr lang="ko-KR" altLang="en-US" dirty="0"/>
+          </a:p>
+        </p:txBody>
+      </p:sp>
+      <p:sp>
+        <p:nvSpPr>
+          <p:cNvPr id="4" name="슬라이드 번호 개체 틀 3"/>
+          <p:cNvSpPr>
+            <a:spLocks noGrp="1"/>
+          </p:cNvSpPr>
+          <p:nvPr>
+            <p:ph type="sldNum" sz="quarter" idx="5"/>
+          </p:nvPr>
+        </p:nvSpPr>
+        <p:spPr/>
+        <p:txBody>
+          <a:bodyPr/>
+          <a:lstStyle/>
+          <a:p>
+            <a:fld id="{87F9F377-0814-42D2-AAC0-CB43F8F02991}" type="slidenum">
+              <a:rPr lang="ko-KR" altLang="en-US" smtClean="0"/>
+              <a:t>46</a:t>
+            </a:fld>
+            <a:endParaRPr lang="ko-KR" altLang="en-US"/>
+          </a:p>
+        </p:txBody>
+      </p:sp>
+    </p:spTree>
+    <p:extLst>
+      <p:ext uri="{BB962C8B-B14F-4D97-AF65-F5344CB8AC3E}">
+        <p14:creationId xmlns:p14="http://schemas.microsoft.com/office/powerpoint/2010/main" val="4261532080"/>
+      </p:ext>
+    </p:extLst>
+  </p:cSld>
+  <p:clrMapOvr>
+    <a:masterClrMapping/>
+  </p:clrMapOvr>
+</p:notes>
+</file>
+
+<file path=ppt/notesSlides/notesSlide11.xml><?xml version="1.0" encoding="utf-8"?>
+<p:notes xmlns:a="http://schemas.openxmlformats.org/drawingml/2006/main" xmlns:r="http://schemas.openxmlformats.org/officeDocument/2006/relationships" xmlns:p="http://schemas.openxmlformats.org/presentationml/2006/main">
+  <p:cSld>
+    <p:spTree>
+      <p:nvGrpSpPr>
+        <p:cNvPr id="1" name=""/>
+        <p:cNvGrpSpPr/>
+        <p:nvPr/>
+      </p:nvGrpSpPr>
+      <p:grpSpPr>
+        <a:xfrm>
+          <a:off x="0" y="0"/>
+          <a:ext cx="0" cy="0"/>
+          <a:chOff x="0" y="0"/>
+          <a:chExt cx="0" cy="0"/>
+        </a:xfrm>
+      </p:grpSpPr>
+      <p:sp>
+        <p:nvSpPr>
+          <p:cNvPr id="2" name="슬라이드 이미지 개체 틀 1"/>
+          <p:cNvSpPr>
+            <a:spLocks noGrp="1" noRot="1" noChangeAspect="1"/>
+          </p:cNvSpPr>
+          <p:nvPr>
+            <p:ph type="sldImg"/>
+          </p:nvPr>
+        </p:nvSpPr>
+        <p:spPr/>
+      </p:sp>
+      <p:sp>
+        <p:nvSpPr>
+          <p:cNvPr id="3" name="슬라이드 노트 개체 틀 2"/>
+          <p:cNvSpPr>
+            <a:spLocks noGrp="1"/>
+          </p:cNvSpPr>
+          <p:nvPr>
+            <p:ph type="body" idx="1"/>
+          </p:nvPr>
+        </p:nvSpPr>
+        <p:spPr/>
+        <p:txBody>
+          <a:bodyPr/>
+          <a:lstStyle/>
+          <a:p>
+            <a:endParaRPr lang="ko-KR" altLang="en-US" dirty="0"/>
+          </a:p>
+        </p:txBody>
+      </p:sp>
+      <p:sp>
+        <p:nvSpPr>
+          <p:cNvPr id="4" name="슬라이드 번호 개체 틀 3"/>
+          <p:cNvSpPr>
+            <a:spLocks noGrp="1"/>
+          </p:cNvSpPr>
+          <p:nvPr>
+            <p:ph type="sldNum" sz="quarter" idx="5"/>
+          </p:nvPr>
+        </p:nvSpPr>
+        <p:spPr/>
+        <p:txBody>
+          <a:bodyPr/>
+          <a:lstStyle/>
+          <a:p>
+            <a:fld id="{87F9F377-0814-42D2-AAC0-CB43F8F02991}" type="slidenum">
+              <a:rPr lang="ko-KR" altLang="en-US" smtClean="0"/>
+              <a:t>48</a:t>
+            </a:fld>
+            <a:endParaRPr lang="ko-KR" altLang="en-US"/>
+          </a:p>
+        </p:txBody>
+      </p:sp>
+    </p:spTree>
+    <p:extLst>
+      <p:ext uri="{BB962C8B-B14F-4D97-AF65-F5344CB8AC3E}">
+        <p14:creationId xmlns:p14="http://schemas.microsoft.com/office/powerpoint/2010/main" val="602377067"/>
+      </p:ext>
+    </p:extLst>
+  </p:cSld>
+  <p:clrMapOvr>
+    <a:masterClrMapping/>
+  </p:clrMapOvr>
+</p:notes>
+</file>
+
+<file path=ppt/notesSlides/notesSlide12.xml><?xml version="1.0" encoding="utf-8"?>
+<p:notes xmlns:a="http://schemas.openxmlformats.org/drawingml/2006/main" xmlns:r="http://schemas.openxmlformats.org/officeDocument/2006/relationships" xmlns:p="http://schemas.openxmlformats.org/presentationml/2006/main">
+  <p:cSld>
+    <p:spTree>
+      <p:nvGrpSpPr>
+        <p:cNvPr id="1" name=""/>
+        <p:cNvGrpSpPr/>
+        <p:nvPr/>
+      </p:nvGrpSpPr>
+      <p:grpSpPr>
+        <a:xfrm>
+          <a:off x="0" y="0"/>
+          <a:ext cx="0" cy="0"/>
+          <a:chOff x="0" y="0"/>
+          <a:chExt cx="0" cy="0"/>
+        </a:xfrm>
+      </p:grpSpPr>
+      <p:sp>
+        <p:nvSpPr>
+          <p:cNvPr id="2" name="슬라이드 이미지 개체 틀 1"/>
+          <p:cNvSpPr>
+            <a:spLocks noGrp="1" noRot="1" noChangeAspect="1"/>
+          </p:cNvSpPr>
+          <p:nvPr>
+            <p:ph type="sldImg"/>
+          </p:nvPr>
+        </p:nvSpPr>
+        <p:spPr/>
+      </p:sp>
+      <p:sp>
+        <p:nvSpPr>
+          <p:cNvPr id="3" name="슬라이드 노트 개체 틀 2"/>
+          <p:cNvSpPr>
+            <a:spLocks noGrp="1"/>
+          </p:cNvSpPr>
+          <p:nvPr>
+            <p:ph type="body" idx="1"/>
+          </p:nvPr>
+        </p:nvSpPr>
+        <p:spPr/>
+        <p:txBody>
+          <a:bodyPr/>
+          <a:lstStyle/>
+          <a:p>
+            <a:endParaRPr lang="ko-KR" altLang="en-US" dirty="0"/>
+          </a:p>
+        </p:txBody>
+      </p:sp>
+      <p:sp>
+        <p:nvSpPr>
+          <p:cNvPr id="4" name="슬라이드 번호 개체 틀 3"/>
+          <p:cNvSpPr>
+            <a:spLocks noGrp="1"/>
+          </p:cNvSpPr>
+          <p:nvPr>
+            <p:ph type="sldNum" sz="quarter" idx="5"/>
+          </p:nvPr>
+        </p:nvSpPr>
+        <p:spPr/>
+        <p:txBody>
+          <a:bodyPr/>
+          <a:lstStyle/>
+          <a:p>
+            <a:fld id="{87F9F377-0814-42D2-AAC0-CB43F8F02991}" type="slidenum">
+              <a:rPr lang="ko-KR" altLang="en-US" smtClean="0"/>
+              <a:t>51</a:t>
+            </a:fld>
+            <a:endParaRPr lang="ko-KR" altLang="en-US"/>
+          </a:p>
+        </p:txBody>
+      </p:sp>
+    </p:spTree>
+    <p:extLst>
+      <p:ext uri="{BB962C8B-B14F-4D97-AF65-F5344CB8AC3E}">
+        <p14:creationId xmlns:p14="http://schemas.microsoft.com/office/powerpoint/2010/main" val="3251548113"/>
+      </p:ext>
+    </p:extLst>
+  </p:cSld>
+  <p:clrMapOvr>
+    <a:masterClrMapping/>
+  </p:clrMapOvr>
+</p:notes>
+</file>
+
+<file path=ppt/notesSlides/notesSlide13.xml><?xml version="1.0" encoding="utf-8"?>
+<p:notes xmlns:a="http://schemas.openxmlformats.org/drawingml/2006/main" xmlns:r="http://schemas.openxmlformats.org/officeDocument/2006/relationships" xmlns:p="http://schemas.openxmlformats.org/presentationml/2006/main">
+  <p:cSld>
+    <p:spTree>
+      <p:nvGrpSpPr>
+        <p:cNvPr id="1" name=""/>
+        <p:cNvGrpSpPr/>
+        <p:nvPr/>
+      </p:nvGrpSpPr>
+      <p:grpSpPr>
+        <a:xfrm>
+          <a:off x="0" y="0"/>
+          <a:ext cx="0" cy="0"/>
+          <a:chOff x="0" y="0"/>
+          <a:chExt cx="0" cy="0"/>
+        </a:xfrm>
+      </p:grpSpPr>
+      <p:sp>
+        <p:nvSpPr>
+          <p:cNvPr id="2" name="슬라이드 이미지 개체 틀 1"/>
+          <p:cNvSpPr>
+            <a:spLocks noGrp="1" noRot="1" noChangeAspect="1"/>
+          </p:cNvSpPr>
+          <p:nvPr>
+            <p:ph type="sldImg"/>
+          </p:nvPr>
+        </p:nvSpPr>
+        <p:spPr/>
+      </p:sp>
+      <p:sp>
+        <p:nvSpPr>
+          <p:cNvPr id="3" name="슬라이드 노트 개체 틀 2"/>
+          <p:cNvSpPr>
+            <a:spLocks noGrp="1"/>
+          </p:cNvSpPr>
+          <p:nvPr>
+            <p:ph type="body" idx="1"/>
+          </p:nvPr>
+        </p:nvSpPr>
+        <p:spPr/>
+        <p:txBody>
+          <a:bodyPr/>
+          <a:lstStyle/>
+          <a:p>
+            <a:endParaRPr lang="ko-KR" altLang="en-US" dirty="0"/>
+          </a:p>
+        </p:txBody>
+      </p:sp>
+      <p:sp>
+        <p:nvSpPr>
+          <p:cNvPr id="4" name="슬라이드 번호 개체 틀 3"/>
+          <p:cNvSpPr>
+            <a:spLocks noGrp="1"/>
+          </p:cNvSpPr>
+          <p:nvPr>
+            <p:ph type="sldNum" sz="quarter" idx="5"/>
+          </p:nvPr>
+        </p:nvSpPr>
+        <p:spPr/>
+        <p:txBody>
+          <a:bodyPr/>
+          <a:lstStyle/>
+          <a:p>
+            <a:fld id="{87F9F377-0814-42D2-AAC0-CB43F8F02991}" type="slidenum">
+              <a:rPr lang="ko-KR" altLang="en-US" smtClean="0"/>
+              <a:t>57</a:t>
+            </a:fld>
+            <a:endParaRPr lang="ko-KR" altLang="en-US"/>
+          </a:p>
+        </p:txBody>
+      </p:sp>
+    </p:spTree>
+    <p:extLst>
+      <p:ext uri="{BB962C8B-B14F-4D97-AF65-F5344CB8AC3E}">
+        <p14:creationId xmlns:p14="http://schemas.microsoft.com/office/powerpoint/2010/main" val="150369499"/>
+      </p:ext>
+    </p:extLst>
+  </p:cSld>
+  <p:clrMapOvr>
+    <a:masterClrMapping/>
+  </p:clrMapOvr>
+</p:notes>
+</file>
+
+<file path=ppt/notesSlides/notesSlide14.xml><?xml version="1.0" encoding="utf-8"?>
+<p:notes xmlns:a="http://schemas.openxmlformats.org/drawingml/2006/main" xmlns:r="http://schemas.openxmlformats.org/officeDocument/2006/relationships" xmlns:p="http://schemas.openxmlformats.org/presentationml/2006/main">
+  <p:cSld>
+    <p:spTree>
+      <p:nvGrpSpPr>
+        <p:cNvPr id="1" name=""/>
+        <p:cNvGrpSpPr/>
+        <p:nvPr/>
+      </p:nvGrpSpPr>
+      <p:grpSpPr>
+        <a:xfrm>
+          <a:off x="0" y="0"/>
+          <a:ext cx="0" cy="0"/>
+          <a:chOff x="0" y="0"/>
+          <a:chExt cx="0" cy="0"/>
+        </a:xfrm>
+      </p:grpSpPr>
+      <p:sp>
+        <p:nvSpPr>
+          <p:cNvPr id="2" name="슬라이드 이미지 개체 틀 1"/>
+          <p:cNvSpPr>
+            <a:spLocks noGrp="1" noRot="1" noChangeAspect="1"/>
+          </p:cNvSpPr>
+          <p:nvPr>
+            <p:ph type="sldImg"/>
+          </p:nvPr>
+        </p:nvSpPr>
+        <p:spPr/>
+      </p:sp>
+      <p:sp>
+        <p:nvSpPr>
+          <p:cNvPr id="3" name="슬라이드 노트 개체 틀 2"/>
+          <p:cNvSpPr>
+            <a:spLocks noGrp="1"/>
+          </p:cNvSpPr>
+          <p:nvPr>
+            <p:ph type="body" idx="1"/>
+          </p:nvPr>
+        </p:nvSpPr>
+        <p:spPr/>
+        <p:txBody>
+          <a:bodyPr/>
+          <a:lstStyle/>
+          <a:p>
+            <a:endParaRPr lang="ko-KR" altLang="en-US" dirty="0"/>
+          </a:p>
+        </p:txBody>
+      </p:sp>
+      <p:sp>
+        <p:nvSpPr>
+          <p:cNvPr id="4" name="슬라이드 번호 개체 틀 3"/>
+          <p:cNvSpPr>
+            <a:spLocks noGrp="1"/>
+          </p:cNvSpPr>
+          <p:nvPr>
+            <p:ph type="sldNum" sz="quarter" idx="5"/>
+          </p:nvPr>
+        </p:nvSpPr>
+        <p:spPr/>
+        <p:txBody>
+          <a:bodyPr/>
+          <a:lstStyle/>
+          <a:p>
+            <a:fld id="{87F9F377-0814-42D2-AAC0-CB43F8F02991}" type="slidenum">
+              <a:rPr lang="ko-KR" altLang="en-US" smtClean="0"/>
+              <a:t>64</a:t>
+            </a:fld>
+            <a:endParaRPr lang="ko-KR" altLang="en-US"/>
+          </a:p>
+        </p:txBody>
+      </p:sp>
+    </p:spTree>
+    <p:extLst>
+      <p:ext uri="{BB962C8B-B14F-4D97-AF65-F5344CB8AC3E}">
+        <p14:creationId xmlns:p14="http://schemas.microsoft.com/office/powerpoint/2010/main" val="3155502731"/>
       </p:ext>
     </p:extLst>
   </p:cSld>
@@ -3829,7 +4265,7 @@
           <a:p>
             <a:fld id="{87F9F377-0814-42D2-AAC0-CB43F8F02991}" type="slidenum">
               <a:rPr lang="ko-KR" altLang="en-US" smtClean="0"/>
-              <a:t>9</a:t>
+              <a:t>5</a:t>
             </a:fld>
             <a:endParaRPr lang="ko-KR" altLang="en-US"/>
           </a:p>
@@ -3838,7 +4274,7 @@
     </p:spTree>
     <p:extLst>
       <p:ext uri="{BB962C8B-B14F-4D97-AF65-F5344CB8AC3E}">
-        <p14:creationId xmlns:p14="http://schemas.microsoft.com/office/powerpoint/2010/main" val="3115091829"/>
+        <p14:creationId xmlns:p14="http://schemas.microsoft.com/office/powerpoint/2010/main" val="1419176582"/>
       </p:ext>
     </p:extLst>
   </p:cSld>
@@ -3913,7 +4349,7 @@
           <a:p>
             <a:fld id="{87F9F377-0814-42D2-AAC0-CB43F8F02991}" type="slidenum">
               <a:rPr lang="ko-KR" altLang="en-US" smtClean="0"/>
-              <a:t>12</a:t>
+              <a:t>9</a:t>
             </a:fld>
             <a:endParaRPr lang="ko-KR" altLang="en-US"/>
           </a:p>
@@ -3922,7 +4358,7 @@
     </p:spTree>
     <p:extLst>
       <p:ext uri="{BB962C8B-B14F-4D97-AF65-F5344CB8AC3E}">
-        <p14:creationId xmlns:p14="http://schemas.microsoft.com/office/powerpoint/2010/main" val="2478535465"/>
+        <p14:creationId xmlns:p14="http://schemas.microsoft.com/office/powerpoint/2010/main" val="3115091829"/>
       </p:ext>
     </p:extLst>
   </p:cSld>
@@ -3997,7 +4433,7 @@
           <a:p>
             <a:fld id="{87F9F377-0814-42D2-AAC0-CB43F8F02991}" type="slidenum">
               <a:rPr lang="ko-KR" altLang="en-US" smtClean="0"/>
-              <a:t>13</a:t>
+              <a:t>12</a:t>
             </a:fld>
             <a:endParaRPr lang="ko-KR" altLang="en-US"/>
           </a:p>
@@ -4006,7 +4442,7 @@
     </p:spTree>
     <p:extLst>
       <p:ext uri="{BB962C8B-B14F-4D97-AF65-F5344CB8AC3E}">
-        <p14:creationId xmlns:p14="http://schemas.microsoft.com/office/powerpoint/2010/main" val="4142278960"/>
+        <p14:creationId xmlns:p14="http://schemas.microsoft.com/office/powerpoint/2010/main" val="2478535465"/>
       </p:ext>
     </p:extLst>
   </p:cSld>
@@ -4081,7 +4517,7 @@
           <a:p>
             <a:fld id="{87F9F377-0814-42D2-AAC0-CB43F8F02991}" type="slidenum">
               <a:rPr lang="ko-KR" altLang="en-US" smtClean="0"/>
-              <a:t>17</a:t>
+              <a:t>13</a:t>
             </a:fld>
             <a:endParaRPr lang="ko-KR" altLang="en-US"/>
           </a:p>
@@ -4090,7 +4526,7 @@
     </p:spTree>
     <p:extLst>
       <p:ext uri="{BB962C8B-B14F-4D97-AF65-F5344CB8AC3E}">
-        <p14:creationId xmlns:p14="http://schemas.microsoft.com/office/powerpoint/2010/main" val="1854800752"/>
+        <p14:creationId xmlns:p14="http://schemas.microsoft.com/office/powerpoint/2010/main" val="4142278960"/>
       </p:ext>
     </p:extLst>
   </p:cSld>
@@ -4165,7 +4601,7 @@
           <a:p>
             <a:fld id="{87F9F377-0814-42D2-AAC0-CB43F8F02991}" type="slidenum">
               <a:rPr lang="ko-KR" altLang="en-US" smtClean="0"/>
-              <a:t>19</a:t>
+              <a:t>17</a:t>
             </a:fld>
             <a:endParaRPr lang="ko-KR" altLang="en-US"/>
           </a:p>
@@ -4174,7 +4610,7 @@
     </p:spTree>
     <p:extLst>
       <p:ext uri="{BB962C8B-B14F-4D97-AF65-F5344CB8AC3E}">
-        <p14:creationId xmlns:p14="http://schemas.microsoft.com/office/powerpoint/2010/main" val="306212975"/>
+        <p14:creationId xmlns:p14="http://schemas.microsoft.com/office/powerpoint/2010/main" val="1854800752"/>
       </p:ext>
     </p:extLst>
   </p:cSld>
@@ -4249,7 +4685,7 @@
           <a:p>
             <a:fld id="{87F9F377-0814-42D2-AAC0-CB43F8F02991}" type="slidenum">
               <a:rPr lang="ko-KR" altLang="en-US" smtClean="0"/>
-              <a:t>36</a:t>
+              <a:t>19</a:t>
             </a:fld>
             <a:endParaRPr lang="ko-KR" altLang="en-US"/>
           </a:p>
@@ -4258,7 +4694,7 @@
     </p:spTree>
     <p:extLst>
       <p:ext uri="{BB962C8B-B14F-4D97-AF65-F5344CB8AC3E}">
-        <p14:creationId xmlns:p14="http://schemas.microsoft.com/office/powerpoint/2010/main" val="3596237394"/>
+        <p14:creationId xmlns:p14="http://schemas.microsoft.com/office/powerpoint/2010/main" val="306212975"/>
       </p:ext>
     </p:extLst>
   </p:cSld>
@@ -4333,7 +4769,7 @@
           <a:p>
             <a:fld id="{87F9F377-0814-42D2-AAC0-CB43F8F02991}" type="slidenum">
               <a:rPr lang="ko-KR" altLang="en-US" smtClean="0"/>
-              <a:t>45</a:t>
+              <a:t>36</a:t>
             </a:fld>
             <a:endParaRPr lang="ko-KR" altLang="en-US"/>
           </a:p>
@@ -4342,7 +4778,7 @@
     </p:spTree>
     <p:extLst>
       <p:ext uri="{BB962C8B-B14F-4D97-AF65-F5344CB8AC3E}">
-        <p14:creationId xmlns:p14="http://schemas.microsoft.com/office/powerpoint/2010/main" val="766560565"/>
+        <p14:creationId xmlns:p14="http://schemas.microsoft.com/office/powerpoint/2010/main" val="3596237394"/>
       </p:ext>
     </p:extLst>
   </p:cSld>
@@ -4417,7 +4853,7 @@
           <a:p>
             <a:fld id="{87F9F377-0814-42D2-AAC0-CB43F8F02991}" type="slidenum">
               <a:rPr lang="ko-KR" altLang="en-US" smtClean="0"/>
-              <a:t>46</a:t>
+              <a:t>45</a:t>
             </a:fld>
             <a:endParaRPr lang="ko-KR" altLang="en-US"/>
           </a:p>
@@ -4426,7 +4862,7 @@
     </p:spTree>
     <p:extLst>
       <p:ext uri="{BB962C8B-B14F-4D97-AF65-F5344CB8AC3E}">
-        <p14:creationId xmlns:p14="http://schemas.microsoft.com/office/powerpoint/2010/main" val="4261532080"/>
+        <p14:creationId xmlns:p14="http://schemas.microsoft.com/office/powerpoint/2010/main" val="766560565"/>
       </p:ext>
     </p:extLst>
   </p:cSld>
@@ -13701,7 +14137,9 @@
         </p:nvSpPr>
         <p:spPr/>
         <p:txBody>
-          <a:bodyPr/>
+          <a:bodyPr>
+            <a:normAutofit lnSpcReduction="10000"/>
+          </a:bodyPr>
           <a:lstStyle/>
           <a:p>
             <a:r>
@@ -13919,6 +14357,18 @@
                 </a:schemeClr>
               </a:solidFill>
             </a:endParaRPr>
+          </a:p>
+          <a:p>
+            <a:r>
+              <a:rPr lang="en-US" altLang="ko-KR" dirty="0">
+                <a:solidFill>
+                  <a:schemeClr val="bg1">
+                    <a:lumMod val="65000"/>
+                  </a:schemeClr>
+                </a:solidFill>
+              </a:rPr>
+              <a:t>Android Rooting</a:t>
+            </a:r>
           </a:p>
           <a:p>
             <a:r>
@@ -26868,17 +27318,6 @@
             </a:pPr>
             <a:endParaRPr lang="en-US" altLang="ko-KR" dirty="0"/>
           </a:p>
-          <a:p>
-            <a:r>
-              <a:rPr lang="en-US" altLang="ko-KR" dirty="0" err="1"/>
-              <a:t>tmpfs</a:t>
-            </a:r>
-            <a:r>
-              <a:rPr lang="ko-KR" altLang="en-US" dirty="0"/>
-              <a:t>가 상당히 빠름을 확인</a:t>
-            </a:r>
-            <a:endParaRPr lang="en-US" altLang="ko-KR" dirty="0"/>
-          </a:p>
         </p:txBody>
       </p:sp>
       <p:sp>
@@ -27618,86 +28057,6 @@
           </a:graphicData>
         </a:graphic>
       </p:graphicFrame>
-      <p:sp>
-        <p:nvSpPr>
-          <p:cNvPr id="9" name="TextBox 8">
-            <a:extLst>
-              <a:ext uri="{FF2B5EF4-FFF2-40B4-BE49-F238E27FC236}">
-                <a16:creationId xmlns:a16="http://schemas.microsoft.com/office/drawing/2014/main" id="{8767DA5C-C4A2-4C98-BACC-7A0FD2009832}"/>
-              </a:ext>
-            </a:extLst>
-          </p:cNvPr>
-          <p:cNvSpPr txBox="1"/>
-          <p:nvPr/>
-        </p:nvSpPr>
-        <p:spPr>
-          <a:xfrm>
-            <a:off x="5609492" y="1428004"/>
-            <a:ext cx="973015" cy="230832"/>
-          </a:xfrm>
-          <a:prstGeom prst="rect">
-            <a:avLst/>
-          </a:prstGeom>
-          <a:noFill/>
-        </p:spPr>
-        <p:txBody>
-          <a:bodyPr wrap="square" rtlCol="0">
-            <a:spAutoFit/>
-          </a:bodyPr>
-          <a:lstStyle/>
-          <a:p>
-            <a:r>
-              <a:rPr lang="ko-KR" altLang="en-US" sz="900" dirty="0"/>
-              <a:t>단위</a:t>
-            </a:r>
-            <a:r>
-              <a:rPr lang="en-US" altLang="ko-KR" sz="900" dirty="0"/>
-              <a:t>: IOPS</a:t>
-            </a:r>
-            <a:endParaRPr lang="ko-KR" altLang="en-US" sz="900" dirty="0"/>
-          </a:p>
-        </p:txBody>
-      </p:sp>
-      <p:sp>
-        <p:nvSpPr>
-          <p:cNvPr id="10" name="TextBox 9">
-            <a:extLst>
-              <a:ext uri="{FF2B5EF4-FFF2-40B4-BE49-F238E27FC236}">
-                <a16:creationId xmlns:a16="http://schemas.microsoft.com/office/drawing/2014/main" id="{FA63608E-3CF7-4204-A24D-61D77B128938}"/>
-              </a:ext>
-            </a:extLst>
-          </p:cNvPr>
-          <p:cNvSpPr txBox="1"/>
-          <p:nvPr/>
-        </p:nvSpPr>
-        <p:spPr>
-          <a:xfrm>
-            <a:off x="5609491" y="3840799"/>
-            <a:ext cx="973015" cy="230832"/>
-          </a:xfrm>
-          <a:prstGeom prst="rect">
-            <a:avLst/>
-          </a:prstGeom>
-          <a:noFill/>
-        </p:spPr>
-        <p:txBody>
-          <a:bodyPr wrap="square" rtlCol="0">
-            <a:spAutoFit/>
-          </a:bodyPr>
-          <a:lstStyle/>
-          <a:p>
-            <a:r>
-              <a:rPr lang="ko-KR" altLang="en-US" sz="900" dirty="0"/>
-              <a:t>단위</a:t>
-            </a:r>
-            <a:r>
-              <a:rPr lang="en-US" altLang="ko-KR" sz="900" dirty="0"/>
-              <a:t>: IOPS</a:t>
-            </a:r>
-            <a:endParaRPr lang="ko-KR" altLang="en-US" sz="900" dirty="0"/>
-          </a:p>
-        </p:txBody>
-      </p:sp>
     </p:spTree>
     <p:extLst>
       <p:ext uri="{BB962C8B-B14F-4D97-AF65-F5344CB8AC3E}">
@@ -27788,14 +28147,14 @@
             <p:ph idx="1"/>
             <p:extLst>
               <p:ext uri="{D42A27DB-BD31-4B8C-83A1-F6EECF244321}">
-                <p14:modId xmlns:p14="http://schemas.microsoft.com/office/powerpoint/2010/main" val="2857539954"/>
+                <p14:modId xmlns:p14="http://schemas.microsoft.com/office/powerpoint/2010/main" val="497329595"/>
               </p:ext>
             </p:extLst>
           </p:nvPr>
         </p:nvGraphicFramePr>
         <p:xfrm>
-          <a:off x="215900" y="1476375"/>
-          <a:ext cx="11787188" cy="4857750"/>
+          <a:off x="188425" y="2478917"/>
+          <a:ext cx="5400000" cy="2880000"/>
         </p:xfrm>
         <a:graphic>
           <a:graphicData uri="http://schemas.openxmlformats.org/drawingml/2006/chart">
@@ -27884,7 +28243,7 @@
         </p:nvSpPr>
         <p:spPr>
           <a:xfrm>
-            <a:off x="0" y="1732804"/>
+            <a:off x="102637" y="2833816"/>
             <a:ext cx="973015" cy="230832"/>
           </a:xfrm>
           <a:prstGeom prst="rect">
@@ -27906,6 +28265,79 @@
               <a:rPr lang="en-US" altLang="ko-KR" sz="900" dirty="0"/>
               <a:t>: IOPS</a:t>
             </a:r>
+            <a:endParaRPr lang="ko-KR" altLang="en-US" sz="900" dirty="0"/>
+          </a:p>
+        </p:txBody>
+      </p:sp>
+      <p:graphicFrame>
+        <p:nvGraphicFramePr>
+          <p:cNvPr id="7" name="내용 개체 틀 7">
+            <a:extLst>
+              <a:ext uri="{FF2B5EF4-FFF2-40B4-BE49-F238E27FC236}">
+                <a16:creationId xmlns:a16="http://schemas.microsoft.com/office/drawing/2014/main" id="{75F16C77-A87B-46BE-B04F-167B4620DD82}"/>
+              </a:ext>
+            </a:extLst>
+          </p:cNvPr>
+          <p:cNvGraphicFramePr>
+            <a:graphicFrameLocks/>
+          </p:cNvGraphicFramePr>
+          <p:nvPr>
+            <p:extLst>
+              <p:ext uri="{D42A27DB-BD31-4B8C-83A1-F6EECF244321}">
+                <p14:modId xmlns:p14="http://schemas.microsoft.com/office/powerpoint/2010/main" val="2994620914"/>
+              </p:ext>
+            </p:extLst>
+          </p:nvPr>
+        </p:nvGraphicFramePr>
+        <p:xfrm>
+          <a:off x="6603576" y="2478917"/>
+          <a:ext cx="5400000" cy="2880000"/>
+        </p:xfrm>
+        <a:graphic>
+          <a:graphicData uri="http://schemas.openxmlformats.org/drawingml/2006/chart">
+            <c:chart xmlns:c="http://schemas.openxmlformats.org/drawingml/2006/chart" xmlns:r="http://schemas.openxmlformats.org/officeDocument/2006/relationships" r:id="rId4"/>
+          </a:graphicData>
+        </a:graphic>
+      </p:graphicFrame>
+      <p:sp>
+        <p:nvSpPr>
+          <p:cNvPr id="10" name="TextBox 9">
+            <a:extLst>
+              <a:ext uri="{FF2B5EF4-FFF2-40B4-BE49-F238E27FC236}">
+                <a16:creationId xmlns:a16="http://schemas.microsoft.com/office/drawing/2014/main" id="{FF9C460E-8437-4AB4-A78D-EA83C58DA512}"/>
+              </a:ext>
+            </a:extLst>
+          </p:cNvPr>
+          <p:cNvSpPr txBox="1"/>
+          <p:nvPr/>
+        </p:nvSpPr>
+        <p:spPr>
+          <a:xfrm>
+            <a:off x="6603576" y="2833816"/>
+            <a:ext cx="973015" cy="369332"/>
+          </a:xfrm>
+          <a:prstGeom prst="rect">
+            <a:avLst/>
+          </a:prstGeom>
+          <a:noFill/>
+        </p:spPr>
+        <p:txBody>
+          <a:bodyPr wrap="square" rtlCol="0">
+            <a:spAutoFit/>
+          </a:bodyPr>
+          <a:lstStyle/>
+          <a:p>
+            <a:r>
+              <a:rPr lang="ko-KR" altLang="en-US" sz="900" dirty="0"/>
+              <a:t>단위</a:t>
+            </a:r>
+            <a:r>
+              <a:rPr lang="en-US" altLang="ko-KR" sz="900" dirty="0"/>
+              <a:t>: IOPS</a:t>
+            </a:r>
+            <a:endParaRPr lang="ko-KR" altLang="en-US" sz="900" dirty="0"/>
+          </a:p>
+          <a:p>
             <a:endParaRPr lang="ko-KR" altLang="en-US" sz="900" dirty="0"/>
           </a:p>
         </p:txBody>
@@ -27945,7 +28377,7 @@
           <p:cNvPr id="2" name="제목 1">
             <a:extLst>
               <a:ext uri="{FF2B5EF4-FFF2-40B4-BE49-F238E27FC236}">
-                <a16:creationId xmlns:a16="http://schemas.microsoft.com/office/drawing/2014/main" id="{23F2B814-F620-4FBE-8762-1293C0BFD224}"/>
+                <a16:creationId xmlns:a16="http://schemas.microsoft.com/office/drawing/2014/main" id="{6570D043-66C1-433B-801E-1450BFA423E3}"/>
               </a:ext>
             </a:extLst>
           </p:cNvPr>
@@ -27962,65 +28394,57 @@
           <a:lstStyle/>
           <a:p>
             <a:r>
-              <a:rPr lang="en-US" altLang="ko-KR" dirty="0" err="1"/>
-              <a:t>tmpfs</a:t>
-            </a:r>
-            <a:r>
               <a:rPr lang="en-US" altLang="ko-KR" dirty="0"/>
-              <a:t> </a:t>
-            </a:r>
-            <a:r>
-              <a:rPr lang="ko-KR" altLang="en-US" dirty="0"/>
-              <a:t>성능 실험 결과 그래프 </a:t>
-            </a:r>
-            <a:r>
-              <a:rPr lang="en-US" altLang="ko-KR" dirty="0"/>
-              <a:t>- </a:t>
-            </a:r>
-            <a:r>
-              <a:rPr lang="ko-KR" altLang="en-US" dirty="0"/>
-              <a:t>입력</a:t>
-            </a:r>
-          </a:p>
-        </p:txBody>
-      </p:sp>
-      <p:graphicFrame>
-        <p:nvGraphicFramePr>
-          <p:cNvPr id="8" name="내용 개체 틀 7">
-            <a:extLst>
-              <a:ext uri="{FF2B5EF4-FFF2-40B4-BE49-F238E27FC236}">
-                <a16:creationId xmlns:a16="http://schemas.microsoft.com/office/drawing/2014/main" id="{BD813BFA-CA30-4D61-90F6-96D2317D4E7C}"/>
-              </a:ext>
-            </a:extLst>
-          </p:cNvPr>
-          <p:cNvGraphicFramePr>
-            <a:graphicFrameLocks noGrp="1"/>
-          </p:cNvGraphicFramePr>
+              <a:t>Contents</a:t>
+            </a:r>
+            <a:endParaRPr lang="ko-KR" altLang="en-US" dirty="0"/>
+          </a:p>
+        </p:txBody>
+      </p:sp>
+      <p:sp>
+        <p:nvSpPr>
+          <p:cNvPr id="3" name="내용 개체 틀 2">
+            <a:extLst>
+              <a:ext uri="{FF2B5EF4-FFF2-40B4-BE49-F238E27FC236}">
+                <a16:creationId xmlns:a16="http://schemas.microsoft.com/office/drawing/2014/main" id="{B3A01428-ADF6-4A37-BE2F-9E17EDEE986A}"/>
+              </a:ext>
+            </a:extLst>
+          </p:cNvPr>
+          <p:cNvSpPr>
+            <a:spLocks noGrp="1"/>
+          </p:cNvSpPr>
           <p:nvPr>
             <p:ph idx="1"/>
-            <p:extLst>
-              <p:ext uri="{D42A27DB-BD31-4B8C-83A1-F6EECF244321}">
-                <p14:modId xmlns:p14="http://schemas.microsoft.com/office/powerpoint/2010/main" val="3542522450"/>
-              </p:ext>
-            </p:extLst>
           </p:nvPr>
-        </p:nvGraphicFramePr>
-        <p:xfrm>
-          <a:off x="215900" y="1476375"/>
-          <a:ext cx="11787188" cy="4857750"/>
-        </p:xfrm>
-        <a:graphic>
-          <a:graphicData uri="http://schemas.openxmlformats.org/drawingml/2006/chart">
-            <c:chart xmlns:c="http://schemas.openxmlformats.org/drawingml/2006/chart" xmlns:r="http://schemas.openxmlformats.org/officeDocument/2006/relationships" r:id="rId2"/>
-          </a:graphicData>
-        </a:graphic>
-      </p:graphicFrame>
+        </p:nvSpPr>
+        <p:spPr/>
+        <p:txBody>
+          <a:bodyPr>
+            <a:normAutofit/>
+          </a:bodyPr>
+          <a:lstStyle/>
+          <a:p>
+            <a:pPr marL="0" indent="0">
+              <a:buNone/>
+            </a:pPr>
+            <a:r>
+              <a:rPr lang="en-US" altLang="ko-KR" sz="5000" dirty="0"/>
+              <a:t>Android </a:t>
+            </a:r>
+            <a:r>
+              <a:rPr lang="ko-KR" altLang="en-US" sz="5000" dirty="0" err="1"/>
+              <a:t>루팅</a:t>
+            </a:r>
+            <a:endParaRPr lang="ko-KR" altLang="en-US" sz="5000" dirty="0"/>
+          </a:p>
+        </p:txBody>
+      </p:sp>
       <p:sp>
         <p:nvSpPr>
           <p:cNvPr id="4" name="날짜 개체 틀 3">
             <a:extLst>
               <a:ext uri="{FF2B5EF4-FFF2-40B4-BE49-F238E27FC236}">
-                <a16:creationId xmlns:a16="http://schemas.microsoft.com/office/drawing/2014/main" id="{D00A7FE9-D46E-4E73-8DAD-F8595B713C96}"/>
+                <a16:creationId xmlns:a16="http://schemas.microsoft.com/office/drawing/2014/main" id="{08B23306-6839-42D2-B4C1-45E7C6211443}"/>
               </a:ext>
             </a:extLst>
           </p:cNvPr>
@@ -28048,7 +28472,6 @@
               <a:rPr lang="ko-KR" altLang="en-US"/>
               <a:t>신재하</a:t>
             </a:r>
-            <a:endParaRPr lang="ko-KR" altLang="en-US" dirty="0"/>
           </a:p>
         </p:txBody>
       </p:sp>
@@ -28057,7 +28480,7 @@
           <p:cNvPr id="5" name="슬라이드 번호 개체 틀 4">
             <a:extLst>
               <a:ext uri="{FF2B5EF4-FFF2-40B4-BE49-F238E27FC236}">
-                <a16:creationId xmlns:a16="http://schemas.microsoft.com/office/drawing/2014/main" id="{5E9EF96E-AEDD-4CF6-92D7-DB8873E9911B}"/>
+                <a16:creationId xmlns:a16="http://schemas.microsoft.com/office/drawing/2014/main" id="{DC358D47-812B-41C1-89F6-44ABBB10381F}"/>
               </a:ext>
             </a:extLst>
           </p:cNvPr>
@@ -28082,50 +28505,10 @@
           </a:p>
         </p:txBody>
       </p:sp>
-      <p:sp>
-        <p:nvSpPr>
-          <p:cNvPr id="9" name="TextBox 8">
-            <a:extLst>
-              <a:ext uri="{FF2B5EF4-FFF2-40B4-BE49-F238E27FC236}">
-                <a16:creationId xmlns:a16="http://schemas.microsoft.com/office/drawing/2014/main" id="{37293A1C-A766-49C8-9588-AE0DD9A8197D}"/>
-              </a:ext>
-            </a:extLst>
-          </p:cNvPr>
-          <p:cNvSpPr txBox="1"/>
-          <p:nvPr/>
-        </p:nvSpPr>
-        <p:spPr>
-          <a:xfrm>
-            <a:off x="0" y="1732804"/>
-            <a:ext cx="973015" cy="230832"/>
-          </a:xfrm>
-          <a:prstGeom prst="rect">
-            <a:avLst/>
-          </a:prstGeom>
-          <a:noFill/>
-        </p:spPr>
-        <p:txBody>
-          <a:bodyPr wrap="square" rtlCol="0">
-            <a:spAutoFit/>
-          </a:bodyPr>
-          <a:lstStyle/>
-          <a:p>
-            <a:r>
-              <a:rPr lang="ko-KR" altLang="en-US" sz="900" dirty="0"/>
-              <a:t>단위</a:t>
-            </a:r>
-            <a:r>
-              <a:rPr lang="en-US" altLang="ko-KR" sz="900" dirty="0"/>
-              <a:t>: IOPS</a:t>
-            </a:r>
-            <a:endParaRPr lang="ko-KR" altLang="en-US" sz="900" dirty="0"/>
-          </a:p>
-        </p:txBody>
-      </p:sp>
     </p:spTree>
     <p:extLst>
       <p:ext uri="{BB962C8B-B14F-4D97-AF65-F5344CB8AC3E}">
-        <p14:creationId xmlns:p14="http://schemas.microsoft.com/office/powerpoint/2010/main" val="3757243421"/>
+        <p14:creationId xmlns:p14="http://schemas.microsoft.com/office/powerpoint/2010/main" val="3194135534"/>
       </p:ext>
     </p:extLst>
   </p:cSld>
@@ -28157,7 +28540,7 @@
           <p:cNvPr id="2" name="제목 1">
             <a:extLst>
               <a:ext uri="{FF2B5EF4-FFF2-40B4-BE49-F238E27FC236}">
-                <a16:creationId xmlns:a16="http://schemas.microsoft.com/office/drawing/2014/main" id="{6570D043-66C1-433B-801E-1450BFA423E3}"/>
+                <a16:creationId xmlns:a16="http://schemas.microsoft.com/office/drawing/2014/main" id="{87ACAED7-CC90-4220-A2E3-FD03D0BD1F33}"/>
               </a:ext>
             </a:extLst>
           </p:cNvPr>
@@ -28175,7 +28558,7 @@
           <a:p>
             <a:r>
               <a:rPr lang="en-US" altLang="ko-KR" dirty="0"/>
-              <a:t>Contents</a:t>
+              <a:t>Android Rooting</a:t>
             </a:r>
             <a:endParaRPr lang="ko-KR" altLang="en-US" dirty="0"/>
           </a:p>
@@ -28186,7 +28569,7 @@
           <p:cNvPr id="3" name="내용 개체 틀 2">
             <a:extLst>
               <a:ext uri="{FF2B5EF4-FFF2-40B4-BE49-F238E27FC236}">
-                <a16:creationId xmlns:a16="http://schemas.microsoft.com/office/drawing/2014/main" id="{B3A01428-ADF6-4A37-BE2F-9E17EDEE986A}"/>
+                <a16:creationId xmlns:a16="http://schemas.microsoft.com/office/drawing/2014/main" id="{6886906F-CB6F-4579-A1FA-FD683F5F28B9}"/>
               </a:ext>
             </a:extLst>
           </p:cNvPr>
@@ -28200,22 +28583,128 @@
         <p:spPr/>
         <p:txBody>
           <a:bodyPr>
-            <a:normAutofit/>
+            <a:normAutofit lnSpcReduction="10000"/>
           </a:bodyPr>
           <a:lstStyle/>
           <a:p>
-            <a:pPr marL="0" indent="0">
-              <a:buNone/>
-            </a:pPr>
-            <a:r>
-              <a:rPr lang="en-US" altLang="ko-KR" sz="5000" dirty="0"/>
-              <a:t>Android </a:t>
-            </a:r>
-            <a:r>
-              <a:rPr lang="en-US" altLang="ko-KR" sz="5000" dirty="0" err="1"/>
-              <a:t>tmpfs</a:t>
-            </a:r>
-            <a:endParaRPr lang="ko-KR" altLang="en-US" sz="5000" dirty="0"/>
+            <a:r>
+              <a:rPr lang="en-US" altLang="ko-KR" dirty="0"/>
+              <a:t>Rooting(</a:t>
+            </a:r>
+            <a:r>
+              <a:rPr lang="ko-KR" altLang="en-US" dirty="0"/>
+              <a:t>이하 </a:t>
+            </a:r>
+            <a:r>
+              <a:rPr lang="ko-KR" altLang="en-US" dirty="0" err="1"/>
+              <a:t>루팅</a:t>
+            </a:r>
+            <a:r>
+              <a:rPr lang="en-US" altLang="ko-KR" dirty="0"/>
+              <a:t>)</a:t>
+            </a:r>
+          </a:p>
+          <a:p>
+            <a:pPr lvl="1"/>
+            <a:r>
+              <a:rPr lang="ko-KR" altLang="en-US" dirty="0"/>
+              <a:t>안드로이드 </a:t>
+            </a:r>
+            <a:r>
+              <a:rPr lang="en-US" altLang="ko-KR" dirty="0"/>
+              <a:t>OS </a:t>
+            </a:r>
+            <a:r>
+              <a:rPr lang="ko-KR" altLang="en-US" dirty="0"/>
+              <a:t>에서 최상위 권한</a:t>
+            </a:r>
+            <a:r>
+              <a:rPr lang="en-US" altLang="ko-KR" dirty="0"/>
+              <a:t>(root</a:t>
+            </a:r>
+            <a:r>
+              <a:rPr lang="ko-KR" altLang="en-US" dirty="0"/>
+              <a:t> 권한</a:t>
+            </a:r>
+            <a:r>
+              <a:rPr lang="en-US" altLang="ko-KR" dirty="0"/>
+              <a:t>)</a:t>
+            </a:r>
+            <a:r>
+              <a:rPr lang="ko-KR" altLang="en-US" dirty="0"/>
+              <a:t>을 얻는 것  </a:t>
+            </a:r>
+            <a:endParaRPr lang="en-US" altLang="ko-KR" dirty="0"/>
+          </a:p>
+          <a:p>
+            <a:pPr lvl="1"/>
+            <a:r>
+              <a:rPr lang="ko-KR" altLang="en-US" dirty="0"/>
+              <a:t>이로 인해 기기의 생산자가 걸어 둔 제약을 해제할 수 있음</a:t>
+            </a:r>
+            <a:endParaRPr lang="en-US" altLang="ko-KR" dirty="0"/>
+          </a:p>
+          <a:p>
+            <a:pPr lvl="1"/>
+            <a:endParaRPr lang="en-US" altLang="ko-KR" dirty="0"/>
+          </a:p>
+          <a:p>
+            <a:r>
+              <a:rPr lang="ko-KR" altLang="en-US" dirty="0"/>
+              <a:t>실험에 사용하는 장치 </a:t>
+            </a:r>
+            <a:endParaRPr lang="en-US" altLang="ko-KR" dirty="0"/>
+          </a:p>
+          <a:p>
+            <a:pPr lvl="1"/>
+            <a:r>
+              <a:rPr lang="ko-KR" altLang="en-US" dirty="0"/>
+              <a:t>모델</a:t>
+            </a:r>
+            <a:r>
+              <a:rPr lang="en-US" altLang="ko-KR" dirty="0"/>
+              <a:t>: Pixel 6 Pro</a:t>
+            </a:r>
+          </a:p>
+          <a:p>
+            <a:pPr lvl="1"/>
+            <a:r>
+              <a:rPr lang="en-US" altLang="ko-KR" dirty="0"/>
+              <a:t>CPU: Octa-core(Cortex-x1 * 2, Cortex-A76 *2, Cortex-A55 * 4)</a:t>
+            </a:r>
+          </a:p>
+          <a:p>
+            <a:pPr lvl="1"/>
+            <a:r>
+              <a:rPr lang="en-US" altLang="ko-KR" dirty="0"/>
+              <a:t>GPU: Mali-G78 MP20</a:t>
+            </a:r>
+          </a:p>
+          <a:p>
+            <a:pPr lvl="1"/>
+            <a:r>
+              <a:rPr lang="en-US" altLang="ko-KR" dirty="0"/>
+              <a:t>RAM: 12 GB</a:t>
+            </a:r>
+          </a:p>
+          <a:p>
+            <a:pPr lvl="1"/>
+            <a:r>
+              <a:rPr lang="en-US" altLang="ko-KR" dirty="0"/>
+              <a:t>Storage: 128 GB</a:t>
+            </a:r>
+          </a:p>
+          <a:p>
+            <a:pPr lvl="1"/>
+            <a:endParaRPr lang="en-US" altLang="ko-KR" dirty="0"/>
+          </a:p>
+          <a:p>
+            <a:pPr lvl="1"/>
+            <a:endParaRPr lang="ko-KR" altLang="en-US" dirty="0"/>
+          </a:p>
+          <a:p>
+            <a:pPr lvl="1"/>
+            <a:endParaRPr lang="en-US" altLang="ko-KR" dirty="0"/>
           </a:p>
         </p:txBody>
       </p:sp>
@@ -28224,7 +28713,7 @@
           <p:cNvPr id="4" name="날짜 개체 틀 3">
             <a:extLst>
               <a:ext uri="{FF2B5EF4-FFF2-40B4-BE49-F238E27FC236}">
-                <a16:creationId xmlns:a16="http://schemas.microsoft.com/office/drawing/2014/main" id="{08B23306-6839-42D2-B4C1-45E7C6211443}"/>
+                <a16:creationId xmlns:a16="http://schemas.microsoft.com/office/drawing/2014/main" id="{26EE2596-D698-4D5A-B3C4-2419CE1A6215}"/>
               </a:ext>
             </a:extLst>
           </p:cNvPr>
@@ -28252,6 +28741,7 @@
               <a:rPr lang="ko-KR" altLang="en-US"/>
               <a:t>신재하</a:t>
             </a:r>
+            <a:endParaRPr lang="ko-KR" altLang="en-US" dirty="0"/>
           </a:p>
         </p:txBody>
       </p:sp>
@@ -28260,7 +28750,7 @@
           <p:cNvPr id="5" name="슬라이드 번호 개체 틀 4">
             <a:extLst>
               <a:ext uri="{FF2B5EF4-FFF2-40B4-BE49-F238E27FC236}">
-                <a16:creationId xmlns:a16="http://schemas.microsoft.com/office/drawing/2014/main" id="{DC358D47-812B-41C1-89F6-44ABBB10381F}"/>
+                <a16:creationId xmlns:a16="http://schemas.microsoft.com/office/drawing/2014/main" id="{97878CED-EBB1-4065-8176-577325C4B68A}"/>
               </a:ext>
             </a:extLst>
           </p:cNvPr>
@@ -28288,7 +28778,7 @@
     </p:spTree>
     <p:extLst>
       <p:ext uri="{BB962C8B-B14F-4D97-AF65-F5344CB8AC3E}">
-        <p14:creationId xmlns:p14="http://schemas.microsoft.com/office/powerpoint/2010/main" val="3194135534"/>
+        <p14:creationId xmlns:p14="http://schemas.microsoft.com/office/powerpoint/2010/main" val="3748146695"/>
       </p:ext>
     </p:extLst>
   </p:cSld>
@@ -28317,10 +28807,10 @@
       </p:grpSpPr>
       <p:sp>
         <p:nvSpPr>
-          <p:cNvPr id="8" name="제목 7">
-            <a:extLst>
-              <a:ext uri="{FF2B5EF4-FFF2-40B4-BE49-F238E27FC236}">
-                <a16:creationId xmlns:a16="http://schemas.microsoft.com/office/drawing/2014/main" id="{69B292E9-37A2-4AD7-84B5-A8BE80BDBEC1}"/>
+          <p:cNvPr id="2" name="제목 1">
+            <a:extLst>
+              <a:ext uri="{FF2B5EF4-FFF2-40B4-BE49-F238E27FC236}">
+                <a16:creationId xmlns:a16="http://schemas.microsoft.com/office/drawing/2014/main" id="{0BCE9883-9EAD-420E-9357-44B48B72A19D}"/>
               </a:ext>
             </a:extLst>
           </p:cNvPr>
@@ -28328,33 +28818,28 @@
             <a:spLocks noGrp="1"/>
           </p:cNvSpPr>
           <p:nvPr>
-            <p:ph type="ctrTitle"/>
+            <p:ph type="title"/>
           </p:nvPr>
         </p:nvSpPr>
-        <p:spPr>
-          <a:xfrm>
-            <a:off x="1524000" y="2219105"/>
-            <a:ext cx="9144000" cy="1209895"/>
-          </a:xfrm>
-        </p:spPr>
+        <p:spPr/>
         <p:txBody>
           <a:bodyPr/>
           <a:lstStyle/>
           <a:p>
             <a:r>
-              <a:rPr lang="en-US" altLang="ko-KR"/>
-              <a:t>Q n A</a:t>
-            </a:r>
-            <a:endParaRPr lang="ko-KR" altLang="en-US"/>
-          </a:p>
-        </p:txBody>
-      </p:sp>
-      <p:sp>
-        <p:nvSpPr>
-          <p:cNvPr id="9" name="부제목 8">
-            <a:extLst>
-              <a:ext uri="{FF2B5EF4-FFF2-40B4-BE49-F238E27FC236}">
-                <a16:creationId xmlns:a16="http://schemas.microsoft.com/office/drawing/2014/main" id="{CACC263A-2C04-4ACE-A4A4-242F76AFCBA9}"/>
+              <a:rPr lang="en-US" altLang="ko-KR" dirty="0"/>
+              <a:t>ADB Install</a:t>
+            </a:r>
+            <a:endParaRPr lang="ko-KR" altLang="en-US" dirty="0"/>
+          </a:p>
+        </p:txBody>
+      </p:sp>
+      <p:sp>
+        <p:nvSpPr>
+          <p:cNvPr id="3" name="내용 개체 틀 2">
+            <a:extLst>
+              <a:ext uri="{FF2B5EF4-FFF2-40B4-BE49-F238E27FC236}">
+                <a16:creationId xmlns:a16="http://schemas.microsoft.com/office/drawing/2014/main" id="{C5BE15D0-E165-4499-AD4E-646FB75E6816}"/>
               </a:ext>
             </a:extLst>
           </p:cNvPr>
@@ -28362,7 +28847,7 @@
             <a:spLocks noGrp="1"/>
           </p:cNvSpPr>
           <p:nvPr>
-            <p:ph type="subTitle" idx="1"/>
+            <p:ph idx="1"/>
           </p:nvPr>
         </p:nvSpPr>
         <p:spPr/>
@@ -28371,21 +28856,295 @@
           <a:lstStyle/>
           <a:p>
             <a:r>
+              <a:rPr lang="en-US" altLang="ko-KR" dirty="0"/>
+              <a:t>ADB</a:t>
+            </a:r>
+          </a:p>
+          <a:p>
+            <a:pPr lvl="1"/>
+            <a:r>
+              <a:rPr lang="en-US" altLang="ko-KR" dirty="0"/>
+              <a:t>Android Debug Bridge(</a:t>
+            </a:r>
+            <a:r>
+              <a:rPr lang="en-US" altLang="ko-KR" dirty="0" err="1"/>
+              <a:t>adb</a:t>
+            </a:r>
+            <a:r>
+              <a:rPr lang="en-US" altLang="ko-KR" dirty="0"/>
+              <a:t>)</a:t>
+            </a:r>
+            <a:r>
+              <a:rPr lang="ko-KR" altLang="en-US" dirty="0"/>
+              <a:t>는 기기와 통신하는 </a:t>
+            </a:r>
+            <a:r>
+              <a:rPr lang="en-US" altLang="ko-KR" dirty="0"/>
+              <a:t>Command-line </a:t>
+            </a:r>
+            <a:r>
+              <a:rPr lang="ko-KR" altLang="en-US" dirty="0"/>
+              <a:t>도구 </a:t>
+            </a:r>
+            <a:endParaRPr lang="en-US" altLang="ko-KR" dirty="0"/>
+          </a:p>
+          <a:p>
+            <a:pPr lvl="1"/>
+            <a:r>
+              <a:rPr lang="ko-KR" altLang="en-US" dirty="0"/>
+              <a:t>앱의 설치 및 디버깅 등을 진행할 수 있음</a:t>
+            </a:r>
+            <a:endParaRPr lang="en-US" altLang="ko-KR" dirty="0"/>
+          </a:p>
+          <a:p>
+            <a:r>
+              <a:rPr lang="en-US" altLang="ko-KR" dirty="0" err="1"/>
+              <a:t>Fastboot</a:t>
+            </a:r>
+            <a:endParaRPr lang="en-US" altLang="ko-KR" dirty="0"/>
+          </a:p>
+          <a:p>
+            <a:pPr lvl="1"/>
+            <a:r>
+              <a:rPr lang="ko-KR" altLang="en-US" dirty="0"/>
+              <a:t>안드로이드 기기의 플래시 메모리에 직접 데이터를 쓰거나 진단할 수 있는 </a:t>
+            </a:r>
+            <a:r>
+              <a:rPr lang="ko-KR" altLang="en-US" dirty="0" err="1"/>
+              <a:t>엔지니어링프로토콜</a:t>
+            </a:r>
+            <a:r>
+              <a:rPr lang="ko-KR" altLang="en-US" dirty="0"/>
+              <a:t> </a:t>
+            </a:r>
+            <a:endParaRPr lang="en-US" altLang="ko-KR" dirty="0"/>
+          </a:p>
+          <a:p>
+            <a:r>
+              <a:rPr lang="en-US" altLang="ko-KR" dirty="0"/>
+              <a:t>ADB </a:t>
+            </a:r>
+            <a:r>
+              <a:rPr lang="ko-KR" altLang="en-US" dirty="0"/>
+              <a:t>및 </a:t>
+            </a:r>
+            <a:r>
+              <a:rPr lang="en-US" altLang="ko-KR" dirty="0" err="1"/>
+              <a:t>fastboot</a:t>
+            </a:r>
+            <a:r>
+              <a:rPr lang="ko-KR" altLang="en-US" dirty="0"/>
+              <a:t>설치</a:t>
+            </a:r>
+            <a:endParaRPr lang="en-US" altLang="ko-KR" dirty="0"/>
+          </a:p>
+          <a:p>
+            <a:pPr lvl="1"/>
+            <a:r>
+              <a:rPr lang="ko-KR" altLang="en-US" dirty="0"/>
+              <a:t>데스크톱에서 다음과 같은 명령 실행 </a:t>
+            </a:r>
+            <a:endParaRPr lang="en-US" altLang="ko-KR" dirty="0"/>
+          </a:p>
+        </p:txBody>
+      </p:sp>
+      <p:sp>
+        <p:nvSpPr>
+          <p:cNvPr id="4" name="날짜 개체 틀 3">
+            <a:extLst>
+              <a:ext uri="{FF2B5EF4-FFF2-40B4-BE49-F238E27FC236}">
+                <a16:creationId xmlns:a16="http://schemas.microsoft.com/office/drawing/2014/main" id="{D9E22748-2DEB-4213-80D3-0301886DEE19}"/>
+              </a:ext>
+            </a:extLst>
+          </p:cNvPr>
+          <p:cNvSpPr>
+            <a:spLocks noGrp="1"/>
+          </p:cNvSpPr>
+          <p:nvPr>
+            <p:ph type="dt" sz="half" idx="10"/>
+          </p:nvPr>
+        </p:nvSpPr>
+        <p:spPr/>
+        <p:txBody>
+          <a:bodyPr/>
+          <a:lstStyle/>
+          <a:p>
+            <a:r>
               <a:rPr lang="ko-KR" altLang="en-US"/>
-              <a:t>감사합니다</a:t>
+              <a:t>권철현</a:t>
             </a:r>
             <a:r>
               <a:rPr lang="en-US" altLang="ko-KR"/>
-              <a:t>.</a:t>
-            </a:r>
+              <a:t>, </a:t>
+            </a:r>
+            <a:r>
+              <a:rPr lang="ko-KR" altLang="en-US"/>
+              <a:t>신재하</a:t>
+            </a:r>
+            <a:endParaRPr lang="ko-KR" altLang="en-US" dirty="0"/>
+          </a:p>
+        </p:txBody>
+      </p:sp>
+      <p:sp>
+        <p:nvSpPr>
+          <p:cNvPr id="5" name="슬라이드 번호 개체 틀 4">
+            <a:extLst>
+              <a:ext uri="{FF2B5EF4-FFF2-40B4-BE49-F238E27FC236}">
+                <a16:creationId xmlns:a16="http://schemas.microsoft.com/office/drawing/2014/main" id="{78611DDE-CEF1-4526-8DC0-7436C93AEB1A}"/>
+              </a:ext>
+            </a:extLst>
+          </p:cNvPr>
+          <p:cNvSpPr>
+            <a:spLocks noGrp="1"/>
+          </p:cNvSpPr>
+          <p:nvPr>
+            <p:ph type="sldNum" sz="quarter" idx="12"/>
+          </p:nvPr>
+        </p:nvSpPr>
+        <p:spPr/>
+        <p:txBody>
+          <a:bodyPr/>
+          <a:lstStyle/>
+          <a:p>
+            <a:fld id="{5FF72CB3-86FB-4DBB-A7AC-E8F6F3DA156B}" type="slidenum">
+              <a:rPr lang="ko-KR" altLang="en-US" smtClean="0"/>
+              <a:pPr/>
+              <a:t>49</a:t>
+            </a:fld>
             <a:endParaRPr lang="ko-KR" altLang="en-US"/>
+          </a:p>
+        </p:txBody>
+      </p:sp>
+      <p:sp>
+        <p:nvSpPr>
+          <p:cNvPr id="6" name="사각형: 둥근 모서리 5">
+            <a:extLst>
+              <a:ext uri="{FF2B5EF4-FFF2-40B4-BE49-F238E27FC236}">
+                <a16:creationId xmlns:a16="http://schemas.microsoft.com/office/drawing/2014/main" id="{EA34249C-27CF-4018-81FD-44A74229EFFC}"/>
+              </a:ext>
+            </a:extLst>
+          </p:cNvPr>
+          <p:cNvSpPr/>
+          <p:nvPr/>
+        </p:nvSpPr>
+        <p:spPr>
+          <a:xfrm>
+            <a:off x="553294" y="5312664"/>
+            <a:ext cx="11206480" cy="932688"/>
+          </a:xfrm>
+          <a:prstGeom prst="roundRect">
+            <a:avLst/>
+          </a:prstGeom>
+          <a:solidFill>
+            <a:srgbClr val="A9D8B7"/>
+          </a:solidFill>
+          <a:ln>
+            <a:noFill/>
+          </a:ln>
+        </p:spPr>
+        <p:style>
+          <a:lnRef idx="2">
+            <a:schemeClr val="accent1">
+              <a:shade val="50000"/>
+            </a:schemeClr>
+          </a:lnRef>
+          <a:fillRef idx="1">
+            <a:schemeClr val="accent1"/>
+          </a:fillRef>
+          <a:effectRef idx="0">
+            <a:schemeClr val="accent1"/>
+          </a:effectRef>
+          <a:fontRef idx="minor">
+            <a:schemeClr val="lt1"/>
+          </a:fontRef>
+        </p:style>
+        <p:txBody>
+          <a:bodyPr rtlCol="0" anchor="ctr"/>
+          <a:lstStyle/>
+          <a:p>
+            <a:r>
+              <a:rPr lang="en-US" altLang="ko-KR" sz="2800" b="1" dirty="0">
+                <a:solidFill>
+                  <a:schemeClr val="tx1"/>
+                </a:solidFill>
+              </a:rPr>
+              <a:t>$ </a:t>
+            </a:r>
+            <a:r>
+              <a:rPr lang="en-US" altLang="ko-KR" sz="2800" b="1" dirty="0" err="1">
+                <a:solidFill>
+                  <a:schemeClr val="tx1"/>
+                </a:solidFill>
+              </a:rPr>
+              <a:t>sudo</a:t>
+            </a:r>
+            <a:r>
+              <a:rPr lang="en-US" altLang="ko-KR" sz="2800" b="1" dirty="0">
+                <a:solidFill>
+                  <a:schemeClr val="tx1"/>
+                </a:solidFill>
+              </a:rPr>
+              <a:t> apt-get install </a:t>
+            </a:r>
+            <a:r>
+              <a:rPr lang="en-US" altLang="ko-KR" sz="2800" b="1" dirty="0" err="1">
+                <a:solidFill>
+                  <a:schemeClr val="tx1"/>
+                </a:solidFill>
+              </a:rPr>
+              <a:t>adb</a:t>
+            </a:r>
+            <a:endParaRPr lang="en-US" altLang="ko-KR" sz="2800" b="1" dirty="0">
+              <a:solidFill>
+                <a:schemeClr val="tx1"/>
+              </a:solidFill>
+            </a:endParaRPr>
+          </a:p>
+          <a:p>
+            <a:r>
+              <a:rPr lang="en-US" altLang="ko-KR" sz="2800" b="1" dirty="0">
+                <a:solidFill>
+                  <a:schemeClr val="tx1"/>
+                </a:solidFill>
+              </a:rPr>
+              <a:t>$ </a:t>
+            </a:r>
+            <a:r>
+              <a:rPr lang="en-US" altLang="ko-KR" sz="2800" b="1" dirty="0" err="1">
+                <a:solidFill>
+                  <a:schemeClr val="tx1"/>
+                </a:solidFill>
+              </a:rPr>
+              <a:t>sudo</a:t>
+            </a:r>
+            <a:r>
+              <a:rPr lang="en-US" altLang="ko-KR" sz="2800" b="1" dirty="0">
+                <a:solidFill>
+                  <a:schemeClr val="tx1"/>
+                </a:solidFill>
+              </a:rPr>
+              <a:t> apt-get install </a:t>
+            </a:r>
+            <a:r>
+              <a:rPr lang="en-US" altLang="ko-KR" sz="2800" b="1" dirty="0" err="1">
+                <a:solidFill>
+                  <a:schemeClr val="tx1"/>
+                </a:solidFill>
+              </a:rPr>
+              <a:t>fastboot</a:t>
+            </a:r>
+            <a:endParaRPr lang="en-US" altLang="ko-KR" sz="2800" b="1" dirty="0">
+              <a:solidFill>
+                <a:schemeClr val="tx1"/>
+              </a:solidFill>
+            </a:endParaRPr>
           </a:p>
         </p:txBody>
       </p:sp>
     </p:spTree>
     <p:extLst>
       <p:ext uri="{BB962C8B-B14F-4D97-AF65-F5344CB8AC3E}">
-        <p14:creationId xmlns:p14="http://schemas.microsoft.com/office/powerpoint/2010/main" val="3743477804"/>
+        <p14:creationId xmlns:p14="http://schemas.microsoft.com/office/powerpoint/2010/main" val="2636639986"/>
       </p:ext>
     </p:extLst>
   </p:cSld>
@@ -28681,6 +29440,4099 @@
 </p:sld>
 </file>
 
+<file path=ppt/slides/slide50.xml><?xml version="1.0" encoding="utf-8"?>
+<p:sld xmlns:a="http://schemas.openxmlformats.org/drawingml/2006/main" xmlns:r="http://schemas.openxmlformats.org/officeDocument/2006/relationships" xmlns:p="http://schemas.openxmlformats.org/presentationml/2006/main">
+  <p:cSld>
+    <p:spTree>
+      <p:nvGrpSpPr>
+        <p:cNvPr id="1" name=""/>
+        <p:cNvGrpSpPr/>
+        <p:nvPr/>
+      </p:nvGrpSpPr>
+      <p:grpSpPr>
+        <a:xfrm>
+          <a:off x="0" y="0"/>
+          <a:ext cx="0" cy="0"/>
+          <a:chOff x="0" y="0"/>
+          <a:chExt cx="0" cy="0"/>
+        </a:xfrm>
+      </p:grpSpPr>
+      <p:sp>
+        <p:nvSpPr>
+          <p:cNvPr id="2" name="제목 1">
+            <a:extLst>
+              <a:ext uri="{FF2B5EF4-FFF2-40B4-BE49-F238E27FC236}">
+                <a16:creationId xmlns:a16="http://schemas.microsoft.com/office/drawing/2014/main" id="{2E6126B0-D708-4942-AA0D-00CA497B8F43}"/>
+              </a:ext>
+            </a:extLst>
+          </p:cNvPr>
+          <p:cNvSpPr>
+            <a:spLocks noGrp="1"/>
+          </p:cNvSpPr>
+          <p:nvPr>
+            <p:ph type="title"/>
+          </p:nvPr>
+        </p:nvSpPr>
+        <p:spPr/>
+        <p:txBody>
+          <a:bodyPr/>
+          <a:lstStyle/>
+          <a:p>
+            <a:r>
+              <a:rPr lang="en-US" altLang="ko-KR" dirty="0"/>
+              <a:t>Developer Options</a:t>
+            </a:r>
+            <a:endParaRPr lang="ko-KR" altLang="en-US" dirty="0"/>
+          </a:p>
+        </p:txBody>
+      </p:sp>
+      <p:sp>
+        <p:nvSpPr>
+          <p:cNvPr id="3" name="내용 개체 틀 2">
+            <a:extLst>
+              <a:ext uri="{FF2B5EF4-FFF2-40B4-BE49-F238E27FC236}">
+                <a16:creationId xmlns:a16="http://schemas.microsoft.com/office/drawing/2014/main" id="{C4B40E18-7797-46B6-9782-5E0050DA02C3}"/>
+              </a:ext>
+            </a:extLst>
+          </p:cNvPr>
+          <p:cNvSpPr>
+            <a:spLocks noGrp="1"/>
+          </p:cNvSpPr>
+          <p:nvPr>
+            <p:ph idx="1"/>
+          </p:nvPr>
+        </p:nvSpPr>
+        <p:spPr/>
+        <p:txBody>
+          <a:bodyPr/>
+          <a:lstStyle/>
+          <a:p>
+            <a:r>
+              <a:rPr lang="ko-KR" altLang="en-US" dirty="0"/>
+              <a:t>개발자 옵션 켜기</a:t>
+            </a:r>
+            <a:endParaRPr lang="en-US" altLang="ko-KR" dirty="0"/>
+          </a:p>
+          <a:p>
+            <a:pPr marL="311400" lvl="1" indent="0">
+              <a:buNone/>
+            </a:pPr>
+            <a:r>
+              <a:rPr lang="en-US" altLang="ko-KR" dirty="0"/>
+              <a:t>1. </a:t>
+            </a:r>
+            <a:r>
+              <a:rPr lang="ko-KR" altLang="en-US" dirty="0"/>
+              <a:t>설정 </a:t>
+            </a:r>
+            <a:r>
+              <a:rPr lang="en-US" altLang="ko-KR" dirty="0"/>
+              <a:t>-&gt; </a:t>
+            </a:r>
+            <a:r>
+              <a:rPr lang="ko-KR" altLang="en-US" dirty="0"/>
+              <a:t>휴대전화 정보 </a:t>
+            </a:r>
+            <a:r>
+              <a:rPr lang="en-US" altLang="ko-KR" dirty="0"/>
+              <a:t>-&gt; </a:t>
+            </a:r>
+            <a:r>
+              <a:rPr lang="ko-KR" altLang="en-US" dirty="0"/>
+              <a:t>빌드 번호 연속으로 클릭</a:t>
+            </a:r>
+            <a:endParaRPr lang="en-US" altLang="ko-KR" dirty="0"/>
+          </a:p>
+          <a:p>
+            <a:pPr marL="311400" lvl="1" indent="0">
+              <a:buNone/>
+            </a:pPr>
+            <a:r>
+              <a:rPr lang="en-US" altLang="ko-KR" dirty="0"/>
+              <a:t>2. </a:t>
+            </a:r>
+            <a:r>
+              <a:rPr lang="ko-KR" altLang="en-US" dirty="0"/>
+              <a:t>설정 </a:t>
+            </a:r>
+            <a:r>
+              <a:rPr lang="en-US" altLang="ko-KR" dirty="0"/>
+              <a:t>-&gt; </a:t>
+            </a:r>
+            <a:r>
+              <a:rPr lang="ko-KR" altLang="en-US" dirty="0"/>
+              <a:t>시스템 </a:t>
+            </a:r>
+            <a:r>
+              <a:rPr lang="en-US" altLang="ko-KR" dirty="0"/>
+              <a:t>-&gt; </a:t>
+            </a:r>
+            <a:r>
+              <a:rPr lang="ko-KR" altLang="en-US" dirty="0"/>
+              <a:t>개발자 옵션 메뉴 생성됨 </a:t>
+            </a:r>
+            <a:endParaRPr lang="en-US" altLang="ko-KR" dirty="0"/>
+          </a:p>
+          <a:p>
+            <a:pPr lvl="1"/>
+            <a:endParaRPr lang="ko-KR" altLang="en-US" dirty="0"/>
+          </a:p>
+        </p:txBody>
+      </p:sp>
+      <p:sp>
+        <p:nvSpPr>
+          <p:cNvPr id="4" name="날짜 개체 틀 3">
+            <a:extLst>
+              <a:ext uri="{FF2B5EF4-FFF2-40B4-BE49-F238E27FC236}">
+                <a16:creationId xmlns:a16="http://schemas.microsoft.com/office/drawing/2014/main" id="{4A515AB7-81D4-413F-BFCA-3F9BF16FDD97}"/>
+              </a:ext>
+            </a:extLst>
+          </p:cNvPr>
+          <p:cNvSpPr>
+            <a:spLocks noGrp="1"/>
+          </p:cNvSpPr>
+          <p:nvPr>
+            <p:ph type="dt" sz="half" idx="10"/>
+          </p:nvPr>
+        </p:nvSpPr>
+        <p:spPr/>
+        <p:txBody>
+          <a:bodyPr/>
+          <a:lstStyle/>
+          <a:p>
+            <a:r>
+              <a:rPr lang="ko-KR" altLang="en-US"/>
+              <a:t>권철현</a:t>
+            </a:r>
+            <a:r>
+              <a:rPr lang="en-US" altLang="ko-KR"/>
+              <a:t>, </a:t>
+            </a:r>
+            <a:r>
+              <a:rPr lang="ko-KR" altLang="en-US"/>
+              <a:t>신재하</a:t>
+            </a:r>
+            <a:endParaRPr lang="ko-KR" altLang="en-US" dirty="0"/>
+          </a:p>
+        </p:txBody>
+      </p:sp>
+      <p:sp>
+        <p:nvSpPr>
+          <p:cNvPr id="5" name="슬라이드 번호 개체 틀 4">
+            <a:extLst>
+              <a:ext uri="{FF2B5EF4-FFF2-40B4-BE49-F238E27FC236}">
+                <a16:creationId xmlns:a16="http://schemas.microsoft.com/office/drawing/2014/main" id="{05E67033-BB22-4C5B-BA4A-91B7C3949457}"/>
+              </a:ext>
+            </a:extLst>
+          </p:cNvPr>
+          <p:cNvSpPr>
+            <a:spLocks noGrp="1"/>
+          </p:cNvSpPr>
+          <p:nvPr>
+            <p:ph type="sldNum" sz="quarter" idx="12"/>
+          </p:nvPr>
+        </p:nvSpPr>
+        <p:spPr/>
+        <p:txBody>
+          <a:bodyPr/>
+          <a:lstStyle/>
+          <a:p>
+            <a:fld id="{5FF72CB3-86FB-4DBB-A7AC-E8F6F3DA156B}" type="slidenum">
+              <a:rPr lang="ko-KR" altLang="en-US" smtClean="0"/>
+              <a:pPr/>
+              <a:t>50</a:t>
+            </a:fld>
+            <a:endParaRPr lang="ko-KR" altLang="en-US"/>
+          </a:p>
+        </p:txBody>
+      </p:sp>
+      <p:pic>
+        <p:nvPicPr>
+          <p:cNvPr id="7" name="그림 6">
+            <a:extLst>
+              <a:ext uri="{FF2B5EF4-FFF2-40B4-BE49-F238E27FC236}">
+                <a16:creationId xmlns:a16="http://schemas.microsoft.com/office/drawing/2014/main" id="{5AD83031-A4EC-45BD-A821-2F90A5F4084E}"/>
+              </a:ext>
+            </a:extLst>
+          </p:cNvPr>
+          <p:cNvPicPr>
+            <a:picLocks noChangeAspect="1"/>
+          </p:cNvPicPr>
+          <p:nvPr/>
+        </p:nvPicPr>
+        <p:blipFill>
+          <a:blip r:embed="rId2"/>
+          <a:stretch>
+            <a:fillRect/>
+          </a:stretch>
+        </p:blipFill>
+        <p:spPr>
+          <a:xfrm>
+            <a:off x="6910815" y="1314144"/>
+            <a:ext cx="2299700" cy="4980739"/>
+          </a:xfrm>
+          <a:prstGeom prst="rect">
+            <a:avLst/>
+          </a:prstGeom>
+        </p:spPr>
+      </p:pic>
+      <p:pic>
+        <p:nvPicPr>
+          <p:cNvPr id="9" name="그림 8">
+            <a:extLst>
+              <a:ext uri="{FF2B5EF4-FFF2-40B4-BE49-F238E27FC236}">
+                <a16:creationId xmlns:a16="http://schemas.microsoft.com/office/drawing/2014/main" id="{438293C6-EA71-45E6-84C1-296649DE25A2}"/>
+              </a:ext>
+            </a:extLst>
+          </p:cNvPr>
+          <p:cNvPicPr>
+            <a:picLocks noChangeAspect="1"/>
+          </p:cNvPicPr>
+          <p:nvPr/>
+        </p:nvPicPr>
+        <p:blipFill>
+          <a:blip r:embed="rId3"/>
+          <a:stretch>
+            <a:fillRect/>
+          </a:stretch>
+        </p:blipFill>
+        <p:spPr>
+          <a:xfrm>
+            <a:off x="9490906" y="1298036"/>
+            <a:ext cx="2314576" cy="5012957"/>
+          </a:xfrm>
+          <a:prstGeom prst="rect">
+            <a:avLst/>
+          </a:prstGeom>
+        </p:spPr>
+      </p:pic>
+      <p:sp>
+        <p:nvSpPr>
+          <p:cNvPr id="10" name="직사각형 9">
+            <a:extLst>
+              <a:ext uri="{FF2B5EF4-FFF2-40B4-BE49-F238E27FC236}">
+                <a16:creationId xmlns:a16="http://schemas.microsoft.com/office/drawing/2014/main" id="{EB43BDCC-2B78-48DB-AECD-244D9F5A17E9}"/>
+              </a:ext>
+            </a:extLst>
+          </p:cNvPr>
+          <p:cNvSpPr/>
+          <p:nvPr/>
+        </p:nvSpPr>
+        <p:spPr>
+          <a:xfrm>
+            <a:off x="6910812" y="5734814"/>
+            <a:ext cx="2299701" cy="483105"/>
+          </a:xfrm>
+          <a:prstGeom prst="rect">
+            <a:avLst/>
+          </a:prstGeom>
+          <a:noFill/>
+          <a:ln w="28575">
+            <a:solidFill>
+              <a:srgbClr val="FF0000"/>
+            </a:solidFill>
+          </a:ln>
+        </p:spPr>
+        <p:style>
+          <a:lnRef idx="2">
+            <a:schemeClr val="accent1">
+              <a:shade val="50000"/>
+            </a:schemeClr>
+          </a:lnRef>
+          <a:fillRef idx="1">
+            <a:schemeClr val="accent1"/>
+          </a:fillRef>
+          <a:effectRef idx="0">
+            <a:schemeClr val="accent1"/>
+          </a:effectRef>
+          <a:fontRef idx="minor">
+            <a:schemeClr val="lt1"/>
+          </a:fontRef>
+        </p:style>
+        <p:txBody>
+          <a:bodyPr rtlCol="0" anchor="ctr"/>
+          <a:lstStyle/>
+          <a:p>
+            <a:pPr algn="ctr"/>
+            <a:endParaRPr lang="ko-KR" altLang="en-US" dirty="0"/>
+          </a:p>
+        </p:txBody>
+      </p:sp>
+      <p:sp>
+        <p:nvSpPr>
+          <p:cNvPr id="11" name="직사각형 10">
+            <a:extLst>
+              <a:ext uri="{FF2B5EF4-FFF2-40B4-BE49-F238E27FC236}">
+                <a16:creationId xmlns:a16="http://schemas.microsoft.com/office/drawing/2014/main" id="{FAF52DF4-F02A-428F-AF67-97AB95281FC8}"/>
+              </a:ext>
+            </a:extLst>
+          </p:cNvPr>
+          <p:cNvSpPr/>
+          <p:nvPr/>
+        </p:nvSpPr>
+        <p:spPr>
+          <a:xfrm>
+            <a:off x="9498343" y="5251709"/>
+            <a:ext cx="2299701" cy="390139"/>
+          </a:xfrm>
+          <a:prstGeom prst="rect">
+            <a:avLst/>
+          </a:prstGeom>
+          <a:noFill/>
+          <a:ln w="28575">
+            <a:solidFill>
+              <a:srgbClr val="FF0000"/>
+            </a:solidFill>
+          </a:ln>
+        </p:spPr>
+        <p:style>
+          <a:lnRef idx="2">
+            <a:schemeClr val="accent1">
+              <a:shade val="50000"/>
+            </a:schemeClr>
+          </a:lnRef>
+          <a:fillRef idx="1">
+            <a:schemeClr val="accent1"/>
+          </a:fillRef>
+          <a:effectRef idx="0">
+            <a:schemeClr val="accent1"/>
+          </a:effectRef>
+          <a:fontRef idx="minor">
+            <a:schemeClr val="lt1"/>
+          </a:fontRef>
+        </p:style>
+        <p:txBody>
+          <a:bodyPr rtlCol="0" anchor="ctr"/>
+          <a:lstStyle/>
+          <a:p>
+            <a:pPr algn="ctr"/>
+            <a:endParaRPr lang="ko-KR" altLang="en-US" dirty="0"/>
+          </a:p>
+        </p:txBody>
+      </p:sp>
+      <p:sp>
+        <p:nvSpPr>
+          <p:cNvPr id="12" name="TextBox 11">
+            <a:extLst>
+              <a:ext uri="{FF2B5EF4-FFF2-40B4-BE49-F238E27FC236}">
+                <a16:creationId xmlns:a16="http://schemas.microsoft.com/office/drawing/2014/main" id="{8A841DC8-CCE0-434D-803D-C0D731BCE3FC}"/>
+              </a:ext>
+            </a:extLst>
+          </p:cNvPr>
+          <p:cNvSpPr txBox="1"/>
+          <p:nvPr/>
+        </p:nvSpPr>
+        <p:spPr>
+          <a:xfrm>
+            <a:off x="6630421" y="5815429"/>
+            <a:ext cx="534421" cy="369332"/>
+          </a:xfrm>
+          <a:prstGeom prst="rect">
+            <a:avLst/>
+          </a:prstGeom>
+          <a:noFill/>
+        </p:spPr>
+        <p:txBody>
+          <a:bodyPr wrap="square" rtlCol="0">
+            <a:spAutoFit/>
+          </a:bodyPr>
+          <a:lstStyle/>
+          <a:p>
+            <a:r>
+              <a:rPr lang="en-US" altLang="ko-KR" dirty="0">
+                <a:solidFill>
+                  <a:srgbClr val="FF0000"/>
+                </a:solidFill>
+              </a:rPr>
+              <a:t>1.</a:t>
+            </a:r>
+            <a:endParaRPr lang="ko-KR" altLang="en-US" dirty="0">
+              <a:solidFill>
+                <a:srgbClr val="FF0000"/>
+              </a:solidFill>
+            </a:endParaRPr>
+          </a:p>
+        </p:txBody>
+      </p:sp>
+      <p:sp>
+        <p:nvSpPr>
+          <p:cNvPr id="13" name="TextBox 12">
+            <a:extLst>
+              <a:ext uri="{FF2B5EF4-FFF2-40B4-BE49-F238E27FC236}">
+                <a16:creationId xmlns:a16="http://schemas.microsoft.com/office/drawing/2014/main" id="{EA54706D-4AB8-4820-8FFF-77D3DF78D041}"/>
+              </a:ext>
+            </a:extLst>
+          </p:cNvPr>
+          <p:cNvSpPr txBox="1"/>
+          <p:nvPr/>
+        </p:nvSpPr>
+        <p:spPr>
+          <a:xfrm>
+            <a:off x="9210513" y="5262112"/>
+            <a:ext cx="534421" cy="369332"/>
+          </a:xfrm>
+          <a:prstGeom prst="rect">
+            <a:avLst/>
+          </a:prstGeom>
+          <a:noFill/>
+        </p:spPr>
+        <p:txBody>
+          <a:bodyPr wrap="square" rtlCol="0">
+            <a:spAutoFit/>
+          </a:bodyPr>
+          <a:lstStyle/>
+          <a:p>
+            <a:r>
+              <a:rPr lang="en-US" altLang="ko-KR" dirty="0">
+                <a:solidFill>
+                  <a:srgbClr val="FF0000"/>
+                </a:solidFill>
+              </a:rPr>
+              <a:t>2.</a:t>
+            </a:r>
+            <a:endParaRPr lang="ko-KR" altLang="en-US" dirty="0">
+              <a:solidFill>
+                <a:srgbClr val="FF0000"/>
+              </a:solidFill>
+            </a:endParaRPr>
+          </a:p>
+        </p:txBody>
+      </p:sp>
+    </p:spTree>
+    <p:extLst>
+      <p:ext uri="{BB962C8B-B14F-4D97-AF65-F5344CB8AC3E}">
+        <p14:creationId xmlns:p14="http://schemas.microsoft.com/office/powerpoint/2010/main" val="1445511167"/>
+      </p:ext>
+    </p:extLst>
+  </p:cSld>
+  <p:clrMapOvr>
+    <a:masterClrMapping/>
+  </p:clrMapOvr>
+</p:sld>
+</file>
+
+<file path=ppt/slides/slide51.xml><?xml version="1.0" encoding="utf-8"?>
+<p:sld xmlns:a="http://schemas.openxmlformats.org/drawingml/2006/main" xmlns:r="http://schemas.openxmlformats.org/officeDocument/2006/relationships" xmlns:p="http://schemas.openxmlformats.org/presentationml/2006/main">
+  <p:cSld>
+    <p:spTree>
+      <p:nvGrpSpPr>
+        <p:cNvPr id="1" name=""/>
+        <p:cNvGrpSpPr/>
+        <p:nvPr/>
+      </p:nvGrpSpPr>
+      <p:grpSpPr>
+        <a:xfrm>
+          <a:off x="0" y="0"/>
+          <a:ext cx="0" cy="0"/>
+          <a:chOff x="0" y="0"/>
+          <a:chExt cx="0" cy="0"/>
+        </a:xfrm>
+      </p:grpSpPr>
+      <p:sp>
+        <p:nvSpPr>
+          <p:cNvPr id="2" name="제목 1">
+            <a:extLst>
+              <a:ext uri="{FF2B5EF4-FFF2-40B4-BE49-F238E27FC236}">
+                <a16:creationId xmlns:a16="http://schemas.microsoft.com/office/drawing/2014/main" id="{857CAEEE-76AA-40C1-B447-CDAC421A426D}"/>
+              </a:ext>
+            </a:extLst>
+          </p:cNvPr>
+          <p:cNvSpPr>
+            <a:spLocks noGrp="1"/>
+          </p:cNvSpPr>
+          <p:nvPr>
+            <p:ph type="title"/>
+          </p:nvPr>
+        </p:nvSpPr>
+        <p:spPr/>
+        <p:txBody>
+          <a:bodyPr/>
+          <a:lstStyle/>
+          <a:p>
+            <a:r>
+              <a:rPr lang="en-US" altLang="ko-KR" dirty="0"/>
+              <a:t>USB Debugging &amp; OEM Unlocking</a:t>
+            </a:r>
+            <a:endParaRPr lang="ko-KR" altLang="en-US" dirty="0"/>
+          </a:p>
+        </p:txBody>
+      </p:sp>
+      <p:sp>
+        <p:nvSpPr>
+          <p:cNvPr id="3" name="내용 개체 틀 2">
+            <a:extLst>
+              <a:ext uri="{FF2B5EF4-FFF2-40B4-BE49-F238E27FC236}">
+                <a16:creationId xmlns:a16="http://schemas.microsoft.com/office/drawing/2014/main" id="{32ADA2EB-484E-4452-A8F1-879E4363CBD6}"/>
+              </a:ext>
+            </a:extLst>
+          </p:cNvPr>
+          <p:cNvSpPr>
+            <a:spLocks noGrp="1"/>
+          </p:cNvSpPr>
+          <p:nvPr>
+            <p:ph idx="1"/>
+          </p:nvPr>
+        </p:nvSpPr>
+        <p:spPr/>
+        <p:txBody>
+          <a:bodyPr/>
+          <a:lstStyle/>
+          <a:p>
+            <a:r>
+              <a:rPr lang="en-US" altLang="ko-KR" dirty="0"/>
+              <a:t>USB </a:t>
+            </a:r>
+            <a:r>
+              <a:rPr lang="ko-KR" altLang="en-US" dirty="0"/>
+              <a:t>디버깅 켜기</a:t>
+            </a:r>
+            <a:endParaRPr lang="en-US" altLang="ko-KR" dirty="0"/>
+          </a:p>
+          <a:p>
+            <a:pPr lvl="1"/>
+            <a:r>
+              <a:rPr lang="ko-KR" altLang="en-US" dirty="0"/>
+              <a:t>설정 </a:t>
+            </a:r>
+            <a:r>
+              <a:rPr lang="en-US" altLang="ko-KR" dirty="0"/>
+              <a:t>-&gt; </a:t>
+            </a:r>
+            <a:r>
+              <a:rPr lang="ko-KR" altLang="en-US" dirty="0"/>
+              <a:t>시스템 </a:t>
+            </a:r>
+            <a:r>
+              <a:rPr lang="en-US" altLang="ko-KR" dirty="0"/>
+              <a:t>-&gt; </a:t>
+            </a:r>
+            <a:r>
+              <a:rPr lang="ko-KR" altLang="en-US" dirty="0"/>
+              <a:t>개발자 옵션 </a:t>
+            </a:r>
+            <a:r>
+              <a:rPr lang="en-US" altLang="ko-KR" dirty="0"/>
+              <a:t>-&gt; USB</a:t>
+            </a:r>
+            <a:r>
+              <a:rPr lang="ko-KR" altLang="en-US" dirty="0"/>
+              <a:t> 디버깅 켜기</a:t>
+            </a:r>
+            <a:endParaRPr lang="en-US" altLang="ko-KR" dirty="0"/>
+          </a:p>
+          <a:p>
+            <a:pPr lvl="1"/>
+            <a:endParaRPr lang="en-US" altLang="ko-KR" dirty="0"/>
+          </a:p>
+          <a:p>
+            <a:r>
+              <a:rPr lang="en-US" altLang="ko-KR" dirty="0"/>
+              <a:t>OEM </a:t>
+            </a:r>
+            <a:r>
+              <a:rPr lang="ko-KR" altLang="en-US" dirty="0"/>
+              <a:t>잠금 해제</a:t>
+            </a:r>
+            <a:endParaRPr lang="en-US" altLang="ko-KR" dirty="0"/>
+          </a:p>
+          <a:p>
+            <a:pPr lvl="1"/>
+            <a:r>
+              <a:rPr lang="ko-KR" altLang="en-US" dirty="0"/>
+              <a:t>설정 </a:t>
+            </a:r>
+            <a:r>
+              <a:rPr lang="en-US" altLang="ko-KR" dirty="0"/>
+              <a:t>-&gt; </a:t>
+            </a:r>
+            <a:r>
+              <a:rPr lang="ko-KR" altLang="en-US" dirty="0"/>
+              <a:t>시스템 </a:t>
+            </a:r>
+            <a:r>
+              <a:rPr lang="en-US" altLang="ko-KR" dirty="0"/>
+              <a:t>-&gt; </a:t>
+            </a:r>
+            <a:r>
+              <a:rPr lang="ko-KR" altLang="en-US" dirty="0"/>
+              <a:t>개발자 옵션 </a:t>
+            </a:r>
+            <a:r>
+              <a:rPr lang="en-US" altLang="ko-KR" dirty="0"/>
+              <a:t>-&gt; OEM </a:t>
+            </a:r>
+            <a:r>
+              <a:rPr lang="ko-KR" altLang="en-US" dirty="0"/>
+              <a:t>잠금 해제 켜기 </a:t>
+            </a:r>
+            <a:endParaRPr lang="en-US" altLang="ko-KR" dirty="0"/>
+          </a:p>
+          <a:p>
+            <a:pPr lvl="1"/>
+            <a:r>
+              <a:rPr lang="ko-KR" altLang="en-US" dirty="0"/>
+              <a:t>해당 사진은 이미 </a:t>
+            </a:r>
+            <a:r>
+              <a:rPr lang="ko-KR" altLang="en-US" dirty="0" err="1"/>
+              <a:t>루팅</a:t>
+            </a:r>
+            <a:r>
+              <a:rPr lang="ko-KR" altLang="en-US" dirty="0"/>
+              <a:t> 된 상태라 옵션이 </a:t>
+            </a:r>
+            <a:r>
+              <a:rPr lang="ko-KR" altLang="en-US" dirty="0" err="1"/>
+              <a:t>잠겨있음</a:t>
+            </a:r>
+            <a:endParaRPr lang="en-US" altLang="ko-KR" dirty="0"/>
+          </a:p>
+        </p:txBody>
+      </p:sp>
+      <p:sp>
+        <p:nvSpPr>
+          <p:cNvPr id="4" name="날짜 개체 틀 3">
+            <a:extLst>
+              <a:ext uri="{FF2B5EF4-FFF2-40B4-BE49-F238E27FC236}">
+                <a16:creationId xmlns:a16="http://schemas.microsoft.com/office/drawing/2014/main" id="{64513433-068A-4695-9233-688079552E86}"/>
+              </a:ext>
+            </a:extLst>
+          </p:cNvPr>
+          <p:cNvSpPr>
+            <a:spLocks noGrp="1"/>
+          </p:cNvSpPr>
+          <p:nvPr>
+            <p:ph type="dt" sz="half" idx="10"/>
+          </p:nvPr>
+        </p:nvSpPr>
+        <p:spPr/>
+        <p:txBody>
+          <a:bodyPr/>
+          <a:lstStyle/>
+          <a:p>
+            <a:r>
+              <a:rPr lang="ko-KR" altLang="en-US"/>
+              <a:t>권철현</a:t>
+            </a:r>
+            <a:r>
+              <a:rPr lang="en-US" altLang="ko-KR"/>
+              <a:t>, </a:t>
+            </a:r>
+            <a:r>
+              <a:rPr lang="ko-KR" altLang="en-US"/>
+              <a:t>신재하</a:t>
+            </a:r>
+            <a:endParaRPr lang="ko-KR" altLang="en-US" dirty="0"/>
+          </a:p>
+        </p:txBody>
+      </p:sp>
+      <p:sp>
+        <p:nvSpPr>
+          <p:cNvPr id="5" name="슬라이드 번호 개체 틀 4">
+            <a:extLst>
+              <a:ext uri="{FF2B5EF4-FFF2-40B4-BE49-F238E27FC236}">
+                <a16:creationId xmlns:a16="http://schemas.microsoft.com/office/drawing/2014/main" id="{07474578-7F77-4B3C-A036-43FB02A2D3FC}"/>
+              </a:ext>
+            </a:extLst>
+          </p:cNvPr>
+          <p:cNvSpPr>
+            <a:spLocks noGrp="1"/>
+          </p:cNvSpPr>
+          <p:nvPr>
+            <p:ph type="sldNum" sz="quarter" idx="12"/>
+          </p:nvPr>
+        </p:nvSpPr>
+        <p:spPr/>
+        <p:txBody>
+          <a:bodyPr/>
+          <a:lstStyle/>
+          <a:p>
+            <a:fld id="{5FF72CB3-86FB-4DBB-A7AC-E8F6F3DA156B}" type="slidenum">
+              <a:rPr lang="ko-KR" altLang="en-US" smtClean="0"/>
+              <a:pPr/>
+              <a:t>51</a:t>
+            </a:fld>
+            <a:endParaRPr lang="ko-KR" altLang="en-US"/>
+          </a:p>
+        </p:txBody>
+      </p:sp>
+      <p:pic>
+        <p:nvPicPr>
+          <p:cNvPr id="7" name="그림 6">
+            <a:extLst>
+              <a:ext uri="{FF2B5EF4-FFF2-40B4-BE49-F238E27FC236}">
+                <a16:creationId xmlns:a16="http://schemas.microsoft.com/office/drawing/2014/main" id="{C6A59FA4-7F00-46F1-AD4D-DFE8F26B48CC}"/>
+              </a:ext>
+            </a:extLst>
+          </p:cNvPr>
+          <p:cNvPicPr>
+            <a:picLocks noChangeAspect="1"/>
+          </p:cNvPicPr>
+          <p:nvPr/>
+        </p:nvPicPr>
+        <p:blipFill>
+          <a:blip r:embed="rId3"/>
+          <a:stretch>
+            <a:fillRect/>
+          </a:stretch>
+        </p:blipFill>
+        <p:spPr>
+          <a:xfrm>
+            <a:off x="7285493" y="1400081"/>
+            <a:ext cx="2300467" cy="4982400"/>
+          </a:xfrm>
+          <a:prstGeom prst="rect">
+            <a:avLst/>
+          </a:prstGeom>
+        </p:spPr>
+      </p:pic>
+      <p:pic>
+        <p:nvPicPr>
+          <p:cNvPr id="9" name="그림 8">
+            <a:extLst>
+              <a:ext uri="{FF2B5EF4-FFF2-40B4-BE49-F238E27FC236}">
+                <a16:creationId xmlns:a16="http://schemas.microsoft.com/office/drawing/2014/main" id="{5B07D6D2-62D6-4839-92FC-EC38F0DB09D8}"/>
+              </a:ext>
+            </a:extLst>
+          </p:cNvPr>
+          <p:cNvPicPr>
+            <a:picLocks noChangeAspect="1"/>
+          </p:cNvPicPr>
+          <p:nvPr/>
+        </p:nvPicPr>
+        <p:blipFill>
+          <a:blip r:embed="rId4"/>
+          <a:stretch>
+            <a:fillRect/>
+          </a:stretch>
+        </p:blipFill>
+        <p:spPr>
+          <a:xfrm>
+            <a:off x="9761685" y="1400081"/>
+            <a:ext cx="2300467" cy="4982400"/>
+          </a:xfrm>
+          <a:prstGeom prst="rect">
+            <a:avLst/>
+          </a:prstGeom>
+        </p:spPr>
+      </p:pic>
+      <p:sp>
+        <p:nvSpPr>
+          <p:cNvPr id="10" name="직사각형 9">
+            <a:extLst>
+              <a:ext uri="{FF2B5EF4-FFF2-40B4-BE49-F238E27FC236}">
+                <a16:creationId xmlns:a16="http://schemas.microsoft.com/office/drawing/2014/main" id="{835578AF-4178-491D-B1B4-95075940D20D}"/>
+              </a:ext>
+            </a:extLst>
+          </p:cNvPr>
+          <p:cNvSpPr/>
+          <p:nvPr/>
+        </p:nvSpPr>
+        <p:spPr>
+          <a:xfrm>
+            <a:off x="7286259" y="4171190"/>
+            <a:ext cx="2299701" cy="483105"/>
+          </a:xfrm>
+          <a:prstGeom prst="rect">
+            <a:avLst/>
+          </a:prstGeom>
+          <a:noFill/>
+          <a:ln w="28575">
+            <a:solidFill>
+              <a:srgbClr val="FF0000"/>
+            </a:solidFill>
+          </a:ln>
+        </p:spPr>
+        <p:style>
+          <a:lnRef idx="2">
+            <a:schemeClr val="accent1">
+              <a:shade val="50000"/>
+            </a:schemeClr>
+          </a:lnRef>
+          <a:fillRef idx="1">
+            <a:schemeClr val="accent1"/>
+          </a:fillRef>
+          <a:effectRef idx="0">
+            <a:schemeClr val="accent1"/>
+          </a:effectRef>
+          <a:fontRef idx="minor">
+            <a:schemeClr val="lt1"/>
+          </a:fontRef>
+        </p:style>
+        <p:txBody>
+          <a:bodyPr rtlCol="0" anchor="ctr"/>
+          <a:lstStyle/>
+          <a:p>
+            <a:pPr algn="ctr"/>
+            <a:endParaRPr lang="ko-KR" altLang="en-US" dirty="0"/>
+          </a:p>
+        </p:txBody>
+      </p:sp>
+      <p:sp>
+        <p:nvSpPr>
+          <p:cNvPr id="11" name="직사각형 10">
+            <a:extLst>
+              <a:ext uri="{FF2B5EF4-FFF2-40B4-BE49-F238E27FC236}">
+                <a16:creationId xmlns:a16="http://schemas.microsoft.com/office/drawing/2014/main" id="{C83223B9-75B1-47FC-AE32-2E1B0AF67D4E}"/>
+              </a:ext>
+            </a:extLst>
+          </p:cNvPr>
+          <p:cNvSpPr/>
+          <p:nvPr/>
+        </p:nvSpPr>
+        <p:spPr>
+          <a:xfrm>
+            <a:off x="9762451" y="4034030"/>
+            <a:ext cx="2299701" cy="483105"/>
+          </a:xfrm>
+          <a:prstGeom prst="rect">
+            <a:avLst/>
+          </a:prstGeom>
+          <a:noFill/>
+          <a:ln w="28575">
+            <a:solidFill>
+              <a:srgbClr val="FF0000"/>
+            </a:solidFill>
+          </a:ln>
+        </p:spPr>
+        <p:style>
+          <a:lnRef idx="2">
+            <a:schemeClr val="accent1">
+              <a:shade val="50000"/>
+            </a:schemeClr>
+          </a:lnRef>
+          <a:fillRef idx="1">
+            <a:schemeClr val="accent1"/>
+          </a:fillRef>
+          <a:effectRef idx="0">
+            <a:schemeClr val="accent1"/>
+          </a:effectRef>
+          <a:fontRef idx="minor">
+            <a:schemeClr val="lt1"/>
+          </a:fontRef>
+        </p:style>
+        <p:txBody>
+          <a:bodyPr rtlCol="0" anchor="ctr"/>
+          <a:lstStyle/>
+          <a:p>
+            <a:pPr algn="ctr"/>
+            <a:endParaRPr lang="ko-KR" altLang="en-US" dirty="0"/>
+          </a:p>
+        </p:txBody>
+      </p:sp>
+    </p:spTree>
+    <p:extLst>
+      <p:ext uri="{BB962C8B-B14F-4D97-AF65-F5344CB8AC3E}">
+        <p14:creationId xmlns:p14="http://schemas.microsoft.com/office/powerpoint/2010/main" val="3527498744"/>
+      </p:ext>
+    </p:extLst>
+  </p:cSld>
+  <p:clrMapOvr>
+    <a:masterClrMapping/>
+  </p:clrMapOvr>
+</p:sld>
+</file>
+
+<file path=ppt/slides/slide52.xml><?xml version="1.0" encoding="utf-8"?>
+<p:sld xmlns:a="http://schemas.openxmlformats.org/drawingml/2006/main" xmlns:r="http://schemas.openxmlformats.org/officeDocument/2006/relationships" xmlns:p="http://schemas.openxmlformats.org/presentationml/2006/main">
+  <p:cSld>
+    <p:spTree>
+      <p:nvGrpSpPr>
+        <p:cNvPr id="1" name=""/>
+        <p:cNvGrpSpPr/>
+        <p:nvPr/>
+      </p:nvGrpSpPr>
+      <p:grpSpPr>
+        <a:xfrm>
+          <a:off x="0" y="0"/>
+          <a:ext cx="0" cy="0"/>
+          <a:chOff x="0" y="0"/>
+          <a:chExt cx="0" cy="0"/>
+        </a:xfrm>
+      </p:grpSpPr>
+      <p:sp>
+        <p:nvSpPr>
+          <p:cNvPr id="2" name="제목 1">
+            <a:extLst>
+              <a:ext uri="{FF2B5EF4-FFF2-40B4-BE49-F238E27FC236}">
+                <a16:creationId xmlns:a16="http://schemas.microsoft.com/office/drawing/2014/main" id="{6C0E1F80-1C97-41FE-99B8-C33073599923}"/>
+              </a:ext>
+            </a:extLst>
+          </p:cNvPr>
+          <p:cNvSpPr>
+            <a:spLocks noGrp="1"/>
+          </p:cNvSpPr>
+          <p:nvPr>
+            <p:ph type="title"/>
+          </p:nvPr>
+        </p:nvSpPr>
+        <p:spPr/>
+        <p:txBody>
+          <a:bodyPr/>
+          <a:lstStyle/>
+          <a:p>
+            <a:r>
+              <a:rPr lang="en-US" altLang="ko-KR" dirty="0"/>
+              <a:t>Unlock Bootloader </a:t>
+            </a:r>
+            <a:endParaRPr lang="ko-KR" altLang="en-US" dirty="0"/>
+          </a:p>
+        </p:txBody>
+      </p:sp>
+      <p:sp>
+        <p:nvSpPr>
+          <p:cNvPr id="3" name="내용 개체 틀 2">
+            <a:extLst>
+              <a:ext uri="{FF2B5EF4-FFF2-40B4-BE49-F238E27FC236}">
+                <a16:creationId xmlns:a16="http://schemas.microsoft.com/office/drawing/2014/main" id="{A1045A62-E89F-43F4-B9DD-3970DFC5D9A0}"/>
+              </a:ext>
+            </a:extLst>
+          </p:cNvPr>
+          <p:cNvSpPr>
+            <a:spLocks noGrp="1"/>
+          </p:cNvSpPr>
+          <p:nvPr>
+            <p:ph idx="1"/>
+          </p:nvPr>
+        </p:nvSpPr>
+        <p:spPr/>
+        <p:txBody>
+          <a:bodyPr/>
+          <a:lstStyle/>
+          <a:p>
+            <a:r>
+              <a:rPr lang="en-US" altLang="ko-KR" dirty="0"/>
+              <a:t>Bootloader</a:t>
+            </a:r>
+          </a:p>
+          <a:p>
+            <a:pPr lvl="1"/>
+            <a:r>
+              <a:rPr lang="ko-KR" altLang="en-US" dirty="0"/>
+              <a:t>부팅을 담당하는 프로그램</a:t>
+            </a:r>
+            <a:endParaRPr lang="en-US" altLang="ko-KR" dirty="0"/>
+          </a:p>
+          <a:p>
+            <a:pPr lvl="1"/>
+            <a:r>
+              <a:rPr lang="ko-KR" altLang="en-US" dirty="0" err="1"/>
+              <a:t>루팅을</a:t>
+            </a:r>
+            <a:r>
+              <a:rPr lang="ko-KR" altLang="en-US" dirty="0"/>
+              <a:t> 위해 초기화 해야함 </a:t>
+            </a:r>
+            <a:endParaRPr lang="en-US" altLang="ko-KR" dirty="0"/>
+          </a:p>
+          <a:p>
+            <a:r>
+              <a:rPr lang="ko-KR" altLang="en-US" dirty="0"/>
+              <a:t>데스크톱에 모바일 기기를 연결 후 다음 명령어 실행</a:t>
+            </a:r>
+            <a:endParaRPr lang="en-US" altLang="ko-KR" dirty="0"/>
+          </a:p>
+          <a:p>
+            <a:pPr lvl="1"/>
+            <a:endParaRPr lang="en-US" altLang="ko-KR" dirty="0"/>
+          </a:p>
+        </p:txBody>
+      </p:sp>
+      <p:sp>
+        <p:nvSpPr>
+          <p:cNvPr id="4" name="날짜 개체 틀 3">
+            <a:extLst>
+              <a:ext uri="{FF2B5EF4-FFF2-40B4-BE49-F238E27FC236}">
+                <a16:creationId xmlns:a16="http://schemas.microsoft.com/office/drawing/2014/main" id="{BC0BACC7-5EF2-44D6-8F2B-9DFFDB36AF89}"/>
+              </a:ext>
+            </a:extLst>
+          </p:cNvPr>
+          <p:cNvSpPr>
+            <a:spLocks noGrp="1"/>
+          </p:cNvSpPr>
+          <p:nvPr>
+            <p:ph type="dt" sz="half" idx="10"/>
+          </p:nvPr>
+        </p:nvSpPr>
+        <p:spPr/>
+        <p:txBody>
+          <a:bodyPr/>
+          <a:lstStyle/>
+          <a:p>
+            <a:r>
+              <a:rPr lang="ko-KR" altLang="en-US"/>
+              <a:t>권철현</a:t>
+            </a:r>
+            <a:r>
+              <a:rPr lang="en-US" altLang="ko-KR"/>
+              <a:t>, </a:t>
+            </a:r>
+            <a:r>
+              <a:rPr lang="ko-KR" altLang="en-US"/>
+              <a:t>신재하</a:t>
+            </a:r>
+            <a:endParaRPr lang="ko-KR" altLang="en-US" dirty="0"/>
+          </a:p>
+        </p:txBody>
+      </p:sp>
+      <p:sp>
+        <p:nvSpPr>
+          <p:cNvPr id="5" name="슬라이드 번호 개체 틀 4">
+            <a:extLst>
+              <a:ext uri="{FF2B5EF4-FFF2-40B4-BE49-F238E27FC236}">
+                <a16:creationId xmlns:a16="http://schemas.microsoft.com/office/drawing/2014/main" id="{B10DFD63-1DD9-4769-A661-FA21DE012956}"/>
+              </a:ext>
+            </a:extLst>
+          </p:cNvPr>
+          <p:cNvSpPr>
+            <a:spLocks noGrp="1"/>
+          </p:cNvSpPr>
+          <p:nvPr>
+            <p:ph type="sldNum" sz="quarter" idx="12"/>
+          </p:nvPr>
+        </p:nvSpPr>
+        <p:spPr/>
+        <p:txBody>
+          <a:bodyPr/>
+          <a:lstStyle/>
+          <a:p>
+            <a:fld id="{5FF72CB3-86FB-4DBB-A7AC-E8F6F3DA156B}" type="slidenum">
+              <a:rPr lang="ko-KR" altLang="en-US" smtClean="0"/>
+              <a:pPr/>
+              <a:t>52</a:t>
+            </a:fld>
+            <a:endParaRPr lang="ko-KR" altLang="en-US"/>
+          </a:p>
+        </p:txBody>
+      </p:sp>
+      <p:sp>
+        <p:nvSpPr>
+          <p:cNvPr id="6" name="사각형: 둥근 모서리 5">
+            <a:extLst>
+              <a:ext uri="{FF2B5EF4-FFF2-40B4-BE49-F238E27FC236}">
+                <a16:creationId xmlns:a16="http://schemas.microsoft.com/office/drawing/2014/main" id="{CC9CBCF6-7704-4F08-9AD7-AFC8BE5C0161}"/>
+              </a:ext>
+            </a:extLst>
+          </p:cNvPr>
+          <p:cNvSpPr/>
+          <p:nvPr/>
+        </p:nvSpPr>
+        <p:spPr>
+          <a:xfrm>
+            <a:off x="553294" y="3905702"/>
+            <a:ext cx="11206480" cy="932688"/>
+          </a:xfrm>
+          <a:prstGeom prst="roundRect">
+            <a:avLst/>
+          </a:prstGeom>
+          <a:solidFill>
+            <a:srgbClr val="A9D8B7"/>
+          </a:solidFill>
+          <a:ln>
+            <a:noFill/>
+          </a:ln>
+        </p:spPr>
+        <p:style>
+          <a:lnRef idx="2">
+            <a:schemeClr val="accent1">
+              <a:shade val="50000"/>
+            </a:schemeClr>
+          </a:lnRef>
+          <a:fillRef idx="1">
+            <a:schemeClr val="accent1"/>
+          </a:fillRef>
+          <a:effectRef idx="0">
+            <a:schemeClr val="accent1"/>
+          </a:effectRef>
+          <a:fontRef idx="minor">
+            <a:schemeClr val="lt1"/>
+          </a:fontRef>
+        </p:style>
+        <p:txBody>
+          <a:bodyPr rtlCol="0" anchor="ctr"/>
+          <a:lstStyle/>
+          <a:p>
+            <a:r>
+              <a:rPr lang="en-US" altLang="ko-KR" sz="2800" b="1" dirty="0">
+                <a:solidFill>
+                  <a:schemeClr val="tx1"/>
+                </a:solidFill>
+              </a:rPr>
+              <a:t>$ </a:t>
+            </a:r>
+            <a:r>
+              <a:rPr lang="en-US" altLang="ko-KR" sz="2800" b="1" dirty="0" err="1">
+                <a:solidFill>
+                  <a:schemeClr val="tx1"/>
+                </a:solidFill>
+              </a:rPr>
+              <a:t>adb</a:t>
+            </a:r>
+            <a:r>
+              <a:rPr lang="en-US" altLang="ko-KR" sz="2800" b="1" dirty="0">
+                <a:solidFill>
+                  <a:schemeClr val="tx1"/>
+                </a:solidFill>
+              </a:rPr>
+              <a:t> reboot bootloader</a:t>
+            </a:r>
+          </a:p>
+          <a:p>
+            <a:r>
+              <a:rPr lang="en-US" altLang="ko-KR" sz="2800" b="1" dirty="0">
+                <a:solidFill>
+                  <a:schemeClr val="tx1"/>
+                </a:solidFill>
+              </a:rPr>
+              <a:t>$ </a:t>
+            </a:r>
+            <a:r>
+              <a:rPr lang="en-US" altLang="ko-KR" sz="2800" b="1" dirty="0" err="1">
+                <a:solidFill>
+                  <a:schemeClr val="tx1"/>
+                </a:solidFill>
+              </a:rPr>
+              <a:t>fastboot</a:t>
+            </a:r>
+            <a:r>
+              <a:rPr lang="en-US" altLang="ko-KR" sz="2800" b="1" dirty="0">
+                <a:solidFill>
+                  <a:schemeClr val="tx1"/>
+                </a:solidFill>
+              </a:rPr>
+              <a:t> flashing unlock </a:t>
+            </a:r>
+          </a:p>
+        </p:txBody>
+      </p:sp>
+      <p:pic>
+        <p:nvPicPr>
+          <p:cNvPr id="8" name="그림 7">
+            <a:extLst>
+              <a:ext uri="{FF2B5EF4-FFF2-40B4-BE49-F238E27FC236}">
+                <a16:creationId xmlns:a16="http://schemas.microsoft.com/office/drawing/2014/main" id="{E7DD3D4D-23C5-43FF-91C2-46395D5A7440}"/>
+              </a:ext>
+            </a:extLst>
+          </p:cNvPr>
+          <p:cNvPicPr>
+            <a:picLocks noChangeAspect="1"/>
+          </p:cNvPicPr>
+          <p:nvPr/>
+        </p:nvPicPr>
+        <p:blipFill>
+          <a:blip r:embed="rId2"/>
+          <a:stretch>
+            <a:fillRect/>
+          </a:stretch>
+        </p:blipFill>
+        <p:spPr>
+          <a:xfrm>
+            <a:off x="553294" y="4997622"/>
+            <a:ext cx="4402754" cy="1398089"/>
+          </a:xfrm>
+          <a:prstGeom prst="rect">
+            <a:avLst/>
+          </a:prstGeom>
+        </p:spPr>
+      </p:pic>
+    </p:spTree>
+    <p:extLst>
+      <p:ext uri="{BB962C8B-B14F-4D97-AF65-F5344CB8AC3E}">
+        <p14:creationId xmlns:p14="http://schemas.microsoft.com/office/powerpoint/2010/main" val="146912833"/>
+      </p:ext>
+    </p:extLst>
+  </p:cSld>
+  <p:clrMapOvr>
+    <a:masterClrMapping/>
+  </p:clrMapOvr>
+</p:sld>
+</file>
+
+<file path=ppt/slides/slide53.xml><?xml version="1.0" encoding="utf-8"?>
+<p:sld xmlns:a="http://schemas.openxmlformats.org/drawingml/2006/main" xmlns:r="http://schemas.openxmlformats.org/officeDocument/2006/relationships" xmlns:p="http://schemas.openxmlformats.org/presentationml/2006/main">
+  <p:cSld>
+    <p:spTree>
+      <p:nvGrpSpPr>
+        <p:cNvPr id="1" name=""/>
+        <p:cNvGrpSpPr/>
+        <p:nvPr/>
+      </p:nvGrpSpPr>
+      <p:grpSpPr>
+        <a:xfrm>
+          <a:off x="0" y="0"/>
+          <a:ext cx="0" cy="0"/>
+          <a:chOff x="0" y="0"/>
+          <a:chExt cx="0" cy="0"/>
+        </a:xfrm>
+      </p:grpSpPr>
+      <p:sp>
+        <p:nvSpPr>
+          <p:cNvPr id="2" name="제목 1">
+            <a:extLst>
+              <a:ext uri="{FF2B5EF4-FFF2-40B4-BE49-F238E27FC236}">
+                <a16:creationId xmlns:a16="http://schemas.microsoft.com/office/drawing/2014/main" id="{8DA2A28E-7AFD-44B1-A7D0-0494E0A2C450}"/>
+              </a:ext>
+            </a:extLst>
+          </p:cNvPr>
+          <p:cNvSpPr>
+            <a:spLocks noGrp="1"/>
+          </p:cNvSpPr>
+          <p:nvPr>
+            <p:ph type="title"/>
+          </p:nvPr>
+        </p:nvSpPr>
+        <p:spPr/>
+        <p:txBody>
+          <a:bodyPr/>
+          <a:lstStyle/>
+          <a:p>
+            <a:r>
+              <a:rPr lang="en-US" altLang="ko-KR" dirty="0"/>
+              <a:t>Install</a:t>
+            </a:r>
+            <a:r>
+              <a:rPr lang="ko-KR" altLang="en-US" dirty="0"/>
+              <a:t> </a:t>
+            </a:r>
+            <a:r>
+              <a:rPr lang="en-US" altLang="ko-KR" dirty="0"/>
+              <a:t>Stock Firmware</a:t>
+            </a:r>
+            <a:endParaRPr lang="ko-KR" altLang="en-US" dirty="0"/>
+          </a:p>
+        </p:txBody>
+      </p:sp>
+      <p:sp>
+        <p:nvSpPr>
+          <p:cNvPr id="3" name="내용 개체 틀 2">
+            <a:extLst>
+              <a:ext uri="{FF2B5EF4-FFF2-40B4-BE49-F238E27FC236}">
+                <a16:creationId xmlns:a16="http://schemas.microsoft.com/office/drawing/2014/main" id="{BC9760D5-2722-4395-BCF7-D9CDB1256935}"/>
+              </a:ext>
+            </a:extLst>
+          </p:cNvPr>
+          <p:cNvSpPr>
+            <a:spLocks noGrp="1"/>
+          </p:cNvSpPr>
+          <p:nvPr>
+            <p:ph idx="1"/>
+          </p:nvPr>
+        </p:nvSpPr>
+        <p:spPr/>
+        <p:txBody>
+          <a:bodyPr/>
+          <a:lstStyle/>
+          <a:p>
+            <a:r>
+              <a:rPr lang="en-US" altLang="ko-KR" dirty="0"/>
+              <a:t>Stock</a:t>
+            </a:r>
+            <a:r>
+              <a:rPr lang="ko-KR" altLang="en-US" dirty="0"/>
+              <a:t> </a:t>
+            </a:r>
+            <a:r>
+              <a:rPr lang="en-US" altLang="ko-KR" dirty="0"/>
+              <a:t>Firmware</a:t>
+            </a:r>
+          </a:p>
+          <a:p>
+            <a:pPr lvl="1"/>
+            <a:r>
+              <a:rPr lang="ko-KR" altLang="en-US" dirty="0"/>
+              <a:t>제조업체가 특정 장치를 위해 설계한 공식 소프트웨어 </a:t>
+            </a:r>
+            <a:endParaRPr lang="en-US" altLang="ko-KR" dirty="0"/>
+          </a:p>
+          <a:p>
+            <a:pPr lvl="1"/>
+            <a:r>
+              <a:rPr lang="en-US" altLang="ko-KR" dirty="0"/>
+              <a:t>Pixel 6 Pro</a:t>
+            </a:r>
+            <a:r>
+              <a:rPr lang="ko-KR" altLang="en-US" dirty="0"/>
+              <a:t>를 위한 펌웨어를 설치</a:t>
+            </a:r>
+            <a:r>
+              <a:rPr lang="en-US" altLang="ko-KR" dirty="0"/>
+              <a:t>, </a:t>
+            </a:r>
+            <a:r>
+              <a:rPr lang="en-US" altLang="ko-KR" dirty="0">
+                <a:hlinkClick r:id="rId2"/>
+              </a:rPr>
+              <a:t>https://developers.google.com/android/images#raven</a:t>
+            </a:r>
+            <a:endParaRPr lang="en-US" altLang="ko-KR" dirty="0"/>
+          </a:p>
+          <a:p>
+            <a:pPr lvl="1"/>
+            <a:r>
+              <a:rPr lang="ko-KR" altLang="en-US" dirty="0"/>
+              <a:t>설정 </a:t>
+            </a:r>
+            <a:r>
+              <a:rPr lang="en-US" altLang="ko-KR" dirty="0"/>
+              <a:t>-&gt; </a:t>
+            </a:r>
+            <a:r>
+              <a:rPr lang="ko-KR" altLang="en-US" dirty="0"/>
+              <a:t>휴대전화 정보 </a:t>
+            </a:r>
+            <a:r>
+              <a:rPr lang="en-US" altLang="ko-KR" dirty="0"/>
+              <a:t>-&gt; </a:t>
+            </a:r>
+            <a:r>
+              <a:rPr lang="ko-KR" altLang="en-US" dirty="0"/>
+              <a:t>빌드 번호에서 버전을 확인 후 설치 </a:t>
+            </a:r>
+            <a:endParaRPr lang="en-US" altLang="ko-KR" dirty="0"/>
+          </a:p>
+        </p:txBody>
+      </p:sp>
+      <p:sp>
+        <p:nvSpPr>
+          <p:cNvPr id="4" name="날짜 개체 틀 3">
+            <a:extLst>
+              <a:ext uri="{FF2B5EF4-FFF2-40B4-BE49-F238E27FC236}">
+                <a16:creationId xmlns:a16="http://schemas.microsoft.com/office/drawing/2014/main" id="{2E0BE904-7F28-4D59-A8E5-E43D2B57819D}"/>
+              </a:ext>
+            </a:extLst>
+          </p:cNvPr>
+          <p:cNvSpPr>
+            <a:spLocks noGrp="1"/>
+          </p:cNvSpPr>
+          <p:nvPr>
+            <p:ph type="dt" sz="half" idx="10"/>
+          </p:nvPr>
+        </p:nvSpPr>
+        <p:spPr/>
+        <p:txBody>
+          <a:bodyPr/>
+          <a:lstStyle/>
+          <a:p>
+            <a:r>
+              <a:rPr lang="ko-KR" altLang="en-US"/>
+              <a:t>권철현</a:t>
+            </a:r>
+            <a:r>
+              <a:rPr lang="en-US" altLang="ko-KR"/>
+              <a:t>, </a:t>
+            </a:r>
+            <a:r>
+              <a:rPr lang="ko-KR" altLang="en-US"/>
+              <a:t>신재하</a:t>
+            </a:r>
+            <a:endParaRPr lang="ko-KR" altLang="en-US" dirty="0"/>
+          </a:p>
+        </p:txBody>
+      </p:sp>
+      <p:sp>
+        <p:nvSpPr>
+          <p:cNvPr id="5" name="슬라이드 번호 개체 틀 4">
+            <a:extLst>
+              <a:ext uri="{FF2B5EF4-FFF2-40B4-BE49-F238E27FC236}">
+                <a16:creationId xmlns:a16="http://schemas.microsoft.com/office/drawing/2014/main" id="{822FE4C1-0B09-4620-9D30-FFE76ACBB4D8}"/>
+              </a:ext>
+            </a:extLst>
+          </p:cNvPr>
+          <p:cNvSpPr>
+            <a:spLocks noGrp="1"/>
+          </p:cNvSpPr>
+          <p:nvPr>
+            <p:ph type="sldNum" sz="quarter" idx="12"/>
+          </p:nvPr>
+        </p:nvSpPr>
+        <p:spPr/>
+        <p:txBody>
+          <a:bodyPr/>
+          <a:lstStyle/>
+          <a:p>
+            <a:fld id="{5FF72CB3-86FB-4DBB-A7AC-E8F6F3DA156B}" type="slidenum">
+              <a:rPr lang="ko-KR" altLang="en-US" smtClean="0"/>
+              <a:pPr/>
+              <a:t>53</a:t>
+            </a:fld>
+            <a:endParaRPr lang="ko-KR" altLang="en-US"/>
+          </a:p>
+        </p:txBody>
+      </p:sp>
+      <p:pic>
+        <p:nvPicPr>
+          <p:cNvPr id="7" name="그림 6">
+            <a:extLst>
+              <a:ext uri="{FF2B5EF4-FFF2-40B4-BE49-F238E27FC236}">
+                <a16:creationId xmlns:a16="http://schemas.microsoft.com/office/drawing/2014/main" id="{797AE8F1-AE1A-4052-B70C-87FCA09E0CA8}"/>
+              </a:ext>
+            </a:extLst>
+          </p:cNvPr>
+          <p:cNvPicPr>
+            <a:picLocks noChangeAspect="1"/>
+          </p:cNvPicPr>
+          <p:nvPr/>
+        </p:nvPicPr>
+        <p:blipFill rotWithShape="1">
+          <a:blip r:embed="rId3"/>
+          <a:srcRect t="64052"/>
+          <a:stretch/>
+        </p:blipFill>
+        <p:spPr>
+          <a:xfrm>
+            <a:off x="1396587" y="4101650"/>
+            <a:ext cx="2867624" cy="2232647"/>
+          </a:xfrm>
+          <a:prstGeom prst="rect">
+            <a:avLst/>
+          </a:prstGeom>
+        </p:spPr>
+      </p:pic>
+      <p:sp>
+        <p:nvSpPr>
+          <p:cNvPr id="9" name="직사각형 8">
+            <a:extLst>
+              <a:ext uri="{FF2B5EF4-FFF2-40B4-BE49-F238E27FC236}">
+                <a16:creationId xmlns:a16="http://schemas.microsoft.com/office/drawing/2014/main" id="{22EF0774-B7D9-48D3-AFA3-8CD1DEAC4B00}"/>
+              </a:ext>
+            </a:extLst>
+          </p:cNvPr>
+          <p:cNvSpPr/>
+          <p:nvPr/>
+        </p:nvSpPr>
+        <p:spPr>
+          <a:xfrm>
+            <a:off x="1396587" y="5701203"/>
+            <a:ext cx="2867624" cy="484374"/>
+          </a:xfrm>
+          <a:prstGeom prst="rect">
+            <a:avLst/>
+          </a:prstGeom>
+          <a:noFill/>
+          <a:ln w="28575">
+            <a:solidFill>
+              <a:srgbClr val="FF0000"/>
+            </a:solidFill>
+          </a:ln>
+        </p:spPr>
+        <p:style>
+          <a:lnRef idx="2">
+            <a:schemeClr val="accent1">
+              <a:shade val="50000"/>
+            </a:schemeClr>
+          </a:lnRef>
+          <a:fillRef idx="1">
+            <a:schemeClr val="accent1"/>
+          </a:fillRef>
+          <a:effectRef idx="0">
+            <a:schemeClr val="accent1"/>
+          </a:effectRef>
+          <a:fontRef idx="minor">
+            <a:schemeClr val="lt1"/>
+          </a:fontRef>
+        </p:style>
+        <p:txBody>
+          <a:bodyPr rtlCol="0" anchor="ctr"/>
+          <a:lstStyle/>
+          <a:p>
+            <a:pPr algn="ctr"/>
+            <a:endParaRPr lang="ko-KR" altLang="en-US" dirty="0"/>
+          </a:p>
+        </p:txBody>
+      </p:sp>
+      <p:pic>
+        <p:nvPicPr>
+          <p:cNvPr id="11" name="그림 10">
+            <a:extLst>
+              <a:ext uri="{FF2B5EF4-FFF2-40B4-BE49-F238E27FC236}">
+                <a16:creationId xmlns:a16="http://schemas.microsoft.com/office/drawing/2014/main" id="{FA2501DE-8353-4951-B39F-4A32E12EF9F4}"/>
+              </a:ext>
+            </a:extLst>
+          </p:cNvPr>
+          <p:cNvPicPr>
+            <a:picLocks noChangeAspect="1"/>
+          </p:cNvPicPr>
+          <p:nvPr/>
+        </p:nvPicPr>
+        <p:blipFill rotWithShape="1">
+          <a:blip r:embed="rId4"/>
+          <a:srcRect b="10481"/>
+          <a:stretch/>
+        </p:blipFill>
+        <p:spPr>
+          <a:xfrm>
+            <a:off x="5626182" y="3601819"/>
+            <a:ext cx="4080975" cy="2825309"/>
+          </a:xfrm>
+          <a:prstGeom prst="rect">
+            <a:avLst/>
+          </a:prstGeom>
+        </p:spPr>
+      </p:pic>
+      <p:sp>
+        <p:nvSpPr>
+          <p:cNvPr id="12" name="직사각형 11">
+            <a:extLst>
+              <a:ext uri="{FF2B5EF4-FFF2-40B4-BE49-F238E27FC236}">
+                <a16:creationId xmlns:a16="http://schemas.microsoft.com/office/drawing/2014/main" id="{DD6A0101-01D2-4EBE-885C-671FC7C55839}"/>
+              </a:ext>
+            </a:extLst>
+          </p:cNvPr>
+          <p:cNvSpPr/>
+          <p:nvPr/>
+        </p:nvSpPr>
+        <p:spPr>
+          <a:xfrm>
+            <a:off x="5769863" y="6155303"/>
+            <a:ext cx="941833" cy="271826"/>
+          </a:xfrm>
+          <a:prstGeom prst="rect">
+            <a:avLst/>
+          </a:prstGeom>
+          <a:noFill/>
+          <a:ln w="28575">
+            <a:solidFill>
+              <a:srgbClr val="FF0000"/>
+            </a:solidFill>
+          </a:ln>
+        </p:spPr>
+        <p:style>
+          <a:lnRef idx="2">
+            <a:schemeClr val="accent1">
+              <a:shade val="50000"/>
+            </a:schemeClr>
+          </a:lnRef>
+          <a:fillRef idx="1">
+            <a:schemeClr val="accent1"/>
+          </a:fillRef>
+          <a:effectRef idx="0">
+            <a:schemeClr val="accent1"/>
+          </a:effectRef>
+          <a:fontRef idx="minor">
+            <a:schemeClr val="lt1"/>
+          </a:fontRef>
+        </p:style>
+        <p:txBody>
+          <a:bodyPr rtlCol="0" anchor="ctr"/>
+          <a:lstStyle/>
+          <a:p>
+            <a:pPr algn="ctr"/>
+            <a:endParaRPr lang="ko-KR" altLang="en-US" dirty="0"/>
+          </a:p>
+        </p:txBody>
+      </p:sp>
+    </p:spTree>
+    <p:extLst>
+      <p:ext uri="{BB962C8B-B14F-4D97-AF65-F5344CB8AC3E}">
+        <p14:creationId xmlns:p14="http://schemas.microsoft.com/office/powerpoint/2010/main" val="2186253749"/>
+      </p:ext>
+    </p:extLst>
+  </p:cSld>
+  <p:clrMapOvr>
+    <a:masterClrMapping/>
+  </p:clrMapOvr>
+</p:sld>
+</file>
+
+<file path=ppt/slides/slide54.xml><?xml version="1.0" encoding="utf-8"?>
+<p:sld xmlns:a="http://schemas.openxmlformats.org/drawingml/2006/main" xmlns:r="http://schemas.openxmlformats.org/officeDocument/2006/relationships" xmlns:p="http://schemas.openxmlformats.org/presentationml/2006/main">
+  <p:cSld>
+    <p:spTree>
+      <p:nvGrpSpPr>
+        <p:cNvPr id="1" name=""/>
+        <p:cNvGrpSpPr/>
+        <p:nvPr/>
+      </p:nvGrpSpPr>
+      <p:grpSpPr>
+        <a:xfrm>
+          <a:off x="0" y="0"/>
+          <a:ext cx="0" cy="0"/>
+          <a:chOff x="0" y="0"/>
+          <a:chExt cx="0" cy="0"/>
+        </a:xfrm>
+      </p:grpSpPr>
+      <p:sp>
+        <p:nvSpPr>
+          <p:cNvPr id="2" name="제목 1">
+            <a:extLst>
+              <a:ext uri="{FF2B5EF4-FFF2-40B4-BE49-F238E27FC236}">
+                <a16:creationId xmlns:a16="http://schemas.microsoft.com/office/drawing/2014/main" id="{837A21B1-A241-49C1-91B9-31D0F9E99879}"/>
+              </a:ext>
+            </a:extLst>
+          </p:cNvPr>
+          <p:cNvSpPr>
+            <a:spLocks noGrp="1"/>
+          </p:cNvSpPr>
+          <p:nvPr>
+            <p:ph type="title"/>
+          </p:nvPr>
+        </p:nvSpPr>
+        <p:spPr/>
+        <p:txBody>
+          <a:bodyPr/>
+          <a:lstStyle/>
+          <a:p>
+            <a:r>
+              <a:rPr lang="en-US" altLang="ko-KR" dirty="0"/>
+              <a:t>Install</a:t>
+            </a:r>
+            <a:r>
+              <a:rPr lang="ko-KR" altLang="en-US" dirty="0"/>
+              <a:t> </a:t>
+            </a:r>
+            <a:r>
+              <a:rPr lang="en-US" altLang="ko-KR" dirty="0"/>
+              <a:t>Stock Firmware</a:t>
+            </a:r>
+            <a:endParaRPr lang="ko-KR" altLang="en-US" dirty="0"/>
+          </a:p>
+        </p:txBody>
+      </p:sp>
+      <p:sp>
+        <p:nvSpPr>
+          <p:cNvPr id="3" name="내용 개체 틀 2">
+            <a:extLst>
+              <a:ext uri="{FF2B5EF4-FFF2-40B4-BE49-F238E27FC236}">
+                <a16:creationId xmlns:a16="http://schemas.microsoft.com/office/drawing/2014/main" id="{8436F945-97A0-46C7-BDA6-A2C91CF52844}"/>
+              </a:ext>
+            </a:extLst>
+          </p:cNvPr>
+          <p:cNvSpPr>
+            <a:spLocks noGrp="1"/>
+          </p:cNvSpPr>
+          <p:nvPr>
+            <p:ph idx="1"/>
+          </p:nvPr>
+        </p:nvSpPr>
+        <p:spPr/>
+        <p:txBody>
+          <a:bodyPr/>
+          <a:lstStyle/>
+          <a:p>
+            <a:r>
+              <a:rPr lang="en-US" altLang="ko-KR" dirty="0"/>
+              <a:t>Extract</a:t>
+            </a:r>
+          </a:p>
+          <a:p>
+            <a:pPr lvl="1"/>
+            <a:r>
+              <a:rPr lang="ko-KR" altLang="en-US" dirty="0"/>
+              <a:t>다운로드가 완료되면 압축을 해제한다</a:t>
+            </a:r>
+            <a:r>
+              <a:rPr lang="en-US" altLang="ko-KR" dirty="0"/>
+              <a:t>.</a:t>
+            </a:r>
+          </a:p>
+          <a:p>
+            <a:pPr lvl="1"/>
+            <a:r>
+              <a:rPr lang="ko-KR" altLang="en-US" dirty="0"/>
+              <a:t>한번 더 압축을 해제한 뒤 </a:t>
+            </a:r>
+            <a:r>
+              <a:rPr lang="en-US" altLang="ko-KR" dirty="0" err="1"/>
+              <a:t>boot.img</a:t>
+            </a:r>
+            <a:r>
+              <a:rPr lang="en-US" altLang="ko-KR" dirty="0"/>
+              <a:t> </a:t>
+            </a:r>
+            <a:r>
+              <a:rPr lang="ko-KR" altLang="en-US" dirty="0"/>
+              <a:t>파일을 찾는다</a:t>
+            </a:r>
+            <a:r>
+              <a:rPr lang="en-US" altLang="ko-KR" dirty="0"/>
+              <a:t>.</a:t>
+            </a:r>
+            <a:endParaRPr lang="ko-KR" altLang="en-US" dirty="0"/>
+          </a:p>
+        </p:txBody>
+      </p:sp>
+      <p:sp>
+        <p:nvSpPr>
+          <p:cNvPr id="4" name="날짜 개체 틀 3">
+            <a:extLst>
+              <a:ext uri="{FF2B5EF4-FFF2-40B4-BE49-F238E27FC236}">
+                <a16:creationId xmlns:a16="http://schemas.microsoft.com/office/drawing/2014/main" id="{D8B1A732-2C6C-4D3F-9894-D7AFD8CA95CA}"/>
+              </a:ext>
+            </a:extLst>
+          </p:cNvPr>
+          <p:cNvSpPr>
+            <a:spLocks noGrp="1"/>
+          </p:cNvSpPr>
+          <p:nvPr>
+            <p:ph type="dt" sz="half" idx="10"/>
+          </p:nvPr>
+        </p:nvSpPr>
+        <p:spPr/>
+        <p:txBody>
+          <a:bodyPr/>
+          <a:lstStyle/>
+          <a:p>
+            <a:r>
+              <a:rPr lang="ko-KR" altLang="en-US"/>
+              <a:t>권철현</a:t>
+            </a:r>
+            <a:r>
+              <a:rPr lang="en-US" altLang="ko-KR"/>
+              <a:t>, </a:t>
+            </a:r>
+            <a:r>
+              <a:rPr lang="ko-KR" altLang="en-US"/>
+              <a:t>신재하</a:t>
+            </a:r>
+            <a:endParaRPr lang="ko-KR" altLang="en-US" dirty="0"/>
+          </a:p>
+        </p:txBody>
+      </p:sp>
+      <p:sp>
+        <p:nvSpPr>
+          <p:cNvPr id="5" name="슬라이드 번호 개체 틀 4">
+            <a:extLst>
+              <a:ext uri="{FF2B5EF4-FFF2-40B4-BE49-F238E27FC236}">
+                <a16:creationId xmlns:a16="http://schemas.microsoft.com/office/drawing/2014/main" id="{91408029-9897-4D4E-90FE-5AC9C59B805E}"/>
+              </a:ext>
+            </a:extLst>
+          </p:cNvPr>
+          <p:cNvSpPr>
+            <a:spLocks noGrp="1"/>
+          </p:cNvSpPr>
+          <p:nvPr>
+            <p:ph type="sldNum" sz="quarter" idx="12"/>
+          </p:nvPr>
+        </p:nvSpPr>
+        <p:spPr/>
+        <p:txBody>
+          <a:bodyPr/>
+          <a:lstStyle/>
+          <a:p>
+            <a:fld id="{5FF72CB3-86FB-4DBB-A7AC-E8F6F3DA156B}" type="slidenum">
+              <a:rPr lang="ko-KR" altLang="en-US" smtClean="0"/>
+              <a:pPr/>
+              <a:t>54</a:t>
+            </a:fld>
+            <a:endParaRPr lang="ko-KR" altLang="en-US"/>
+          </a:p>
+        </p:txBody>
+      </p:sp>
+      <p:pic>
+        <p:nvPicPr>
+          <p:cNvPr id="7" name="그림 6">
+            <a:extLst>
+              <a:ext uri="{FF2B5EF4-FFF2-40B4-BE49-F238E27FC236}">
+                <a16:creationId xmlns:a16="http://schemas.microsoft.com/office/drawing/2014/main" id="{4B293E81-CC4D-487B-8E6E-353E934C00E9}"/>
+              </a:ext>
+            </a:extLst>
+          </p:cNvPr>
+          <p:cNvPicPr>
+            <a:picLocks noChangeAspect="1"/>
+          </p:cNvPicPr>
+          <p:nvPr/>
+        </p:nvPicPr>
+        <p:blipFill rotWithShape="1">
+          <a:blip r:embed="rId2"/>
+          <a:srcRect r="6786"/>
+          <a:stretch/>
+        </p:blipFill>
+        <p:spPr>
+          <a:xfrm>
+            <a:off x="188423" y="3252247"/>
+            <a:ext cx="5907577" cy="1686571"/>
+          </a:xfrm>
+          <a:prstGeom prst="rect">
+            <a:avLst/>
+          </a:prstGeom>
+        </p:spPr>
+      </p:pic>
+      <p:pic>
+        <p:nvPicPr>
+          <p:cNvPr id="9" name="그림 8">
+            <a:extLst>
+              <a:ext uri="{FF2B5EF4-FFF2-40B4-BE49-F238E27FC236}">
+                <a16:creationId xmlns:a16="http://schemas.microsoft.com/office/drawing/2014/main" id="{AC307F70-E10F-4DCB-8D0D-1139428D7CB5}"/>
+              </a:ext>
+            </a:extLst>
+          </p:cNvPr>
+          <p:cNvPicPr>
+            <a:picLocks noChangeAspect="1"/>
+          </p:cNvPicPr>
+          <p:nvPr/>
+        </p:nvPicPr>
+        <p:blipFill>
+          <a:blip r:embed="rId3"/>
+          <a:stretch>
+            <a:fillRect/>
+          </a:stretch>
+        </p:blipFill>
+        <p:spPr>
+          <a:xfrm>
+            <a:off x="6363584" y="3252247"/>
+            <a:ext cx="5639992" cy="2724347"/>
+          </a:xfrm>
+          <a:prstGeom prst="rect">
+            <a:avLst/>
+          </a:prstGeom>
+        </p:spPr>
+      </p:pic>
+      <p:sp>
+        <p:nvSpPr>
+          <p:cNvPr id="10" name="직사각형 9">
+            <a:extLst>
+              <a:ext uri="{FF2B5EF4-FFF2-40B4-BE49-F238E27FC236}">
+                <a16:creationId xmlns:a16="http://schemas.microsoft.com/office/drawing/2014/main" id="{33A0C6E5-30A6-49E4-8FD8-A5F986A83630}"/>
+              </a:ext>
+            </a:extLst>
+          </p:cNvPr>
+          <p:cNvSpPr/>
+          <p:nvPr/>
+        </p:nvSpPr>
+        <p:spPr>
+          <a:xfrm>
+            <a:off x="4441445" y="3601039"/>
+            <a:ext cx="762152" cy="810706"/>
+          </a:xfrm>
+          <a:prstGeom prst="rect">
+            <a:avLst/>
+          </a:prstGeom>
+          <a:noFill/>
+          <a:ln w="28575">
+            <a:solidFill>
+              <a:srgbClr val="FF0000"/>
+            </a:solidFill>
+          </a:ln>
+        </p:spPr>
+        <p:style>
+          <a:lnRef idx="2">
+            <a:schemeClr val="accent1">
+              <a:shade val="50000"/>
+            </a:schemeClr>
+          </a:lnRef>
+          <a:fillRef idx="1">
+            <a:schemeClr val="accent1"/>
+          </a:fillRef>
+          <a:effectRef idx="0">
+            <a:schemeClr val="accent1"/>
+          </a:effectRef>
+          <a:fontRef idx="minor">
+            <a:schemeClr val="lt1"/>
+          </a:fontRef>
+        </p:style>
+        <p:txBody>
+          <a:bodyPr rtlCol="0" anchor="ctr"/>
+          <a:lstStyle/>
+          <a:p>
+            <a:pPr algn="ctr"/>
+            <a:endParaRPr lang="ko-KR" altLang="en-US" dirty="0"/>
+          </a:p>
+        </p:txBody>
+      </p:sp>
+      <p:sp>
+        <p:nvSpPr>
+          <p:cNvPr id="13" name="직사각형 12">
+            <a:extLst>
+              <a:ext uri="{FF2B5EF4-FFF2-40B4-BE49-F238E27FC236}">
+                <a16:creationId xmlns:a16="http://schemas.microsoft.com/office/drawing/2014/main" id="{E8356189-2153-4D77-A9CE-A5DCBB2B5F73}"/>
+              </a:ext>
+            </a:extLst>
+          </p:cNvPr>
+          <p:cNvSpPr/>
+          <p:nvPr/>
+        </p:nvSpPr>
+        <p:spPr>
+          <a:xfrm>
+            <a:off x="8092440" y="3529583"/>
+            <a:ext cx="630936" cy="594361"/>
+          </a:xfrm>
+          <a:prstGeom prst="rect">
+            <a:avLst/>
+          </a:prstGeom>
+          <a:noFill/>
+          <a:ln w="28575">
+            <a:solidFill>
+              <a:srgbClr val="FF0000"/>
+            </a:solidFill>
+          </a:ln>
+        </p:spPr>
+        <p:style>
+          <a:lnRef idx="2">
+            <a:schemeClr val="accent1">
+              <a:shade val="50000"/>
+            </a:schemeClr>
+          </a:lnRef>
+          <a:fillRef idx="1">
+            <a:schemeClr val="accent1"/>
+          </a:fillRef>
+          <a:effectRef idx="0">
+            <a:schemeClr val="accent1"/>
+          </a:effectRef>
+          <a:fontRef idx="minor">
+            <a:schemeClr val="lt1"/>
+          </a:fontRef>
+        </p:style>
+        <p:txBody>
+          <a:bodyPr rtlCol="0" anchor="ctr"/>
+          <a:lstStyle/>
+          <a:p>
+            <a:pPr algn="ctr"/>
+            <a:endParaRPr lang="ko-KR" altLang="en-US" dirty="0"/>
+          </a:p>
+        </p:txBody>
+      </p:sp>
+    </p:spTree>
+    <p:extLst>
+      <p:ext uri="{BB962C8B-B14F-4D97-AF65-F5344CB8AC3E}">
+        <p14:creationId xmlns:p14="http://schemas.microsoft.com/office/powerpoint/2010/main" val="410568702"/>
+      </p:ext>
+    </p:extLst>
+  </p:cSld>
+  <p:clrMapOvr>
+    <a:masterClrMapping/>
+  </p:clrMapOvr>
+</p:sld>
+</file>
+
+<file path=ppt/slides/slide55.xml><?xml version="1.0" encoding="utf-8"?>
+<p:sld xmlns:a="http://schemas.openxmlformats.org/drawingml/2006/main" xmlns:r="http://schemas.openxmlformats.org/officeDocument/2006/relationships" xmlns:p="http://schemas.openxmlformats.org/presentationml/2006/main">
+  <p:cSld>
+    <p:spTree>
+      <p:nvGrpSpPr>
+        <p:cNvPr id="1" name=""/>
+        <p:cNvGrpSpPr/>
+        <p:nvPr/>
+      </p:nvGrpSpPr>
+      <p:grpSpPr>
+        <a:xfrm>
+          <a:off x="0" y="0"/>
+          <a:ext cx="0" cy="0"/>
+          <a:chOff x="0" y="0"/>
+          <a:chExt cx="0" cy="0"/>
+        </a:xfrm>
+      </p:grpSpPr>
+      <p:sp>
+        <p:nvSpPr>
+          <p:cNvPr id="2" name="제목 1">
+            <a:extLst>
+              <a:ext uri="{FF2B5EF4-FFF2-40B4-BE49-F238E27FC236}">
+                <a16:creationId xmlns:a16="http://schemas.microsoft.com/office/drawing/2014/main" id="{06155788-4A6F-4471-A18F-6F067825B34D}"/>
+              </a:ext>
+            </a:extLst>
+          </p:cNvPr>
+          <p:cNvSpPr>
+            <a:spLocks noGrp="1"/>
+          </p:cNvSpPr>
+          <p:nvPr>
+            <p:ph type="title"/>
+          </p:nvPr>
+        </p:nvSpPr>
+        <p:spPr/>
+        <p:txBody>
+          <a:bodyPr/>
+          <a:lstStyle/>
+          <a:p>
+            <a:r>
+              <a:rPr lang="en-US" altLang="ko-KR" dirty="0"/>
+              <a:t>Install</a:t>
+            </a:r>
+            <a:r>
+              <a:rPr lang="ko-KR" altLang="en-US" dirty="0"/>
+              <a:t> </a:t>
+            </a:r>
+            <a:r>
+              <a:rPr lang="en-US" altLang="ko-KR" dirty="0"/>
+              <a:t>Stock Firmware</a:t>
+            </a:r>
+            <a:endParaRPr lang="ko-KR" altLang="en-US" dirty="0"/>
+          </a:p>
+        </p:txBody>
+      </p:sp>
+      <p:sp>
+        <p:nvSpPr>
+          <p:cNvPr id="3" name="내용 개체 틀 2">
+            <a:extLst>
+              <a:ext uri="{FF2B5EF4-FFF2-40B4-BE49-F238E27FC236}">
+                <a16:creationId xmlns:a16="http://schemas.microsoft.com/office/drawing/2014/main" id="{7C1D81DD-5205-4CDA-9845-D775F40DDDDD}"/>
+              </a:ext>
+            </a:extLst>
+          </p:cNvPr>
+          <p:cNvSpPr>
+            <a:spLocks noGrp="1"/>
+          </p:cNvSpPr>
+          <p:nvPr>
+            <p:ph idx="1"/>
+          </p:nvPr>
+        </p:nvSpPr>
+        <p:spPr/>
+        <p:txBody>
+          <a:bodyPr/>
+          <a:lstStyle/>
+          <a:p>
+            <a:r>
+              <a:rPr lang="en-US" altLang="ko-KR" dirty="0"/>
+              <a:t>Transfer to Device</a:t>
+            </a:r>
+          </a:p>
+          <a:p>
+            <a:pPr lvl="1"/>
+            <a:r>
+              <a:rPr lang="en-US" altLang="ko-KR" dirty="0" err="1"/>
+              <a:t>boot.img</a:t>
+            </a:r>
+            <a:r>
+              <a:rPr lang="en-US" altLang="ko-KR" dirty="0"/>
+              <a:t> </a:t>
+            </a:r>
+            <a:r>
+              <a:rPr lang="ko-KR" altLang="en-US" dirty="0"/>
+              <a:t>파일을 장치 내부 저장소의 </a:t>
+            </a:r>
+            <a:r>
+              <a:rPr lang="en-US" altLang="ko-KR" dirty="0"/>
+              <a:t>Download </a:t>
+            </a:r>
+            <a:r>
+              <a:rPr lang="ko-KR" altLang="en-US" dirty="0"/>
+              <a:t>파일로 이동한다</a:t>
+            </a:r>
+            <a:r>
+              <a:rPr lang="en-US" altLang="ko-KR" dirty="0"/>
+              <a:t>.</a:t>
+            </a:r>
+            <a:endParaRPr lang="ko-KR" altLang="en-US" dirty="0"/>
+          </a:p>
+        </p:txBody>
+      </p:sp>
+      <p:sp>
+        <p:nvSpPr>
+          <p:cNvPr id="4" name="날짜 개체 틀 3">
+            <a:extLst>
+              <a:ext uri="{FF2B5EF4-FFF2-40B4-BE49-F238E27FC236}">
+                <a16:creationId xmlns:a16="http://schemas.microsoft.com/office/drawing/2014/main" id="{6CCB13CF-C732-4223-BA55-2784A90A3F3F}"/>
+              </a:ext>
+            </a:extLst>
+          </p:cNvPr>
+          <p:cNvSpPr>
+            <a:spLocks noGrp="1"/>
+          </p:cNvSpPr>
+          <p:nvPr>
+            <p:ph type="dt" sz="half" idx="10"/>
+          </p:nvPr>
+        </p:nvSpPr>
+        <p:spPr/>
+        <p:txBody>
+          <a:bodyPr/>
+          <a:lstStyle/>
+          <a:p>
+            <a:r>
+              <a:rPr lang="ko-KR" altLang="en-US"/>
+              <a:t>권철현</a:t>
+            </a:r>
+            <a:r>
+              <a:rPr lang="en-US" altLang="ko-KR"/>
+              <a:t>, </a:t>
+            </a:r>
+            <a:r>
+              <a:rPr lang="ko-KR" altLang="en-US"/>
+              <a:t>신재하</a:t>
+            </a:r>
+            <a:endParaRPr lang="ko-KR" altLang="en-US" dirty="0"/>
+          </a:p>
+        </p:txBody>
+      </p:sp>
+      <p:sp>
+        <p:nvSpPr>
+          <p:cNvPr id="5" name="슬라이드 번호 개체 틀 4">
+            <a:extLst>
+              <a:ext uri="{FF2B5EF4-FFF2-40B4-BE49-F238E27FC236}">
+                <a16:creationId xmlns:a16="http://schemas.microsoft.com/office/drawing/2014/main" id="{474F4EAC-E4F7-45CD-B989-C4DF71AEE4F5}"/>
+              </a:ext>
+            </a:extLst>
+          </p:cNvPr>
+          <p:cNvSpPr>
+            <a:spLocks noGrp="1"/>
+          </p:cNvSpPr>
+          <p:nvPr>
+            <p:ph type="sldNum" sz="quarter" idx="12"/>
+          </p:nvPr>
+        </p:nvSpPr>
+        <p:spPr/>
+        <p:txBody>
+          <a:bodyPr/>
+          <a:lstStyle/>
+          <a:p>
+            <a:fld id="{5FF72CB3-86FB-4DBB-A7AC-E8F6F3DA156B}" type="slidenum">
+              <a:rPr lang="ko-KR" altLang="en-US" smtClean="0"/>
+              <a:pPr/>
+              <a:t>55</a:t>
+            </a:fld>
+            <a:endParaRPr lang="ko-KR" altLang="en-US"/>
+          </a:p>
+        </p:txBody>
+      </p:sp>
+      <p:pic>
+        <p:nvPicPr>
+          <p:cNvPr id="10" name="그림 9">
+            <a:extLst>
+              <a:ext uri="{FF2B5EF4-FFF2-40B4-BE49-F238E27FC236}">
+                <a16:creationId xmlns:a16="http://schemas.microsoft.com/office/drawing/2014/main" id="{06EFB4E1-68E4-4673-9AE9-BAA6BCEBD69E}"/>
+              </a:ext>
+            </a:extLst>
+          </p:cNvPr>
+          <p:cNvPicPr>
+            <a:picLocks noChangeAspect="1"/>
+          </p:cNvPicPr>
+          <p:nvPr/>
+        </p:nvPicPr>
+        <p:blipFill>
+          <a:blip r:embed="rId2"/>
+          <a:stretch>
+            <a:fillRect/>
+          </a:stretch>
+        </p:blipFill>
+        <p:spPr>
+          <a:xfrm>
+            <a:off x="731520" y="2754578"/>
+            <a:ext cx="7607808" cy="3255815"/>
+          </a:xfrm>
+          <a:prstGeom prst="rect">
+            <a:avLst/>
+          </a:prstGeom>
+        </p:spPr>
+      </p:pic>
+      <p:sp>
+        <p:nvSpPr>
+          <p:cNvPr id="11" name="직사각형 10">
+            <a:extLst>
+              <a:ext uri="{FF2B5EF4-FFF2-40B4-BE49-F238E27FC236}">
+                <a16:creationId xmlns:a16="http://schemas.microsoft.com/office/drawing/2014/main" id="{38C98991-F14C-49DB-B3EE-C87BCB8B6EA8}"/>
+              </a:ext>
+            </a:extLst>
+          </p:cNvPr>
+          <p:cNvSpPr/>
+          <p:nvPr/>
+        </p:nvSpPr>
+        <p:spPr>
+          <a:xfrm>
+            <a:off x="5943600" y="3024786"/>
+            <a:ext cx="484632" cy="420624"/>
+          </a:xfrm>
+          <a:prstGeom prst="rect">
+            <a:avLst/>
+          </a:prstGeom>
+          <a:noFill/>
+          <a:ln w="28575">
+            <a:solidFill>
+              <a:srgbClr val="FF0000"/>
+            </a:solidFill>
+          </a:ln>
+        </p:spPr>
+        <p:style>
+          <a:lnRef idx="2">
+            <a:schemeClr val="accent1">
+              <a:shade val="50000"/>
+            </a:schemeClr>
+          </a:lnRef>
+          <a:fillRef idx="1">
+            <a:schemeClr val="accent1"/>
+          </a:fillRef>
+          <a:effectRef idx="0">
+            <a:schemeClr val="accent1"/>
+          </a:effectRef>
+          <a:fontRef idx="minor">
+            <a:schemeClr val="lt1"/>
+          </a:fontRef>
+        </p:style>
+        <p:txBody>
+          <a:bodyPr rtlCol="0" anchor="ctr"/>
+          <a:lstStyle/>
+          <a:p>
+            <a:pPr algn="ctr"/>
+            <a:endParaRPr lang="ko-KR" altLang="en-US" dirty="0"/>
+          </a:p>
+        </p:txBody>
+      </p:sp>
+      <p:sp>
+        <p:nvSpPr>
+          <p:cNvPr id="12" name="직사각형 11">
+            <a:extLst>
+              <a:ext uri="{FF2B5EF4-FFF2-40B4-BE49-F238E27FC236}">
+                <a16:creationId xmlns:a16="http://schemas.microsoft.com/office/drawing/2014/main" id="{A4841CCF-97A9-48DD-89AF-5310B059AD98}"/>
+              </a:ext>
+            </a:extLst>
+          </p:cNvPr>
+          <p:cNvSpPr/>
+          <p:nvPr/>
+        </p:nvSpPr>
+        <p:spPr>
+          <a:xfrm>
+            <a:off x="4690872" y="5312664"/>
+            <a:ext cx="1124712" cy="246888"/>
+          </a:xfrm>
+          <a:prstGeom prst="rect">
+            <a:avLst/>
+          </a:prstGeom>
+          <a:noFill/>
+          <a:ln w="28575">
+            <a:solidFill>
+              <a:srgbClr val="FF0000"/>
+            </a:solidFill>
+          </a:ln>
+        </p:spPr>
+        <p:style>
+          <a:lnRef idx="2">
+            <a:schemeClr val="accent1">
+              <a:shade val="50000"/>
+            </a:schemeClr>
+          </a:lnRef>
+          <a:fillRef idx="1">
+            <a:schemeClr val="accent1"/>
+          </a:fillRef>
+          <a:effectRef idx="0">
+            <a:schemeClr val="accent1"/>
+          </a:effectRef>
+          <a:fontRef idx="minor">
+            <a:schemeClr val="lt1"/>
+          </a:fontRef>
+        </p:style>
+        <p:txBody>
+          <a:bodyPr rtlCol="0" anchor="ctr"/>
+          <a:lstStyle/>
+          <a:p>
+            <a:pPr algn="ctr"/>
+            <a:endParaRPr lang="ko-KR" altLang="en-US" dirty="0"/>
+          </a:p>
+        </p:txBody>
+      </p:sp>
+      <p:sp>
+        <p:nvSpPr>
+          <p:cNvPr id="13" name="직사각형 12">
+            <a:extLst>
+              <a:ext uri="{FF2B5EF4-FFF2-40B4-BE49-F238E27FC236}">
+                <a16:creationId xmlns:a16="http://schemas.microsoft.com/office/drawing/2014/main" id="{9BB1F024-98B0-441B-A608-93DE911A4A19}"/>
+              </a:ext>
+            </a:extLst>
+          </p:cNvPr>
+          <p:cNvSpPr/>
+          <p:nvPr/>
+        </p:nvSpPr>
+        <p:spPr>
+          <a:xfrm>
+            <a:off x="5166360" y="2754578"/>
+            <a:ext cx="1527048" cy="226722"/>
+          </a:xfrm>
+          <a:prstGeom prst="rect">
+            <a:avLst/>
+          </a:prstGeom>
+          <a:noFill/>
+          <a:ln w="28575">
+            <a:solidFill>
+              <a:srgbClr val="FF0000"/>
+            </a:solidFill>
+          </a:ln>
+        </p:spPr>
+        <p:style>
+          <a:lnRef idx="2">
+            <a:schemeClr val="accent1">
+              <a:shade val="50000"/>
+            </a:schemeClr>
+          </a:lnRef>
+          <a:fillRef idx="1">
+            <a:schemeClr val="accent1"/>
+          </a:fillRef>
+          <a:effectRef idx="0">
+            <a:schemeClr val="accent1"/>
+          </a:effectRef>
+          <a:fontRef idx="minor">
+            <a:schemeClr val="lt1"/>
+          </a:fontRef>
+        </p:style>
+        <p:txBody>
+          <a:bodyPr rtlCol="0" anchor="ctr"/>
+          <a:lstStyle/>
+          <a:p>
+            <a:pPr algn="ctr"/>
+            <a:endParaRPr lang="ko-KR" altLang="en-US" dirty="0"/>
+          </a:p>
+        </p:txBody>
+      </p:sp>
+    </p:spTree>
+    <p:extLst>
+      <p:ext uri="{BB962C8B-B14F-4D97-AF65-F5344CB8AC3E}">
+        <p14:creationId xmlns:p14="http://schemas.microsoft.com/office/powerpoint/2010/main" val="2056942355"/>
+      </p:ext>
+    </p:extLst>
+  </p:cSld>
+  <p:clrMapOvr>
+    <a:masterClrMapping/>
+  </p:clrMapOvr>
+</p:sld>
+</file>
+
+<file path=ppt/slides/slide56.xml><?xml version="1.0" encoding="utf-8"?>
+<p:sld xmlns:a="http://schemas.openxmlformats.org/drawingml/2006/main" xmlns:r="http://schemas.openxmlformats.org/officeDocument/2006/relationships" xmlns:p="http://schemas.openxmlformats.org/presentationml/2006/main">
+  <p:cSld>
+    <p:spTree>
+      <p:nvGrpSpPr>
+        <p:cNvPr id="1" name=""/>
+        <p:cNvGrpSpPr/>
+        <p:nvPr/>
+      </p:nvGrpSpPr>
+      <p:grpSpPr>
+        <a:xfrm>
+          <a:off x="0" y="0"/>
+          <a:ext cx="0" cy="0"/>
+          <a:chOff x="0" y="0"/>
+          <a:chExt cx="0" cy="0"/>
+        </a:xfrm>
+      </p:grpSpPr>
+      <p:sp>
+        <p:nvSpPr>
+          <p:cNvPr id="2" name="제목 1">
+            <a:extLst>
+              <a:ext uri="{FF2B5EF4-FFF2-40B4-BE49-F238E27FC236}">
+                <a16:creationId xmlns:a16="http://schemas.microsoft.com/office/drawing/2014/main" id="{65C2E915-2699-4C92-A659-529BABE8E1C0}"/>
+              </a:ext>
+            </a:extLst>
+          </p:cNvPr>
+          <p:cNvSpPr>
+            <a:spLocks noGrp="1"/>
+          </p:cNvSpPr>
+          <p:nvPr>
+            <p:ph type="title"/>
+          </p:nvPr>
+        </p:nvSpPr>
+        <p:spPr/>
+        <p:txBody>
+          <a:bodyPr/>
+          <a:lstStyle/>
+          <a:p>
+            <a:r>
+              <a:rPr lang="en-US" altLang="ko-KR" dirty="0"/>
+              <a:t>Patch </a:t>
+            </a:r>
+            <a:r>
+              <a:rPr lang="en-US" altLang="ko-KR" dirty="0" err="1"/>
+              <a:t>boot.img</a:t>
+            </a:r>
+            <a:r>
+              <a:rPr lang="en-US" altLang="ko-KR" dirty="0"/>
+              <a:t>	</a:t>
+            </a:r>
+            <a:endParaRPr lang="ko-KR" altLang="en-US" dirty="0"/>
+          </a:p>
+        </p:txBody>
+      </p:sp>
+      <p:sp>
+        <p:nvSpPr>
+          <p:cNvPr id="3" name="내용 개체 틀 2">
+            <a:extLst>
+              <a:ext uri="{FF2B5EF4-FFF2-40B4-BE49-F238E27FC236}">
+                <a16:creationId xmlns:a16="http://schemas.microsoft.com/office/drawing/2014/main" id="{B652715F-6863-4737-8AC3-A3D1C51C991D}"/>
+              </a:ext>
+            </a:extLst>
+          </p:cNvPr>
+          <p:cNvSpPr>
+            <a:spLocks noGrp="1"/>
+          </p:cNvSpPr>
+          <p:nvPr>
+            <p:ph idx="1"/>
+          </p:nvPr>
+        </p:nvSpPr>
+        <p:spPr/>
+        <p:txBody>
+          <a:bodyPr/>
+          <a:lstStyle/>
+          <a:p>
+            <a:r>
+              <a:rPr lang="en-US" altLang="ko-KR" dirty="0"/>
+              <a:t>Install </a:t>
+            </a:r>
+            <a:r>
+              <a:rPr lang="en-US" altLang="ko-KR" dirty="0" err="1"/>
+              <a:t>Magisk</a:t>
+            </a:r>
+            <a:r>
+              <a:rPr lang="en-US" altLang="ko-KR" dirty="0"/>
+              <a:t> Canary App version 23016</a:t>
+            </a:r>
+          </a:p>
+          <a:p>
+            <a:pPr lvl="1"/>
+            <a:r>
+              <a:rPr lang="en-US" altLang="ko-KR" dirty="0">
+                <a:hlinkClick r:id="rId2"/>
+              </a:rPr>
+              <a:t>https://github.com/topjohnwu/magisk-files/raw/b368d20076a30879ccd289b8a4766ba3b88da547/app-debug.apk</a:t>
+            </a:r>
+            <a:endParaRPr lang="en-US" altLang="ko-KR" dirty="0"/>
+          </a:p>
+          <a:p>
+            <a:pPr lvl="1"/>
+            <a:r>
+              <a:rPr lang="ko-KR" altLang="en-US" dirty="0"/>
+              <a:t>위 주소에서 </a:t>
+            </a:r>
+            <a:r>
+              <a:rPr lang="en-US" altLang="ko-KR" dirty="0" err="1"/>
+              <a:t>apk</a:t>
+            </a:r>
+            <a:r>
+              <a:rPr lang="en-US" altLang="ko-KR" dirty="0"/>
+              <a:t> </a:t>
+            </a:r>
+            <a:r>
+              <a:rPr lang="ko-KR" altLang="en-US" dirty="0"/>
+              <a:t>파일을 다운로드 받고</a:t>
+            </a:r>
+            <a:r>
+              <a:rPr lang="en-US" altLang="ko-KR" dirty="0"/>
+              <a:t>, </a:t>
+            </a:r>
+            <a:r>
+              <a:rPr lang="ko-KR" altLang="en-US" dirty="0"/>
+              <a:t>장치 내부 저장소의 </a:t>
+            </a:r>
+            <a:r>
+              <a:rPr lang="en-US" altLang="ko-KR" dirty="0"/>
+              <a:t>Download </a:t>
+            </a:r>
+            <a:r>
+              <a:rPr lang="ko-KR" altLang="en-US" dirty="0"/>
+              <a:t>파일로 이동한다</a:t>
+            </a:r>
+            <a:r>
+              <a:rPr lang="en-US" altLang="ko-KR" dirty="0"/>
+              <a:t>. </a:t>
+            </a:r>
+            <a:endParaRPr lang="ko-KR" altLang="en-US" dirty="0"/>
+          </a:p>
+        </p:txBody>
+      </p:sp>
+      <p:sp>
+        <p:nvSpPr>
+          <p:cNvPr id="4" name="날짜 개체 틀 3">
+            <a:extLst>
+              <a:ext uri="{FF2B5EF4-FFF2-40B4-BE49-F238E27FC236}">
+                <a16:creationId xmlns:a16="http://schemas.microsoft.com/office/drawing/2014/main" id="{15D7B3A6-4DD7-41A2-99B3-B4CE7C7FA25E}"/>
+              </a:ext>
+            </a:extLst>
+          </p:cNvPr>
+          <p:cNvSpPr>
+            <a:spLocks noGrp="1"/>
+          </p:cNvSpPr>
+          <p:nvPr>
+            <p:ph type="dt" sz="half" idx="10"/>
+          </p:nvPr>
+        </p:nvSpPr>
+        <p:spPr/>
+        <p:txBody>
+          <a:bodyPr/>
+          <a:lstStyle/>
+          <a:p>
+            <a:r>
+              <a:rPr lang="ko-KR" altLang="en-US"/>
+              <a:t>권철현</a:t>
+            </a:r>
+            <a:r>
+              <a:rPr lang="en-US" altLang="ko-KR"/>
+              <a:t>, </a:t>
+            </a:r>
+            <a:r>
+              <a:rPr lang="ko-KR" altLang="en-US"/>
+              <a:t>신재하</a:t>
+            </a:r>
+            <a:endParaRPr lang="ko-KR" altLang="en-US" dirty="0"/>
+          </a:p>
+        </p:txBody>
+      </p:sp>
+      <p:sp>
+        <p:nvSpPr>
+          <p:cNvPr id="5" name="슬라이드 번호 개체 틀 4">
+            <a:extLst>
+              <a:ext uri="{FF2B5EF4-FFF2-40B4-BE49-F238E27FC236}">
+                <a16:creationId xmlns:a16="http://schemas.microsoft.com/office/drawing/2014/main" id="{73B77C1A-90C3-4456-882E-7D9561DEF8AC}"/>
+              </a:ext>
+            </a:extLst>
+          </p:cNvPr>
+          <p:cNvSpPr>
+            <a:spLocks noGrp="1"/>
+          </p:cNvSpPr>
+          <p:nvPr>
+            <p:ph type="sldNum" sz="quarter" idx="12"/>
+          </p:nvPr>
+        </p:nvSpPr>
+        <p:spPr/>
+        <p:txBody>
+          <a:bodyPr/>
+          <a:lstStyle/>
+          <a:p>
+            <a:fld id="{5FF72CB3-86FB-4DBB-A7AC-E8F6F3DA156B}" type="slidenum">
+              <a:rPr lang="ko-KR" altLang="en-US" smtClean="0"/>
+              <a:pPr/>
+              <a:t>56</a:t>
+            </a:fld>
+            <a:endParaRPr lang="ko-KR" altLang="en-US"/>
+          </a:p>
+        </p:txBody>
+      </p:sp>
+      <p:pic>
+        <p:nvPicPr>
+          <p:cNvPr id="7" name="그림 6">
+            <a:extLst>
+              <a:ext uri="{FF2B5EF4-FFF2-40B4-BE49-F238E27FC236}">
+                <a16:creationId xmlns:a16="http://schemas.microsoft.com/office/drawing/2014/main" id="{4148629E-A865-426A-BE04-463EF3BD8A45}"/>
+              </a:ext>
+            </a:extLst>
+          </p:cNvPr>
+          <p:cNvPicPr>
+            <a:picLocks noChangeAspect="1"/>
+          </p:cNvPicPr>
+          <p:nvPr/>
+        </p:nvPicPr>
+        <p:blipFill>
+          <a:blip r:embed="rId3"/>
+          <a:stretch>
+            <a:fillRect/>
+          </a:stretch>
+        </p:blipFill>
+        <p:spPr>
+          <a:xfrm>
+            <a:off x="1550479" y="3622217"/>
+            <a:ext cx="3798761" cy="3257743"/>
+          </a:xfrm>
+          <a:prstGeom prst="rect">
+            <a:avLst/>
+          </a:prstGeom>
+        </p:spPr>
+      </p:pic>
+      <p:sp>
+        <p:nvSpPr>
+          <p:cNvPr id="8" name="직사각형 7">
+            <a:extLst>
+              <a:ext uri="{FF2B5EF4-FFF2-40B4-BE49-F238E27FC236}">
+                <a16:creationId xmlns:a16="http://schemas.microsoft.com/office/drawing/2014/main" id="{18150506-7942-44FE-8B86-0AC518F4CA6C}"/>
+              </a:ext>
+            </a:extLst>
+          </p:cNvPr>
+          <p:cNvSpPr/>
+          <p:nvPr/>
+        </p:nvSpPr>
+        <p:spPr>
+          <a:xfrm>
+            <a:off x="2633472" y="3878270"/>
+            <a:ext cx="676656" cy="620578"/>
+          </a:xfrm>
+          <a:prstGeom prst="rect">
+            <a:avLst/>
+          </a:prstGeom>
+          <a:noFill/>
+          <a:ln w="28575">
+            <a:solidFill>
+              <a:srgbClr val="FF0000"/>
+            </a:solidFill>
+          </a:ln>
+        </p:spPr>
+        <p:style>
+          <a:lnRef idx="2">
+            <a:schemeClr val="accent1">
+              <a:shade val="50000"/>
+            </a:schemeClr>
+          </a:lnRef>
+          <a:fillRef idx="1">
+            <a:schemeClr val="accent1"/>
+          </a:fillRef>
+          <a:effectRef idx="0">
+            <a:schemeClr val="accent1"/>
+          </a:effectRef>
+          <a:fontRef idx="minor">
+            <a:schemeClr val="lt1"/>
+          </a:fontRef>
+        </p:style>
+        <p:txBody>
+          <a:bodyPr rtlCol="0" anchor="ctr"/>
+          <a:lstStyle/>
+          <a:p>
+            <a:pPr algn="ctr"/>
+            <a:endParaRPr lang="ko-KR" altLang="en-US" dirty="0"/>
+          </a:p>
+        </p:txBody>
+      </p:sp>
+    </p:spTree>
+    <p:extLst>
+      <p:ext uri="{BB962C8B-B14F-4D97-AF65-F5344CB8AC3E}">
+        <p14:creationId xmlns:p14="http://schemas.microsoft.com/office/powerpoint/2010/main" val="2058778523"/>
+      </p:ext>
+    </p:extLst>
+  </p:cSld>
+  <p:clrMapOvr>
+    <a:masterClrMapping/>
+  </p:clrMapOvr>
+</p:sld>
+</file>
+
+<file path=ppt/slides/slide57.xml><?xml version="1.0" encoding="utf-8"?>
+<p:sld xmlns:a="http://schemas.openxmlformats.org/drawingml/2006/main" xmlns:r="http://schemas.openxmlformats.org/officeDocument/2006/relationships" xmlns:p="http://schemas.openxmlformats.org/presentationml/2006/main">
+  <p:cSld>
+    <p:spTree>
+      <p:nvGrpSpPr>
+        <p:cNvPr id="1" name=""/>
+        <p:cNvGrpSpPr/>
+        <p:nvPr/>
+      </p:nvGrpSpPr>
+      <p:grpSpPr>
+        <a:xfrm>
+          <a:off x="0" y="0"/>
+          <a:ext cx="0" cy="0"/>
+          <a:chOff x="0" y="0"/>
+          <a:chExt cx="0" cy="0"/>
+        </a:xfrm>
+      </p:grpSpPr>
+      <p:sp>
+        <p:nvSpPr>
+          <p:cNvPr id="2" name="제목 1">
+            <a:extLst>
+              <a:ext uri="{FF2B5EF4-FFF2-40B4-BE49-F238E27FC236}">
+                <a16:creationId xmlns:a16="http://schemas.microsoft.com/office/drawing/2014/main" id="{BC11653E-4E4E-47A8-B489-EE7B4A700434}"/>
+              </a:ext>
+            </a:extLst>
+          </p:cNvPr>
+          <p:cNvSpPr>
+            <a:spLocks noGrp="1"/>
+          </p:cNvSpPr>
+          <p:nvPr>
+            <p:ph type="title"/>
+          </p:nvPr>
+        </p:nvSpPr>
+        <p:spPr/>
+        <p:txBody>
+          <a:bodyPr/>
+          <a:lstStyle/>
+          <a:p>
+            <a:r>
+              <a:rPr lang="en-US" altLang="ko-KR" dirty="0"/>
+              <a:t>Patch </a:t>
+            </a:r>
+            <a:r>
+              <a:rPr lang="en-US" altLang="ko-KR" dirty="0" err="1"/>
+              <a:t>boot.img</a:t>
+            </a:r>
+            <a:r>
+              <a:rPr lang="en-US" altLang="ko-KR" dirty="0"/>
+              <a:t>	</a:t>
+            </a:r>
+            <a:endParaRPr lang="ko-KR" altLang="en-US" dirty="0"/>
+          </a:p>
+        </p:txBody>
+      </p:sp>
+      <p:sp>
+        <p:nvSpPr>
+          <p:cNvPr id="3" name="내용 개체 틀 2">
+            <a:extLst>
+              <a:ext uri="{FF2B5EF4-FFF2-40B4-BE49-F238E27FC236}">
+                <a16:creationId xmlns:a16="http://schemas.microsoft.com/office/drawing/2014/main" id="{7AF6285C-BC0A-4180-B2D7-D8EEB78A8574}"/>
+              </a:ext>
+            </a:extLst>
+          </p:cNvPr>
+          <p:cNvSpPr>
+            <a:spLocks noGrp="1"/>
+          </p:cNvSpPr>
+          <p:nvPr>
+            <p:ph idx="1"/>
+          </p:nvPr>
+        </p:nvSpPr>
+        <p:spPr/>
+        <p:txBody>
+          <a:bodyPr/>
+          <a:lstStyle/>
+          <a:p>
+            <a:r>
+              <a:rPr lang="en-US" altLang="ko-KR" dirty="0"/>
+              <a:t>Install application</a:t>
+            </a:r>
+          </a:p>
+          <a:p>
+            <a:pPr lvl="1"/>
+            <a:r>
+              <a:rPr lang="ko-KR" altLang="en-US" dirty="0"/>
+              <a:t>모바일 장치에서 </a:t>
+            </a:r>
+            <a:r>
+              <a:rPr lang="en-US" altLang="ko-KR" dirty="0"/>
+              <a:t>Files -&gt; </a:t>
+            </a:r>
+            <a:r>
+              <a:rPr lang="ko-KR" altLang="en-US" dirty="0"/>
+              <a:t>다운로드 </a:t>
+            </a:r>
+            <a:r>
+              <a:rPr lang="en-US" altLang="ko-KR" dirty="0"/>
+              <a:t>-&gt; app-</a:t>
+            </a:r>
+            <a:r>
+              <a:rPr lang="en-US" altLang="ko-KR" dirty="0" err="1"/>
+              <a:t>debug.apk</a:t>
+            </a:r>
+            <a:r>
+              <a:rPr lang="en-US" altLang="ko-KR" dirty="0"/>
+              <a:t> </a:t>
+            </a:r>
+            <a:r>
+              <a:rPr lang="ko-KR" altLang="en-US" dirty="0"/>
+              <a:t>실행</a:t>
+            </a:r>
+            <a:endParaRPr lang="en-US" altLang="ko-KR" dirty="0"/>
+          </a:p>
+          <a:p>
+            <a:r>
+              <a:rPr lang="en-US" altLang="ko-KR" dirty="0"/>
+              <a:t>Patch </a:t>
+            </a:r>
+            <a:r>
+              <a:rPr lang="en-US" altLang="ko-KR" dirty="0" err="1"/>
+              <a:t>boot.img</a:t>
+            </a:r>
+            <a:endParaRPr lang="en-US" altLang="ko-KR" dirty="0"/>
+          </a:p>
+          <a:p>
+            <a:pPr lvl="1"/>
+            <a:r>
+              <a:rPr lang="en-US" altLang="ko-KR" dirty="0" err="1"/>
+              <a:t>Magisk</a:t>
+            </a:r>
+            <a:r>
+              <a:rPr lang="en-US" altLang="ko-KR" dirty="0"/>
+              <a:t> </a:t>
+            </a:r>
+            <a:r>
+              <a:rPr lang="ko-KR" altLang="en-US" dirty="0"/>
+              <a:t>를 실행 </a:t>
+            </a:r>
+            <a:r>
+              <a:rPr lang="en-US" altLang="ko-KR" dirty="0"/>
+              <a:t>-&gt; </a:t>
+            </a:r>
+            <a:r>
+              <a:rPr lang="ko-KR" altLang="en-US" dirty="0"/>
+              <a:t>설치 </a:t>
+            </a:r>
+            <a:r>
+              <a:rPr lang="en-US" altLang="ko-KR" dirty="0"/>
+              <a:t>-&gt; </a:t>
+            </a:r>
+            <a:r>
+              <a:rPr lang="ko-KR" altLang="en-US" dirty="0"/>
+              <a:t>파일 선택 및 패치 </a:t>
+            </a:r>
+            <a:r>
+              <a:rPr lang="en-US" altLang="ko-KR" dirty="0"/>
+              <a:t>-&gt; </a:t>
+            </a:r>
+            <a:r>
+              <a:rPr lang="en-US" altLang="ko-KR" dirty="0" err="1"/>
+              <a:t>boot.img</a:t>
+            </a:r>
+            <a:r>
+              <a:rPr lang="en-US" altLang="ko-KR" dirty="0"/>
+              <a:t> -&gt; </a:t>
+            </a:r>
+            <a:r>
+              <a:rPr lang="ko-KR" altLang="en-US" dirty="0"/>
+              <a:t>설치  </a:t>
+            </a:r>
+            <a:endParaRPr lang="en-US" altLang="ko-KR" dirty="0"/>
+          </a:p>
+          <a:p>
+            <a:endParaRPr lang="ko-KR" altLang="en-US" dirty="0"/>
+          </a:p>
+          <a:p>
+            <a:pPr lvl="1"/>
+            <a:endParaRPr lang="ko-KR" altLang="en-US" dirty="0"/>
+          </a:p>
+        </p:txBody>
+      </p:sp>
+      <p:sp>
+        <p:nvSpPr>
+          <p:cNvPr id="4" name="날짜 개체 틀 3">
+            <a:extLst>
+              <a:ext uri="{FF2B5EF4-FFF2-40B4-BE49-F238E27FC236}">
+                <a16:creationId xmlns:a16="http://schemas.microsoft.com/office/drawing/2014/main" id="{D13DE11F-25F9-432D-8EDB-1D314A99C0A7}"/>
+              </a:ext>
+            </a:extLst>
+          </p:cNvPr>
+          <p:cNvSpPr>
+            <a:spLocks noGrp="1"/>
+          </p:cNvSpPr>
+          <p:nvPr>
+            <p:ph type="dt" sz="half" idx="10"/>
+          </p:nvPr>
+        </p:nvSpPr>
+        <p:spPr/>
+        <p:txBody>
+          <a:bodyPr/>
+          <a:lstStyle/>
+          <a:p>
+            <a:r>
+              <a:rPr lang="ko-KR" altLang="en-US"/>
+              <a:t>권철현</a:t>
+            </a:r>
+            <a:r>
+              <a:rPr lang="en-US" altLang="ko-KR"/>
+              <a:t>, </a:t>
+            </a:r>
+            <a:r>
+              <a:rPr lang="ko-KR" altLang="en-US"/>
+              <a:t>신재하</a:t>
+            </a:r>
+            <a:endParaRPr lang="ko-KR" altLang="en-US" dirty="0"/>
+          </a:p>
+        </p:txBody>
+      </p:sp>
+      <p:sp>
+        <p:nvSpPr>
+          <p:cNvPr id="5" name="슬라이드 번호 개체 틀 4">
+            <a:extLst>
+              <a:ext uri="{FF2B5EF4-FFF2-40B4-BE49-F238E27FC236}">
+                <a16:creationId xmlns:a16="http://schemas.microsoft.com/office/drawing/2014/main" id="{412829A0-D797-4E00-AAD2-BBDDDA654DF6}"/>
+              </a:ext>
+            </a:extLst>
+          </p:cNvPr>
+          <p:cNvSpPr>
+            <a:spLocks noGrp="1"/>
+          </p:cNvSpPr>
+          <p:nvPr>
+            <p:ph type="sldNum" sz="quarter" idx="12"/>
+          </p:nvPr>
+        </p:nvSpPr>
+        <p:spPr/>
+        <p:txBody>
+          <a:bodyPr/>
+          <a:lstStyle/>
+          <a:p>
+            <a:fld id="{5FF72CB3-86FB-4DBB-A7AC-E8F6F3DA156B}" type="slidenum">
+              <a:rPr lang="ko-KR" altLang="en-US" smtClean="0"/>
+              <a:pPr/>
+              <a:t>57</a:t>
+            </a:fld>
+            <a:endParaRPr lang="ko-KR" altLang="en-US"/>
+          </a:p>
+        </p:txBody>
+      </p:sp>
+      <p:pic>
+        <p:nvPicPr>
+          <p:cNvPr id="7" name="그림 6">
+            <a:extLst>
+              <a:ext uri="{FF2B5EF4-FFF2-40B4-BE49-F238E27FC236}">
+                <a16:creationId xmlns:a16="http://schemas.microsoft.com/office/drawing/2014/main" id="{8EADAC20-E4CD-4D3C-8D27-16F22827E936}"/>
+              </a:ext>
+            </a:extLst>
+          </p:cNvPr>
+          <p:cNvPicPr>
+            <a:picLocks noChangeAspect="1"/>
+          </p:cNvPicPr>
+          <p:nvPr/>
+        </p:nvPicPr>
+        <p:blipFill>
+          <a:blip r:embed="rId3"/>
+          <a:stretch>
+            <a:fillRect/>
+          </a:stretch>
+        </p:blipFill>
+        <p:spPr>
+          <a:xfrm>
+            <a:off x="2016514" y="3710257"/>
+            <a:ext cx="1453372" cy="3147743"/>
+          </a:xfrm>
+          <a:prstGeom prst="rect">
+            <a:avLst/>
+          </a:prstGeom>
+        </p:spPr>
+      </p:pic>
+      <p:pic>
+        <p:nvPicPr>
+          <p:cNvPr id="9" name="그림 8">
+            <a:extLst>
+              <a:ext uri="{FF2B5EF4-FFF2-40B4-BE49-F238E27FC236}">
+                <a16:creationId xmlns:a16="http://schemas.microsoft.com/office/drawing/2014/main" id="{F4212D00-18DF-43A5-8CE2-40632B742A04}"/>
+              </a:ext>
+            </a:extLst>
+          </p:cNvPr>
+          <p:cNvPicPr>
+            <a:picLocks noChangeAspect="1"/>
+          </p:cNvPicPr>
+          <p:nvPr/>
+        </p:nvPicPr>
+        <p:blipFill>
+          <a:blip r:embed="rId4"/>
+          <a:stretch>
+            <a:fillRect/>
+          </a:stretch>
+        </p:blipFill>
+        <p:spPr>
+          <a:xfrm>
+            <a:off x="5243219" y="3710257"/>
+            <a:ext cx="1453372" cy="3147743"/>
+          </a:xfrm>
+          <a:prstGeom prst="rect">
+            <a:avLst/>
+          </a:prstGeom>
+        </p:spPr>
+      </p:pic>
+      <p:pic>
+        <p:nvPicPr>
+          <p:cNvPr id="11" name="그림 10">
+            <a:extLst>
+              <a:ext uri="{FF2B5EF4-FFF2-40B4-BE49-F238E27FC236}">
+                <a16:creationId xmlns:a16="http://schemas.microsoft.com/office/drawing/2014/main" id="{D064E5D7-F71B-4912-90B3-1F0B9702C18F}"/>
+              </a:ext>
+            </a:extLst>
+          </p:cNvPr>
+          <p:cNvPicPr>
+            <a:picLocks noChangeAspect="1"/>
+          </p:cNvPicPr>
+          <p:nvPr/>
+        </p:nvPicPr>
+        <p:blipFill>
+          <a:blip r:embed="rId5"/>
+          <a:stretch>
+            <a:fillRect/>
+          </a:stretch>
+        </p:blipFill>
+        <p:spPr>
+          <a:xfrm>
+            <a:off x="3629866" y="3710257"/>
+            <a:ext cx="1453372" cy="3147743"/>
+          </a:xfrm>
+          <a:prstGeom prst="rect">
+            <a:avLst/>
+          </a:prstGeom>
+        </p:spPr>
+      </p:pic>
+      <p:sp>
+        <p:nvSpPr>
+          <p:cNvPr id="12" name="직사각형 11">
+            <a:extLst>
+              <a:ext uri="{FF2B5EF4-FFF2-40B4-BE49-F238E27FC236}">
+                <a16:creationId xmlns:a16="http://schemas.microsoft.com/office/drawing/2014/main" id="{FCD42874-841D-49D5-8BC9-9091500EA23F}"/>
+              </a:ext>
+            </a:extLst>
+          </p:cNvPr>
+          <p:cNvSpPr/>
+          <p:nvPr/>
+        </p:nvSpPr>
+        <p:spPr>
+          <a:xfrm>
+            <a:off x="5981082" y="4590288"/>
+            <a:ext cx="668473" cy="799748"/>
+          </a:xfrm>
+          <a:prstGeom prst="rect">
+            <a:avLst/>
+          </a:prstGeom>
+          <a:noFill/>
+          <a:ln w="28575">
+            <a:solidFill>
+              <a:srgbClr val="FF0000"/>
+            </a:solidFill>
+          </a:ln>
+        </p:spPr>
+        <p:style>
+          <a:lnRef idx="2">
+            <a:schemeClr val="accent1">
+              <a:shade val="50000"/>
+            </a:schemeClr>
+          </a:lnRef>
+          <a:fillRef idx="1">
+            <a:schemeClr val="accent1"/>
+          </a:fillRef>
+          <a:effectRef idx="0">
+            <a:schemeClr val="accent1"/>
+          </a:effectRef>
+          <a:fontRef idx="minor">
+            <a:schemeClr val="lt1"/>
+          </a:fontRef>
+        </p:style>
+        <p:txBody>
+          <a:bodyPr rtlCol="0" anchor="ctr"/>
+          <a:lstStyle/>
+          <a:p>
+            <a:pPr algn="ctr"/>
+            <a:endParaRPr lang="ko-KR" altLang="en-US" dirty="0"/>
+          </a:p>
+        </p:txBody>
+      </p:sp>
+      <p:sp>
+        <p:nvSpPr>
+          <p:cNvPr id="13" name="직사각형 12">
+            <a:extLst>
+              <a:ext uri="{FF2B5EF4-FFF2-40B4-BE49-F238E27FC236}">
+                <a16:creationId xmlns:a16="http://schemas.microsoft.com/office/drawing/2014/main" id="{25702C43-EB1E-445D-AF11-B8009A687BDD}"/>
+              </a:ext>
+            </a:extLst>
+          </p:cNvPr>
+          <p:cNvSpPr/>
+          <p:nvPr/>
+        </p:nvSpPr>
+        <p:spPr>
+          <a:xfrm>
+            <a:off x="3629866" y="4325112"/>
+            <a:ext cx="1453372" cy="155448"/>
+          </a:xfrm>
+          <a:prstGeom prst="rect">
+            <a:avLst/>
+          </a:prstGeom>
+          <a:noFill/>
+          <a:ln w="28575">
+            <a:solidFill>
+              <a:srgbClr val="FF0000"/>
+            </a:solidFill>
+          </a:ln>
+        </p:spPr>
+        <p:style>
+          <a:lnRef idx="2">
+            <a:schemeClr val="accent1">
+              <a:shade val="50000"/>
+            </a:schemeClr>
+          </a:lnRef>
+          <a:fillRef idx="1">
+            <a:schemeClr val="accent1"/>
+          </a:fillRef>
+          <a:effectRef idx="0">
+            <a:schemeClr val="accent1"/>
+          </a:effectRef>
+          <a:fontRef idx="minor">
+            <a:schemeClr val="lt1"/>
+          </a:fontRef>
+        </p:style>
+        <p:txBody>
+          <a:bodyPr rtlCol="0" anchor="ctr"/>
+          <a:lstStyle/>
+          <a:p>
+            <a:pPr algn="ctr"/>
+            <a:endParaRPr lang="ko-KR" altLang="en-US" dirty="0"/>
+          </a:p>
+        </p:txBody>
+      </p:sp>
+      <p:sp>
+        <p:nvSpPr>
+          <p:cNvPr id="14" name="직사각형 13">
+            <a:extLst>
+              <a:ext uri="{FF2B5EF4-FFF2-40B4-BE49-F238E27FC236}">
+                <a16:creationId xmlns:a16="http://schemas.microsoft.com/office/drawing/2014/main" id="{28A2DCBE-EBEE-46D2-A726-6069411367DB}"/>
+              </a:ext>
+            </a:extLst>
+          </p:cNvPr>
+          <p:cNvSpPr/>
+          <p:nvPr/>
+        </p:nvSpPr>
+        <p:spPr>
+          <a:xfrm>
+            <a:off x="3027570" y="4151375"/>
+            <a:ext cx="374904" cy="143521"/>
+          </a:xfrm>
+          <a:prstGeom prst="rect">
+            <a:avLst/>
+          </a:prstGeom>
+          <a:noFill/>
+          <a:ln w="28575">
+            <a:solidFill>
+              <a:srgbClr val="FF0000"/>
+            </a:solidFill>
+          </a:ln>
+        </p:spPr>
+        <p:style>
+          <a:lnRef idx="2">
+            <a:schemeClr val="accent1">
+              <a:shade val="50000"/>
+            </a:schemeClr>
+          </a:lnRef>
+          <a:fillRef idx="1">
+            <a:schemeClr val="accent1"/>
+          </a:fillRef>
+          <a:effectRef idx="0">
+            <a:schemeClr val="accent1"/>
+          </a:effectRef>
+          <a:fontRef idx="minor">
+            <a:schemeClr val="lt1"/>
+          </a:fontRef>
+        </p:style>
+        <p:txBody>
+          <a:bodyPr rtlCol="0" anchor="ctr"/>
+          <a:lstStyle/>
+          <a:p>
+            <a:pPr algn="ctr"/>
+            <a:endParaRPr lang="ko-KR" altLang="en-US" dirty="0"/>
+          </a:p>
+        </p:txBody>
+      </p:sp>
+      <p:pic>
+        <p:nvPicPr>
+          <p:cNvPr id="16" name="그림 15">
+            <a:extLst>
+              <a:ext uri="{FF2B5EF4-FFF2-40B4-BE49-F238E27FC236}">
+                <a16:creationId xmlns:a16="http://schemas.microsoft.com/office/drawing/2014/main" id="{21F4AFA4-737E-434E-8246-0A7D0A668A71}"/>
+              </a:ext>
+            </a:extLst>
+          </p:cNvPr>
+          <p:cNvPicPr>
+            <a:picLocks noChangeAspect="1"/>
+          </p:cNvPicPr>
+          <p:nvPr/>
+        </p:nvPicPr>
+        <p:blipFill>
+          <a:blip r:embed="rId6"/>
+          <a:stretch>
+            <a:fillRect/>
+          </a:stretch>
+        </p:blipFill>
+        <p:spPr>
+          <a:xfrm>
+            <a:off x="6856572" y="3710256"/>
+            <a:ext cx="1453372" cy="3147744"/>
+          </a:xfrm>
+          <a:prstGeom prst="rect">
+            <a:avLst/>
+          </a:prstGeom>
+        </p:spPr>
+      </p:pic>
+      <p:pic>
+        <p:nvPicPr>
+          <p:cNvPr id="18" name="그림 17">
+            <a:extLst>
+              <a:ext uri="{FF2B5EF4-FFF2-40B4-BE49-F238E27FC236}">
+                <a16:creationId xmlns:a16="http://schemas.microsoft.com/office/drawing/2014/main" id="{49383B66-4C13-4B6F-8627-6BC0F7C5A3BB}"/>
+              </a:ext>
+            </a:extLst>
+          </p:cNvPr>
+          <p:cNvPicPr>
+            <a:picLocks noChangeAspect="1"/>
+          </p:cNvPicPr>
+          <p:nvPr/>
+        </p:nvPicPr>
+        <p:blipFill>
+          <a:blip r:embed="rId7"/>
+          <a:stretch>
+            <a:fillRect/>
+          </a:stretch>
+        </p:blipFill>
+        <p:spPr>
+          <a:xfrm>
+            <a:off x="8469924" y="3710256"/>
+            <a:ext cx="1453372" cy="3147744"/>
+          </a:xfrm>
+          <a:prstGeom prst="rect">
+            <a:avLst/>
+          </a:prstGeom>
+        </p:spPr>
+      </p:pic>
+      <p:sp>
+        <p:nvSpPr>
+          <p:cNvPr id="19" name="직사각형 18">
+            <a:extLst>
+              <a:ext uri="{FF2B5EF4-FFF2-40B4-BE49-F238E27FC236}">
+                <a16:creationId xmlns:a16="http://schemas.microsoft.com/office/drawing/2014/main" id="{B32A1E90-6F3D-42FF-BC0E-433F0708C979}"/>
+              </a:ext>
+            </a:extLst>
+          </p:cNvPr>
+          <p:cNvSpPr/>
+          <p:nvPr/>
+        </p:nvSpPr>
+        <p:spPr>
+          <a:xfrm>
+            <a:off x="7799832" y="4151375"/>
+            <a:ext cx="436960" cy="173737"/>
+          </a:xfrm>
+          <a:prstGeom prst="rect">
+            <a:avLst/>
+          </a:prstGeom>
+          <a:noFill/>
+          <a:ln w="28575">
+            <a:solidFill>
+              <a:srgbClr val="FF0000"/>
+            </a:solidFill>
+          </a:ln>
+        </p:spPr>
+        <p:style>
+          <a:lnRef idx="2">
+            <a:schemeClr val="accent1">
+              <a:shade val="50000"/>
+            </a:schemeClr>
+          </a:lnRef>
+          <a:fillRef idx="1">
+            <a:schemeClr val="accent1"/>
+          </a:fillRef>
+          <a:effectRef idx="0">
+            <a:schemeClr val="accent1"/>
+          </a:effectRef>
+          <a:fontRef idx="minor">
+            <a:schemeClr val="lt1"/>
+          </a:fontRef>
+        </p:style>
+        <p:txBody>
+          <a:bodyPr rtlCol="0" anchor="ctr"/>
+          <a:lstStyle/>
+          <a:p>
+            <a:pPr algn="ctr"/>
+            <a:endParaRPr lang="ko-KR" altLang="en-US" dirty="0"/>
+          </a:p>
+        </p:txBody>
+      </p:sp>
+    </p:spTree>
+    <p:extLst>
+      <p:ext uri="{BB962C8B-B14F-4D97-AF65-F5344CB8AC3E}">
+        <p14:creationId xmlns:p14="http://schemas.microsoft.com/office/powerpoint/2010/main" val="3744336890"/>
+      </p:ext>
+    </p:extLst>
+  </p:cSld>
+  <p:clrMapOvr>
+    <a:masterClrMapping/>
+  </p:clrMapOvr>
+</p:sld>
+</file>
+
+<file path=ppt/slides/slide58.xml><?xml version="1.0" encoding="utf-8"?>
+<p:sld xmlns:a="http://schemas.openxmlformats.org/drawingml/2006/main" xmlns:r="http://schemas.openxmlformats.org/officeDocument/2006/relationships" xmlns:p="http://schemas.openxmlformats.org/presentationml/2006/main">
+  <p:cSld>
+    <p:spTree>
+      <p:nvGrpSpPr>
+        <p:cNvPr id="1" name=""/>
+        <p:cNvGrpSpPr/>
+        <p:nvPr/>
+      </p:nvGrpSpPr>
+      <p:grpSpPr>
+        <a:xfrm>
+          <a:off x="0" y="0"/>
+          <a:ext cx="0" cy="0"/>
+          <a:chOff x="0" y="0"/>
+          <a:chExt cx="0" cy="0"/>
+        </a:xfrm>
+      </p:grpSpPr>
+      <p:sp>
+        <p:nvSpPr>
+          <p:cNvPr id="2" name="제목 1">
+            <a:extLst>
+              <a:ext uri="{FF2B5EF4-FFF2-40B4-BE49-F238E27FC236}">
+                <a16:creationId xmlns:a16="http://schemas.microsoft.com/office/drawing/2014/main" id="{E0292CE5-B6E2-4D05-A25E-25F06032C2AF}"/>
+              </a:ext>
+            </a:extLst>
+          </p:cNvPr>
+          <p:cNvSpPr>
+            <a:spLocks noGrp="1"/>
+          </p:cNvSpPr>
+          <p:nvPr>
+            <p:ph type="title"/>
+          </p:nvPr>
+        </p:nvSpPr>
+        <p:spPr/>
+        <p:txBody>
+          <a:bodyPr/>
+          <a:lstStyle/>
+          <a:p>
+            <a:r>
+              <a:rPr lang="en-US" altLang="ko-KR" dirty="0"/>
+              <a:t>Patch </a:t>
+            </a:r>
+            <a:r>
+              <a:rPr lang="en-US" altLang="ko-KR" dirty="0" err="1"/>
+              <a:t>boot.img</a:t>
+            </a:r>
+            <a:endParaRPr lang="ko-KR" altLang="en-US" dirty="0"/>
+          </a:p>
+        </p:txBody>
+      </p:sp>
+      <p:sp>
+        <p:nvSpPr>
+          <p:cNvPr id="3" name="내용 개체 틀 2">
+            <a:extLst>
+              <a:ext uri="{FF2B5EF4-FFF2-40B4-BE49-F238E27FC236}">
+                <a16:creationId xmlns:a16="http://schemas.microsoft.com/office/drawing/2014/main" id="{8C0BB110-44D4-44C9-AB96-D136BEFFD6DC}"/>
+              </a:ext>
+            </a:extLst>
+          </p:cNvPr>
+          <p:cNvSpPr>
+            <a:spLocks noGrp="1"/>
+          </p:cNvSpPr>
+          <p:nvPr>
+            <p:ph idx="1"/>
+          </p:nvPr>
+        </p:nvSpPr>
+        <p:spPr/>
+        <p:txBody>
+          <a:bodyPr/>
+          <a:lstStyle/>
+          <a:p>
+            <a:r>
+              <a:rPr lang="en-US" altLang="ko-KR" dirty="0"/>
+              <a:t>Copy patched </a:t>
+            </a:r>
+            <a:r>
+              <a:rPr lang="en-US" altLang="ko-KR" dirty="0" err="1"/>
+              <a:t>img</a:t>
+            </a:r>
+            <a:endParaRPr lang="en-US" altLang="ko-KR" dirty="0"/>
+          </a:p>
+          <a:p>
+            <a:pPr lvl="1"/>
+            <a:r>
+              <a:rPr lang="ko-KR" altLang="en-US" dirty="0"/>
+              <a:t>다운로드 폴더에 </a:t>
+            </a:r>
+            <a:r>
+              <a:rPr lang="en-US" altLang="ko-KR" dirty="0"/>
+              <a:t>magisk_patched-23016_bQJ5G.img </a:t>
+            </a:r>
+            <a:r>
+              <a:rPr lang="ko-KR" altLang="en-US" dirty="0"/>
+              <a:t>파일이 생성됨 </a:t>
+            </a:r>
+            <a:endParaRPr lang="en-US" altLang="ko-KR" dirty="0"/>
+          </a:p>
+          <a:p>
+            <a:pPr lvl="1"/>
+            <a:endParaRPr lang="en-US" altLang="ko-KR" dirty="0"/>
+          </a:p>
+          <a:p>
+            <a:pPr lvl="1"/>
+            <a:endParaRPr lang="en-US" altLang="ko-KR" dirty="0"/>
+          </a:p>
+          <a:p>
+            <a:pPr lvl="1"/>
+            <a:endParaRPr lang="en-US" altLang="ko-KR" dirty="0"/>
+          </a:p>
+          <a:p>
+            <a:pPr lvl="1"/>
+            <a:r>
+              <a:rPr lang="ko-KR" altLang="en-US" dirty="0"/>
+              <a:t>해당 파일을 </a:t>
+            </a:r>
+            <a:r>
+              <a:rPr lang="en-US" altLang="ko-KR" dirty="0"/>
+              <a:t>platform-tools </a:t>
+            </a:r>
+            <a:r>
+              <a:rPr lang="ko-KR" altLang="en-US" dirty="0"/>
+              <a:t>폴더로 이동 </a:t>
+            </a:r>
+          </a:p>
+        </p:txBody>
+      </p:sp>
+      <p:sp>
+        <p:nvSpPr>
+          <p:cNvPr id="4" name="날짜 개체 틀 3">
+            <a:extLst>
+              <a:ext uri="{FF2B5EF4-FFF2-40B4-BE49-F238E27FC236}">
+                <a16:creationId xmlns:a16="http://schemas.microsoft.com/office/drawing/2014/main" id="{7B58BB78-D75E-456D-BD1C-4F25B09E2ACD}"/>
+              </a:ext>
+            </a:extLst>
+          </p:cNvPr>
+          <p:cNvSpPr>
+            <a:spLocks noGrp="1"/>
+          </p:cNvSpPr>
+          <p:nvPr>
+            <p:ph type="dt" sz="half" idx="10"/>
+          </p:nvPr>
+        </p:nvSpPr>
+        <p:spPr/>
+        <p:txBody>
+          <a:bodyPr/>
+          <a:lstStyle/>
+          <a:p>
+            <a:r>
+              <a:rPr lang="ko-KR" altLang="en-US"/>
+              <a:t>권철현</a:t>
+            </a:r>
+            <a:r>
+              <a:rPr lang="en-US" altLang="ko-KR"/>
+              <a:t>, </a:t>
+            </a:r>
+            <a:r>
+              <a:rPr lang="ko-KR" altLang="en-US"/>
+              <a:t>신재하</a:t>
+            </a:r>
+            <a:endParaRPr lang="ko-KR" altLang="en-US" dirty="0"/>
+          </a:p>
+        </p:txBody>
+      </p:sp>
+      <p:sp>
+        <p:nvSpPr>
+          <p:cNvPr id="5" name="슬라이드 번호 개체 틀 4">
+            <a:extLst>
+              <a:ext uri="{FF2B5EF4-FFF2-40B4-BE49-F238E27FC236}">
+                <a16:creationId xmlns:a16="http://schemas.microsoft.com/office/drawing/2014/main" id="{8EF8EA13-4E8D-4091-9377-80BBE12FA199}"/>
+              </a:ext>
+            </a:extLst>
+          </p:cNvPr>
+          <p:cNvSpPr>
+            <a:spLocks noGrp="1"/>
+          </p:cNvSpPr>
+          <p:nvPr>
+            <p:ph type="sldNum" sz="quarter" idx="12"/>
+          </p:nvPr>
+        </p:nvSpPr>
+        <p:spPr/>
+        <p:txBody>
+          <a:bodyPr/>
+          <a:lstStyle/>
+          <a:p>
+            <a:fld id="{5FF72CB3-86FB-4DBB-A7AC-E8F6F3DA156B}" type="slidenum">
+              <a:rPr lang="ko-KR" altLang="en-US" smtClean="0"/>
+              <a:pPr/>
+              <a:t>58</a:t>
+            </a:fld>
+            <a:endParaRPr lang="ko-KR" altLang="en-US"/>
+          </a:p>
+        </p:txBody>
+      </p:sp>
+      <p:pic>
+        <p:nvPicPr>
+          <p:cNvPr id="9" name="그림 8">
+            <a:extLst>
+              <a:ext uri="{FF2B5EF4-FFF2-40B4-BE49-F238E27FC236}">
+                <a16:creationId xmlns:a16="http://schemas.microsoft.com/office/drawing/2014/main" id="{E6C32E7F-8C38-4E8E-8B44-31ADE8013FE0}"/>
+              </a:ext>
+            </a:extLst>
+          </p:cNvPr>
+          <p:cNvPicPr>
+            <a:picLocks noChangeAspect="1"/>
+          </p:cNvPicPr>
+          <p:nvPr/>
+        </p:nvPicPr>
+        <p:blipFill rotWithShape="1">
+          <a:blip r:embed="rId2"/>
+          <a:srcRect b="53291"/>
+          <a:stretch/>
+        </p:blipFill>
+        <p:spPr>
+          <a:xfrm>
+            <a:off x="646774" y="2715306"/>
+            <a:ext cx="3534484" cy="1265223"/>
+          </a:xfrm>
+          <a:prstGeom prst="rect">
+            <a:avLst/>
+          </a:prstGeom>
+        </p:spPr>
+      </p:pic>
+      <p:pic>
+        <p:nvPicPr>
+          <p:cNvPr id="11" name="그림 10">
+            <a:extLst>
+              <a:ext uri="{FF2B5EF4-FFF2-40B4-BE49-F238E27FC236}">
+                <a16:creationId xmlns:a16="http://schemas.microsoft.com/office/drawing/2014/main" id="{FF32AF1E-55FE-4784-B123-00DB3F1C8B98}"/>
+              </a:ext>
+            </a:extLst>
+          </p:cNvPr>
+          <p:cNvPicPr>
+            <a:picLocks noChangeAspect="1"/>
+          </p:cNvPicPr>
+          <p:nvPr/>
+        </p:nvPicPr>
+        <p:blipFill>
+          <a:blip r:embed="rId3"/>
+          <a:stretch>
+            <a:fillRect/>
+          </a:stretch>
+        </p:blipFill>
+        <p:spPr>
+          <a:xfrm>
+            <a:off x="568960" y="5490105"/>
+            <a:ext cx="7953375" cy="666750"/>
+          </a:xfrm>
+          <a:prstGeom prst="rect">
+            <a:avLst/>
+          </a:prstGeom>
+        </p:spPr>
+      </p:pic>
+      <p:sp>
+        <p:nvSpPr>
+          <p:cNvPr id="13" name="사각형: 둥근 모서리 12">
+            <a:extLst>
+              <a:ext uri="{FF2B5EF4-FFF2-40B4-BE49-F238E27FC236}">
+                <a16:creationId xmlns:a16="http://schemas.microsoft.com/office/drawing/2014/main" id="{BFC5850D-11C9-47D6-8A18-1586131595B9}"/>
+              </a:ext>
+            </a:extLst>
+          </p:cNvPr>
+          <p:cNvSpPr/>
+          <p:nvPr/>
+        </p:nvSpPr>
+        <p:spPr>
+          <a:xfrm>
+            <a:off x="568960" y="4618284"/>
+            <a:ext cx="11206480" cy="694380"/>
+          </a:xfrm>
+          <a:prstGeom prst="roundRect">
+            <a:avLst/>
+          </a:prstGeom>
+          <a:solidFill>
+            <a:srgbClr val="A9D8B7"/>
+          </a:solidFill>
+          <a:ln>
+            <a:noFill/>
+          </a:ln>
+        </p:spPr>
+        <p:style>
+          <a:lnRef idx="2">
+            <a:schemeClr val="accent1">
+              <a:shade val="50000"/>
+            </a:schemeClr>
+          </a:lnRef>
+          <a:fillRef idx="1">
+            <a:schemeClr val="accent1"/>
+          </a:fillRef>
+          <a:effectRef idx="0">
+            <a:schemeClr val="accent1"/>
+          </a:effectRef>
+          <a:fontRef idx="minor">
+            <a:schemeClr val="lt1"/>
+          </a:fontRef>
+        </p:style>
+        <p:txBody>
+          <a:bodyPr rtlCol="0" anchor="ctr"/>
+          <a:lstStyle/>
+          <a:p>
+            <a:r>
+              <a:rPr lang="en-US" altLang="ko-KR" sz="2200" b="1" dirty="0">
+                <a:solidFill>
+                  <a:schemeClr val="tx1"/>
+                </a:solidFill>
+              </a:rPr>
+              <a:t>$ cp magisk_patched-23016_bQJ5G.img  /</a:t>
+            </a:r>
+            <a:r>
+              <a:rPr lang="en-US" altLang="ko-KR" sz="2200" b="1" dirty="0" err="1">
+                <a:solidFill>
+                  <a:schemeClr val="tx1"/>
+                </a:solidFill>
+              </a:rPr>
+              <a:t>usr</a:t>
+            </a:r>
+            <a:r>
+              <a:rPr lang="en-US" altLang="ko-KR" sz="2200" b="1" dirty="0">
+                <a:solidFill>
+                  <a:schemeClr val="tx1"/>
+                </a:solidFill>
+              </a:rPr>
+              <a:t>/lib/android-</a:t>
+            </a:r>
+            <a:r>
+              <a:rPr lang="en-US" altLang="ko-KR" sz="2200" b="1" dirty="0" err="1">
+                <a:solidFill>
+                  <a:schemeClr val="tx1"/>
+                </a:solidFill>
+              </a:rPr>
+              <a:t>sdk</a:t>
+            </a:r>
+            <a:r>
+              <a:rPr lang="en-US" altLang="ko-KR" sz="2200" b="1" dirty="0">
+                <a:solidFill>
+                  <a:schemeClr val="tx1"/>
+                </a:solidFill>
+              </a:rPr>
+              <a:t>/platform-tools/</a:t>
+            </a:r>
+            <a:endParaRPr lang="ko-KR" altLang="en-US" sz="2200" b="1" dirty="0">
+              <a:solidFill>
+                <a:schemeClr val="tx1"/>
+              </a:solidFill>
+            </a:endParaRPr>
+          </a:p>
+        </p:txBody>
+      </p:sp>
+    </p:spTree>
+    <p:extLst>
+      <p:ext uri="{BB962C8B-B14F-4D97-AF65-F5344CB8AC3E}">
+        <p14:creationId xmlns:p14="http://schemas.microsoft.com/office/powerpoint/2010/main" val="1554558664"/>
+      </p:ext>
+    </p:extLst>
+  </p:cSld>
+  <p:clrMapOvr>
+    <a:masterClrMapping/>
+  </p:clrMapOvr>
+</p:sld>
+</file>
+
+<file path=ppt/slides/slide59.xml><?xml version="1.0" encoding="utf-8"?>
+<p:sld xmlns:a="http://schemas.openxmlformats.org/drawingml/2006/main" xmlns:r="http://schemas.openxmlformats.org/officeDocument/2006/relationships" xmlns:p="http://schemas.openxmlformats.org/presentationml/2006/main">
+  <p:cSld>
+    <p:spTree>
+      <p:nvGrpSpPr>
+        <p:cNvPr id="1" name=""/>
+        <p:cNvGrpSpPr/>
+        <p:nvPr/>
+      </p:nvGrpSpPr>
+      <p:grpSpPr>
+        <a:xfrm>
+          <a:off x="0" y="0"/>
+          <a:ext cx="0" cy="0"/>
+          <a:chOff x="0" y="0"/>
+          <a:chExt cx="0" cy="0"/>
+        </a:xfrm>
+      </p:grpSpPr>
+      <p:sp>
+        <p:nvSpPr>
+          <p:cNvPr id="2" name="제목 1">
+            <a:extLst>
+              <a:ext uri="{FF2B5EF4-FFF2-40B4-BE49-F238E27FC236}">
+                <a16:creationId xmlns:a16="http://schemas.microsoft.com/office/drawing/2014/main" id="{6BDA45C5-C373-4694-9A16-F13818C42526}"/>
+              </a:ext>
+            </a:extLst>
+          </p:cNvPr>
+          <p:cNvSpPr>
+            <a:spLocks noGrp="1"/>
+          </p:cNvSpPr>
+          <p:nvPr>
+            <p:ph type="title"/>
+          </p:nvPr>
+        </p:nvSpPr>
+        <p:spPr/>
+        <p:txBody>
+          <a:bodyPr/>
+          <a:lstStyle/>
+          <a:p>
+            <a:r>
+              <a:rPr lang="en-US" altLang="ko-KR" dirty="0"/>
+              <a:t>Boot</a:t>
+            </a:r>
+            <a:r>
+              <a:rPr lang="ko-KR" altLang="en-US" dirty="0"/>
+              <a:t> </a:t>
+            </a:r>
+            <a:r>
+              <a:rPr lang="en-US" altLang="ko-KR" dirty="0"/>
+              <a:t>with Patched </a:t>
+            </a:r>
+            <a:r>
+              <a:rPr lang="en-US" altLang="ko-KR" dirty="0" err="1"/>
+              <a:t>img</a:t>
+            </a:r>
+            <a:endParaRPr lang="ko-KR" altLang="en-US" dirty="0"/>
+          </a:p>
+        </p:txBody>
+      </p:sp>
+      <p:sp>
+        <p:nvSpPr>
+          <p:cNvPr id="3" name="내용 개체 틀 2">
+            <a:extLst>
+              <a:ext uri="{FF2B5EF4-FFF2-40B4-BE49-F238E27FC236}">
+                <a16:creationId xmlns:a16="http://schemas.microsoft.com/office/drawing/2014/main" id="{39216499-7DD6-4C5E-8EFE-0D89F8778C92}"/>
+              </a:ext>
+            </a:extLst>
+          </p:cNvPr>
+          <p:cNvSpPr>
+            <a:spLocks noGrp="1"/>
+          </p:cNvSpPr>
+          <p:nvPr>
+            <p:ph idx="1"/>
+          </p:nvPr>
+        </p:nvSpPr>
+        <p:spPr/>
+        <p:txBody>
+          <a:bodyPr/>
+          <a:lstStyle/>
+          <a:p>
+            <a:r>
+              <a:rPr lang="en-US" altLang="ko-KR" dirty="0" err="1"/>
+              <a:t>Fastboot</a:t>
+            </a:r>
+            <a:r>
+              <a:rPr lang="en-US" altLang="ko-KR" dirty="0"/>
+              <a:t> mode</a:t>
+            </a:r>
+          </a:p>
+          <a:p>
+            <a:pPr lvl="1"/>
+            <a:r>
+              <a:rPr lang="en-US" altLang="ko-KR" dirty="0" err="1"/>
+              <a:t>adb</a:t>
+            </a:r>
+            <a:r>
+              <a:rPr lang="ko-KR" altLang="en-US" dirty="0"/>
+              <a:t>를 통해 </a:t>
+            </a:r>
+            <a:r>
+              <a:rPr lang="en-US" altLang="ko-KR" dirty="0" err="1"/>
+              <a:t>fastboot</a:t>
+            </a:r>
+            <a:r>
+              <a:rPr lang="en-US" altLang="ko-KR" dirty="0"/>
+              <a:t> </a:t>
+            </a:r>
+            <a:r>
+              <a:rPr lang="ko-KR" altLang="en-US" dirty="0"/>
+              <a:t>모드로 변경하기 위해 다음과 같은 코드 입력</a:t>
+            </a:r>
+            <a:endParaRPr lang="en-US" altLang="ko-KR" dirty="0"/>
+          </a:p>
+          <a:p>
+            <a:pPr lvl="1"/>
+            <a:r>
+              <a:rPr lang="ko-KR" altLang="en-US" dirty="0"/>
+              <a:t> </a:t>
+            </a:r>
+            <a:endParaRPr lang="en-US" altLang="ko-KR" dirty="0"/>
+          </a:p>
+          <a:p>
+            <a:pPr lvl="1"/>
+            <a:endParaRPr lang="en-US" altLang="ko-KR" dirty="0"/>
+          </a:p>
+          <a:p>
+            <a:pPr lvl="1"/>
+            <a:endParaRPr lang="en-US" altLang="ko-KR" dirty="0"/>
+          </a:p>
+          <a:p>
+            <a:pPr lvl="1"/>
+            <a:r>
+              <a:rPr lang="ko-KR" altLang="en-US" dirty="0"/>
+              <a:t>이전에 </a:t>
+            </a:r>
+            <a:r>
+              <a:rPr lang="en-US" altLang="ko-KR" dirty="0"/>
+              <a:t>patched </a:t>
+            </a:r>
+            <a:r>
+              <a:rPr lang="ko-KR" altLang="en-US" dirty="0"/>
+              <a:t>된 이미지 파일을 저장한 장소로 이동 </a:t>
+            </a:r>
+            <a:endParaRPr lang="en-US" altLang="ko-KR" dirty="0"/>
+          </a:p>
+          <a:p>
+            <a:pPr lvl="1"/>
+            <a:endParaRPr lang="en-US" altLang="ko-KR" dirty="0"/>
+          </a:p>
+          <a:p>
+            <a:pPr lvl="1"/>
+            <a:endParaRPr lang="ko-KR" altLang="en-US" dirty="0"/>
+          </a:p>
+        </p:txBody>
+      </p:sp>
+      <p:sp>
+        <p:nvSpPr>
+          <p:cNvPr id="4" name="날짜 개체 틀 3">
+            <a:extLst>
+              <a:ext uri="{FF2B5EF4-FFF2-40B4-BE49-F238E27FC236}">
+                <a16:creationId xmlns:a16="http://schemas.microsoft.com/office/drawing/2014/main" id="{A6EE8BB4-31CF-4A7D-A219-D8CE08A72AF3}"/>
+              </a:ext>
+            </a:extLst>
+          </p:cNvPr>
+          <p:cNvSpPr>
+            <a:spLocks noGrp="1"/>
+          </p:cNvSpPr>
+          <p:nvPr>
+            <p:ph type="dt" sz="half" idx="10"/>
+          </p:nvPr>
+        </p:nvSpPr>
+        <p:spPr/>
+        <p:txBody>
+          <a:bodyPr/>
+          <a:lstStyle/>
+          <a:p>
+            <a:r>
+              <a:rPr lang="ko-KR" altLang="en-US"/>
+              <a:t>권철현</a:t>
+            </a:r>
+            <a:r>
+              <a:rPr lang="en-US" altLang="ko-KR"/>
+              <a:t>, </a:t>
+            </a:r>
+            <a:r>
+              <a:rPr lang="ko-KR" altLang="en-US"/>
+              <a:t>신재하</a:t>
+            </a:r>
+            <a:endParaRPr lang="ko-KR" altLang="en-US" dirty="0"/>
+          </a:p>
+        </p:txBody>
+      </p:sp>
+      <p:sp>
+        <p:nvSpPr>
+          <p:cNvPr id="5" name="슬라이드 번호 개체 틀 4">
+            <a:extLst>
+              <a:ext uri="{FF2B5EF4-FFF2-40B4-BE49-F238E27FC236}">
+                <a16:creationId xmlns:a16="http://schemas.microsoft.com/office/drawing/2014/main" id="{A7C7047A-CD59-4119-AABF-DF470A56714A}"/>
+              </a:ext>
+            </a:extLst>
+          </p:cNvPr>
+          <p:cNvSpPr>
+            <a:spLocks noGrp="1"/>
+          </p:cNvSpPr>
+          <p:nvPr>
+            <p:ph type="sldNum" sz="quarter" idx="12"/>
+          </p:nvPr>
+        </p:nvSpPr>
+        <p:spPr/>
+        <p:txBody>
+          <a:bodyPr/>
+          <a:lstStyle/>
+          <a:p>
+            <a:fld id="{5FF72CB3-86FB-4DBB-A7AC-E8F6F3DA156B}" type="slidenum">
+              <a:rPr lang="ko-KR" altLang="en-US" smtClean="0"/>
+              <a:pPr/>
+              <a:t>59</a:t>
+            </a:fld>
+            <a:endParaRPr lang="ko-KR" altLang="en-US"/>
+          </a:p>
+        </p:txBody>
+      </p:sp>
+      <p:sp>
+        <p:nvSpPr>
+          <p:cNvPr id="7" name="사각형: 둥근 모서리 6">
+            <a:extLst>
+              <a:ext uri="{FF2B5EF4-FFF2-40B4-BE49-F238E27FC236}">
+                <a16:creationId xmlns:a16="http://schemas.microsoft.com/office/drawing/2014/main" id="{C7C56233-66C7-40D2-9AFB-4B02BE76CB81}"/>
+              </a:ext>
+            </a:extLst>
+          </p:cNvPr>
+          <p:cNvSpPr/>
+          <p:nvPr/>
+        </p:nvSpPr>
+        <p:spPr>
+          <a:xfrm>
+            <a:off x="553294" y="2625542"/>
+            <a:ext cx="11206480" cy="932688"/>
+          </a:xfrm>
+          <a:prstGeom prst="roundRect">
+            <a:avLst/>
+          </a:prstGeom>
+          <a:solidFill>
+            <a:srgbClr val="A9D8B7"/>
+          </a:solidFill>
+          <a:ln>
+            <a:noFill/>
+          </a:ln>
+        </p:spPr>
+        <p:style>
+          <a:lnRef idx="2">
+            <a:schemeClr val="accent1">
+              <a:shade val="50000"/>
+            </a:schemeClr>
+          </a:lnRef>
+          <a:fillRef idx="1">
+            <a:schemeClr val="accent1"/>
+          </a:fillRef>
+          <a:effectRef idx="0">
+            <a:schemeClr val="accent1"/>
+          </a:effectRef>
+          <a:fontRef idx="minor">
+            <a:schemeClr val="lt1"/>
+          </a:fontRef>
+        </p:style>
+        <p:txBody>
+          <a:bodyPr rtlCol="0" anchor="ctr"/>
+          <a:lstStyle/>
+          <a:p>
+            <a:r>
+              <a:rPr lang="en-US" altLang="ko-KR" sz="2800" b="1" dirty="0">
+                <a:solidFill>
+                  <a:schemeClr val="tx1"/>
+                </a:solidFill>
+              </a:rPr>
+              <a:t>$ </a:t>
+            </a:r>
+            <a:r>
+              <a:rPr lang="en-US" altLang="ko-KR" sz="2800" b="1" dirty="0" err="1">
+                <a:solidFill>
+                  <a:schemeClr val="tx1"/>
+                </a:solidFill>
+              </a:rPr>
+              <a:t>adb</a:t>
+            </a:r>
+            <a:r>
+              <a:rPr lang="en-US" altLang="ko-KR" sz="2800" b="1" dirty="0">
+                <a:solidFill>
+                  <a:schemeClr val="tx1"/>
+                </a:solidFill>
+              </a:rPr>
+              <a:t> reboot bootloader</a:t>
+            </a:r>
+          </a:p>
+          <a:p>
+            <a:r>
+              <a:rPr lang="en-US" altLang="ko-KR" sz="2800" b="1" dirty="0">
+                <a:solidFill>
+                  <a:schemeClr val="tx1"/>
+                </a:solidFill>
+              </a:rPr>
+              <a:t>$ </a:t>
+            </a:r>
+            <a:r>
+              <a:rPr lang="en-US" altLang="ko-KR" sz="2800" b="1" dirty="0" err="1">
+                <a:solidFill>
+                  <a:schemeClr val="tx1"/>
+                </a:solidFill>
+              </a:rPr>
+              <a:t>fastboot</a:t>
+            </a:r>
+            <a:r>
+              <a:rPr lang="en-US" altLang="ko-KR" sz="2800" b="1" dirty="0">
+                <a:solidFill>
+                  <a:schemeClr val="tx1"/>
+                </a:solidFill>
+              </a:rPr>
+              <a:t> devices</a:t>
+            </a:r>
+          </a:p>
+        </p:txBody>
+      </p:sp>
+      <p:pic>
+        <p:nvPicPr>
+          <p:cNvPr id="9" name="그림 8">
+            <a:extLst>
+              <a:ext uri="{FF2B5EF4-FFF2-40B4-BE49-F238E27FC236}">
+                <a16:creationId xmlns:a16="http://schemas.microsoft.com/office/drawing/2014/main" id="{73106F84-F144-47AA-805D-83A90D54561E}"/>
+              </a:ext>
+            </a:extLst>
+          </p:cNvPr>
+          <p:cNvPicPr>
+            <a:picLocks noChangeAspect="1"/>
+          </p:cNvPicPr>
+          <p:nvPr/>
+        </p:nvPicPr>
+        <p:blipFill>
+          <a:blip r:embed="rId2"/>
+          <a:stretch>
+            <a:fillRect/>
+          </a:stretch>
+        </p:blipFill>
+        <p:spPr>
+          <a:xfrm>
+            <a:off x="6323158" y="2661814"/>
+            <a:ext cx="3323762" cy="860143"/>
+          </a:xfrm>
+          <a:prstGeom prst="rect">
+            <a:avLst/>
+          </a:prstGeom>
+        </p:spPr>
+      </p:pic>
+      <p:sp>
+        <p:nvSpPr>
+          <p:cNvPr id="10" name="사각형: 둥근 모서리 9">
+            <a:extLst>
+              <a:ext uri="{FF2B5EF4-FFF2-40B4-BE49-F238E27FC236}">
+                <a16:creationId xmlns:a16="http://schemas.microsoft.com/office/drawing/2014/main" id="{BE292925-CCAC-4A52-83CF-BB28B2DBB70A}"/>
+              </a:ext>
+            </a:extLst>
+          </p:cNvPr>
+          <p:cNvSpPr/>
+          <p:nvPr/>
+        </p:nvSpPr>
+        <p:spPr>
+          <a:xfrm>
+            <a:off x="553294" y="4483702"/>
+            <a:ext cx="11206480" cy="521849"/>
+          </a:xfrm>
+          <a:prstGeom prst="roundRect">
+            <a:avLst/>
+          </a:prstGeom>
+          <a:solidFill>
+            <a:srgbClr val="A9D8B7"/>
+          </a:solidFill>
+          <a:ln>
+            <a:noFill/>
+          </a:ln>
+        </p:spPr>
+        <p:style>
+          <a:lnRef idx="2">
+            <a:schemeClr val="accent1">
+              <a:shade val="50000"/>
+            </a:schemeClr>
+          </a:lnRef>
+          <a:fillRef idx="1">
+            <a:schemeClr val="accent1"/>
+          </a:fillRef>
+          <a:effectRef idx="0">
+            <a:schemeClr val="accent1"/>
+          </a:effectRef>
+          <a:fontRef idx="minor">
+            <a:schemeClr val="lt1"/>
+          </a:fontRef>
+        </p:style>
+        <p:txBody>
+          <a:bodyPr rtlCol="0" anchor="ctr"/>
+          <a:lstStyle/>
+          <a:p>
+            <a:r>
+              <a:rPr lang="en-US" altLang="ko-KR" sz="2800" b="1" dirty="0">
+                <a:solidFill>
+                  <a:schemeClr val="tx1"/>
+                </a:solidFill>
+              </a:rPr>
+              <a:t>$ cd /</a:t>
+            </a:r>
+            <a:r>
+              <a:rPr lang="en-US" altLang="ko-KR" sz="2800" b="1" dirty="0" err="1">
+                <a:solidFill>
+                  <a:schemeClr val="tx1"/>
+                </a:solidFill>
+              </a:rPr>
+              <a:t>usr</a:t>
+            </a:r>
+            <a:r>
+              <a:rPr lang="en-US" altLang="ko-KR" sz="2800" b="1" dirty="0">
+                <a:solidFill>
+                  <a:schemeClr val="tx1"/>
+                </a:solidFill>
+              </a:rPr>
+              <a:t>/lib/android-</a:t>
+            </a:r>
+            <a:r>
+              <a:rPr lang="en-US" altLang="ko-KR" sz="2800" b="1" dirty="0" err="1">
+                <a:solidFill>
+                  <a:schemeClr val="tx1"/>
+                </a:solidFill>
+              </a:rPr>
+              <a:t>sdk</a:t>
+            </a:r>
+            <a:r>
+              <a:rPr lang="en-US" altLang="ko-KR" sz="2800" b="1" dirty="0">
+                <a:solidFill>
+                  <a:schemeClr val="tx1"/>
+                </a:solidFill>
+              </a:rPr>
+              <a:t>/platform-tools/</a:t>
+            </a:r>
+          </a:p>
+        </p:txBody>
+      </p:sp>
+      <p:pic>
+        <p:nvPicPr>
+          <p:cNvPr id="12" name="그림 11">
+            <a:extLst>
+              <a:ext uri="{FF2B5EF4-FFF2-40B4-BE49-F238E27FC236}">
+                <a16:creationId xmlns:a16="http://schemas.microsoft.com/office/drawing/2014/main" id="{1E531F40-805F-4292-97F3-C08AA6C620EA}"/>
+              </a:ext>
+            </a:extLst>
+          </p:cNvPr>
+          <p:cNvPicPr>
+            <a:picLocks noChangeAspect="1"/>
+          </p:cNvPicPr>
+          <p:nvPr/>
+        </p:nvPicPr>
+        <p:blipFill rotWithShape="1">
+          <a:blip r:embed="rId3"/>
+          <a:srcRect b="82151"/>
+          <a:stretch/>
+        </p:blipFill>
+        <p:spPr>
+          <a:xfrm>
+            <a:off x="553294" y="5191214"/>
+            <a:ext cx="8296275" cy="217611"/>
+          </a:xfrm>
+          <a:prstGeom prst="rect">
+            <a:avLst/>
+          </a:prstGeom>
+        </p:spPr>
+      </p:pic>
+    </p:spTree>
+    <p:extLst>
+      <p:ext uri="{BB962C8B-B14F-4D97-AF65-F5344CB8AC3E}">
+        <p14:creationId xmlns:p14="http://schemas.microsoft.com/office/powerpoint/2010/main" val="390044944"/>
+      </p:ext>
+    </p:extLst>
+  </p:cSld>
+  <p:clrMapOvr>
+    <a:masterClrMapping/>
+  </p:clrMapOvr>
+</p:sld>
+</file>
+
 <file path=ppt/slides/slide6.xml><?xml version="1.0" encoding="utf-8"?>
 <p:sld xmlns:a="http://schemas.openxmlformats.org/drawingml/2006/main" xmlns:r="http://schemas.openxmlformats.org/officeDocument/2006/relationships" xmlns:p="http://schemas.openxmlformats.org/presentationml/2006/main">
   <p:cSld>
@@ -28863,6 +33715,1689 @@
     <p:extLst>
       <p:ext uri="{BB962C8B-B14F-4D97-AF65-F5344CB8AC3E}">
         <p14:creationId xmlns:p14="http://schemas.microsoft.com/office/powerpoint/2010/main" val="3576583306"/>
+      </p:ext>
+    </p:extLst>
+  </p:cSld>
+  <p:clrMapOvr>
+    <a:masterClrMapping/>
+  </p:clrMapOvr>
+</p:sld>
+</file>
+
+<file path=ppt/slides/slide60.xml><?xml version="1.0" encoding="utf-8"?>
+<p:sld xmlns:a="http://schemas.openxmlformats.org/drawingml/2006/main" xmlns:r="http://schemas.openxmlformats.org/officeDocument/2006/relationships" xmlns:p="http://schemas.openxmlformats.org/presentationml/2006/main">
+  <p:cSld>
+    <p:spTree>
+      <p:nvGrpSpPr>
+        <p:cNvPr id="1" name=""/>
+        <p:cNvGrpSpPr/>
+        <p:nvPr/>
+      </p:nvGrpSpPr>
+      <p:grpSpPr>
+        <a:xfrm>
+          <a:off x="0" y="0"/>
+          <a:ext cx="0" cy="0"/>
+          <a:chOff x="0" y="0"/>
+          <a:chExt cx="0" cy="0"/>
+        </a:xfrm>
+      </p:grpSpPr>
+      <p:sp>
+        <p:nvSpPr>
+          <p:cNvPr id="2" name="제목 1">
+            <a:extLst>
+              <a:ext uri="{FF2B5EF4-FFF2-40B4-BE49-F238E27FC236}">
+                <a16:creationId xmlns:a16="http://schemas.microsoft.com/office/drawing/2014/main" id="{40D93C08-68D5-460B-AEFD-0FECB70424B5}"/>
+              </a:ext>
+            </a:extLst>
+          </p:cNvPr>
+          <p:cNvSpPr>
+            <a:spLocks noGrp="1"/>
+          </p:cNvSpPr>
+          <p:nvPr>
+            <p:ph type="title"/>
+          </p:nvPr>
+        </p:nvSpPr>
+        <p:spPr/>
+        <p:txBody>
+          <a:bodyPr/>
+          <a:lstStyle/>
+          <a:p>
+            <a:r>
+              <a:rPr lang="en-US" altLang="ko-KR" dirty="0"/>
+              <a:t>Boot</a:t>
+            </a:r>
+            <a:r>
+              <a:rPr lang="ko-KR" altLang="en-US" dirty="0"/>
+              <a:t> </a:t>
+            </a:r>
+            <a:r>
+              <a:rPr lang="en-US" altLang="ko-KR" dirty="0"/>
+              <a:t>with Patched </a:t>
+            </a:r>
+            <a:r>
+              <a:rPr lang="en-US" altLang="ko-KR" dirty="0" err="1"/>
+              <a:t>img</a:t>
+            </a:r>
+            <a:endParaRPr lang="ko-KR" altLang="en-US" dirty="0"/>
+          </a:p>
+        </p:txBody>
+      </p:sp>
+      <p:sp>
+        <p:nvSpPr>
+          <p:cNvPr id="3" name="내용 개체 틀 2">
+            <a:extLst>
+              <a:ext uri="{FF2B5EF4-FFF2-40B4-BE49-F238E27FC236}">
+                <a16:creationId xmlns:a16="http://schemas.microsoft.com/office/drawing/2014/main" id="{8FA0F7ED-BB48-4BB5-9E26-A2FD5FFB9F34}"/>
+              </a:ext>
+            </a:extLst>
+          </p:cNvPr>
+          <p:cNvSpPr>
+            <a:spLocks noGrp="1"/>
+          </p:cNvSpPr>
+          <p:nvPr>
+            <p:ph idx="1"/>
+          </p:nvPr>
+        </p:nvSpPr>
+        <p:spPr/>
+        <p:txBody>
+          <a:bodyPr/>
+          <a:lstStyle/>
+          <a:p>
+            <a:r>
+              <a:rPr lang="en-US" altLang="ko-KR" dirty="0"/>
+              <a:t>Boot </a:t>
+            </a:r>
+          </a:p>
+          <a:p>
+            <a:pPr lvl="1"/>
+            <a:r>
+              <a:rPr lang="ko-KR" altLang="en-US" dirty="0" err="1"/>
+              <a:t>패치된</a:t>
+            </a:r>
+            <a:r>
+              <a:rPr lang="ko-KR" altLang="en-US" dirty="0"/>
+              <a:t> 이미지를 통해 장치 부팅</a:t>
+            </a:r>
+            <a:endParaRPr lang="en-US" altLang="ko-KR" dirty="0"/>
+          </a:p>
+          <a:p>
+            <a:pPr lvl="1"/>
+            <a:endParaRPr lang="en-US" altLang="ko-KR" dirty="0"/>
+          </a:p>
+          <a:p>
+            <a:pPr lvl="1"/>
+            <a:endParaRPr lang="en-US" altLang="ko-KR" dirty="0"/>
+          </a:p>
+          <a:p>
+            <a:pPr lvl="1"/>
+            <a:endParaRPr lang="en-US" altLang="ko-KR" dirty="0"/>
+          </a:p>
+          <a:p>
+            <a:pPr lvl="1"/>
+            <a:endParaRPr lang="en-US" altLang="ko-KR" dirty="0"/>
+          </a:p>
+          <a:p>
+            <a:pPr lvl="1"/>
+            <a:endParaRPr lang="en-US" altLang="ko-KR" dirty="0"/>
+          </a:p>
+          <a:p>
+            <a:r>
+              <a:rPr lang="ko-KR" altLang="en-US" dirty="0"/>
+              <a:t>해당 과정이 끝나면 </a:t>
+            </a:r>
+            <a:r>
+              <a:rPr lang="ko-KR" altLang="en-US" dirty="0" err="1"/>
+              <a:t>루팅이</a:t>
+            </a:r>
+            <a:r>
+              <a:rPr lang="ko-KR" altLang="en-US" dirty="0"/>
+              <a:t> 완료된 상태로 부팅됨 </a:t>
+            </a:r>
+            <a:endParaRPr lang="en-US" altLang="ko-KR" dirty="0"/>
+          </a:p>
+          <a:p>
+            <a:pPr marL="311400" lvl="1" indent="0">
+              <a:buNone/>
+            </a:pPr>
+            <a:endParaRPr lang="ko-KR" altLang="en-US" dirty="0"/>
+          </a:p>
+        </p:txBody>
+      </p:sp>
+      <p:sp>
+        <p:nvSpPr>
+          <p:cNvPr id="4" name="날짜 개체 틀 3">
+            <a:extLst>
+              <a:ext uri="{FF2B5EF4-FFF2-40B4-BE49-F238E27FC236}">
+                <a16:creationId xmlns:a16="http://schemas.microsoft.com/office/drawing/2014/main" id="{728A64D2-F506-4546-B543-569681FDA8A7}"/>
+              </a:ext>
+            </a:extLst>
+          </p:cNvPr>
+          <p:cNvSpPr>
+            <a:spLocks noGrp="1"/>
+          </p:cNvSpPr>
+          <p:nvPr>
+            <p:ph type="dt" sz="half" idx="10"/>
+          </p:nvPr>
+        </p:nvSpPr>
+        <p:spPr/>
+        <p:txBody>
+          <a:bodyPr/>
+          <a:lstStyle/>
+          <a:p>
+            <a:r>
+              <a:rPr lang="ko-KR" altLang="en-US"/>
+              <a:t>권철현</a:t>
+            </a:r>
+            <a:r>
+              <a:rPr lang="en-US" altLang="ko-KR"/>
+              <a:t>, </a:t>
+            </a:r>
+            <a:r>
+              <a:rPr lang="ko-KR" altLang="en-US"/>
+              <a:t>신재하</a:t>
+            </a:r>
+            <a:endParaRPr lang="ko-KR" altLang="en-US" dirty="0"/>
+          </a:p>
+        </p:txBody>
+      </p:sp>
+      <p:sp>
+        <p:nvSpPr>
+          <p:cNvPr id="5" name="슬라이드 번호 개체 틀 4">
+            <a:extLst>
+              <a:ext uri="{FF2B5EF4-FFF2-40B4-BE49-F238E27FC236}">
+                <a16:creationId xmlns:a16="http://schemas.microsoft.com/office/drawing/2014/main" id="{BD00FA59-86B4-4478-B8DE-4F9DF82F30D1}"/>
+              </a:ext>
+            </a:extLst>
+          </p:cNvPr>
+          <p:cNvSpPr>
+            <a:spLocks noGrp="1"/>
+          </p:cNvSpPr>
+          <p:nvPr>
+            <p:ph type="sldNum" sz="quarter" idx="12"/>
+          </p:nvPr>
+        </p:nvSpPr>
+        <p:spPr/>
+        <p:txBody>
+          <a:bodyPr/>
+          <a:lstStyle/>
+          <a:p>
+            <a:fld id="{5FF72CB3-86FB-4DBB-A7AC-E8F6F3DA156B}" type="slidenum">
+              <a:rPr lang="ko-KR" altLang="en-US" smtClean="0"/>
+              <a:pPr/>
+              <a:t>60</a:t>
+            </a:fld>
+            <a:endParaRPr lang="ko-KR" altLang="en-US"/>
+          </a:p>
+        </p:txBody>
+      </p:sp>
+      <p:sp>
+        <p:nvSpPr>
+          <p:cNvPr id="6" name="사각형: 둥근 모서리 5">
+            <a:extLst>
+              <a:ext uri="{FF2B5EF4-FFF2-40B4-BE49-F238E27FC236}">
+                <a16:creationId xmlns:a16="http://schemas.microsoft.com/office/drawing/2014/main" id="{0C07E964-6AB3-45D2-B00A-A22360E9626A}"/>
+              </a:ext>
+            </a:extLst>
+          </p:cNvPr>
+          <p:cNvSpPr/>
+          <p:nvPr/>
+        </p:nvSpPr>
+        <p:spPr>
+          <a:xfrm>
+            <a:off x="553294" y="2718910"/>
+            <a:ext cx="11206480" cy="521849"/>
+          </a:xfrm>
+          <a:prstGeom prst="roundRect">
+            <a:avLst/>
+          </a:prstGeom>
+          <a:solidFill>
+            <a:srgbClr val="A9D8B7"/>
+          </a:solidFill>
+          <a:ln>
+            <a:noFill/>
+          </a:ln>
+        </p:spPr>
+        <p:style>
+          <a:lnRef idx="2">
+            <a:schemeClr val="accent1">
+              <a:shade val="50000"/>
+            </a:schemeClr>
+          </a:lnRef>
+          <a:fillRef idx="1">
+            <a:schemeClr val="accent1"/>
+          </a:fillRef>
+          <a:effectRef idx="0">
+            <a:schemeClr val="accent1"/>
+          </a:effectRef>
+          <a:fontRef idx="minor">
+            <a:schemeClr val="lt1"/>
+          </a:fontRef>
+        </p:style>
+        <p:txBody>
+          <a:bodyPr rtlCol="0" anchor="ctr"/>
+          <a:lstStyle/>
+          <a:p>
+            <a:r>
+              <a:rPr lang="en-US" altLang="ko-KR" sz="2800" b="1" dirty="0">
+                <a:solidFill>
+                  <a:schemeClr val="tx1"/>
+                </a:solidFill>
+              </a:rPr>
+              <a:t>$ </a:t>
+            </a:r>
+            <a:r>
+              <a:rPr lang="en-US" altLang="ko-KR" sz="2800" b="1" dirty="0" err="1">
+                <a:solidFill>
+                  <a:schemeClr val="tx1"/>
+                </a:solidFill>
+              </a:rPr>
+              <a:t>sudo</a:t>
+            </a:r>
+            <a:r>
+              <a:rPr lang="en-US" altLang="ko-KR" sz="2800" b="1" dirty="0">
+                <a:solidFill>
+                  <a:schemeClr val="tx1"/>
+                </a:solidFill>
+              </a:rPr>
+              <a:t> </a:t>
+            </a:r>
+            <a:r>
+              <a:rPr lang="en-US" altLang="ko-KR" sz="2800" b="1" dirty="0" err="1">
+                <a:solidFill>
+                  <a:schemeClr val="tx1"/>
+                </a:solidFill>
+              </a:rPr>
+              <a:t>fastboot</a:t>
+            </a:r>
+            <a:r>
+              <a:rPr lang="en-US" altLang="ko-KR" sz="2800" b="1" dirty="0">
+                <a:solidFill>
+                  <a:schemeClr val="tx1"/>
+                </a:solidFill>
+              </a:rPr>
+              <a:t> boot magisk_patched-23016_uC3os.img</a:t>
+            </a:r>
+          </a:p>
+        </p:txBody>
+      </p:sp>
+      <p:pic>
+        <p:nvPicPr>
+          <p:cNvPr id="7" name="그림 6">
+            <a:extLst>
+              <a:ext uri="{FF2B5EF4-FFF2-40B4-BE49-F238E27FC236}">
+                <a16:creationId xmlns:a16="http://schemas.microsoft.com/office/drawing/2014/main" id="{89F95BC7-A3BA-45AC-AA16-B035FFFC8CDB}"/>
+              </a:ext>
+            </a:extLst>
+          </p:cNvPr>
+          <p:cNvPicPr>
+            <a:picLocks noChangeAspect="1"/>
+          </p:cNvPicPr>
+          <p:nvPr/>
+        </p:nvPicPr>
+        <p:blipFill rotWithShape="1">
+          <a:blip r:embed="rId2"/>
+          <a:srcRect t="15558" b="2289"/>
+          <a:stretch/>
+        </p:blipFill>
+        <p:spPr>
+          <a:xfrm>
+            <a:off x="626446" y="3426422"/>
+            <a:ext cx="8296275" cy="1001589"/>
+          </a:xfrm>
+          <a:prstGeom prst="rect">
+            <a:avLst/>
+          </a:prstGeom>
+        </p:spPr>
+      </p:pic>
+    </p:spTree>
+    <p:extLst>
+      <p:ext uri="{BB962C8B-B14F-4D97-AF65-F5344CB8AC3E}">
+        <p14:creationId xmlns:p14="http://schemas.microsoft.com/office/powerpoint/2010/main" val="1866066065"/>
+      </p:ext>
+    </p:extLst>
+  </p:cSld>
+  <p:clrMapOvr>
+    <a:masterClrMapping/>
+  </p:clrMapOvr>
+</p:sld>
+</file>
+
+<file path=ppt/slides/slide61.xml><?xml version="1.0" encoding="utf-8"?>
+<p:sld xmlns:a="http://schemas.openxmlformats.org/drawingml/2006/main" xmlns:r="http://schemas.openxmlformats.org/officeDocument/2006/relationships" xmlns:p="http://schemas.openxmlformats.org/presentationml/2006/main">
+  <p:cSld>
+    <p:spTree>
+      <p:nvGrpSpPr>
+        <p:cNvPr id="1" name=""/>
+        <p:cNvGrpSpPr/>
+        <p:nvPr/>
+      </p:nvGrpSpPr>
+      <p:grpSpPr>
+        <a:xfrm>
+          <a:off x="0" y="0"/>
+          <a:ext cx="0" cy="0"/>
+          <a:chOff x="0" y="0"/>
+          <a:chExt cx="0" cy="0"/>
+        </a:xfrm>
+      </p:grpSpPr>
+      <p:sp>
+        <p:nvSpPr>
+          <p:cNvPr id="2" name="제목 1">
+            <a:extLst>
+              <a:ext uri="{FF2B5EF4-FFF2-40B4-BE49-F238E27FC236}">
+                <a16:creationId xmlns:a16="http://schemas.microsoft.com/office/drawing/2014/main" id="{D1A32250-11D4-4D8F-8A24-65A8CEEBAFD9}"/>
+              </a:ext>
+            </a:extLst>
+          </p:cNvPr>
+          <p:cNvSpPr>
+            <a:spLocks noGrp="1"/>
+          </p:cNvSpPr>
+          <p:nvPr>
+            <p:ph type="title"/>
+          </p:nvPr>
+        </p:nvSpPr>
+        <p:spPr/>
+        <p:txBody>
+          <a:bodyPr/>
+          <a:lstStyle/>
+          <a:p>
+            <a:r>
+              <a:rPr lang="en-US" altLang="ko-KR" dirty="0"/>
+              <a:t>Permanent Root </a:t>
+            </a:r>
+            <a:endParaRPr lang="ko-KR" altLang="en-US" dirty="0"/>
+          </a:p>
+        </p:txBody>
+      </p:sp>
+      <p:sp>
+        <p:nvSpPr>
+          <p:cNvPr id="3" name="내용 개체 틀 2">
+            <a:extLst>
+              <a:ext uri="{FF2B5EF4-FFF2-40B4-BE49-F238E27FC236}">
+                <a16:creationId xmlns:a16="http://schemas.microsoft.com/office/drawing/2014/main" id="{297DC389-30BA-4A3D-A928-55D45F06674A}"/>
+              </a:ext>
+            </a:extLst>
+          </p:cNvPr>
+          <p:cNvSpPr>
+            <a:spLocks noGrp="1"/>
+          </p:cNvSpPr>
+          <p:nvPr>
+            <p:ph idx="1"/>
+          </p:nvPr>
+        </p:nvSpPr>
+        <p:spPr/>
+        <p:txBody>
+          <a:bodyPr/>
+          <a:lstStyle/>
+          <a:p>
+            <a:r>
+              <a:rPr lang="ko-KR" altLang="en-US" dirty="0" err="1"/>
+              <a:t>루팅</a:t>
+            </a:r>
+            <a:r>
+              <a:rPr lang="ko-KR" altLang="en-US" dirty="0"/>
+              <a:t> 유지 </a:t>
+            </a:r>
+            <a:endParaRPr lang="en-US" altLang="ko-KR" dirty="0"/>
+          </a:p>
+          <a:p>
+            <a:pPr lvl="1"/>
+            <a:r>
+              <a:rPr lang="ko-KR" altLang="en-US" dirty="0" err="1"/>
+              <a:t>루팅</a:t>
+            </a:r>
+            <a:r>
+              <a:rPr lang="ko-KR" altLang="en-US" dirty="0"/>
+              <a:t> 상태를 영구적으로 유지하기 위해 다음과 같은 과정 실행</a:t>
+            </a:r>
+            <a:endParaRPr lang="en-US" altLang="ko-KR" dirty="0"/>
+          </a:p>
+          <a:p>
+            <a:pPr lvl="1"/>
+            <a:r>
+              <a:rPr lang="en-US" altLang="ko-KR" dirty="0" err="1"/>
+              <a:t>Magisk</a:t>
+            </a:r>
+            <a:r>
+              <a:rPr lang="en-US" altLang="ko-KR" dirty="0"/>
+              <a:t> -&gt; </a:t>
+            </a:r>
+            <a:r>
+              <a:rPr lang="ko-KR" altLang="en-US" dirty="0"/>
+              <a:t>설치 </a:t>
+            </a:r>
+            <a:r>
+              <a:rPr lang="en-US" altLang="ko-KR" dirty="0"/>
+              <a:t>-&gt; </a:t>
+            </a:r>
+            <a:r>
+              <a:rPr lang="ko-KR" altLang="en-US" dirty="0"/>
+              <a:t>바로 설치 </a:t>
+            </a:r>
+            <a:r>
+              <a:rPr lang="en-US" altLang="ko-KR" dirty="0"/>
+              <a:t>-&gt; </a:t>
+            </a:r>
+            <a:r>
+              <a:rPr lang="ko-KR" altLang="en-US" dirty="0"/>
+              <a:t>설치 </a:t>
+            </a:r>
+            <a:r>
+              <a:rPr lang="en-US" altLang="ko-KR" dirty="0"/>
+              <a:t>-&gt; </a:t>
+            </a:r>
+            <a:r>
+              <a:rPr lang="ko-KR" altLang="en-US" dirty="0"/>
+              <a:t>다시 시작</a:t>
+            </a:r>
+          </a:p>
+        </p:txBody>
+      </p:sp>
+      <p:sp>
+        <p:nvSpPr>
+          <p:cNvPr id="4" name="날짜 개체 틀 3">
+            <a:extLst>
+              <a:ext uri="{FF2B5EF4-FFF2-40B4-BE49-F238E27FC236}">
+                <a16:creationId xmlns:a16="http://schemas.microsoft.com/office/drawing/2014/main" id="{0C32DC81-3712-4D91-9B33-3A7639D2535A}"/>
+              </a:ext>
+            </a:extLst>
+          </p:cNvPr>
+          <p:cNvSpPr>
+            <a:spLocks noGrp="1"/>
+          </p:cNvSpPr>
+          <p:nvPr>
+            <p:ph type="dt" sz="half" idx="10"/>
+          </p:nvPr>
+        </p:nvSpPr>
+        <p:spPr/>
+        <p:txBody>
+          <a:bodyPr/>
+          <a:lstStyle/>
+          <a:p>
+            <a:r>
+              <a:rPr lang="ko-KR" altLang="en-US"/>
+              <a:t>권철현</a:t>
+            </a:r>
+            <a:r>
+              <a:rPr lang="en-US" altLang="ko-KR"/>
+              <a:t>, </a:t>
+            </a:r>
+            <a:r>
+              <a:rPr lang="ko-KR" altLang="en-US"/>
+              <a:t>신재하</a:t>
+            </a:r>
+            <a:endParaRPr lang="ko-KR" altLang="en-US" dirty="0"/>
+          </a:p>
+        </p:txBody>
+      </p:sp>
+      <p:sp>
+        <p:nvSpPr>
+          <p:cNvPr id="5" name="슬라이드 번호 개체 틀 4">
+            <a:extLst>
+              <a:ext uri="{FF2B5EF4-FFF2-40B4-BE49-F238E27FC236}">
+                <a16:creationId xmlns:a16="http://schemas.microsoft.com/office/drawing/2014/main" id="{3FD6509F-A1A2-4946-978B-36E7CB2ACDEB}"/>
+              </a:ext>
+            </a:extLst>
+          </p:cNvPr>
+          <p:cNvSpPr>
+            <a:spLocks noGrp="1"/>
+          </p:cNvSpPr>
+          <p:nvPr>
+            <p:ph type="sldNum" sz="quarter" idx="12"/>
+          </p:nvPr>
+        </p:nvSpPr>
+        <p:spPr/>
+        <p:txBody>
+          <a:bodyPr/>
+          <a:lstStyle/>
+          <a:p>
+            <a:fld id="{5FF72CB3-86FB-4DBB-A7AC-E8F6F3DA156B}" type="slidenum">
+              <a:rPr lang="ko-KR" altLang="en-US" smtClean="0"/>
+              <a:pPr/>
+              <a:t>61</a:t>
+            </a:fld>
+            <a:endParaRPr lang="ko-KR" altLang="en-US"/>
+          </a:p>
+        </p:txBody>
+      </p:sp>
+      <p:pic>
+        <p:nvPicPr>
+          <p:cNvPr id="7" name="그림 6">
+            <a:extLst>
+              <a:ext uri="{FF2B5EF4-FFF2-40B4-BE49-F238E27FC236}">
+                <a16:creationId xmlns:a16="http://schemas.microsoft.com/office/drawing/2014/main" id="{53DFFDAB-6C06-4768-B39B-435D8BFD2B22}"/>
+              </a:ext>
+            </a:extLst>
+          </p:cNvPr>
+          <p:cNvPicPr>
+            <a:picLocks noChangeAspect="1"/>
+          </p:cNvPicPr>
+          <p:nvPr/>
+        </p:nvPicPr>
+        <p:blipFill>
+          <a:blip r:embed="rId2"/>
+          <a:stretch>
+            <a:fillRect/>
+          </a:stretch>
+        </p:blipFill>
+        <p:spPr>
+          <a:xfrm>
+            <a:off x="6225899" y="3099960"/>
+            <a:ext cx="1662500" cy="3600000"/>
+          </a:xfrm>
+          <a:prstGeom prst="rect">
+            <a:avLst/>
+          </a:prstGeom>
+        </p:spPr>
+      </p:pic>
+      <p:pic>
+        <p:nvPicPr>
+          <p:cNvPr id="9" name="그림 8">
+            <a:extLst>
+              <a:ext uri="{FF2B5EF4-FFF2-40B4-BE49-F238E27FC236}">
+                <a16:creationId xmlns:a16="http://schemas.microsoft.com/office/drawing/2014/main" id="{7B49AD63-3FCD-4CB3-90B5-A75405D074B4}"/>
+              </a:ext>
+            </a:extLst>
+          </p:cNvPr>
+          <p:cNvPicPr>
+            <a:picLocks noChangeAspect="1"/>
+          </p:cNvPicPr>
+          <p:nvPr/>
+        </p:nvPicPr>
+        <p:blipFill>
+          <a:blip r:embed="rId3"/>
+          <a:stretch>
+            <a:fillRect/>
+          </a:stretch>
+        </p:blipFill>
+        <p:spPr>
+          <a:xfrm>
+            <a:off x="2291693" y="3099960"/>
+            <a:ext cx="1662500" cy="3600000"/>
+          </a:xfrm>
+          <a:prstGeom prst="rect">
+            <a:avLst/>
+          </a:prstGeom>
+        </p:spPr>
+      </p:pic>
+      <p:pic>
+        <p:nvPicPr>
+          <p:cNvPr id="11" name="그림 10">
+            <a:extLst>
+              <a:ext uri="{FF2B5EF4-FFF2-40B4-BE49-F238E27FC236}">
+                <a16:creationId xmlns:a16="http://schemas.microsoft.com/office/drawing/2014/main" id="{8AFE9382-7D6C-4B63-B882-0E4B7A08FC3D}"/>
+              </a:ext>
+            </a:extLst>
+          </p:cNvPr>
+          <p:cNvPicPr>
+            <a:picLocks noChangeAspect="1"/>
+          </p:cNvPicPr>
+          <p:nvPr/>
+        </p:nvPicPr>
+        <p:blipFill>
+          <a:blip r:embed="rId4"/>
+          <a:stretch>
+            <a:fillRect/>
+          </a:stretch>
+        </p:blipFill>
+        <p:spPr>
+          <a:xfrm>
+            <a:off x="4258796" y="3099960"/>
+            <a:ext cx="1662500" cy="3600000"/>
+          </a:xfrm>
+          <a:prstGeom prst="rect">
+            <a:avLst/>
+          </a:prstGeom>
+        </p:spPr>
+      </p:pic>
+      <p:sp>
+        <p:nvSpPr>
+          <p:cNvPr id="13" name="직사각형 12">
+            <a:extLst>
+              <a:ext uri="{FF2B5EF4-FFF2-40B4-BE49-F238E27FC236}">
+                <a16:creationId xmlns:a16="http://schemas.microsoft.com/office/drawing/2014/main" id="{7E4357D4-B855-4706-9BA4-438C6060074F}"/>
+              </a:ext>
+            </a:extLst>
+          </p:cNvPr>
+          <p:cNvSpPr/>
+          <p:nvPr/>
+        </p:nvSpPr>
+        <p:spPr>
+          <a:xfrm>
+            <a:off x="3472412" y="3584448"/>
+            <a:ext cx="331492" cy="201168"/>
+          </a:xfrm>
+          <a:prstGeom prst="rect">
+            <a:avLst/>
+          </a:prstGeom>
+          <a:noFill/>
+          <a:ln w="28575">
+            <a:solidFill>
+              <a:srgbClr val="FF0000"/>
+            </a:solidFill>
+          </a:ln>
+        </p:spPr>
+        <p:style>
+          <a:lnRef idx="2">
+            <a:schemeClr val="accent1">
+              <a:shade val="50000"/>
+            </a:schemeClr>
+          </a:lnRef>
+          <a:fillRef idx="1">
+            <a:schemeClr val="accent1"/>
+          </a:fillRef>
+          <a:effectRef idx="0">
+            <a:schemeClr val="accent1"/>
+          </a:effectRef>
+          <a:fontRef idx="minor">
+            <a:schemeClr val="lt1"/>
+          </a:fontRef>
+        </p:style>
+        <p:txBody>
+          <a:bodyPr rtlCol="0" anchor="ctr"/>
+          <a:lstStyle/>
+          <a:p>
+            <a:pPr algn="ctr"/>
+            <a:endParaRPr lang="ko-KR" altLang="en-US" dirty="0"/>
+          </a:p>
+        </p:txBody>
+      </p:sp>
+      <p:sp>
+        <p:nvSpPr>
+          <p:cNvPr id="14" name="직사각형 13">
+            <a:extLst>
+              <a:ext uri="{FF2B5EF4-FFF2-40B4-BE49-F238E27FC236}">
+                <a16:creationId xmlns:a16="http://schemas.microsoft.com/office/drawing/2014/main" id="{CB3CE33E-CC1F-4773-9D94-AD59714540C4}"/>
+              </a:ext>
+            </a:extLst>
+          </p:cNvPr>
+          <p:cNvSpPr/>
+          <p:nvPr/>
+        </p:nvSpPr>
+        <p:spPr>
+          <a:xfrm>
+            <a:off x="4334006" y="3922776"/>
+            <a:ext cx="1490722" cy="184094"/>
+          </a:xfrm>
+          <a:prstGeom prst="rect">
+            <a:avLst/>
+          </a:prstGeom>
+          <a:noFill/>
+          <a:ln w="28575">
+            <a:solidFill>
+              <a:srgbClr val="FF0000"/>
+            </a:solidFill>
+          </a:ln>
+        </p:spPr>
+        <p:style>
+          <a:lnRef idx="2">
+            <a:schemeClr val="accent1">
+              <a:shade val="50000"/>
+            </a:schemeClr>
+          </a:lnRef>
+          <a:fillRef idx="1">
+            <a:schemeClr val="accent1"/>
+          </a:fillRef>
+          <a:effectRef idx="0">
+            <a:schemeClr val="accent1"/>
+          </a:effectRef>
+          <a:fontRef idx="minor">
+            <a:schemeClr val="lt1"/>
+          </a:fontRef>
+        </p:style>
+        <p:txBody>
+          <a:bodyPr rtlCol="0" anchor="ctr"/>
+          <a:lstStyle/>
+          <a:p>
+            <a:pPr algn="ctr"/>
+            <a:endParaRPr lang="ko-KR" altLang="en-US" dirty="0"/>
+          </a:p>
+        </p:txBody>
+      </p:sp>
+      <p:sp>
+        <p:nvSpPr>
+          <p:cNvPr id="15" name="직사각형 14">
+            <a:extLst>
+              <a:ext uri="{FF2B5EF4-FFF2-40B4-BE49-F238E27FC236}">
+                <a16:creationId xmlns:a16="http://schemas.microsoft.com/office/drawing/2014/main" id="{96A2F583-6D6F-43FB-BA24-69A3D6A20A11}"/>
+              </a:ext>
+            </a:extLst>
+          </p:cNvPr>
+          <p:cNvSpPr/>
+          <p:nvPr/>
+        </p:nvSpPr>
+        <p:spPr>
+          <a:xfrm>
+            <a:off x="5493236" y="3584448"/>
+            <a:ext cx="331492" cy="201168"/>
+          </a:xfrm>
+          <a:prstGeom prst="rect">
+            <a:avLst/>
+          </a:prstGeom>
+          <a:noFill/>
+          <a:ln w="28575">
+            <a:solidFill>
+              <a:srgbClr val="FF0000"/>
+            </a:solidFill>
+          </a:ln>
+        </p:spPr>
+        <p:style>
+          <a:lnRef idx="2">
+            <a:schemeClr val="accent1">
+              <a:shade val="50000"/>
+            </a:schemeClr>
+          </a:lnRef>
+          <a:fillRef idx="1">
+            <a:schemeClr val="accent1"/>
+          </a:fillRef>
+          <a:effectRef idx="0">
+            <a:schemeClr val="accent1"/>
+          </a:effectRef>
+          <a:fontRef idx="minor">
+            <a:schemeClr val="lt1"/>
+          </a:fontRef>
+        </p:style>
+        <p:txBody>
+          <a:bodyPr rtlCol="0" anchor="ctr"/>
+          <a:lstStyle/>
+          <a:p>
+            <a:pPr algn="ctr"/>
+            <a:endParaRPr lang="ko-KR" altLang="en-US" dirty="0"/>
+          </a:p>
+        </p:txBody>
+      </p:sp>
+      <p:sp>
+        <p:nvSpPr>
+          <p:cNvPr id="16" name="직사각형 15">
+            <a:extLst>
+              <a:ext uri="{FF2B5EF4-FFF2-40B4-BE49-F238E27FC236}">
+                <a16:creationId xmlns:a16="http://schemas.microsoft.com/office/drawing/2014/main" id="{8661329D-68CF-4DEB-B449-8B0C820D8D1D}"/>
+              </a:ext>
+            </a:extLst>
+          </p:cNvPr>
+          <p:cNvSpPr/>
+          <p:nvPr/>
+        </p:nvSpPr>
+        <p:spPr>
+          <a:xfrm>
+            <a:off x="7251192" y="6334297"/>
+            <a:ext cx="637206" cy="267670"/>
+          </a:xfrm>
+          <a:prstGeom prst="rect">
+            <a:avLst/>
+          </a:prstGeom>
+          <a:noFill/>
+          <a:ln w="28575">
+            <a:solidFill>
+              <a:srgbClr val="FF0000"/>
+            </a:solidFill>
+          </a:ln>
+        </p:spPr>
+        <p:style>
+          <a:lnRef idx="2">
+            <a:schemeClr val="accent1">
+              <a:shade val="50000"/>
+            </a:schemeClr>
+          </a:lnRef>
+          <a:fillRef idx="1">
+            <a:schemeClr val="accent1"/>
+          </a:fillRef>
+          <a:effectRef idx="0">
+            <a:schemeClr val="accent1"/>
+          </a:effectRef>
+          <a:fontRef idx="minor">
+            <a:schemeClr val="lt1"/>
+          </a:fontRef>
+        </p:style>
+        <p:txBody>
+          <a:bodyPr rtlCol="0" anchor="ctr"/>
+          <a:lstStyle/>
+          <a:p>
+            <a:pPr algn="ctr"/>
+            <a:endParaRPr lang="ko-KR" altLang="en-US" dirty="0"/>
+          </a:p>
+        </p:txBody>
+      </p:sp>
+    </p:spTree>
+    <p:extLst>
+      <p:ext uri="{BB962C8B-B14F-4D97-AF65-F5344CB8AC3E}">
+        <p14:creationId xmlns:p14="http://schemas.microsoft.com/office/powerpoint/2010/main" val="546415080"/>
+      </p:ext>
+    </p:extLst>
+  </p:cSld>
+  <p:clrMapOvr>
+    <a:masterClrMapping/>
+  </p:clrMapOvr>
+</p:sld>
+</file>
+
+<file path=ppt/slides/slide62.xml><?xml version="1.0" encoding="utf-8"?>
+<p:sld xmlns:a="http://schemas.openxmlformats.org/drawingml/2006/main" xmlns:r="http://schemas.openxmlformats.org/officeDocument/2006/relationships" xmlns:p="http://schemas.openxmlformats.org/presentationml/2006/main">
+  <p:cSld>
+    <p:spTree>
+      <p:nvGrpSpPr>
+        <p:cNvPr id="1" name=""/>
+        <p:cNvGrpSpPr/>
+        <p:nvPr/>
+      </p:nvGrpSpPr>
+      <p:grpSpPr>
+        <a:xfrm>
+          <a:off x="0" y="0"/>
+          <a:ext cx="0" cy="0"/>
+          <a:chOff x="0" y="0"/>
+          <a:chExt cx="0" cy="0"/>
+        </a:xfrm>
+      </p:grpSpPr>
+      <p:sp>
+        <p:nvSpPr>
+          <p:cNvPr id="2" name="제목 1">
+            <a:extLst>
+              <a:ext uri="{FF2B5EF4-FFF2-40B4-BE49-F238E27FC236}">
+                <a16:creationId xmlns:a16="http://schemas.microsoft.com/office/drawing/2014/main" id="{6570D043-66C1-433B-801E-1450BFA423E3}"/>
+              </a:ext>
+            </a:extLst>
+          </p:cNvPr>
+          <p:cNvSpPr>
+            <a:spLocks noGrp="1"/>
+          </p:cNvSpPr>
+          <p:nvPr>
+            <p:ph type="title"/>
+          </p:nvPr>
+        </p:nvSpPr>
+        <p:spPr/>
+        <p:txBody>
+          <a:bodyPr/>
+          <a:lstStyle/>
+          <a:p>
+            <a:r>
+              <a:rPr lang="en-US" altLang="ko-KR" dirty="0"/>
+              <a:t>Contents</a:t>
+            </a:r>
+            <a:endParaRPr lang="ko-KR" altLang="en-US" dirty="0"/>
+          </a:p>
+        </p:txBody>
+      </p:sp>
+      <p:sp>
+        <p:nvSpPr>
+          <p:cNvPr id="3" name="내용 개체 틀 2">
+            <a:extLst>
+              <a:ext uri="{FF2B5EF4-FFF2-40B4-BE49-F238E27FC236}">
+                <a16:creationId xmlns:a16="http://schemas.microsoft.com/office/drawing/2014/main" id="{B3A01428-ADF6-4A37-BE2F-9E17EDEE986A}"/>
+              </a:ext>
+            </a:extLst>
+          </p:cNvPr>
+          <p:cNvSpPr>
+            <a:spLocks noGrp="1"/>
+          </p:cNvSpPr>
+          <p:nvPr>
+            <p:ph idx="1"/>
+          </p:nvPr>
+        </p:nvSpPr>
+        <p:spPr/>
+        <p:txBody>
+          <a:bodyPr>
+            <a:normAutofit/>
+          </a:bodyPr>
+          <a:lstStyle/>
+          <a:p>
+            <a:pPr marL="0" indent="0">
+              <a:buNone/>
+            </a:pPr>
+            <a:r>
+              <a:rPr lang="en-US" altLang="ko-KR" sz="5000" dirty="0"/>
+              <a:t>Android </a:t>
+            </a:r>
+            <a:r>
+              <a:rPr lang="en-US" altLang="ko-KR" sz="5000" dirty="0" err="1"/>
+              <a:t>tmpfs</a:t>
+            </a:r>
+            <a:endParaRPr lang="ko-KR" altLang="en-US" sz="5000" dirty="0"/>
+          </a:p>
+        </p:txBody>
+      </p:sp>
+      <p:sp>
+        <p:nvSpPr>
+          <p:cNvPr id="4" name="날짜 개체 틀 3">
+            <a:extLst>
+              <a:ext uri="{FF2B5EF4-FFF2-40B4-BE49-F238E27FC236}">
+                <a16:creationId xmlns:a16="http://schemas.microsoft.com/office/drawing/2014/main" id="{08B23306-6839-42D2-B4C1-45E7C6211443}"/>
+              </a:ext>
+            </a:extLst>
+          </p:cNvPr>
+          <p:cNvSpPr>
+            <a:spLocks noGrp="1"/>
+          </p:cNvSpPr>
+          <p:nvPr>
+            <p:ph type="dt" sz="half" idx="10"/>
+          </p:nvPr>
+        </p:nvSpPr>
+        <p:spPr/>
+        <p:txBody>
+          <a:bodyPr/>
+          <a:lstStyle/>
+          <a:p>
+            <a:r>
+              <a:rPr lang="ko-KR" altLang="en-US"/>
+              <a:t>권철현</a:t>
+            </a:r>
+            <a:r>
+              <a:rPr lang="en-US" altLang="ko-KR"/>
+              <a:t>, </a:t>
+            </a:r>
+            <a:r>
+              <a:rPr lang="ko-KR" altLang="en-US"/>
+              <a:t>신재하</a:t>
+            </a:r>
+          </a:p>
+        </p:txBody>
+      </p:sp>
+      <p:sp>
+        <p:nvSpPr>
+          <p:cNvPr id="5" name="슬라이드 번호 개체 틀 4">
+            <a:extLst>
+              <a:ext uri="{FF2B5EF4-FFF2-40B4-BE49-F238E27FC236}">
+                <a16:creationId xmlns:a16="http://schemas.microsoft.com/office/drawing/2014/main" id="{DC358D47-812B-41C1-89F6-44ABBB10381F}"/>
+              </a:ext>
+            </a:extLst>
+          </p:cNvPr>
+          <p:cNvSpPr>
+            <a:spLocks noGrp="1"/>
+          </p:cNvSpPr>
+          <p:nvPr>
+            <p:ph type="sldNum" sz="quarter" idx="12"/>
+          </p:nvPr>
+        </p:nvSpPr>
+        <p:spPr/>
+        <p:txBody>
+          <a:bodyPr/>
+          <a:lstStyle/>
+          <a:p>
+            <a:fld id="{5FF72CB3-86FB-4DBB-A7AC-E8F6F3DA156B}" type="slidenum">
+              <a:rPr lang="ko-KR" altLang="en-US" smtClean="0"/>
+              <a:pPr/>
+              <a:t>62</a:t>
+            </a:fld>
+            <a:endParaRPr lang="ko-KR" altLang="en-US"/>
+          </a:p>
+        </p:txBody>
+      </p:sp>
+    </p:spTree>
+    <p:extLst>
+      <p:ext uri="{BB962C8B-B14F-4D97-AF65-F5344CB8AC3E}">
+        <p14:creationId xmlns:p14="http://schemas.microsoft.com/office/powerpoint/2010/main" val="1118434404"/>
+      </p:ext>
+    </p:extLst>
+  </p:cSld>
+  <p:clrMapOvr>
+    <a:masterClrMapping/>
+  </p:clrMapOvr>
+</p:sld>
+</file>
+
+<file path=ppt/slides/slide63.xml><?xml version="1.0" encoding="utf-8"?>
+<p:sld xmlns:a="http://schemas.openxmlformats.org/drawingml/2006/main" xmlns:r="http://schemas.openxmlformats.org/officeDocument/2006/relationships" xmlns:p="http://schemas.openxmlformats.org/presentationml/2006/main">
+  <p:cSld>
+    <p:spTree>
+      <p:nvGrpSpPr>
+        <p:cNvPr id="1" name=""/>
+        <p:cNvGrpSpPr/>
+        <p:nvPr/>
+      </p:nvGrpSpPr>
+      <p:grpSpPr>
+        <a:xfrm>
+          <a:off x="0" y="0"/>
+          <a:ext cx="0" cy="0"/>
+          <a:chOff x="0" y="0"/>
+          <a:chExt cx="0" cy="0"/>
+        </a:xfrm>
+      </p:grpSpPr>
+      <p:sp>
+        <p:nvSpPr>
+          <p:cNvPr id="2" name="제목 1">
+            <a:extLst>
+              <a:ext uri="{FF2B5EF4-FFF2-40B4-BE49-F238E27FC236}">
+                <a16:creationId xmlns:a16="http://schemas.microsoft.com/office/drawing/2014/main" id="{502B8D7D-54FC-4CAF-B9E1-F3EA2B67E227}"/>
+              </a:ext>
+            </a:extLst>
+          </p:cNvPr>
+          <p:cNvSpPr>
+            <a:spLocks noGrp="1"/>
+          </p:cNvSpPr>
+          <p:nvPr>
+            <p:ph type="title"/>
+          </p:nvPr>
+        </p:nvSpPr>
+        <p:spPr/>
+        <p:txBody>
+          <a:bodyPr/>
+          <a:lstStyle/>
+          <a:p>
+            <a:r>
+              <a:rPr lang="en-US" altLang="ko-KR" dirty="0"/>
+              <a:t>Android </a:t>
+            </a:r>
+            <a:r>
+              <a:rPr lang="en-US" altLang="ko-KR" dirty="0" err="1"/>
+              <a:t>tmpfs</a:t>
+            </a:r>
+            <a:endParaRPr lang="ko-KR" altLang="en-US" dirty="0"/>
+          </a:p>
+        </p:txBody>
+      </p:sp>
+      <p:sp>
+        <p:nvSpPr>
+          <p:cNvPr id="3" name="내용 개체 틀 2">
+            <a:extLst>
+              <a:ext uri="{FF2B5EF4-FFF2-40B4-BE49-F238E27FC236}">
+                <a16:creationId xmlns:a16="http://schemas.microsoft.com/office/drawing/2014/main" id="{0ABC748E-0FEF-4165-A7E4-1EFBDC3DFE23}"/>
+              </a:ext>
+            </a:extLst>
+          </p:cNvPr>
+          <p:cNvSpPr>
+            <a:spLocks noGrp="1"/>
+          </p:cNvSpPr>
+          <p:nvPr>
+            <p:ph idx="1"/>
+          </p:nvPr>
+        </p:nvSpPr>
+        <p:spPr/>
+        <p:txBody>
+          <a:bodyPr/>
+          <a:lstStyle/>
+          <a:p>
+            <a:r>
+              <a:rPr lang="en-US" altLang="ko-KR" dirty="0" err="1"/>
+              <a:t>tmpfs</a:t>
+            </a:r>
+            <a:endParaRPr lang="en-US" altLang="ko-KR" dirty="0"/>
+          </a:p>
+          <a:p>
+            <a:pPr lvl="1"/>
+            <a:r>
+              <a:rPr lang="ko-KR" altLang="en-US" dirty="0"/>
+              <a:t>안드로이드는 </a:t>
+            </a:r>
+            <a:r>
+              <a:rPr lang="en-US" altLang="ko-KR" dirty="0"/>
+              <a:t>Linux </a:t>
+            </a:r>
+            <a:r>
+              <a:rPr lang="ko-KR" altLang="en-US" dirty="0"/>
+              <a:t>기반</a:t>
+            </a:r>
+            <a:endParaRPr lang="en-US" altLang="ko-KR" dirty="0"/>
+          </a:p>
+          <a:p>
+            <a:pPr lvl="1"/>
+            <a:r>
+              <a:rPr lang="ko-KR" altLang="en-US" dirty="0"/>
+              <a:t>이전에 </a:t>
+            </a:r>
+            <a:r>
+              <a:rPr lang="en-US" altLang="ko-KR" dirty="0"/>
+              <a:t>Linux</a:t>
+            </a:r>
+            <a:r>
+              <a:rPr lang="ko-KR" altLang="en-US" dirty="0"/>
+              <a:t>에서 </a:t>
+            </a:r>
+            <a:r>
+              <a:rPr lang="en-US" altLang="ko-KR" dirty="0" err="1"/>
+              <a:t>tmpfs</a:t>
+            </a:r>
+            <a:r>
+              <a:rPr lang="en-US" altLang="ko-KR" dirty="0"/>
+              <a:t> </a:t>
+            </a:r>
+            <a:r>
+              <a:rPr lang="ko-KR" altLang="en-US" dirty="0"/>
+              <a:t>를 생성한 것과 같이 </a:t>
+            </a:r>
+            <a:r>
+              <a:rPr lang="en-US" altLang="ko-KR" dirty="0" err="1"/>
+              <a:t>tmpfs</a:t>
+            </a:r>
+            <a:r>
+              <a:rPr lang="ko-KR" altLang="en-US" dirty="0"/>
+              <a:t>를 생성 가능</a:t>
+            </a:r>
+            <a:endParaRPr lang="en-US" altLang="ko-KR" dirty="0"/>
+          </a:p>
+          <a:p>
+            <a:r>
+              <a:rPr lang="en-US" altLang="ko-KR" dirty="0" err="1"/>
+              <a:t>adb</a:t>
+            </a:r>
+            <a:r>
+              <a:rPr lang="ko-KR" altLang="en-US" dirty="0"/>
+              <a:t>를 통해 </a:t>
+            </a:r>
+            <a:r>
+              <a:rPr lang="en-US" altLang="ko-KR" dirty="0" err="1"/>
+              <a:t>tmpfs</a:t>
+            </a:r>
+            <a:r>
+              <a:rPr lang="en-US" altLang="ko-KR" dirty="0"/>
+              <a:t> </a:t>
+            </a:r>
+            <a:r>
+              <a:rPr lang="ko-KR" altLang="en-US" dirty="0"/>
+              <a:t>생성 </a:t>
+            </a:r>
+            <a:endParaRPr lang="en-US" altLang="ko-KR" dirty="0"/>
+          </a:p>
+          <a:p>
+            <a:pPr lvl="1"/>
+            <a:r>
+              <a:rPr lang="ko-KR" altLang="en-US" dirty="0"/>
+              <a:t>장치를 연결한 후</a:t>
+            </a:r>
+            <a:r>
+              <a:rPr lang="en-US" altLang="ko-KR" dirty="0"/>
+              <a:t>, </a:t>
+            </a:r>
+            <a:r>
+              <a:rPr lang="ko-KR" altLang="en-US" dirty="0"/>
+              <a:t>데스크톱에서 </a:t>
+            </a:r>
+            <a:r>
+              <a:rPr lang="en-US" altLang="ko-KR" dirty="0" err="1"/>
+              <a:t>adb</a:t>
+            </a:r>
+            <a:r>
+              <a:rPr lang="ko-KR" altLang="en-US" dirty="0"/>
+              <a:t>를 통해 모바일 장치로 접속</a:t>
+            </a:r>
+            <a:endParaRPr lang="en-US" altLang="ko-KR" dirty="0"/>
+          </a:p>
+          <a:p>
+            <a:pPr lvl="1"/>
+            <a:endParaRPr lang="en-US" altLang="ko-KR" dirty="0"/>
+          </a:p>
+        </p:txBody>
+      </p:sp>
+      <p:sp>
+        <p:nvSpPr>
+          <p:cNvPr id="4" name="날짜 개체 틀 3">
+            <a:extLst>
+              <a:ext uri="{FF2B5EF4-FFF2-40B4-BE49-F238E27FC236}">
+                <a16:creationId xmlns:a16="http://schemas.microsoft.com/office/drawing/2014/main" id="{47487013-5AA4-4BB9-94F3-5C65980B369E}"/>
+              </a:ext>
+            </a:extLst>
+          </p:cNvPr>
+          <p:cNvSpPr>
+            <a:spLocks noGrp="1"/>
+          </p:cNvSpPr>
+          <p:nvPr>
+            <p:ph type="dt" sz="half" idx="10"/>
+          </p:nvPr>
+        </p:nvSpPr>
+        <p:spPr/>
+        <p:txBody>
+          <a:bodyPr/>
+          <a:lstStyle/>
+          <a:p>
+            <a:r>
+              <a:rPr lang="ko-KR" altLang="en-US"/>
+              <a:t>권철현</a:t>
+            </a:r>
+            <a:r>
+              <a:rPr lang="en-US" altLang="ko-KR"/>
+              <a:t>, </a:t>
+            </a:r>
+            <a:r>
+              <a:rPr lang="ko-KR" altLang="en-US"/>
+              <a:t>신재하</a:t>
+            </a:r>
+            <a:endParaRPr lang="ko-KR" altLang="en-US" dirty="0"/>
+          </a:p>
+        </p:txBody>
+      </p:sp>
+      <p:sp>
+        <p:nvSpPr>
+          <p:cNvPr id="5" name="슬라이드 번호 개체 틀 4">
+            <a:extLst>
+              <a:ext uri="{FF2B5EF4-FFF2-40B4-BE49-F238E27FC236}">
+                <a16:creationId xmlns:a16="http://schemas.microsoft.com/office/drawing/2014/main" id="{564A4C02-3C72-4046-B817-7D336FCD03FF}"/>
+              </a:ext>
+            </a:extLst>
+          </p:cNvPr>
+          <p:cNvSpPr>
+            <a:spLocks noGrp="1"/>
+          </p:cNvSpPr>
+          <p:nvPr>
+            <p:ph type="sldNum" sz="quarter" idx="12"/>
+          </p:nvPr>
+        </p:nvSpPr>
+        <p:spPr/>
+        <p:txBody>
+          <a:bodyPr/>
+          <a:lstStyle/>
+          <a:p>
+            <a:fld id="{5FF72CB3-86FB-4DBB-A7AC-E8F6F3DA156B}" type="slidenum">
+              <a:rPr lang="ko-KR" altLang="en-US" smtClean="0"/>
+              <a:pPr/>
+              <a:t>63</a:t>
+            </a:fld>
+            <a:endParaRPr lang="ko-KR" altLang="en-US"/>
+          </a:p>
+        </p:txBody>
+      </p:sp>
+      <p:sp>
+        <p:nvSpPr>
+          <p:cNvPr id="6" name="사각형: 둥근 모서리 5">
+            <a:extLst>
+              <a:ext uri="{FF2B5EF4-FFF2-40B4-BE49-F238E27FC236}">
+                <a16:creationId xmlns:a16="http://schemas.microsoft.com/office/drawing/2014/main" id="{0F62FCD3-4BD6-4BBD-B4A9-5534C7B629B8}"/>
+              </a:ext>
+            </a:extLst>
+          </p:cNvPr>
+          <p:cNvSpPr/>
+          <p:nvPr/>
+        </p:nvSpPr>
+        <p:spPr>
+          <a:xfrm>
+            <a:off x="568960" y="4276344"/>
+            <a:ext cx="11206480" cy="863600"/>
+          </a:xfrm>
+          <a:prstGeom prst="roundRect">
+            <a:avLst/>
+          </a:prstGeom>
+          <a:solidFill>
+            <a:srgbClr val="A9D8B7"/>
+          </a:solidFill>
+          <a:ln>
+            <a:noFill/>
+          </a:ln>
+        </p:spPr>
+        <p:style>
+          <a:lnRef idx="2">
+            <a:schemeClr val="accent1">
+              <a:shade val="50000"/>
+            </a:schemeClr>
+          </a:lnRef>
+          <a:fillRef idx="1">
+            <a:schemeClr val="accent1"/>
+          </a:fillRef>
+          <a:effectRef idx="0">
+            <a:schemeClr val="accent1"/>
+          </a:effectRef>
+          <a:fontRef idx="minor">
+            <a:schemeClr val="lt1"/>
+          </a:fontRef>
+        </p:style>
+        <p:txBody>
+          <a:bodyPr rtlCol="0" anchor="ctr"/>
+          <a:lstStyle/>
+          <a:p>
+            <a:r>
+              <a:rPr lang="en-US" altLang="ko-KR" sz="2800" b="1" dirty="0">
+                <a:solidFill>
+                  <a:schemeClr val="tx1"/>
+                </a:solidFill>
+              </a:rPr>
+              <a:t>$ </a:t>
+            </a:r>
+            <a:r>
+              <a:rPr lang="en-US" altLang="ko-KR" sz="2800" b="1" dirty="0" err="1">
+                <a:solidFill>
+                  <a:schemeClr val="tx1"/>
+                </a:solidFill>
+              </a:rPr>
+              <a:t>adb</a:t>
+            </a:r>
+            <a:r>
+              <a:rPr lang="en-US" altLang="ko-KR" sz="2800" b="1" dirty="0">
+                <a:solidFill>
+                  <a:schemeClr val="tx1"/>
+                </a:solidFill>
+              </a:rPr>
+              <a:t> shell</a:t>
+            </a:r>
+            <a:endParaRPr lang="ko-KR" altLang="en-US" sz="2800" b="1" dirty="0">
+              <a:solidFill>
+                <a:schemeClr val="tx1"/>
+              </a:solidFill>
+            </a:endParaRPr>
+          </a:p>
+        </p:txBody>
+      </p:sp>
+      <p:pic>
+        <p:nvPicPr>
+          <p:cNvPr id="8" name="그림 7">
+            <a:extLst>
+              <a:ext uri="{FF2B5EF4-FFF2-40B4-BE49-F238E27FC236}">
+                <a16:creationId xmlns:a16="http://schemas.microsoft.com/office/drawing/2014/main" id="{D50B0C66-101A-448B-918D-98E5B09B6AE5}"/>
+              </a:ext>
+            </a:extLst>
+          </p:cNvPr>
+          <p:cNvPicPr>
+            <a:picLocks noChangeAspect="1"/>
+          </p:cNvPicPr>
+          <p:nvPr/>
+        </p:nvPicPr>
+        <p:blipFill>
+          <a:blip r:embed="rId2"/>
+          <a:stretch>
+            <a:fillRect/>
+          </a:stretch>
+        </p:blipFill>
+        <p:spPr>
+          <a:xfrm>
+            <a:off x="568960" y="5299177"/>
+            <a:ext cx="2914650" cy="676275"/>
+          </a:xfrm>
+          <a:prstGeom prst="rect">
+            <a:avLst/>
+          </a:prstGeom>
+        </p:spPr>
+      </p:pic>
+    </p:spTree>
+    <p:extLst>
+      <p:ext uri="{BB962C8B-B14F-4D97-AF65-F5344CB8AC3E}">
+        <p14:creationId xmlns:p14="http://schemas.microsoft.com/office/powerpoint/2010/main" val="2156378546"/>
+      </p:ext>
+    </p:extLst>
+  </p:cSld>
+  <p:clrMapOvr>
+    <a:masterClrMapping/>
+  </p:clrMapOvr>
+</p:sld>
+</file>
+
+<file path=ppt/slides/slide64.xml><?xml version="1.0" encoding="utf-8"?>
+<p:sld xmlns:a="http://schemas.openxmlformats.org/drawingml/2006/main" xmlns:r="http://schemas.openxmlformats.org/officeDocument/2006/relationships" xmlns:p="http://schemas.openxmlformats.org/presentationml/2006/main">
+  <p:cSld>
+    <p:spTree>
+      <p:nvGrpSpPr>
+        <p:cNvPr id="1" name=""/>
+        <p:cNvGrpSpPr/>
+        <p:nvPr/>
+      </p:nvGrpSpPr>
+      <p:grpSpPr>
+        <a:xfrm>
+          <a:off x="0" y="0"/>
+          <a:ext cx="0" cy="0"/>
+          <a:chOff x="0" y="0"/>
+          <a:chExt cx="0" cy="0"/>
+        </a:xfrm>
+      </p:grpSpPr>
+      <p:sp>
+        <p:nvSpPr>
+          <p:cNvPr id="2" name="제목 1">
+            <a:extLst>
+              <a:ext uri="{FF2B5EF4-FFF2-40B4-BE49-F238E27FC236}">
+                <a16:creationId xmlns:a16="http://schemas.microsoft.com/office/drawing/2014/main" id="{327BE424-1F86-4D49-80AA-53D0A509DAC4}"/>
+              </a:ext>
+            </a:extLst>
+          </p:cNvPr>
+          <p:cNvSpPr>
+            <a:spLocks noGrp="1"/>
+          </p:cNvSpPr>
+          <p:nvPr>
+            <p:ph type="title"/>
+          </p:nvPr>
+        </p:nvSpPr>
+        <p:spPr/>
+        <p:txBody>
+          <a:bodyPr/>
+          <a:lstStyle/>
+          <a:p>
+            <a:r>
+              <a:rPr lang="en-US" altLang="ko-KR" dirty="0"/>
+              <a:t>Android </a:t>
+            </a:r>
+            <a:r>
+              <a:rPr lang="en-US" altLang="ko-KR" dirty="0" err="1"/>
+              <a:t>tmpfs</a:t>
+            </a:r>
+            <a:endParaRPr lang="ko-KR" altLang="en-US" dirty="0"/>
+          </a:p>
+        </p:txBody>
+      </p:sp>
+      <p:sp>
+        <p:nvSpPr>
+          <p:cNvPr id="3" name="내용 개체 틀 2">
+            <a:extLst>
+              <a:ext uri="{FF2B5EF4-FFF2-40B4-BE49-F238E27FC236}">
+                <a16:creationId xmlns:a16="http://schemas.microsoft.com/office/drawing/2014/main" id="{F8D8961C-80B7-470A-9C61-1204755647F1}"/>
+              </a:ext>
+            </a:extLst>
+          </p:cNvPr>
+          <p:cNvSpPr>
+            <a:spLocks noGrp="1"/>
+          </p:cNvSpPr>
+          <p:nvPr>
+            <p:ph idx="1"/>
+          </p:nvPr>
+        </p:nvSpPr>
+        <p:spPr/>
+        <p:txBody>
+          <a:bodyPr/>
+          <a:lstStyle/>
+          <a:p>
+            <a:r>
+              <a:rPr lang="en-US" altLang="ko-KR" dirty="0" err="1"/>
+              <a:t>su</a:t>
+            </a:r>
+            <a:r>
+              <a:rPr lang="en-US" altLang="ko-KR" dirty="0"/>
+              <a:t>	</a:t>
+            </a:r>
+          </a:p>
+          <a:p>
+            <a:pPr lvl="1"/>
+            <a:r>
+              <a:rPr lang="ko-KR" altLang="en-US" dirty="0" err="1"/>
+              <a:t>루팅을</a:t>
+            </a:r>
+            <a:r>
+              <a:rPr lang="ko-KR" altLang="en-US" dirty="0"/>
+              <a:t> 통해 획득한 </a:t>
+            </a:r>
+            <a:r>
+              <a:rPr lang="en-US" altLang="ko-KR" dirty="0"/>
+              <a:t>root </a:t>
+            </a:r>
+            <a:r>
+              <a:rPr lang="ko-KR" altLang="en-US" dirty="0"/>
+              <a:t>권한을 사용하기 위해 </a:t>
+            </a:r>
+            <a:r>
+              <a:rPr lang="en-US" altLang="ko-KR" dirty="0"/>
+              <a:t>‘</a:t>
+            </a:r>
+            <a:r>
+              <a:rPr lang="en-US" altLang="ko-KR" dirty="0" err="1"/>
+              <a:t>su</a:t>
+            </a:r>
+            <a:r>
+              <a:rPr lang="en-US" altLang="ko-KR" dirty="0"/>
+              <a:t>’ </a:t>
+            </a:r>
+            <a:r>
+              <a:rPr lang="ko-KR" altLang="en-US" dirty="0"/>
+              <a:t>입력</a:t>
+            </a:r>
+            <a:endParaRPr lang="en-US" altLang="ko-KR" dirty="0"/>
+          </a:p>
+          <a:p>
+            <a:pPr lvl="1"/>
+            <a:endParaRPr lang="en-US" altLang="ko-KR" dirty="0"/>
+          </a:p>
+          <a:p>
+            <a:pPr lvl="1"/>
+            <a:endParaRPr lang="ko-KR" altLang="en-US" dirty="0"/>
+          </a:p>
+        </p:txBody>
+      </p:sp>
+      <p:sp>
+        <p:nvSpPr>
+          <p:cNvPr id="4" name="날짜 개체 틀 3">
+            <a:extLst>
+              <a:ext uri="{FF2B5EF4-FFF2-40B4-BE49-F238E27FC236}">
+                <a16:creationId xmlns:a16="http://schemas.microsoft.com/office/drawing/2014/main" id="{E152D5B4-14EE-4BDD-9E71-E8F055E37A64}"/>
+              </a:ext>
+            </a:extLst>
+          </p:cNvPr>
+          <p:cNvSpPr>
+            <a:spLocks noGrp="1"/>
+          </p:cNvSpPr>
+          <p:nvPr>
+            <p:ph type="dt" sz="half" idx="10"/>
+          </p:nvPr>
+        </p:nvSpPr>
+        <p:spPr/>
+        <p:txBody>
+          <a:bodyPr/>
+          <a:lstStyle/>
+          <a:p>
+            <a:r>
+              <a:rPr lang="ko-KR" altLang="en-US"/>
+              <a:t>권철현</a:t>
+            </a:r>
+            <a:r>
+              <a:rPr lang="en-US" altLang="ko-KR"/>
+              <a:t>, </a:t>
+            </a:r>
+            <a:r>
+              <a:rPr lang="ko-KR" altLang="en-US"/>
+              <a:t>신재하</a:t>
+            </a:r>
+            <a:endParaRPr lang="ko-KR" altLang="en-US" dirty="0"/>
+          </a:p>
+        </p:txBody>
+      </p:sp>
+      <p:sp>
+        <p:nvSpPr>
+          <p:cNvPr id="5" name="슬라이드 번호 개체 틀 4">
+            <a:extLst>
+              <a:ext uri="{FF2B5EF4-FFF2-40B4-BE49-F238E27FC236}">
+                <a16:creationId xmlns:a16="http://schemas.microsoft.com/office/drawing/2014/main" id="{80DABC7C-EF4B-499B-AA0A-DD9AAF3561AA}"/>
+              </a:ext>
+            </a:extLst>
+          </p:cNvPr>
+          <p:cNvSpPr>
+            <a:spLocks noGrp="1"/>
+          </p:cNvSpPr>
+          <p:nvPr>
+            <p:ph type="sldNum" sz="quarter" idx="12"/>
+          </p:nvPr>
+        </p:nvSpPr>
+        <p:spPr/>
+        <p:txBody>
+          <a:bodyPr/>
+          <a:lstStyle/>
+          <a:p>
+            <a:fld id="{5FF72CB3-86FB-4DBB-A7AC-E8F6F3DA156B}" type="slidenum">
+              <a:rPr lang="ko-KR" altLang="en-US" smtClean="0"/>
+              <a:pPr/>
+              <a:t>64</a:t>
+            </a:fld>
+            <a:endParaRPr lang="ko-KR" altLang="en-US"/>
+          </a:p>
+        </p:txBody>
+      </p:sp>
+    </p:spTree>
+    <p:extLst>
+      <p:ext uri="{BB962C8B-B14F-4D97-AF65-F5344CB8AC3E}">
+        <p14:creationId xmlns:p14="http://schemas.microsoft.com/office/powerpoint/2010/main" val="2307017772"/>
+      </p:ext>
+    </p:extLst>
+  </p:cSld>
+  <p:clrMapOvr>
+    <a:masterClrMapping/>
+  </p:clrMapOvr>
+</p:sld>
+</file>
+
+<file path=ppt/slides/slide65.xml><?xml version="1.0" encoding="utf-8"?>
+<p:sld xmlns:a="http://schemas.openxmlformats.org/drawingml/2006/main" xmlns:r="http://schemas.openxmlformats.org/officeDocument/2006/relationships" xmlns:p="http://schemas.openxmlformats.org/presentationml/2006/main">
+  <p:cSld>
+    <p:spTree>
+      <p:nvGrpSpPr>
+        <p:cNvPr id="1" name=""/>
+        <p:cNvGrpSpPr/>
+        <p:nvPr/>
+      </p:nvGrpSpPr>
+      <p:grpSpPr>
+        <a:xfrm>
+          <a:off x="0" y="0"/>
+          <a:ext cx="0" cy="0"/>
+          <a:chOff x="0" y="0"/>
+          <a:chExt cx="0" cy="0"/>
+        </a:xfrm>
+      </p:grpSpPr>
+      <p:sp>
+        <p:nvSpPr>
+          <p:cNvPr id="8" name="제목 7">
+            <a:extLst>
+              <a:ext uri="{FF2B5EF4-FFF2-40B4-BE49-F238E27FC236}">
+                <a16:creationId xmlns:a16="http://schemas.microsoft.com/office/drawing/2014/main" id="{69B292E9-37A2-4AD7-84B5-A8BE80BDBEC1}"/>
+              </a:ext>
+            </a:extLst>
+          </p:cNvPr>
+          <p:cNvSpPr>
+            <a:spLocks noGrp="1"/>
+          </p:cNvSpPr>
+          <p:nvPr>
+            <p:ph type="ctrTitle"/>
+          </p:nvPr>
+        </p:nvSpPr>
+        <p:spPr>
+          <a:xfrm>
+            <a:off x="1524000" y="2219105"/>
+            <a:ext cx="9144000" cy="1209895"/>
+          </a:xfrm>
+        </p:spPr>
+        <p:txBody>
+          <a:bodyPr/>
+          <a:lstStyle/>
+          <a:p>
+            <a:r>
+              <a:rPr lang="en-US" altLang="ko-KR"/>
+              <a:t>Q n A</a:t>
+            </a:r>
+            <a:endParaRPr lang="ko-KR" altLang="en-US"/>
+          </a:p>
+        </p:txBody>
+      </p:sp>
+      <p:sp>
+        <p:nvSpPr>
+          <p:cNvPr id="9" name="부제목 8">
+            <a:extLst>
+              <a:ext uri="{FF2B5EF4-FFF2-40B4-BE49-F238E27FC236}">
+                <a16:creationId xmlns:a16="http://schemas.microsoft.com/office/drawing/2014/main" id="{CACC263A-2C04-4ACE-A4A4-242F76AFCBA9}"/>
+              </a:ext>
+            </a:extLst>
+          </p:cNvPr>
+          <p:cNvSpPr>
+            <a:spLocks noGrp="1"/>
+          </p:cNvSpPr>
+          <p:nvPr>
+            <p:ph type="subTitle" idx="1"/>
+          </p:nvPr>
+        </p:nvSpPr>
+        <p:spPr/>
+        <p:txBody>
+          <a:bodyPr/>
+          <a:lstStyle/>
+          <a:p>
+            <a:r>
+              <a:rPr lang="ko-KR" altLang="en-US"/>
+              <a:t>감사합니다</a:t>
+            </a:r>
+            <a:r>
+              <a:rPr lang="en-US" altLang="ko-KR"/>
+              <a:t>.</a:t>
+            </a:r>
+            <a:endParaRPr lang="ko-KR" altLang="en-US"/>
+          </a:p>
+        </p:txBody>
+      </p:sp>
+    </p:spTree>
+    <p:extLst>
+      <p:ext uri="{BB962C8B-B14F-4D97-AF65-F5344CB8AC3E}">
+        <p14:creationId xmlns:p14="http://schemas.microsoft.com/office/powerpoint/2010/main" val="3743477804"/>
       </p:ext>
     </p:extLst>
   </p:cSld>

--- a/2022.02.18/권철현,신재하.pptx
+++ b/2022.02.18/권철현,신재하.pptx
@@ -16429,7 +16429,7 @@
             <a:pPr algn="ctr"/>
             <a:r>
               <a:rPr lang="ko-KR" altLang="en-US" dirty="0"/>
-              <a:t>설정한</a:t>
+              <a:t>초기</a:t>
             </a:r>
             <a:endParaRPr lang="en-US" altLang="ko-KR" dirty="0"/>
           </a:p>
@@ -29619,15 +29619,7 @@
             </a:r>
             <a:r>
               <a:rPr lang="ko-KR" altLang="en-US" dirty="0"/>
-              <a:t>성능 실험 결과 그래프 </a:t>
-            </a:r>
-            <a:r>
-              <a:rPr lang="en-US" altLang="ko-KR" dirty="0"/>
-              <a:t>- </a:t>
-            </a:r>
-            <a:r>
-              <a:rPr lang="ko-KR" altLang="en-US" dirty="0"/>
-              <a:t>출력</a:t>
+              <a:t>성능 실험 결과 그래프</a:t>
             </a:r>
           </a:p>
         </p:txBody>
@@ -29648,13 +29640,13 @@
             <p:ph idx="1"/>
             <p:extLst>
               <p:ext uri="{D42A27DB-BD31-4B8C-83A1-F6EECF244321}">
-                <p14:modId xmlns:p14="http://schemas.microsoft.com/office/powerpoint/2010/main" val="497329595"/>
+                <p14:modId xmlns:p14="http://schemas.microsoft.com/office/powerpoint/2010/main" val="2533951820"/>
               </p:ext>
             </p:extLst>
           </p:nvPr>
         </p:nvGraphicFramePr>
         <p:xfrm>
-          <a:off x="188425" y="2478917"/>
+          <a:off x="188425" y="2890898"/>
           <a:ext cx="5400000" cy="2880000"/>
         </p:xfrm>
         <a:graphic>
@@ -29744,7 +29736,7 @@
         </p:nvSpPr>
         <p:spPr>
           <a:xfrm>
-            <a:off x="102637" y="2833816"/>
+            <a:off x="102637" y="3245797"/>
             <a:ext cx="973015" cy="230832"/>
           </a:xfrm>
           <a:prstGeom prst="rect">
@@ -29785,13 +29777,13 @@
           <p:nvPr>
             <p:extLst>
               <p:ext uri="{D42A27DB-BD31-4B8C-83A1-F6EECF244321}">
-                <p14:modId xmlns:p14="http://schemas.microsoft.com/office/powerpoint/2010/main" val="2994620914"/>
+                <p14:modId xmlns:p14="http://schemas.microsoft.com/office/powerpoint/2010/main" val="668181429"/>
               </p:ext>
             </p:extLst>
           </p:nvPr>
         </p:nvGraphicFramePr>
         <p:xfrm>
-          <a:off x="6603576" y="2478917"/>
+          <a:off x="6603576" y="2890898"/>
           <a:ext cx="5400000" cy="2880000"/>
         </p:xfrm>
         <a:graphic>
@@ -29814,7 +29806,7 @@
         </p:nvSpPr>
         <p:spPr>
           <a:xfrm>
-            <a:off x="6603576" y="2833816"/>
+            <a:off x="6603576" y="3245797"/>
             <a:ext cx="973015" cy="369332"/>
           </a:xfrm>
           <a:prstGeom prst="rect">
@@ -29840,6 +29832,233 @@
           </a:p>
           <a:p>
             <a:endParaRPr lang="ko-KR" altLang="en-US" sz="900" dirty="0"/>
+          </a:p>
+        </p:txBody>
+      </p:sp>
+      <p:sp>
+        <p:nvSpPr>
+          <p:cNvPr id="11" name="내용 개체 틀 2">
+            <a:extLst>
+              <a:ext uri="{FF2B5EF4-FFF2-40B4-BE49-F238E27FC236}">
+                <a16:creationId xmlns:a16="http://schemas.microsoft.com/office/drawing/2014/main" id="{8109B027-63A5-4BEC-AE7F-9572E89F875B}"/>
+              </a:ext>
+            </a:extLst>
+          </p:cNvPr>
+          <p:cNvSpPr txBox="1">
+            <a:spLocks/>
+          </p:cNvSpPr>
+          <p:nvPr/>
+        </p:nvSpPr>
+        <p:spPr>
+          <a:xfrm>
+            <a:off x="216130" y="1477108"/>
+            <a:ext cx="11694084" cy="4857189"/>
+          </a:xfrm>
+          <a:prstGeom prst="rect">
+            <a:avLst/>
+          </a:prstGeom>
+        </p:spPr>
+        <p:txBody>
+          <a:bodyPr vert="horz" lIns="91440" tIns="45720" rIns="91440" bIns="45720" rtlCol="0">
+            <a:normAutofit/>
+          </a:bodyPr>
+          <a:lstStyle>
+            <a:lvl1pPr marL="228600" indent="-228600" algn="l" defTabSz="914400" rtl="0" eaLnBrk="1" latinLnBrk="1" hangingPunct="1">
+              <a:lnSpc>
+                <a:spcPct val="150000"/>
+              </a:lnSpc>
+              <a:spcBef>
+                <a:spcPts val="0"/>
+              </a:spcBef>
+              <a:spcAft>
+                <a:spcPts val="0"/>
+              </a:spcAft>
+              <a:buFont typeface="Wingdings" panose="05000000000000000000" pitchFamily="2" charset="2"/>
+              <a:buChar char="§"/>
+              <a:defRPr sz="2800" kern="1200">
+                <a:solidFill>
+                  <a:schemeClr val="tx1"/>
+                </a:solidFill>
+                <a:latin typeface="+mn-lt"/>
+                <a:ea typeface="+mn-ea"/>
+                <a:cs typeface="+mn-cs"/>
+              </a:defRPr>
+            </a:lvl1pPr>
+            <a:lvl2pPr marL="540000" indent="-228600" algn="l" defTabSz="914400" rtl="0" eaLnBrk="1" latinLnBrk="1" hangingPunct="1">
+              <a:lnSpc>
+                <a:spcPct val="150000"/>
+              </a:lnSpc>
+              <a:spcBef>
+                <a:spcPts val="0"/>
+              </a:spcBef>
+              <a:buFont typeface="Arial" panose="020B0604020202020204" pitchFamily="34" charset="0"/>
+              <a:buChar char="•"/>
+              <a:defRPr sz="2000" kern="1200">
+                <a:solidFill>
+                  <a:schemeClr val="tx1"/>
+                </a:solidFill>
+                <a:latin typeface="+mn-lt"/>
+                <a:ea typeface="+mn-ea"/>
+                <a:cs typeface="+mn-cs"/>
+              </a:defRPr>
+            </a:lvl2pPr>
+            <a:lvl3pPr marL="1080000" indent="-228600" algn="l" defTabSz="914400" rtl="0" eaLnBrk="1" latinLnBrk="1" hangingPunct="1">
+              <a:lnSpc>
+                <a:spcPct val="90000"/>
+              </a:lnSpc>
+              <a:spcBef>
+                <a:spcPts val="500"/>
+              </a:spcBef>
+              <a:buFont typeface="Arial" panose="020B0604020202020204" pitchFamily="34" charset="0"/>
+              <a:buChar char="•"/>
+              <a:defRPr sz="2000" kern="1200">
+                <a:solidFill>
+                  <a:schemeClr val="tx1"/>
+                </a:solidFill>
+                <a:latin typeface="+mn-lt"/>
+                <a:ea typeface="+mn-ea"/>
+                <a:cs typeface="+mn-cs"/>
+              </a:defRPr>
+            </a:lvl3pPr>
+            <a:lvl4pPr marL="1600200" indent="-228600" algn="l" defTabSz="914400" rtl="0" eaLnBrk="1" latinLnBrk="1" hangingPunct="1">
+              <a:lnSpc>
+                <a:spcPct val="90000"/>
+              </a:lnSpc>
+              <a:spcBef>
+                <a:spcPts val="500"/>
+              </a:spcBef>
+              <a:buFont typeface="Arial" panose="020B0604020202020204" pitchFamily="34" charset="0"/>
+              <a:buChar char="•"/>
+              <a:defRPr sz="1800" kern="1200">
+                <a:solidFill>
+                  <a:schemeClr val="tx1"/>
+                </a:solidFill>
+                <a:latin typeface="+mn-lt"/>
+                <a:ea typeface="+mn-ea"/>
+                <a:cs typeface="+mn-cs"/>
+              </a:defRPr>
+            </a:lvl4pPr>
+            <a:lvl5pPr marL="2057400" indent="-228600" algn="l" defTabSz="914400" rtl="0" eaLnBrk="1" latinLnBrk="1" hangingPunct="1">
+              <a:lnSpc>
+                <a:spcPct val="90000"/>
+              </a:lnSpc>
+              <a:spcBef>
+                <a:spcPts val="500"/>
+              </a:spcBef>
+              <a:buFont typeface="Arial" panose="020B0604020202020204" pitchFamily="34" charset="0"/>
+              <a:buChar char="•"/>
+              <a:defRPr sz="1800" kern="1200">
+                <a:solidFill>
+                  <a:schemeClr val="tx1"/>
+                </a:solidFill>
+                <a:latin typeface="+mn-lt"/>
+                <a:ea typeface="+mn-ea"/>
+                <a:cs typeface="+mn-cs"/>
+              </a:defRPr>
+            </a:lvl5pPr>
+            <a:lvl6pPr marL="2514600" indent="-228600" algn="l" defTabSz="914400" rtl="0" eaLnBrk="1" latinLnBrk="1" hangingPunct="1">
+              <a:lnSpc>
+                <a:spcPct val="90000"/>
+              </a:lnSpc>
+              <a:spcBef>
+                <a:spcPts val="500"/>
+              </a:spcBef>
+              <a:buFont typeface="Arial" panose="020B0604020202020204" pitchFamily="34" charset="0"/>
+              <a:buChar char="•"/>
+              <a:defRPr sz="1800" kern="1200">
+                <a:solidFill>
+                  <a:schemeClr val="tx1"/>
+                </a:solidFill>
+                <a:latin typeface="+mn-lt"/>
+                <a:ea typeface="+mn-ea"/>
+                <a:cs typeface="+mn-cs"/>
+              </a:defRPr>
+            </a:lvl6pPr>
+            <a:lvl7pPr marL="2971800" indent="-228600" algn="l" defTabSz="914400" rtl="0" eaLnBrk="1" latinLnBrk="1" hangingPunct="1">
+              <a:lnSpc>
+                <a:spcPct val="90000"/>
+              </a:lnSpc>
+              <a:spcBef>
+                <a:spcPts val="500"/>
+              </a:spcBef>
+              <a:buFont typeface="Arial" panose="020B0604020202020204" pitchFamily="34" charset="0"/>
+              <a:buChar char="•"/>
+              <a:defRPr sz="1800" kern="1200">
+                <a:solidFill>
+                  <a:schemeClr val="tx1"/>
+                </a:solidFill>
+                <a:latin typeface="+mn-lt"/>
+                <a:ea typeface="+mn-ea"/>
+                <a:cs typeface="+mn-cs"/>
+              </a:defRPr>
+            </a:lvl7pPr>
+            <a:lvl8pPr marL="3429000" indent="-228600" algn="l" defTabSz="914400" rtl="0" eaLnBrk="1" latinLnBrk="1" hangingPunct="1">
+              <a:lnSpc>
+                <a:spcPct val="90000"/>
+              </a:lnSpc>
+              <a:spcBef>
+                <a:spcPts val="500"/>
+              </a:spcBef>
+              <a:buFont typeface="Arial" panose="020B0604020202020204" pitchFamily="34" charset="0"/>
+              <a:buChar char="•"/>
+              <a:defRPr sz="1800" kern="1200">
+                <a:solidFill>
+                  <a:schemeClr val="tx1"/>
+                </a:solidFill>
+                <a:latin typeface="+mn-lt"/>
+                <a:ea typeface="+mn-ea"/>
+                <a:cs typeface="+mn-cs"/>
+              </a:defRPr>
+            </a:lvl8pPr>
+            <a:lvl9pPr marL="3886200" indent="-228600" algn="l" defTabSz="914400" rtl="0" eaLnBrk="1" latinLnBrk="1" hangingPunct="1">
+              <a:lnSpc>
+                <a:spcPct val="90000"/>
+              </a:lnSpc>
+              <a:spcBef>
+                <a:spcPts val="500"/>
+              </a:spcBef>
+              <a:buFont typeface="Arial" panose="020B0604020202020204" pitchFamily="34" charset="0"/>
+              <a:buChar char="•"/>
+              <a:defRPr sz="1800" kern="1200">
+                <a:solidFill>
+                  <a:schemeClr val="tx1"/>
+                </a:solidFill>
+                <a:latin typeface="+mn-lt"/>
+                <a:ea typeface="+mn-ea"/>
+                <a:cs typeface="+mn-cs"/>
+              </a:defRPr>
+            </a:lvl9pPr>
+          </a:lstStyle>
+          <a:p>
+            <a:r>
+              <a:rPr lang="ko-KR" altLang="en-US" dirty="0"/>
+              <a:t>해당 실험 결과를 그래프로 나타낸 모습</a:t>
+            </a:r>
+            <a:endParaRPr lang="en-US" altLang="ko-KR" dirty="0"/>
+          </a:p>
+          <a:p>
+            <a:pPr lvl="1"/>
+            <a:r>
+              <a:rPr lang="en-US" altLang="ko-KR" dirty="0" err="1"/>
+              <a:t>ssd</a:t>
+            </a:r>
+            <a:r>
+              <a:rPr lang="en-US" altLang="ko-KR" dirty="0"/>
+              <a:t> </a:t>
+            </a:r>
+            <a:r>
+              <a:rPr lang="ko-KR" altLang="en-US" dirty="0"/>
+              <a:t>대비 </a:t>
+            </a:r>
+            <a:r>
+              <a:rPr lang="en-US" altLang="ko-KR" dirty="0" err="1"/>
+              <a:t>tmpfs</a:t>
+            </a:r>
+            <a:r>
+              <a:rPr lang="ko-KR" altLang="en-US" dirty="0"/>
+              <a:t>가 성능이 우수한 것을 확인 </a:t>
+            </a:r>
+            <a:endParaRPr lang="en-US" altLang="ko-KR" dirty="0"/>
           </a:p>
         </p:txBody>
       </p:sp>
@@ -30704,15 +30923,7 @@
             <a:pPr lvl="1"/>
             <a:r>
               <a:rPr lang="ko-KR" altLang="en-US" dirty="0"/>
-              <a:t>안드로이드 기기의 플래시 메모리에 직접 데이터를 쓰거나 진단할 수 있는 </a:t>
-            </a:r>
-            <a:r>
-              <a:rPr lang="ko-KR" altLang="en-US" dirty="0" err="1"/>
-              <a:t>엔지니어링프로토콜</a:t>
-            </a:r>
-            <a:r>
-              <a:rPr lang="ko-KR" altLang="en-US" dirty="0"/>
-              <a:t> </a:t>
+              <a:t>안드로이드 기기의 플래시 메모리에 직접 데이터를 쓰거나 진단할 수 있는 엔지니어링 프로토콜 </a:t>
             </a:r>
             <a:endParaRPr lang="en-US" altLang="ko-KR" dirty="0"/>
           </a:p>

--- a/2022.02.18/권철현,신재하.pptx
+++ b/2022.02.18/권철현,신재하.pptx
@@ -3434,7 +3434,7 @@
           <a:p>
             <a:fld id="{AA029DEA-9CF8-4959-9295-B32940863C1C}" type="datetimeFigureOut">
               <a:rPr lang="ko-KR" altLang="en-US" smtClean="0"/>
-              <a:t>2022-02-18</a:t>
+              <a:t>2022-02-20</a:t>
             </a:fld>
             <a:endParaRPr lang="ko-KR" altLang="en-US"/>
           </a:p>
@@ -12581,7 +12581,7 @@
             </a:r>
             <a:r>
               <a:rPr lang="en-US" altLang="ko-KR" sz="2000" dirty="0"/>
-              <a:t>Data = String(byte[400000].trim</a:t>
+              <a:t>Data = String(byte[400000]).trim</a:t>
             </a:r>
             <a:endParaRPr lang="ko-KR" altLang="en-US" sz="2000" dirty="0"/>
           </a:p>

--- a/2022.02.18/권철현,신재하.pptx
+++ b/2022.02.18/권철현,신재하.pptx
@@ -39966,7 +39966,7 @@
           <p:nvPr>
             <p:extLst>
               <p:ext uri="{D42A27DB-BD31-4B8C-83A1-F6EECF244321}">
-                <p14:modId xmlns:p14="http://schemas.microsoft.com/office/powerpoint/2010/main" val="123338962"/>
+                <p14:modId xmlns:p14="http://schemas.microsoft.com/office/powerpoint/2010/main" val="1539950148"/>
               </p:ext>
             </p:extLst>
           </p:nvPr>
@@ -40026,8 +40026,8 @@
                     <a:p>
                       <a:pPr algn="ctr" latinLnBrk="1"/>
                       <a:r>
-                        <a:rPr lang="en-US" altLang="ko-KR" sz="2000" dirty="0" err="1"/>
-                        <a:t>ssd</a:t>
+                        <a:rPr lang="en-US" altLang="ko-KR" sz="2000"/>
+                        <a:t>eMMC</a:t>
                       </a:r>
                       <a:endParaRPr lang="ko-KR" altLang="en-US" sz="2000" dirty="0"/>
                     </a:p>
